--- a/Workshop_Slides/Workshop_1.pptx
+++ b/Workshop_Slides/Workshop_1.pptx
@@ -5,18 +5,22 @@
     <p:sldMasterId id="2147483684" r:id="rId4"/>
   </p:sldMasterIdLst>
   <p:notesMasterIdLst>
-    <p:notesMasterId r:id="rId14"/>
+    <p:notesMasterId r:id="rId18"/>
   </p:notesMasterIdLst>
   <p:sldIdLst>
     <p:sldId id="256" r:id="rId5"/>
     <p:sldId id="257" r:id="rId6"/>
-    <p:sldId id="290" r:id="rId7"/>
+    <p:sldId id="294" r:id="rId7"/>
     <p:sldId id="261" r:id="rId8"/>
     <p:sldId id="289" r:id="rId9"/>
     <p:sldId id="258" r:id="rId10"/>
     <p:sldId id="273" r:id="rId11"/>
-    <p:sldId id="259" r:id="rId12"/>
-    <p:sldId id="260" r:id="rId13"/>
+    <p:sldId id="291" r:id="rId12"/>
+    <p:sldId id="295" r:id="rId13"/>
+    <p:sldId id="292" r:id="rId14"/>
+    <p:sldId id="293" r:id="rId15"/>
+    <p:sldId id="259" r:id="rId16"/>
+    <p:sldId id="260" r:id="rId17"/>
   </p:sldIdLst>
   <p:sldSz cx="12192000" cy="6858000"/>
   <p:notesSz cx="6858000" cy="9144000"/>
@@ -123,6 +127,15 @@
 </p:presentation>
 </file>
 
+<file path=ppt/revisionInfo.xml><?xml version="1.0" encoding="utf-8"?>
+<p1510:revInfo xmlns:a="http://schemas.openxmlformats.org/drawingml/2006/main" xmlns:r="http://schemas.openxmlformats.org/officeDocument/2006/relationships" xmlns:p1510="http://schemas.microsoft.com/office/powerpoint/2015/10/main">
+  <p1510:revLst>
+    <p1510:client id="{1BDFA05B-A3FC-48C2-A48D-FEBA9CC1EBAD}" v="198" dt="2023-09-26T21:11:07.125"/>
+    <p1510:client id="{D555541C-6F87-427D-A60C-B5D854554DFB}" v="169" dt="2023-09-26T20:21:53.830"/>
+  </p1510:revLst>
+</p1510:revInfo>
+</file>
+
 <file path=ppt/diagrams/colors1.xml><?xml version="1.0" encoding="utf-8"?>
 <dgm:colorsDef xmlns:dgm="http://schemas.openxmlformats.org/drawingml/2006/diagram" xmlns:a="http://schemas.openxmlformats.org/drawingml/2006/main" uniqueId="urn:microsoft.com/office/officeart/2018/5/colors/Iconchunking_neutralicontext_colorful1">
   <dgm:title val=""/>
@@ -1966,6 +1979,755 @@
 </file>
 
 <file path=ppt/diagrams/colors3.xml><?xml version="1.0" encoding="utf-8"?>
+<dgm:colorsDef xmlns:dgm="http://schemas.openxmlformats.org/drawingml/2006/diagram" xmlns:a="http://schemas.openxmlformats.org/drawingml/2006/main" uniqueId="urn:microsoft.com/office/officeart/2018/5/colors/Iconchunking_neutralbg_accent1_2">
+  <dgm:title val=""/>
+  <dgm:desc val=""/>
+  <dgm:catLst>
+    <dgm:cat type="accent1" pri="11200"/>
+  </dgm:catLst>
+  <dgm:styleLbl name="node0">
+    <dgm:fillClrLst meth="repeat">
+      <a:schemeClr val="accent1"/>
+    </dgm:fillClrLst>
+    <dgm:linClrLst meth="repeat">
+      <a:schemeClr val="lt1"/>
+    </dgm:linClrLst>
+    <dgm:effectClrLst/>
+    <dgm:txLinClrLst/>
+    <dgm:txFillClrLst/>
+    <dgm:txEffectClrLst/>
+  </dgm:styleLbl>
+  <dgm:styleLbl name="alignNode1">
+    <dgm:fillClrLst meth="repeat">
+      <a:schemeClr val="accent1"/>
+    </dgm:fillClrLst>
+    <dgm:linClrLst meth="repeat">
+      <a:schemeClr val="accent1"/>
+    </dgm:linClrLst>
+    <dgm:effectClrLst/>
+    <dgm:txLinClrLst/>
+    <dgm:txFillClrLst/>
+    <dgm:txEffectClrLst/>
+  </dgm:styleLbl>
+  <dgm:styleLbl name="node1">
+    <dgm:fillClrLst meth="repeat">
+      <a:schemeClr val="accent1"/>
+    </dgm:fillClrLst>
+    <dgm:linClrLst meth="repeat">
+      <a:schemeClr val="lt1">
+        <a:alpha val="0"/>
+      </a:schemeClr>
+    </dgm:linClrLst>
+    <dgm:effectClrLst/>
+    <dgm:txLinClrLst/>
+    <dgm:txFillClrLst/>
+    <dgm:txEffectClrLst/>
+  </dgm:styleLbl>
+  <dgm:styleLbl name="lnNode1">
+    <dgm:fillClrLst meth="repeat">
+      <a:schemeClr val="accent1"/>
+    </dgm:fillClrLst>
+    <dgm:linClrLst meth="repeat">
+      <a:schemeClr val="lt1"/>
+    </dgm:linClrLst>
+    <dgm:effectClrLst/>
+    <dgm:txLinClrLst/>
+    <dgm:txFillClrLst/>
+    <dgm:txEffectClrLst/>
+  </dgm:styleLbl>
+  <dgm:styleLbl name="vennNode1">
+    <dgm:fillClrLst meth="repeat">
+      <a:schemeClr val="accent1">
+        <a:alpha val="50000"/>
+      </a:schemeClr>
+    </dgm:fillClrLst>
+    <dgm:linClrLst meth="repeat">
+      <a:schemeClr val="lt1"/>
+    </dgm:linClrLst>
+    <dgm:effectClrLst/>
+    <dgm:txLinClrLst/>
+    <dgm:txFillClrLst/>
+    <dgm:txEffectClrLst/>
+  </dgm:styleLbl>
+  <dgm:styleLbl name="node2">
+    <dgm:fillClrLst meth="repeat">
+      <a:schemeClr val="accent1"/>
+    </dgm:fillClrLst>
+    <dgm:linClrLst meth="repeat">
+      <a:schemeClr val="lt1"/>
+    </dgm:linClrLst>
+    <dgm:effectClrLst/>
+    <dgm:txLinClrLst/>
+    <dgm:txFillClrLst/>
+    <dgm:txEffectClrLst/>
+  </dgm:styleLbl>
+  <dgm:styleLbl name="node3">
+    <dgm:fillClrLst meth="repeat">
+      <a:schemeClr val="accent1"/>
+    </dgm:fillClrLst>
+    <dgm:linClrLst meth="repeat">
+      <a:schemeClr val="lt1"/>
+    </dgm:linClrLst>
+    <dgm:effectClrLst/>
+    <dgm:txLinClrLst/>
+    <dgm:txFillClrLst/>
+    <dgm:txEffectClrLst/>
+  </dgm:styleLbl>
+  <dgm:styleLbl name="node4">
+    <dgm:fillClrLst meth="repeat">
+      <a:schemeClr val="accent1"/>
+    </dgm:fillClrLst>
+    <dgm:linClrLst meth="repeat">
+      <a:schemeClr val="lt1"/>
+    </dgm:linClrLst>
+    <dgm:effectClrLst/>
+    <dgm:txLinClrLst/>
+    <dgm:txFillClrLst/>
+    <dgm:txEffectClrLst/>
+  </dgm:styleLbl>
+  <dgm:styleLbl name="fgImgPlace1">
+    <dgm:fillClrLst meth="repeat">
+      <a:schemeClr val="accent1">
+        <a:tint val="50000"/>
+      </a:schemeClr>
+    </dgm:fillClrLst>
+    <dgm:linClrLst meth="repeat">
+      <a:schemeClr val="lt1"/>
+    </dgm:linClrLst>
+    <dgm:effectClrLst/>
+    <dgm:txLinClrLst/>
+    <dgm:txFillClrLst meth="repeat">
+      <a:schemeClr val="lt1"/>
+    </dgm:txFillClrLst>
+    <dgm:txEffectClrLst/>
+  </dgm:styleLbl>
+  <dgm:styleLbl name="alignImgPlace1">
+    <dgm:fillClrLst meth="repeat">
+      <a:schemeClr val="accent1">
+        <a:tint val="50000"/>
+      </a:schemeClr>
+    </dgm:fillClrLst>
+    <dgm:linClrLst meth="repeat">
+      <a:schemeClr val="lt1"/>
+    </dgm:linClrLst>
+    <dgm:effectClrLst/>
+    <dgm:txLinClrLst/>
+    <dgm:txFillClrLst meth="repeat">
+      <a:schemeClr val="lt1"/>
+    </dgm:txFillClrLst>
+    <dgm:txEffectClrLst/>
+  </dgm:styleLbl>
+  <dgm:styleLbl name="bgImgPlace1">
+    <dgm:fillClrLst meth="repeat">
+      <a:schemeClr val="accent1">
+        <a:tint val="50000"/>
+      </a:schemeClr>
+    </dgm:fillClrLst>
+    <dgm:linClrLst meth="repeat">
+      <a:schemeClr val="lt1"/>
+    </dgm:linClrLst>
+    <dgm:effectClrLst/>
+    <dgm:txLinClrLst/>
+    <dgm:txFillClrLst meth="repeat">
+      <a:schemeClr val="lt1"/>
+    </dgm:txFillClrLst>
+    <dgm:txEffectClrLst/>
+  </dgm:styleLbl>
+  <dgm:styleLbl name="sibTrans2D1">
+    <dgm:fillClrLst meth="repeat">
+      <a:schemeClr val="accent1">
+        <a:tint val="60000"/>
+      </a:schemeClr>
+    </dgm:fillClrLst>
+    <dgm:linClrLst meth="repeat">
+      <a:schemeClr val="accent1">
+        <a:tint val="60000"/>
+      </a:schemeClr>
+    </dgm:linClrLst>
+    <dgm:effectClrLst/>
+    <dgm:txLinClrLst/>
+    <dgm:txFillClrLst/>
+    <dgm:txEffectClrLst/>
+  </dgm:styleLbl>
+  <dgm:styleLbl name="fgSibTrans2D1">
+    <dgm:fillClrLst meth="repeat">
+      <a:schemeClr val="accent1">
+        <a:tint val="60000"/>
+      </a:schemeClr>
+    </dgm:fillClrLst>
+    <dgm:linClrLst meth="repeat">
+      <a:schemeClr val="accent1">
+        <a:tint val="60000"/>
+      </a:schemeClr>
+    </dgm:linClrLst>
+    <dgm:effectClrLst/>
+    <dgm:txLinClrLst/>
+    <dgm:txFillClrLst/>
+    <dgm:txEffectClrLst/>
+  </dgm:styleLbl>
+  <dgm:styleLbl name="bgSibTrans2D1">
+    <dgm:fillClrLst meth="repeat">
+      <a:schemeClr val="accent1">
+        <a:tint val="60000"/>
+      </a:schemeClr>
+    </dgm:fillClrLst>
+    <dgm:linClrLst meth="repeat">
+      <a:schemeClr val="accent1">
+        <a:tint val="60000"/>
+      </a:schemeClr>
+    </dgm:linClrLst>
+    <dgm:effectClrLst/>
+    <dgm:txLinClrLst/>
+    <dgm:txFillClrLst/>
+    <dgm:txEffectClrLst/>
+  </dgm:styleLbl>
+  <dgm:styleLbl name="sibTrans1D1">
+    <dgm:fillClrLst meth="repeat">
+      <a:schemeClr val="accent1"/>
+    </dgm:fillClrLst>
+    <dgm:linClrLst meth="repeat">
+      <a:schemeClr val="accent1"/>
+    </dgm:linClrLst>
+    <dgm:effectClrLst/>
+    <dgm:txLinClrLst/>
+    <dgm:txFillClrLst meth="repeat">
+      <a:schemeClr val="tx1"/>
+    </dgm:txFillClrLst>
+    <dgm:txEffectClrLst/>
+  </dgm:styleLbl>
+  <dgm:styleLbl name="callout">
+    <dgm:fillClrLst meth="repeat">
+      <a:schemeClr val="accent1"/>
+    </dgm:fillClrLst>
+    <dgm:linClrLst meth="repeat">
+      <a:schemeClr val="accent1">
+        <a:tint val="50000"/>
+      </a:schemeClr>
+    </dgm:linClrLst>
+    <dgm:effectClrLst/>
+    <dgm:txLinClrLst/>
+    <dgm:txFillClrLst meth="repeat">
+      <a:schemeClr val="tx1"/>
+    </dgm:txFillClrLst>
+    <dgm:txEffectClrLst/>
+  </dgm:styleLbl>
+  <dgm:styleLbl name="asst0">
+    <dgm:fillClrLst meth="repeat">
+      <a:schemeClr val="accent1"/>
+    </dgm:fillClrLst>
+    <dgm:linClrLst meth="repeat">
+      <a:schemeClr val="lt1"/>
+    </dgm:linClrLst>
+    <dgm:effectClrLst/>
+    <dgm:txLinClrLst/>
+    <dgm:txFillClrLst/>
+    <dgm:txEffectClrLst/>
+  </dgm:styleLbl>
+  <dgm:styleLbl name="asst1">
+    <dgm:fillClrLst meth="repeat">
+      <a:schemeClr val="accent1"/>
+    </dgm:fillClrLst>
+    <dgm:linClrLst meth="repeat">
+      <a:schemeClr val="lt1"/>
+    </dgm:linClrLst>
+    <dgm:effectClrLst/>
+    <dgm:txLinClrLst/>
+    <dgm:txFillClrLst/>
+    <dgm:txEffectClrLst/>
+  </dgm:styleLbl>
+  <dgm:styleLbl name="asst2">
+    <dgm:fillClrLst meth="repeat">
+      <a:schemeClr val="accent1"/>
+    </dgm:fillClrLst>
+    <dgm:linClrLst meth="repeat">
+      <a:schemeClr val="lt1"/>
+    </dgm:linClrLst>
+    <dgm:effectClrLst/>
+    <dgm:txLinClrLst/>
+    <dgm:txFillClrLst/>
+    <dgm:txEffectClrLst/>
+  </dgm:styleLbl>
+  <dgm:styleLbl name="asst3">
+    <dgm:fillClrLst meth="repeat">
+      <a:schemeClr val="accent1"/>
+    </dgm:fillClrLst>
+    <dgm:linClrLst meth="repeat">
+      <a:schemeClr val="lt1"/>
+    </dgm:linClrLst>
+    <dgm:effectClrLst/>
+    <dgm:txLinClrLst/>
+    <dgm:txFillClrLst/>
+    <dgm:txEffectClrLst/>
+  </dgm:styleLbl>
+  <dgm:styleLbl name="asst4">
+    <dgm:fillClrLst meth="repeat">
+      <a:schemeClr val="accent1"/>
+    </dgm:fillClrLst>
+    <dgm:linClrLst meth="repeat">
+      <a:schemeClr val="lt1"/>
+    </dgm:linClrLst>
+    <dgm:effectClrLst/>
+    <dgm:txLinClrLst/>
+    <dgm:txFillClrLst/>
+    <dgm:txEffectClrLst/>
+  </dgm:styleLbl>
+  <dgm:styleLbl name="parChTrans2D1">
+    <dgm:fillClrLst meth="repeat">
+      <a:schemeClr val="accent1">
+        <a:tint val="60000"/>
+      </a:schemeClr>
+    </dgm:fillClrLst>
+    <dgm:linClrLst meth="repeat">
+      <a:schemeClr val="accent1">
+        <a:tint val="60000"/>
+      </a:schemeClr>
+    </dgm:linClrLst>
+    <dgm:effectClrLst/>
+    <dgm:txLinClrLst/>
+    <dgm:txFillClrLst meth="repeat">
+      <a:schemeClr val="lt1"/>
+    </dgm:txFillClrLst>
+    <dgm:txEffectClrLst/>
+  </dgm:styleLbl>
+  <dgm:styleLbl name="parChTrans2D2">
+    <dgm:fillClrLst meth="repeat">
+      <a:schemeClr val="accent1"/>
+    </dgm:fillClrLst>
+    <dgm:linClrLst meth="repeat">
+      <a:schemeClr val="accent1"/>
+    </dgm:linClrLst>
+    <dgm:effectClrLst/>
+    <dgm:txLinClrLst/>
+    <dgm:txFillClrLst meth="repeat">
+      <a:schemeClr val="lt1"/>
+    </dgm:txFillClrLst>
+    <dgm:txEffectClrLst/>
+  </dgm:styleLbl>
+  <dgm:styleLbl name="parChTrans2D3">
+    <dgm:fillClrLst meth="repeat">
+      <a:schemeClr val="accent1"/>
+    </dgm:fillClrLst>
+    <dgm:linClrLst meth="repeat">
+      <a:schemeClr val="accent1"/>
+    </dgm:linClrLst>
+    <dgm:effectClrLst/>
+    <dgm:txLinClrLst/>
+    <dgm:txFillClrLst meth="repeat">
+      <a:schemeClr val="lt1"/>
+    </dgm:txFillClrLst>
+    <dgm:txEffectClrLst/>
+  </dgm:styleLbl>
+  <dgm:styleLbl name="parChTrans2D4">
+    <dgm:fillClrLst meth="repeat">
+      <a:schemeClr val="accent1"/>
+    </dgm:fillClrLst>
+    <dgm:linClrLst meth="repeat">
+      <a:schemeClr val="accent1"/>
+    </dgm:linClrLst>
+    <dgm:effectClrLst/>
+    <dgm:txLinClrLst/>
+    <dgm:txFillClrLst meth="repeat">
+      <a:schemeClr val="lt1"/>
+    </dgm:txFillClrLst>
+    <dgm:txEffectClrLst/>
+  </dgm:styleLbl>
+  <dgm:styleLbl name="parChTrans1D1">
+    <dgm:fillClrLst meth="repeat">
+      <a:schemeClr val="accent1"/>
+    </dgm:fillClrLst>
+    <dgm:linClrLst meth="repeat">
+      <a:schemeClr val="accent1">
+        <a:shade val="60000"/>
+      </a:schemeClr>
+    </dgm:linClrLst>
+    <dgm:effectClrLst/>
+    <dgm:txLinClrLst/>
+    <dgm:txFillClrLst meth="repeat">
+      <a:schemeClr val="tx1"/>
+    </dgm:txFillClrLst>
+    <dgm:txEffectClrLst/>
+  </dgm:styleLbl>
+  <dgm:styleLbl name="parChTrans1D2">
+    <dgm:fillClrLst meth="repeat">
+      <a:schemeClr val="accent1"/>
+    </dgm:fillClrLst>
+    <dgm:linClrLst meth="repeat">
+      <a:schemeClr val="accent1">
+        <a:shade val="60000"/>
+      </a:schemeClr>
+    </dgm:linClrLst>
+    <dgm:effectClrLst/>
+    <dgm:txLinClrLst/>
+    <dgm:txFillClrLst meth="repeat">
+      <a:schemeClr val="tx1"/>
+    </dgm:txFillClrLst>
+    <dgm:txEffectClrLst/>
+  </dgm:styleLbl>
+  <dgm:styleLbl name="parChTrans1D3">
+    <dgm:fillClrLst meth="repeat">
+      <a:schemeClr val="accent1"/>
+    </dgm:fillClrLst>
+    <dgm:linClrLst meth="repeat">
+      <a:schemeClr val="accent1">
+        <a:shade val="80000"/>
+      </a:schemeClr>
+    </dgm:linClrLst>
+    <dgm:effectClrLst/>
+    <dgm:txLinClrLst/>
+    <dgm:txFillClrLst meth="repeat">
+      <a:schemeClr val="tx1"/>
+    </dgm:txFillClrLst>
+    <dgm:txEffectClrLst/>
+  </dgm:styleLbl>
+  <dgm:styleLbl name="parChTrans1D4">
+    <dgm:fillClrLst meth="repeat">
+      <a:schemeClr val="accent1"/>
+    </dgm:fillClrLst>
+    <dgm:linClrLst meth="repeat">
+      <a:schemeClr val="accent1">
+        <a:shade val="80000"/>
+      </a:schemeClr>
+    </dgm:linClrLst>
+    <dgm:effectClrLst/>
+    <dgm:txLinClrLst/>
+    <dgm:txFillClrLst meth="repeat">
+      <a:schemeClr val="tx1"/>
+    </dgm:txFillClrLst>
+    <dgm:txEffectClrLst/>
+  </dgm:styleLbl>
+  <dgm:styleLbl name="fgAcc1">
+    <dgm:fillClrLst meth="repeat">
+      <a:schemeClr val="lt1">
+        <a:alpha val="90000"/>
+      </a:schemeClr>
+    </dgm:fillClrLst>
+    <dgm:linClrLst meth="repeat">
+      <a:schemeClr val="accent1"/>
+    </dgm:linClrLst>
+    <dgm:effectClrLst/>
+    <dgm:txLinClrLst/>
+    <dgm:txFillClrLst meth="repeat">
+      <a:schemeClr val="dk1"/>
+    </dgm:txFillClrLst>
+    <dgm:txEffectClrLst/>
+  </dgm:styleLbl>
+  <dgm:styleLbl name="conFgAcc1">
+    <dgm:fillClrLst meth="repeat">
+      <a:schemeClr val="lt1">
+        <a:alpha val="90000"/>
+      </a:schemeClr>
+    </dgm:fillClrLst>
+    <dgm:linClrLst meth="repeat">
+      <a:schemeClr val="accent1"/>
+    </dgm:linClrLst>
+    <dgm:effectClrLst/>
+    <dgm:txLinClrLst/>
+    <dgm:txFillClrLst meth="repeat">
+      <a:schemeClr val="dk1"/>
+    </dgm:txFillClrLst>
+    <dgm:txEffectClrLst/>
+  </dgm:styleLbl>
+  <dgm:styleLbl name="alignAcc1">
+    <dgm:fillClrLst meth="repeat">
+      <a:schemeClr val="lt1">
+        <a:alpha val="90000"/>
+      </a:schemeClr>
+    </dgm:fillClrLst>
+    <dgm:linClrLst meth="repeat">
+      <a:schemeClr val="accent1"/>
+    </dgm:linClrLst>
+    <dgm:effectClrLst/>
+    <dgm:txLinClrLst/>
+    <dgm:txFillClrLst meth="repeat">
+      <a:schemeClr val="dk1"/>
+    </dgm:txFillClrLst>
+    <dgm:txEffectClrLst/>
+  </dgm:styleLbl>
+  <dgm:styleLbl name="trAlignAcc1">
+    <dgm:fillClrLst meth="repeat">
+      <a:schemeClr val="lt1">
+        <a:alpha val="40000"/>
+      </a:schemeClr>
+    </dgm:fillClrLst>
+    <dgm:linClrLst meth="repeat">
+      <a:schemeClr val="accent1"/>
+    </dgm:linClrLst>
+    <dgm:effectClrLst/>
+    <dgm:txLinClrLst/>
+    <dgm:txFillClrLst meth="repeat">
+      <a:schemeClr val="dk1"/>
+    </dgm:txFillClrLst>
+    <dgm:txEffectClrLst/>
+  </dgm:styleLbl>
+  <dgm:styleLbl name="bgAcc1">
+    <dgm:fillClrLst meth="repeat">
+      <a:schemeClr val="lt1">
+        <a:alpha val="90000"/>
+      </a:schemeClr>
+    </dgm:fillClrLst>
+    <dgm:linClrLst meth="repeat">
+      <a:schemeClr val="accent1"/>
+    </dgm:linClrLst>
+    <dgm:effectClrLst/>
+    <dgm:txLinClrLst/>
+    <dgm:txFillClrLst meth="repeat">
+      <a:schemeClr val="dk1"/>
+    </dgm:txFillClrLst>
+    <dgm:txEffectClrLst/>
+  </dgm:styleLbl>
+  <dgm:styleLbl name="solidFgAcc1">
+    <dgm:fillClrLst meth="repeat">
+      <a:schemeClr val="lt1"/>
+    </dgm:fillClrLst>
+    <dgm:linClrLst meth="repeat">
+      <a:schemeClr val="accent1"/>
+    </dgm:linClrLst>
+    <dgm:effectClrLst/>
+    <dgm:txLinClrLst/>
+    <dgm:txFillClrLst meth="repeat">
+      <a:schemeClr val="dk1"/>
+    </dgm:txFillClrLst>
+    <dgm:txEffectClrLst/>
+  </dgm:styleLbl>
+  <dgm:styleLbl name="solidAlignAcc1">
+    <dgm:fillClrLst meth="repeat">
+      <a:schemeClr val="lt1"/>
+    </dgm:fillClrLst>
+    <dgm:linClrLst meth="repeat">
+      <a:schemeClr val="accent1"/>
+    </dgm:linClrLst>
+    <dgm:effectClrLst/>
+    <dgm:txLinClrLst/>
+    <dgm:txFillClrLst meth="repeat">
+      <a:schemeClr val="dk1"/>
+    </dgm:txFillClrLst>
+    <dgm:txEffectClrLst/>
+  </dgm:styleLbl>
+  <dgm:styleLbl name="solidBgAcc1">
+    <dgm:fillClrLst meth="repeat">
+      <a:schemeClr val="lt1"/>
+    </dgm:fillClrLst>
+    <dgm:linClrLst meth="repeat">
+      <a:schemeClr val="accent1"/>
+    </dgm:linClrLst>
+    <dgm:effectClrLst/>
+    <dgm:txLinClrLst/>
+    <dgm:txFillClrLst meth="repeat">
+      <a:schemeClr val="dk1"/>
+    </dgm:txFillClrLst>
+    <dgm:txEffectClrLst/>
+  </dgm:styleLbl>
+  <dgm:styleLbl name="fgAccFollowNode1">
+    <dgm:fillClrLst meth="repeat">
+      <a:schemeClr val="accent1">
+        <a:alpha val="90000"/>
+        <a:tint val="40000"/>
+      </a:schemeClr>
+    </dgm:fillClrLst>
+    <dgm:linClrLst meth="repeat">
+      <a:schemeClr val="accent1">
+        <a:alpha val="90000"/>
+        <a:tint val="40000"/>
+      </a:schemeClr>
+    </dgm:linClrLst>
+    <dgm:effectClrLst/>
+    <dgm:txLinClrLst/>
+    <dgm:txFillClrLst meth="repeat">
+      <a:schemeClr val="dk1"/>
+    </dgm:txFillClrLst>
+    <dgm:txEffectClrLst/>
+  </dgm:styleLbl>
+  <dgm:styleLbl name="alignAccFollowNode1">
+    <dgm:fillClrLst meth="repeat">
+      <a:schemeClr val="accent1">
+        <a:alpha val="90000"/>
+        <a:tint val="40000"/>
+      </a:schemeClr>
+    </dgm:fillClrLst>
+    <dgm:linClrLst meth="repeat">
+      <a:schemeClr val="accent1">
+        <a:alpha val="90000"/>
+        <a:tint val="40000"/>
+      </a:schemeClr>
+    </dgm:linClrLst>
+    <dgm:effectClrLst/>
+    <dgm:txLinClrLst/>
+    <dgm:txFillClrLst meth="repeat">
+      <a:schemeClr val="dk1"/>
+    </dgm:txFillClrLst>
+    <dgm:txEffectClrLst/>
+  </dgm:styleLbl>
+  <dgm:styleLbl name="bgAccFollowNode1">
+    <dgm:fillClrLst meth="repeat">
+      <a:schemeClr val="accent1">
+        <a:alpha val="90000"/>
+        <a:tint val="40000"/>
+      </a:schemeClr>
+    </dgm:fillClrLst>
+    <dgm:linClrLst meth="repeat">
+      <a:schemeClr val="accent1">
+        <a:alpha val="90000"/>
+        <a:tint val="40000"/>
+      </a:schemeClr>
+    </dgm:linClrLst>
+    <dgm:effectClrLst/>
+    <dgm:txLinClrLst/>
+    <dgm:txFillClrLst meth="repeat">
+      <a:schemeClr val="dk1"/>
+    </dgm:txFillClrLst>
+    <dgm:txEffectClrLst/>
+  </dgm:styleLbl>
+  <dgm:styleLbl name="fgAcc0">
+    <dgm:fillClrLst meth="repeat">
+      <a:schemeClr val="lt1">
+        <a:alpha val="90000"/>
+      </a:schemeClr>
+    </dgm:fillClrLst>
+    <dgm:linClrLst meth="repeat">
+      <a:schemeClr val="accent1"/>
+    </dgm:linClrLst>
+    <dgm:effectClrLst/>
+    <dgm:txLinClrLst/>
+    <dgm:txFillClrLst meth="repeat">
+      <a:schemeClr val="dk1"/>
+    </dgm:txFillClrLst>
+    <dgm:txEffectClrLst/>
+  </dgm:styleLbl>
+  <dgm:styleLbl name="fgAcc2">
+    <dgm:fillClrLst meth="repeat">
+      <a:schemeClr val="lt1">
+        <a:alpha val="90000"/>
+      </a:schemeClr>
+    </dgm:fillClrLst>
+    <dgm:linClrLst meth="repeat">
+      <a:schemeClr val="accent1"/>
+    </dgm:linClrLst>
+    <dgm:effectClrLst/>
+    <dgm:txLinClrLst/>
+    <dgm:txFillClrLst meth="repeat">
+      <a:schemeClr val="dk1"/>
+    </dgm:txFillClrLst>
+    <dgm:txEffectClrLst/>
+  </dgm:styleLbl>
+  <dgm:styleLbl name="fgAcc3">
+    <dgm:fillClrLst meth="repeat">
+      <a:schemeClr val="lt1">
+        <a:alpha val="90000"/>
+      </a:schemeClr>
+    </dgm:fillClrLst>
+    <dgm:linClrLst meth="repeat">
+      <a:schemeClr val="accent1"/>
+    </dgm:linClrLst>
+    <dgm:effectClrLst/>
+    <dgm:txLinClrLst/>
+    <dgm:txFillClrLst meth="repeat">
+      <a:schemeClr val="dk1"/>
+    </dgm:txFillClrLst>
+    <dgm:txEffectClrLst/>
+  </dgm:styleLbl>
+  <dgm:styleLbl name="fgAcc4">
+    <dgm:fillClrLst meth="repeat">
+      <a:schemeClr val="lt1">
+        <a:alpha val="90000"/>
+      </a:schemeClr>
+    </dgm:fillClrLst>
+    <dgm:linClrLst meth="repeat">
+      <a:schemeClr val="accent1"/>
+    </dgm:linClrLst>
+    <dgm:effectClrLst/>
+    <dgm:txLinClrLst/>
+    <dgm:txFillClrLst meth="repeat">
+      <a:schemeClr val="dk1"/>
+    </dgm:txFillClrLst>
+    <dgm:txEffectClrLst/>
+  </dgm:styleLbl>
+  <dgm:styleLbl name="bgShp">
+    <dgm:fillClrLst meth="repeat">
+      <a:schemeClr val="bg1">
+        <a:lumMod val="95000"/>
+      </a:schemeClr>
+    </dgm:fillClrLst>
+    <dgm:linClrLst meth="repeat">
+      <a:schemeClr val="accent1"/>
+    </dgm:linClrLst>
+    <dgm:effectClrLst/>
+    <dgm:txLinClrLst/>
+    <dgm:txFillClrLst meth="repeat">
+      <a:schemeClr val="dk1"/>
+    </dgm:txFillClrLst>
+    <dgm:txEffectClrLst/>
+  </dgm:styleLbl>
+  <dgm:styleLbl name="dkBgShp">
+    <dgm:fillClrLst meth="repeat">
+      <a:schemeClr val="accent1">
+        <a:shade val="80000"/>
+      </a:schemeClr>
+    </dgm:fillClrLst>
+    <dgm:linClrLst meth="repeat">
+      <a:schemeClr val="accent1"/>
+    </dgm:linClrLst>
+    <dgm:effectClrLst/>
+    <dgm:txLinClrLst/>
+    <dgm:txFillClrLst meth="repeat">
+      <a:schemeClr val="lt1"/>
+    </dgm:txFillClrLst>
+    <dgm:txEffectClrLst/>
+  </dgm:styleLbl>
+  <dgm:styleLbl name="trBgShp">
+    <dgm:fillClrLst meth="repeat">
+      <a:schemeClr val="accent1">
+        <a:tint val="50000"/>
+        <a:alpha val="40000"/>
+      </a:schemeClr>
+    </dgm:fillClrLst>
+    <dgm:linClrLst meth="repeat">
+      <a:schemeClr val="accent1"/>
+    </dgm:linClrLst>
+    <dgm:effectClrLst/>
+    <dgm:txLinClrLst/>
+    <dgm:txFillClrLst meth="repeat">
+      <a:schemeClr val="lt1"/>
+    </dgm:txFillClrLst>
+    <dgm:txEffectClrLst/>
+  </dgm:styleLbl>
+  <dgm:styleLbl name="fgShp">
+    <dgm:fillClrLst meth="repeat">
+      <a:schemeClr val="accent1">
+        <a:tint val="60000"/>
+      </a:schemeClr>
+    </dgm:fillClrLst>
+    <dgm:linClrLst meth="repeat">
+      <a:schemeClr val="lt1"/>
+    </dgm:linClrLst>
+    <dgm:effectClrLst/>
+    <dgm:txLinClrLst/>
+    <dgm:txFillClrLst meth="repeat">
+      <a:schemeClr val="dk1"/>
+    </dgm:txFillClrLst>
+    <dgm:txEffectClrLst/>
+  </dgm:styleLbl>
+  <dgm:styleLbl name="revTx">
+    <dgm:fillClrLst meth="repeat">
+      <a:schemeClr val="lt1">
+        <a:alpha val="0"/>
+      </a:schemeClr>
+    </dgm:fillClrLst>
+    <dgm:linClrLst meth="repeat">
+      <a:schemeClr val="dk1">
+        <a:alpha val="0"/>
+      </a:schemeClr>
+    </dgm:linClrLst>
+    <dgm:effectClrLst/>
+    <dgm:txLinClrLst/>
+    <dgm:txFillClrLst meth="repeat">
+      <a:schemeClr val="tx1"/>
+    </dgm:txFillClrLst>
+    <dgm:txEffectClrLst/>
+  </dgm:styleLbl>
+</dgm:colorsDef>
+</file>
+
+<file path=ppt/diagrams/colors4.xml><?xml version="1.0" encoding="utf-8"?>
 <dgm:colorsDef xmlns:dgm="http://schemas.openxmlformats.org/drawingml/2006/diagram" xmlns:a="http://schemas.openxmlformats.org/drawingml/2006/main" uniqueId="urn:microsoft.com/office/officeart/2005/8/colors/accent0_1">
   <dgm:title val=""/>
   <dgm:desc val=""/>
@@ -2799,10 +3561,10 @@
             </a:lnSpc>
           </a:pPr>
           <a:r>
-            <a:rPr lang="en-US" baseline="0" dirty="0"/>
+            <a:rPr lang="en-US" baseline="0"/>
             <a:t>My name is Connor</a:t>
           </a:r>
-          <a:endParaRPr lang="en-US" dirty="0"/>
+          <a:endParaRPr lang="en-US"/>
         </a:p>
       </dgm:t>
     </dgm:pt>
@@ -2841,7 +3603,7 @@
             </a:lnSpc>
           </a:pPr>
           <a:r>
-            <a:rPr lang="en-US" dirty="0"/>
+            <a:rPr lang="en-US"/>
             <a:t>Computer Engineering III</a:t>
           </a:r>
         </a:p>
@@ -2882,7 +3644,7 @@
             </a:lnSpc>
           </a:pPr>
           <a:r>
-            <a:rPr lang="en-US" dirty="0"/>
+            <a:rPr lang="en-US"/>
             <a:t>Director of Education</a:t>
           </a:r>
         </a:p>
@@ -2922,7 +3684,7 @@
               <a:spcPct val="100000"/>
             </a:lnSpc>
           </a:pPr>
-          <a:endParaRPr lang="en-US" dirty="0"/>
+          <a:endParaRPr lang="en-US"/>
         </a:p>
       </dgm:t>
     </dgm:pt>
@@ -3185,14 +3947,14 @@
             </a:lnSpc>
           </a:pPr>
           <a:r>
-            <a:rPr lang="en-US" baseline="0" dirty="0"/>
+            <a:rPr lang="en-US" baseline="0"/>
             <a:t>My name is </a:t>
           </a:r>
           <a:r>
-            <a:rPr lang="en-US" baseline="0" dirty="0" err="1"/>
+            <a:rPr lang="en-US" baseline="0" err="1"/>
             <a:t>Vraj</a:t>
           </a:r>
-          <a:endParaRPr lang="en-US" dirty="0"/>
+          <a:endParaRPr lang="en-US"/>
         </a:p>
       </dgm:t>
     </dgm:pt>
@@ -3231,8 +3993,8 @@
             </a:lnSpc>
           </a:pPr>
           <a:r>
-            <a:rPr lang="en-US" dirty="0"/>
-            <a:t>text</a:t>
+            <a:rPr lang="en-US"/>
+            <a:t>Computer Engineering II</a:t>
           </a:r>
         </a:p>
       </dgm:t>
@@ -3272,8 +4034,19 @@
             </a:lnSpc>
           </a:pPr>
           <a:r>
-            <a:rPr lang="en-US" dirty="0"/>
-            <a:t>text</a:t>
+            <a:rPr lang="en-US"/>
+            <a:t>Education Coordinator / </a:t>
+          </a:r>
+        </a:p>
+        <a:p>
+          <a:pPr>
+            <a:lnSpc>
+              <a:spcPct val="100000"/>
+            </a:lnSpc>
+          </a:pPr>
+          <a:r>
+            <a:rPr lang="en-US"/>
+            <a:t>Workshop Developer</a:t>
           </a:r>
         </a:p>
       </dgm:t>
@@ -3312,7 +4085,7 @@
               <a:spcPct val="100000"/>
             </a:lnSpc>
           </a:pPr>
-          <a:endParaRPr lang="en-US" dirty="0"/>
+          <a:endParaRPr lang="en-US"/>
         </a:p>
       </dgm:t>
     </dgm:pt>
@@ -3494,7 +4267,7 @@
       <dgm:spPr/>
     </dgm:pt>
     <dgm:pt modelId="{FDEB4E12-AE3B-4338-B25C-6711E7C29086}" type="pres">
-      <dgm:prSet presAssocID="{84D0DEFB-04D0-41B4-8C73-F5DE4721DAE8}" presName="parTx" presStyleLbl="revTx" presStyleIdx="2" presStyleCnt="4" custScaleX="155452" custLinFactNeighborX="31231" custLinFactNeighborY="43">
+      <dgm:prSet presAssocID="{84D0DEFB-04D0-41B4-8C73-F5DE4721DAE8}" presName="parTx" presStyleLbl="revTx" presStyleIdx="2" presStyleCnt="4" custScaleX="125001" custLinFactNeighborX="9760" custLinFactNeighborY="43">
         <dgm:presLayoutVars>
           <dgm:chMax val="0"/>
           <dgm:chPref val="0"/>
@@ -3551,6 +4324,513 @@
 <file path=ppt/diagrams/data3.xml><?xml version="1.0" encoding="utf-8"?>
 <dgm:dataModel xmlns:dgm="http://schemas.openxmlformats.org/drawingml/2006/diagram" xmlns:a="http://schemas.openxmlformats.org/drawingml/2006/main">
   <dgm:ptLst>
+    <dgm:pt modelId="{37A33F4F-E70C-4382-BFF3-D60F5B7C15B8}" type="doc">
+      <dgm:prSet loTypeId="urn:microsoft.com/office/officeart/2018/2/layout/IconLabelList" loCatId="icon" qsTypeId="urn:microsoft.com/office/officeart/2005/8/quickstyle/simple1" qsCatId="simple" csTypeId="urn:microsoft.com/office/officeart/2018/5/colors/Iconchunking_neutralbg_accent1_2" csCatId="accent1" phldr="1"/>
+      <dgm:spPr/>
+      <dgm:t>
+        <a:bodyPr/>
+        <a:lstStyle/>
+        <a:p>
+          <a:endParaRPr lang="en-US"/>
+        </a:p>
+      </dgm:t>
+    </dgm:pt>
+    <dgm:pt modelId="{0A26668A-B80A-49C1-A762-A9358E65B65A}">
+      <dgm:prSet/>
+      <dgm:spPr/>
+      <dgm:t>
+        <a:bodyPr/>
+        <a:lstStyle/>
+        <a:p>
+          <a:r>
+            <a:rPr lang="en-US" baseline="0"/>
+            <a:t>What is the Purpose of ML</a:t>
+          </a:r>
+          <a:endParaRPr lang="en-US"/>
+        </a:p>
+      </dgm:t>
+    </dgm:pt>
+    <dgm:pt modelId="{2D0A55B9-3B7B-484D-A5D8-5AF446139943}" type="parTrans" cxnId="{F6EA2990-66C2-45F9-B1BB-209DB4FE59B9}">
+      <dgm:prSet/>
+      <dgm:spPr/>
+      <dgm:t>
+        <a:bodyPr/>
+        <a:lstStyle/>
+        <a:p>
+          <a:endParaRPr lang="en-US"/>
+        </a:p>
+      </dgm:t>
+    </dgm:pt>
+    <dgm:pt modelId="{7D7AD219-A14B-4CEF-B846-5F849D81BAAF}" type="sibTrans" cxnId="{F6EA2990-66C2-45F9-B1BB-209DB4FE59B9}">
+      <dgm:prSet/>
+      <dgm:spPr/>
+      <dgm:t>
+        <a:bodyPr/>
+        <a:lstStyle/>
+        <a:p>
+          <a:endParaRPr lang="en-US"/>
+        </a:p>
+      </dgm:t>
+    </dgm:pt>
+    <dgm:pt modelId="{761BCE97-8D4D-409C-B7A1-22CBB1A08893}">
+      <dgm:prSet/>
+      <dgm:spPr/>
+      <dgm:t>
+        <a:bodyPr/>
+        <a:lstStyle/>
+        <a:p>
+          <a:r>
+            <a:rPr lang="en-US" baseline="0"/>
+            <a:t>What is ML</a:t>
+          </a:r>
+          <a:endParaRPr lang="en-US"/>
+        </a:p>
+      </dgm:t>
+    </dgm:pt>
+    <dgm:pt modelId="{AA65FC39-4994-4EA2-A467-5F168B8046B0}" type="parTrans" cxnId="{319D19F9-8461-4CD7-BDBA-A072C979ED05}">
+      <dgm:prSet/>
+      <dgm:spPr/>
+      <dgm:t>
+        <a:bodyPr/>
+        <a:lstStyle/>
+        <a:p>
+          <a:endParaRPr lang="en-US"/>
+        </a:p>
+      </dgm:t>
+    </dgm:pt>
+    <dgm:pt modelId="{D7287400-32EA-4472-A0F3-85FD1BFDB1D5}" type="sibTrans" cxnId="{319D19F9-8461-4CD7-BDBA-A072C979ED05}">
+      <dgm:prSet/>
+      <dgm:spPr/>
+      <dgm:t>
+        <a:bodyPr/>
+        <a:lstStyle/>
+        <a:p>
+          <a:endParaRPr lang="en-US"/>
+        </a:p>
+      </dgm:t>
+    </dgm:pt>
+    <dgm:pt modelId="{615274B7-6B40-4600-9CFF-A9B50114878D}">
+      <dgm:prSet/>
+      <dgm:spPr/>
+      <dgm:t>
+        <a:bodyPr/>
+        <a:lstStyle/>
+        <a:p>
+          <a:r>
+            <a:rPr lang="en-US" baseline="0"/>
+            <a:t>Supervised Learning Theory</a:t>
+          </a:r>
+          <a:endParaRPr lang="en-US"/>
+        </a:p>
+      </dgm:t>
+    </dgm:pt>
+    <dgm:pt modelId="{77284AE4-78B0-4A4E-BDA1-AD373272C56D}" type="parTrans" cxnId="{298F27E2-4312-48B2-BFA5-D4D6045B378A}">
+      <dgm:prSet/>
+      <dgm:spPr/>
+      <dgm:t>
+        <a:bodyPr/>
+        <a:lstStyle/>
+        <a:p>
+          <a:endParaRPr lang="en-US"/>
+        </a:p>
+      </dgm:t>
+    </dgm:pt>
+    <dgm:pt modelId="{91B750BE-F107-4B2C-94B7-DC8D0A6A9535}" type="sibTrans" cxnId="{298F27E2-4312-48B2-BFA5-D4D6045B378A}">
+      <dgm:prSet/>
+      <dgm:spPr/>
+      <dgm:t>
+        <a:bodyPr/>
+        <a:lstStyle/>
+        <a:p>
+          <a:endParaRPr lang="en-US"/>
+        </a:p>
+      </dgm:t>
+    </dgm:pt>
+    <dgm:pt modelId="{88D6EE73-EBD9-4073-9D53-0646D3C48995}">
+      <dgm:prSet/>
+      <dgm:spPr/>
+      <dgm:t>
+        <a:bodyPr/>
+        <a:lstStyle/>
+        <a:p>
+          <a:r>
+            <a:rPr lang="en-US" baseline="0"/>
+            <a:t>Building a Simple </a:t>
+          </a:r>
+          <a:r>
+            <a:rPr lang="en-US" baseline="0">
+              <a:latin typeface="Franklin Gothic Book" panose="020B0503020102020204"/>
+            </a:rPr>
+            <a:t>Model</a:t>
+          </a:r>
+          <a:r>
+            <a:rPr lang="en-US" baseline="0"/>
+            <a:t> demo</a:t>
+          </a:r>
+          <a:endParaRPr lang="en-US"/>
+        </a:p>
+      </dgm:t>
+    </dgm:pt>
+    <dgm:pt modelId="{35F6722D-4EA1-4A29-A13A-E5777728FB32}" type="parTrans" cxnId="{F7A0F432-6191-441B-9837-3EB1489973F8}">
+      <dgm:prSet/>
+      <dgm:spPr/>
+      <dgm:t>
+        <a:bodyPr/>
+        <a:lstStyle/>
+        <a:p>
+          <a:endParaRPr lang="en-US"/>
+        </a:p>
+      </dgm:t>
+    </dgm:pt>
+    <dgm:pt modelId="{988DA2D1-CF78-4D31-84EA-966BEECA5EC2}" type="sibTrans" cxnId="{F7A0F432-6191-441B-9837-3EB1489973F8}">
+      <dgm:prSet/>
+      <dgm:spPr/>
+      <dgm:t>
+        <a:bodyPr/>
+        <a:lstStyle/>
+        <a:p>
+          <a:endParaRPr lang="en-US"/>
+        </a:p>
+      </dgm:t>
+    </dgm:pt>
+    <dgm:pt modelId="{A03527D0-8B23-40AC-A340-9E12C52FA7A6}">
+      <dgm:prSet/>
+      <dgm:spPr/>
+      <dgm:t>
+        <a:bodyPr/>
+        <a:lstStyle/>
+        <a:p>
+          <a:r>
+            <a:rPr lang="en-US" baseline="0"/>
+            <a:t>Feedback</a:t>
+          </a:r>
+          <a:endParaRPr lang="en-US"/>
+        </a:p>
+      </dgm:t>
+    </dgm:pt>
+    <dgm:pt modelId="{DFFD4BC2-7C55-427D-84D8-77E607AC0DB1}" type="parTrans" cxnId="{59B0C4B4-1655-4E12-A0BF-2FE2BFFD72D6}">
+      <dgm:prSet/>
+      <dgm:spPr/>
+      <dgm:t>
+        <a:bodyPr/>
+        <a:lstStyle/>
+        <a:p>
+          <a:endParaRPr lang="en-US"/>
+        </a:p>
+      </dgm:t>
+    </dgm:pt>
+    <dgm:pt modelId="{9E713A57-B254-4F5E-9596-7E6C11197A43}" type="sibTrans" cxnId="{59B0C4B4-1655-4E12-A0BF-2FE2BFFD72D6}">
+      <dgm:prSet/>
+      <dgm:spPr/>
+      <dgm:t>
+        <a:bodyPr/>
+        <a:lstStyle/>
+        <a:p>
+          <a:endParaRPr lang="en-US"/>
+        </a:p>
+      </dgm:t>
+    </dgm:pt>
+    <dgm:pt modelId="{4D770F4A-2002-4AC8-9678-98EE36C4F2A6}" type="pres">
+      <dgm:prSet presAssocID="{37A33F4F-E70C-4382-BFF3-D60F5B7C15B8}" presName="root" presStyleCnt="0">
+        <dgm:presLayoutVars>
+          <dgm:dir/>
+          <dgm:resizeHandles val="exact"/>
+        </dgm:presLayoutVars>
+      </dgm:prSet>
+      <dgm:spPr/>
+    </dgm:pt>
+    <dgm:pt modelId="{BA942426-9904-409B-A971-0CF55498FA57}" type="pres">
+      <dgm:prSet presAssocID="{0A26668A-B80A-49C1-A762-A9358E65B65A}" presName="compNode" presStyleCnt="0"/>
+      <dgm:spPr/>
+    </dgm:pt>
+    <dgm:pt modelId="{F926435F-6066-4EC7-BDCD-A0927D5B3243}" type="pres">
+      <dgm:prSet presAssocID="{0A26668A-B80A-49C1-A762-A9358E65B65A}" presName="iconRect" presStyleLbl="node1" presStyleIdx="0" presStyleCnt="5"/>
+      <dgm:spPr>
+        <a:blipFill>
+          <a:blip xmlns:r="http://schemas.openxmlformats.org/officeDocument/2006/relationships" r:embed="rId1">
+            <a:extLst>
+              <a:ext uri="{28A0092B-C50C-407E-A947-70E740481C1C}">
+                <a14:useLocalDpi xmlns:a14="http://schemas.microsoft.com/office/drawing/2010/main" val="0"/>
+              </a:ext>
+              <a:ext uri="{96DAC541-7B7A-43D3-8B79-37D633B846F1}">
+                <asvg:svgBlip xmlns:asvg="http://schemas.microsoft.com/office/drawing/2016/SVG/main" r:embed="rId2"/>
+              </a:ext>
+            </a:extLst>
+          </a:blip>
+          <a:stretch>
+            <a:fillRect/>
+          </a:stretch>
+        </a:blipFill>
+        <a:ln>
+          <a:noFill/>
+        </a:ln>
+      </dgm:spPr>
+      <dgm:extLst>
+        <a:ext uri="{E40237B7-FDA0-4F09-8148-C483321AD2D9}">
+          <dgm14:cNvPr xmlns:dgm14="http://schemas.microsoft.com/office/drawing/2010/diagram" id="0" name="" descr="Head with Gears"/>
+        </a:ext>
+      </dgm:extLst>
+    </dgm:pt>
+    <dgm:pt modelId="{A8B70FF2-C619-4764-9418-256411ACE0E3}" type="pres">
+      <dgm:prSet presAssocID="{0A26668A-B80A-49C1-A762-A9358E65B65A}" presName="spaceRect" presStyleCnt="0"/>
+      <dgm:spPr/>
+    </dgm:pt>
+    <dgm:pt modelId="{FF71E695-4AB7-4E9C-8C0D-F89ABAA6D440}" type="pres">
+      <dgm:prSet presAssocID="{0A26668A-B80A-49C1-A762-A9358E65B65A}" presName="textRect" presStyleLbl="revTx" presStyleIdx="0" presStyleCnt="5">
+        <dgm:presLayoutVars>
+          <dgm:chMax val="1"/>
+          <dgm:chPref val="1"/>
+        </dgm:presLayoutVars>
+      </dgm:prSet>
+      <dgm:spPr/>
+    </dgm:pt>
+    <dgm:pt modelId="{10C1763B-2937-486D-8779-8F9CD1AA09A6}" type="pres">
+      <dgm:prSet presAssocID="{7D7AD219-A14B-4CEF-B846-5F849D81BAAF}" presName="sibTrans" presStyleCnt="0"/>
+      <dgm:spPr/>
+    </dgm:pt>
+    <dgm:pt modelId="{ECA6B9F1-78E8-46A2-80E8-C858B9B769FE}" type="pres">
+      <dgm:prSet presAssocID="{761BCE97-8D4D-409C-B7A1-22CBB1A08893}" presName="compNode" presStyleCnt="0"/>
+      <dgm:spPr/>
+    </dgm:pt>
+    <dgm:pt modelId="{8F5E7928-3807-464D-A0D6-72C6A9EC8CDF}" type="pres">
+      <dgm:prSet presAssocID="{761BCE97-8D4D-409C-B7A1-22CBB1A08893}" presName="iconRect" presStyleLbl="node1" presStyleIdx="1" presStyleCnt="5"/>
+      <dgm:spPr>
+        <a:blipFill>
+          <a:blip xmlns:r="http://schemas.openxmlformats.org/officeDocument/2006/relationships" r:embed="rId3">
+            <a:extLst>
+              <a:ext uri="{28A0092B-C50C-407E-A947-70E740481C1C}">
+                <a14:useLocalDpi xmlns:a14="http://schemas.microsoft.com/office/drawing/2010/main" val="0"/>
+              </a:ext>
+              <a:ext uri="{96DAC541-7B7A-43D3-8B79-37D633B846F1}">
+                <asvg:svgBlip xmlns:asvg="http://schemas.microsoft.com/office/drawing/2016/SVG/main" r:embed="rId4"/>
+              </a:ext>
+            </a:extLst>
+          </a:blip>
+          <a:stretch>
+            <a:fillRect/>
+          </a:stretch>
+        </a:blipFill>
+        <a:ln>
+          <a:noFill/>
+        </a:ln>
+      </dgm:spPr>
+      <dgm:extLst>
+        <a:ext uri="{E40237B7-FDA0-4F09-8148-C483321AD2D9}">
+          <dgm14:cNvPr xmlns:dgm14="http://schemas.microsoft.com/office/drawing/2010/diagram" id="0" name="" descr="Help"/>
+        </a:ext>
+      </dgm:extLst>
+    </dgm:pt>
+    <dgm:pt modelId="{D4C6AD57-C1B1-4A15-BD2F-77A7EFA53E2B}" type="pres">
+      <dgm:prSet presAssocID="{761BCE97-8D4D-409C-B7A1-22CBB1A08893}" presName="spaceRect" presStyleCnt="0"/>
+      <dgm:spPr/>
+    </dgm:pt>
+    <dgm:pt modelId="{6406E899-9FFE-486E-85B3-92929B93206C}" type="pres">
+      <dgm:prSet presAssocID="{761BCE97-8D4D-409C-B7A1-22CBB1A08893}" presName="textRect" presStyleLbl="revTx" presStyleIdx="1" presStyleCnt="5">
+        <dgm:presLayoutVars>
+          <dgm:chMax val="1"/>
+          <dgm:chPref val="1"/>
+        </dgm:presLayoutVars>
+      </dgm:prSet>
+      <dgm:spPr/>
+    </dgm:pt>
+    <dgm:pt modelId="{5C9618C1-82D8-4F34-9BED-EB5BD3A61EA6}" type="pres">
+      <dgm:prSet presAssocID="{D7287400-32EA-4472-A0F3-85FD1BFDB1D5}" presName="sibTrans" presStyleCnt="0"/>
+      <dgm:spPr/>
+    </dgm:pt>
+    <dgm:pt modelId="{6AF1FEFF-8B5B-43A7-A982-13F76F07D6C1}" type="pres">
+      <dgm:prSet presAssocID="{615274B7-6B40-4600-9CFF-A9B50114878D}" presName="compNode" presStyleCnt="0"/>
+      <dgm:spPr/>
+    </dgm:pt>
+    <dgm:pt modelId="{C3BEABEE-A4FD-43BD-BEEB-BF6A2F151863}" type="pres">
+      <dgm:prSet presAssocID="{615274B7-6B40-4600-9CFF-A9B50114878D}" presName="iconRect" presStyleLbl="node1" presStyleIdx="2" presStyleCnt="5"/>
+      <dgm:spPr>
+        <a:blipFill>
+          <a:blip xmlns:r="http://schemas.openxmlformats.org/officeDocument/2006/relationships" r:embed="rId5">
+            <a:extLst>
+              <a:ext uri="{28A0092B-C50C-407E-A947-70E740481C1C}">
+                <a14:useLocalDpi xmlns:a14="http://schemas.microsoft.com/office/drawing/2010/main" val="0"/>
+              </a:ext>
+              <a:ext uri="{96DAC541-7B7A-43D3-8B79-37D633B846F1}">
+                <asvg:svgBlip xmlns:asvg="http://schemas.microsoft.com/office/drawing/2016/SVG/main" r:embed="rId6"/>
+              </a:ext>
+            </a:extLst>
+          </a:blip>
+          <a:stretch>
+            <a:fillRect/>
+          </a:stretch>
+        </a:blipFill>
+        <a:ln>
+          <a:noFill/>
+        </a:ln>
+      </dgm:spPr>
+      <dgm:extLst>
+        <a:ext uri="{E40237B7-FDA0-4F09-8148-C483321AD2D9}">
+          <dgm14:cNvPr xmlns:dgm14="http://schemas.microsoft.com/office/drawing/2010/diagram" id="0" name="" descr="Books"/>
+        </a:ext>
+      </dgm:extLst>
+    </dgm:pt>
+    <dgm:pt modelId="{DA5247C1-8533-499A-B137-571DC6F80667}" type="pres">
+      <dgm:prSet presAssocID="{615274B7-6B40-4600-9CFF-A9B50114878D}" presName="spaceRect" presStyleCnt="0"/>
+      <dgm:spPr/>
+    </dgm:pt>
+    <dgm:pt modelId="{3E0F5CCB-5F78-4A9A-BF78-732A36E11F05}" type="pres">
+      <dgm:prSet presAssocID="{615274B7-6B40-4600-9CFF-A9B50114878D}" presName="textRect" presStyleLbl="revTx" presStyleIdx="2" presStyleCnt="5">
+        <dgm:presLayoutVars>
+          <dgm:chMax val="1"/>
+          <dgm:chPref val="1"/>
+        </dgm:presLayoutVars>
+      </dgm:prSet>
+      <dgm:spPr/>
+    </dgm:pt>
+    <dgm:pt modelId="{654CFCDC-7195-4237-B87F-3F7EE78A072B}" type="pres">
+      <dgm:prSet presAssocID="{91B750BE-F107-4B2C-94B7-DC8D0A6A9535}" presName="sibTrans" presStyleCnt="0"/>
+      <dgm:spPr/>
+    </dgm:pt>
+    <dgm:pt modelId="{3458CF47-C2C3-49D8-9815-0DD36B199CE2}" type="pres">
+      <dgm:prSet presAssocID="{88D6EE73-EBD9-4073-9D53-0646D3C48995}" presName="compNode" presStyleCnt="0"/>
+      <dgm:spPr/>
+    </dgm:pt>
+    <dgm:pt modelId="{815C54C1-60EC-441D-8B53-0778358857F2}" type="pres">
+      <dgm:prSet presAssocID="{88D6EE73-EBD9-4073-9D53-0646D3C48995}" presName="iconRect" presStyleLbl="node1" presStyleIdx="3" presStyleCnt="5"/>
+      <dgm:spPr>
+        <a:blipFill>
+          <a:blip xmlns:r="http://schemas.openxmlformats.org/officeDocument/2006/relationships" r:embed="rId7">
+            <a:extLst>
+              <a:ext uri="{28A0092B-C50C-407E-A947-70E740481C1C}">
+                <a14:useLocalDpi xmlns:a14="http://schemas.microsoft.com/office/drawing/2010/main" val="0"/>
+              </a:ext>
+              <a:ext uri="{96DAC541-7B7A-43D3-8B79-37D633B846F1}">
+                <asvg:svgBlip xmlns:asvg="http://schemas.microsoft.com/office/drawing/2016/SVG/main" r:embed="rId8"/>
+              </a:ext>
+            </a:extLst>
+          </a:blip>
+          <a:stretch>
+            <a:fillRect/>
+          </a:stretch>
+        </a:blipFill>
+        <a:ln>
+          <a:noFill/>
+        </a:ln>
+      </dgm:spPr>
+      <dgm:extLst>
+        <a:ext uri="{E40237B7-FDA0-4F09-8148-C483321AD2D9}">
+          <dgm14:cNvPr xmlns:dgm14="http://schemas.microsoft.com/office/drawing/2010/diagram" id="0" name="" descr="Teacher"/>
+        </a:ext>
+      </dgm:extLst>
+    </dgm:pt>
+    <dgm:pt modelId="{05CDEE58-80E3-426E-96A0-21A401D7BBE6}" type="pres">
+      <dgm:prSet presAssocID="{88D6EE73-EBD9-4073-9D53-0646D3C48995}" presName="spaceRect" presStyleCnt="0"/>
+      <dgm:spPr/>
+    </dgm:pt>
+    <dgm:pt modelId="{AF291E37-DD63-4341-81EA-5A050199F3DE}" type="pres">
+      <dgm:prSet presAssocID="{88D6EE73-EBD9-4073-9D53-0646D3C48995}" presName="textRect" presStyleLbl="revTx" presStyleIdx="3" presStyleCnt="5">
+        <dgm:presLayoutVars>
+          <dgm:chMax val="1"/>
+          <dgm:chPref val="1"/>
+        </dgm:presLayoutVars>
+      </dgm:prSet>
+      <dgm:spPr/>
+    </dgm:pt>
+    <dgm:pt modelId="{9693D403-3897-4A2D-85D9-816214158931}" type="pres">
+      <dgm:prSet presAssocID="{988DA2D1-CF78-4D31-84EA-966BEECA5EC2}" presName="sibTrans" presStyleCnt="0"/>
+      <dgm:spPr/>
+    </dgm:pt>
+    <dgm:pt modelId="{993CDCAA-8912-4D23-BDEC-40929B1FE1D5}" type="pres">
+      <dgm:prSet presAssocID="{A03527D0-8B23-40AC-A340-9E12C52FA7A6}" presName="compNode" presStyleCnt="0"/>
+      <dgm:spPr/>
+    </dgm:pt>
+    <dgm:pt modelId="{798E4BFD-CE35-4C34-8640-4F9EC2BBBBF7}" type="pres">
+      <dgm:prSet presAssocID="{A03527D0-8B23-40AC-A340-9E12C52FA7A6}" presName="iconRect" presStyleLbl="node1" presStyleIdx="4" presStyleCnt="5"/>
+      <dgm:spPr>
+        <a:blipFill>
+          <a:blip xmlns:r="http://schemas.openxmlformats.org/officeDocument/2006/relationships" r:embed="rId9">
+            <a:extLst>
+              <a:ext uri="{28A0092B-C50C-407E-A947-70E740481C1C}">
+                <a14:useLocalDpi xmlns:a14="http://schemas.microsoft.com/office/drawing/2010/main" val="0"/>
+              </a:ext>
+              <a:ext uri="{96DAC541-7B7A-43D3-8B79-37D633B846F1}">
+                <asvg:svgBlip xmlns:asvg="http://schemas.microsoft.com/office/drawing/2016/SVG/main" r:embed="rId10"/>
+              </a:ext>
+            </a:extLst>
+          </a:blip>
+          <a:stretch>
+            <a:fillRect/>
+          </a:stretch>
+        </a:blipFill>
+        <a:ln>
+          <a:noFill/>
+        </a:ln>
+      </dgm:spPr>
+      <dgm:extLst>
+        <a:ext uri="{E40237B7-FDA0-4F09-8148-C483321AD2D9}">
+          <dgm14:cNvPr xmlns:dgm14="http://schemas.microsoft.com/office/drawing/2010/diagram" id="0" name="" descr="Chat"/>
+        </a:ext>
+      </dgm:extLst>
+    </dgm:pt>
+    <dgm:pt modelId="{5B578491-A456-40F4-A08A-5CC0866E5D7F}" type="pres">
+      <dgm:prSet presAssocID="{A03527D0-8B23-40AC-A340-9E12C52FA7A6}" presName="spaceRect" presStyleCnt="0"/>
+      <dgm:spPr/>
+    </dgm:pt>
+    <dgm:pt modelId="{3D7BDD2B-FCDF-4181-B6C7-C0632DC51D98}" type="pres">
+      <dgm:prSet presAssocID="{A03527D0-8B23-40AC-A340-9E12C52FA7A6}" presName="textRect" presStyleLbl="revTx" presStyleIdx="4" presStyleCnt="5">
+        <dgm:presLayoutVars>
+          <dgm:chMax val="1"/>
+          <dgm:chPref val="1"/>
+        </dgm:presLayoutVars>
+      </dgm:prSet>
+      <dgm:spPr/>
+    </dgm:pt>
+  </dgm:ptLst>
+  <dgm:cxnLst>
+    <dgm:cxn modelId="{F7A0F432-6191-441B-9837-3EB1489973F8}" srcId="{37A33F4F-E70C-4382-BFF3-D60F5B7C15B8}" destId="{88D6EE73-EBD9-4073-9D53-0646D3C48995}" srcOrd="3" destOrd="0" parTransId="{35F6722D-4EA1-4A29-A13A-E5777728FB32}" sibTransId="{988DA2D1-CF78-4D31-84EA-966BEECA5EC2}"/>
+    <dgm:cxn modelId="{C1256D37-4EB4-4E12-BE1B-CF33EC9BB810}" type="presOf" srcId="{37A33F4F-E70C-4382-BFF3-D60F5B7C15B8}" destId="{4D770F4A-2002-4AC8-9678-98EE36C4F2A6}" srcOrd="0" destOrd="0" presId="urn:microsoft.com/office/officeart/2018/2/layout/IconLabelList"/>
+    <dgm:cxn modelId="{564EBE68-5AC4-4585-A924-92952D7941D3}" type="presOf" srcId="{615274B7-6B40-4600-9CFF-A9B50114878D}" destId="{3E0F5CCB-5F78-4A9A-BF78-732A36E11F05}" srcOrd="0" destOrd="0" presId="urn:microsoft.com/office/officeart/2018/2/layout/IconLabelList"/>
+    <dgm:cxn modelId="{6D2FCD7E-D72F-4897-B5B0-D2ADE4B6D58B}" type="presOf" srcId="{761BCE97-8D4D-409C-B7A1-22CBB1A08893}" destId="{6406E899-9FFE-486E-85B3-92929B93206C}" srcOrd="0" destOrd="0" presId="urn:microsoft.com/office/officeart/2018/2/layout/IconLabelList"/>
+    <dgm:cxn modelId="{F6EA2990-66C2-45F9-B1BB-209DB4FE59B9}" srcId="{37A33F4F-E70C-4382-BFF3-D60F5B7C15B8}" destId="{0A26668A-B80A-49C1-A762-A9358E65B65A}" srcOrd="0" destOrd="0" parTransId="{2D0A55B9-3B7B-484D-A5D8-5AF446139943}" sibTransId="{7D7AD219-A14B-4CEF-B846-5F849D81BAAF}"/>
+    <dgm:cxn modelId="{59B0C4B4-1655-4E12-A0BF-2FE2BFFD72D6}" srcId="{37A33F4F-E70C-4382-BFF3-D60F5B7C15B8}" destId="{A03527D0-8B23-40AC-A340-9E12C52FA7A6}" srcOrd="4" destOrd="0" parTransId="{DFFD4BC2-7C55-427D-84D8-77E607AC0DB1}" sibTransId="{9E713A57-B254-4F5E-9596-7E6C11197A43}"/>
+    <dgm:cxn modelId="{C6A6E2CB-ECF5-41F0-8F6E-5C8154E94371}" type="presOf" srcId="{88D6EE73-EBD9-4073-9D53-0646D3C48995}" destId="{AF291E37-DD63-4341-81EA-5A050199F3DE}" srcOrd="0" destOrd="0" presId="urn:microsoft.com/office/officeart/2018/2/layout/IconLabelList"/>
+    <dgm:cxn modelId="{95520FDA-DBF7-4687-8826-BAB1409F0FEC}" type="presOf" srcId="{A03527D0-8B23-40AC-A340-9E12C52FA7A6}" destId="{3D7BDD2B-FCDF-4181-B6C7-C0632DC51D98}" srcOrd="0" destOrd="0" presId="urn:microsoft.com/office/officeart/2018/2/layout/IconLabelList"/>
+    <dgm:cxn modelId="{298F27E2-4312-48B2-BFA5-D4D6045B378A}" srcId="{37A33F4F-E70C-4382-BFF3-D60F5B7C15B8}" destId="{615274B7-6B40-4600-9CFF-A9B50114878D}" srcOrd="2" destOrd="0" parTransId="{77284AE4-78B0-4A4E-BDA1-AD373272C56D}" sibTransId="{91B750BE-F107-4B2C-94B7-DC8D0A6A9535}"/>
+    <dgm:cxn modelId="{22AADAED-A1A7-4B74-AA24-DC6BE9D51F81}" type="presOf" srcId="{0A26668A-B80A-49C1-A762-A9358E65B65A}" destId="{FF71E695-4AB7-4E9C-8C0D-F89ABAA6D440}" srcOrd="0" destOrd="0" presId="urn:microsoft.com/office/officeart/2018/2/layout/IconLabelList"/>
+    <dgm:cxn modelId="{319D19F9-8461-4CD7-BDBA-A072C979ED05}" srcId="{37A33F4F-E70C-4382-BFF3-D60F5B7C15B8}" destId="{761BCE97-8D4D-409C-B7A1-22CBB1A08893}" srcOrd="1" destOrd="0" parTransId="{AA65FC39-4994-4EA2-A467-5F168B8046B0}" sibTransId="{D7287400-32EA-4472-A0F3-85FD1BFDB1D5}"/>
+    <dgm:cxn modelId="{450F35B8-FC5A-4B4B-B558-A6B927E170DF}" type="presParOf" srcId="{4D770F4A-2002-4AC8-9678-98EE36C4F2A6}" destId="{BA942426-9904-409B-A971-0CF55498FA57}" srcOrd="0" destOrd="0" presId="urn:microsoft.com/office/officeart/2018/2/layout/IconLabelList"/>
+    <dgm:cxn modelId="{46D23761-3B43-47C3-9D8D-9A7AE4DD4425}" type="presParOf" srcId="{BA942426-9904-409B-A971-0CF55498FA57}" destId="{F926435F-6066-4EC7-BDCD-A0927D5B3243}" srcOrd="0" destOrd="0" presId="urn:microsoft.com/office/officeart/2018/2/layout/IconLabelList"/>
+    <dgm:cxn modelId="{6D5BF139-4494-4462-8B6C-FFBAA8CE3C11}" type="presParOf" srcId="{BA942426-9904-409B-A971-0CF55498FA57}" destId="{A8B70FF2-C619-4764-9418-256411ACE0E3}" srcOrd="1" destOrd="0" presId="urn:microsoft.com/office/officeart/2018/2/layout/IconLabelList"/>
+    <dgm:cxn modelId="{81A1F1AA-7F2E-4621-A235-0E7167F4D992}" type="presParOf" srcId="{BA942426-9904-409B-A971-0CF55498FA57}" destId="{FF71E695-4AB7-4E9C-8C0D-F89ABAA6D440}" srcOrd="2" destOrd="0" presId="urn:microsoft.com/office/officeart/2018/2/layout/IconLabelList"/>
+    <dgm:cxn modelId="{BABF8E97-0628-4787-A1D9-9E0F9D5AD4F6}" type="presParOf" srcId="{4D770F4A-2002-4AC8-9678-98EE36C4F2A6}" destId="{10C1763B-2937-486D-8779-8F9CD1AA09A6}" srcOrd="1" destOrd="0" presId="urn:microsoft.com/office/officeart/2018/2/layout/IconLabelList"/>
+    <dgm:cxn modelId="{904D0462-530B-4B45-B174-79B05F9C979E}" type="presParOf" srcId="{4D770F4A-2002-4AC8-9678-98EE36C4F2A6}" destId="{ECA6B9F1-78E8-46A2-80E8-C858B9B769FE}" srcOrd="2" destOrd="0" presId="urn:microsoft.com/office/officeart/2018/2/layout/IconLabelList"/>
+    <dgm:cxn modelId="{BAB2F70D-75D9-468C-A116-0E1E7487122B}" type="presParOf" srcId="{ECA6B9F1-78E8-46A2-80E8-C858B9B769FE}" destId="{8F5E7928-3807-464D-A0D6-72C6A9EC8CDF}" srcOrd="0" destOrd="0" presId="urn:microsoft.com/office/officeart/2018/2/layout/IconLabelList"/>
+    <dgm:cxn modelId="{B0E3459F-ABD8-4525-ADC9-EC358BE6EF29}" type="presParOf" srcId="{ECA6B9F1-78E8-46A2-80E8-C858B9B769FE}" destId="{D4C6AD57-C1B1-4A15-BD2F-77A7EFA53E2B}" srcOrd="1" destOrd="0" presId="urn:microsoft.com/office/officeart/2018/2/layout/IconLabelList"/>
+    <dgm:cxn modelId="{7E613172-5C26-4118-A1FE-E1153068E2DF}" type="presParOf" srcId="{ECA6B9F1-78E8-46A2-80E8-C858B9B769FE}" destId="{6406E899-9FFE-486E-85B3-92929B93206C}" srcOrd="2" destOrd="0" presId="urn:microsoft.com/office/officeart/2018/2/layout/IconLabelList"/>
+    <dgm:cxn modelId="{0405DAEC-6331-46F7-880A-341DE5841A85}" type="presParOf" srcId="{4D770F4A-2002-4AC8-9678-98EE36C4F2A6}" destId="{5C9618C1-82D8-4F34-9BED-EB5BD3A61EA6}" srcOrd="3" destOrd="0" presId="urn:microsoft.com/office/officeart/2018/2/layout/IconLabelList"/>
+    <dgm:cxn modelId="{68176454-0F41-4D65-BB55-90E5241C11FA}" type="presParOf" srcId="{4D770F4A-2002-4AC8-9678-98EE36C4F2A6}" destId="{6AF1FEFF-8B5B-43A7-A982-13F76F07D6C1}" srcOrd="4" destOrd="0" presId="urn:microsoft.com/office/officeart/2018/2/layout/IconLabelList"/>
+    <dgm:cxn modelId="{7F6F3F39-6455-4E12-86E7-B8336D956DCC}" type="presParOf" srcId="{6AF1FEFF-8B5B-43A7-A982-13F76F07D6C1}" destId="{C3BEABEE-A4FD-43BD-BEEB-BF6A2F151863}" srcOrd="0" destOrd="0" presId="urn:microsoft.com/office/officeart/2018/2/layout/IconLabelList"/>
+    <dgm:cxn modelId="{A472876F-51B8-47B3-AC4A-77E692741002}" type="presParOf" srcId="{6AF1FEFF-8B5B-43A7-A982-13F76F07D6C1}" destId="{DA5247C1-8533-499A-B137-571DC6F80667}" srcOrd="1" destOrd="0" presId="urn:microsoft.com/office/officeart/2018/2/layout/IconLabelList"/>
+    <dgm:cxn modelId="{382E1DAE-33AB-4D53-BB0E-8B3EB8E3E970}" type="presParOf" srcId="{6AF1FEFF-8B5B-43A7-A982-13F76F07D6C1}" destId="{3E0F5CCB-5F78-4A9A-BF78-732A36E11F05}" srcOrd="2" destOrd="0" presId="urn:microsoft.com/office/officeart/2018/2/layout/IconLabelList"/>
+    <dgm:cxn modelId="{3E442BA5-C5DE-4C68-8D9B-6081CB8A7A7D}" type="presParOf" srcId="{4D770F4A-2002-4AC8-9678-98EE36C4F2A6}" destId="{654CFCDC-7195-4237-B87F-3F7EE78A072B}" srcOrd="5" destOrd="0" presId="urn:microsoft.com/office/officeart/2018/2/layout/IconLabelList"/>
+    <dgm:cxn modelId="{FE243960-65A5-4F9F-A11B-ADF62CCF2E7B}" type="presParOf" srcId="{4D770F4A-2002-4AC8-9678-98EE36C4F2A6}" destId="{3458CF47-C2C3-49D8-9815-0DD36B199CE2}" srcOrd="6" destOrd="0" presId="urn:microsoft.com/office/officeart/2018/2/layout/IconLabelList"/>
+    <dgm:cxn modelId="{9DC857D3-2756-4B98-BD5E-2D386B386109}" type="presParOf" srcId="{3458CF47-C2C3-49D8-9815-0DD36B199CE2}" destId="{815C54C1-60EC-441D-8B53-0778358857F2}" srcOrd="0" destOrd="0" presId="urn:microsoft.com/office/officeart/2018/2/layout/IconLabelList"/>
+    <dgm:cxn modelId="{5B760C1C-42D8-49BA-A961-72183776BE76}" type="presParOf" srcId="{3458CF47-C2C3-49D8-9815-0DD36B199CE2}" destId="{05CDEE58-80E3-426E-96A0-21A401D7BBE6}" srcOrd="1" destOrd="0" presId="urn:microsoft.com/office/officeart/2018/2/layout/IconLabelList"/>
+    <dgm:cxn modelId="{114B20C0-5213-4627-A0B1-67106913E6D7}" type="presParOf" srcId="{3458CF47-C2C3-49D8-9815-0DD36B199CE2}" destId="{AF291E37-DD63-4341-81EA-5A050199F3DE}" srcOrd="2" destOrd="0" presId="urn:microsoft.com/office/officeart/2018/2/layout/IconLabelList"/>
+    <dgm:cxn modelId="{389E7D0A-857A-4EDA-9EFF-F1C78753568C}" type="presParOf" srcId="{4D770F4A-2002-4AC8-9678-98EE36C4F2A6}" destId="{9693D403-3897-4A2D-85D9-816214158931}" srcOrd="7" destOrd="0" presId="urn:microsoft.com/office/officeart/2018/2/layout/IconLabelList"/>
+    <dgm:cxn modelId="{E81FBDC8-1D9E-4104-8ABA-8A7DFBF3B581}" type="presParOf" srcId="{4D770F4A-2002-4AC8-9678-98EE36C4F2A6}" destId="{993CDCAA-8912-4D23-BDEC-40929B1FE1D5}" srcOrd="8" destOrd="0" presId="urn:microsoft.com/office/officeart/2018/2/layout/IconLabelList"/>
+    <dgm:cxn modelId="{32F540B4-3114-443E-851E-7D0B6A89F945}" type="presParOf" srcId="{993CDCAA-8912-4D23-BDEC-40929B1FE1D5}" destId="{798E4BFD-CE35-4C34-8640-4F9EC2BBBBF7}" srcOrd="0" destOrd="0" presId="urn:microsoft.com/office/officeart/2018/2/layout/IconLabelList"/>
+    <dgm:cxn modelId="{A960016E-6094-4B22-AD69-B36FB496AF48}" type="presParOf" srcId="{993CDCAA-8912-4D23-BDEC-40929B1FE1D5}" destId="{5B578491-A456-40F4-A08A-5CC0866E5D7F}" srcOrd="1" destOrd="0" presId="urn:microsoft.com/office/officeart/2018/2/layout/IconLabelList"/>
+    <dgm:cxn modelId="{7875DC63-B89C-43F9-8DEE-3C073B5055BA}" type="presParOf" srcId="{993CDCAA-8912-4D23-BDEC-40929B1FE1D5}" destId="{3D7BDD2B-FCDF-4181-B6C7-C0632DC51D98}" srcOrd="2" destOrd="0" presId="urn:microsoft.com/office/officeart/2018/2/layout/IconLabelList"/>
+  </dgm:cxnLst>
+  <dgm:bg/>
+  <dgm:whole/>
+  <dgm:extLst>
+    <a:ext uri="http://schemas.microsoft.com/office/drawing/2008/diagram">
+      <dsp:dataModelExt xmlns:dsp="http://schemas.microsoft.com/office/drawing/2008/diagram" relId="rId6" minVer="http://schemas.openxmlformats.org/drawingml/2006/diagram"/>
+    </a:ext>
+  </dgm:extLst>
+</dgm:dataModel>
+</file>
+
+<file path=ppt/diagrams/data4.xml><?xml version="1.0" encoding="utf-8"?>
+<dgm:dataModel xmlns:dgm="http://schemas.openxmlformats.org/drawingml/2006/diagram" xmlns:a="http://schemas.openxmlformats.org/drawingml/2006/main">
+  <dgm:ptLst>
     <dgm:pt modelId="{C0A47F78-7E1E-40B9-88E1-6C9F49A02289}" type="doc">
       <dgm:prSet loTypeId="urn:microsoft.com/office/officeart/2018/2/layout/IconVerticalSolidList" loCatId="icon" qsTypeId="urn:microsoft.com/office/officeart/2005/8/quickstyle/simple5" qsCatId="simple" csTypeId="urn:microsoft.com/office/officeart/2005/8/colors/accent0_1" csCatId="mainScheme" phldr="1"/>
       <dgm:spPr/>
@@ -3575,10 +4855,10 @@
             </a:lnSpc>
           </a:pPr>
           <a:r>
-            <a:rPr lang="en-US" baseline="0" dirty="0"/>
+            <a:rPr lang="en-US" baseline="0"/>
             <a:t>Essentially math equations</a:t>
           </a:r>
-          <a:endParaRPr lang="en-US" dirty="0"/>
+          <a:endParaRPr lang="en-US"/>
         </a:p>
       </dgm:t>
     </dgm:pt>
@@ -4013,10 +5293,10 @@
             <a:buNone/>
           </a:pPr>
           <a:r>
-            <a:rPr lang="en-US" sz="2500" kern="1200" baseline="0" dirty="0"/>
+            <a:rPr lang="en-US" sz="2500" kern="1200" baseline="0"/>
             <a:t>My name is Connor</a:t>
           </a:r>
-          <a:endParaRPr lang="en-US" sz="2500" kern="1200" dirty="0"/>
+          <a:endParaRPr lang="en-US" sz="2500" kern="1200"/>
         </a:p>
       </dsp:txBody>
       <dsp:txXfrm>
@@ -4163,7 +5443,7 @@
             <a:buNone/>
           </a:pPr>
           <a:r>
-            <a:rPr lang="en-US" sz="2500" kern="1200" dirty="0"/>
+            <a:rPr lang="en-US" sz="2500" kern="1200"/>
             <a:t>Computer Engineering III</a:t>
           </a:r>
         </a:p>
@@ -4312,7 +5592,7 @@
             <a:buNone/>
           </a:pPr>
           <a:r>
-            <a:rPr lang="en-US" sz="2500" kern="1200" dirty="0"/>
+            <a:rPr lang="en-US" sz="2500" kern="1200"/>
             <a:t>Director of Education</a:t>
           </a:r>
         </a:p>
@@ -4371,7 +5651,7 @@
             </a:spcAft>
             <a:buNone/>
           </a:pPr>
-          <a:endParaRPr lang="en-US" sz="1800" kern="1200" dirty="0"/>
+          <a:endParaRPr lang="en-US" sz="1800" kern="1200"/>
         </a:p>
       </dsp:txBody>
       <dsp:txXfrm>
@@ -4517,7 +5797,7 @@
         </a:bodyPr>
         <a:lstStyle/>
         <a:p>
-          <a:pPr marL="0" lvl="0" indent="0" algn="l" defTabSz="1111250">
+          <a:pPr marL="0" lvl="0" indent="0" algn="l" defTabSz="1022350">
             <a:lnSpc>
               <a:spcPct val="100000"/>
             </a:lnSpc>
@@ -4530,14 +5810,14 @@
             <a:buNone/>
           </a:pPr>
           <a:r>
-            <a:rPr lang="en-US" sz="2500" kern="1200" baseline="0" dirty="0"/>
+            <a:rPr lang="en-US" sz="2300" kern="1200" baseline="0"/>
             <a:t>My name is </a:t>
           </a:r>
           <a:r>
-            <a:rPr lang="en-US" sz="2500" kern="1200" baseline="0" dirty="0" err="1"/>
+            <a:rPr lang="en-US" sz="2300" kern="1200" baseline="0" err="1"/>
             <a:t>Vraj</a:t>
           </a:r>
-          <a:endParaRPr lang="en-US" sz="2500" kern="1200" dirty="0"/>
+          <a:endParaRPr lang="en-US" sz="2300" kern="1200"/>
         </a:p>
       </dsp:txBody>
       <dsp:txXfrm>
@@ -4671,7 +5951,7 @@
         </a:bodyPr>
         <a:lstStyle/>
         <a:p>
-          <a:pPr marL="0" lvl="0" indent="0" algn="l" defTabSz="1111250">
+          <a:pPr marL="0" lvl="0" indent="0" algn="l" defTabSz="1022350">
             <a:lnSpc>
               <a:spcPct val="100000"/>
             </a:lnSpc>
@@ -4684,8 +5964,8 @@
             <a:buNone/>
           </a:pPr>
           <a:r>
-            <a:rPr lang="en-US" sz="2500" kern="1200" dirty="0"/>
-            <a:t>text</a:t>
+            <a:rPr lang="en-US" sz="2300" kern="1200"/>
+            <a:t>Computer Engineering II</a:t>
           </a:r>
         </a:p>
       </dsp:txBody>
@@ -4790,8 +6070,8 @@
       </dsp:nvSpPr>
       <dsp:spPr>
         <a:xfrm>
-          <a:off x="1942858" y="3984560"/>
-          <a:ext cx="4551380" cy="1593279"/>
+          <a:off x="1760000" y="3984560"/>
+          <a:ext cx="3659825" cy="1593279"/>
         </a:xfrm>
         <a:prstGeom prst="rect">
           <a:avLst/>
@@ -4820,7 +6100,7 @@
         </a:bodyPr>
         <a:lstStyle/>
         <a:p>
-          <a:pPr marL="0" lvl="0" indent="0" algn="l" defTabSz="1111250">
+          <a:pPr marL="0" lvl="0" indent="0" algn="l" defTabSz="1022350">
             <a:lnSpc>
               <a:spcPct val="100000"/>
             </a:lnSpc>
@@ -4833,14 +6113,32 @@
             <a:buNone/>
           </a:pPr>
           <a:r>
-            <a:rPr lang="en-US" sz="2500" kern="1200" dirty="0"/>
-            <a:t>text</a:t>
+            <a:rPr lang="en-US" sz="2300" kern="1200"/>
+            <a:t>Education Coordinator / </a:t>
+          </a:r>
+        </a:p>
+        <a:p>
+          <a:pPr marL="0" lvl="0" indent="0" algn="l" defTabSz="1022350">
+            <a:lnSpc>
+              <a:spcPct val="100000"/>
+            </a:lnSpc>
+            <a:spcBef>
+              <a:spcPct val="0"/>
+            </a:spcBef>
+            <a:spcAft>
+              <a:spcPct val="35000"/>
+            </a:spcAft>
+            <a:buNone/>
+          </a:pPr>
+          <a:r>
+            <a:rPr lang="en-US" sz="2300" kern="1200"/>
+            <a:t>Workshop Developer</a:t>
           </a:r>
         </a:p>
       </dsp:txBody>
       <dsp:txXfrm>
-        <a:off x="1942858" y="3984560"/>
-        <a:ext cx="4551380" cy="1593279"/>
+        <a:off x="1760000" y="3984560"/>
+        <a:ext cx="3659825" cy="1593279"/>
       </dsp:txXfrm>
     </dsp:sp>
     <dsp:sp modelId="{A7182DFC-C924-4484-AECB-AD504A54C964}">
@@ -4892,7 +6190,7 @@
             </a:spcAft>
             <a:buNone/>
           </a:pPr>
-          <a:endParaRPr lang="en-US" sz="1800" kern="1200" dirty="0"/>
+          <a:endParaRPr lang="en-US" sz="1800" kern="1200"/>
         </a:p>
       </dsp:txBody>
       <dsp:txXfrm>
@@ -4905,6 +6203,578 @@
 </file>
 
 <file path=ppt/diagrams/drawing3.xml><?xml version="1.0" encoding="utf-8"?>
+<dsp:drawing xmlns:dgm="http://schemas.openxmlformats.org/drawingml/2006/diagram" xmlns:dsp="http://schemas.microsoft.com/office/drawing/2008/diagram" xmlns:a="http://schemas.openxmlformats.org/drawingml/2006/main">
+  <dsp:spTree>
+    <dsp:nvGrpSpPr>
+      <dsp:cNvPr id="0" name=""/>
+      <dsp:cNvGrpSpPr/>
+    </dsp:nvGrpSpPr>
+    <dsp:grpSpPr/>
+    <dsp:sp modelId="{F926435F-6066-4EC7-BDCD-A0927D5B3243}">
+      <dsp:nvSpPr>
+        <dsp:cNvPr id="0" name=""/>
+        <dsp:cNvSpPr/>
+      </dsp:nvSpPr>
+      <dsp:spPr>
+        <a:xfrm>
+          <a:off x="733152" y="699249"/>
+          <a:ext cx="810000" cy="810000"/>
+        </a:xfrm>
+        <a:prstGeom prst="rect">
+          <a:avLst/>
+        </a:prstGeom>
+        <a:blipFill>
+          <a:blip xmlns:r="http://schemas.openxmlformats.org/officeDocument/2006/relationships" r:embed="rId1">
+            <a:extLst>
+              <a:ext uri="{28A0092B-C50C-407E-A947-70E740481C1C}">
+                <a14:useLocalDpi xmlns:a14="http://schemas.microsoft.com/office/drawing/2010/main" val="0"/>
+              </a:ext>
+              <a:ext uri="{96DAC541-7B7A-43D3-8B79-37D633B846F1}">
+                <asvg:svgBlip xmlns:asvg="http://schemas.microsoft.com/office/drawing/2016/SVG/main" r:embed="rId2"/>
+              </a:ext>
+            </a:extLst>
+          </a:blip>
+          <a:stretch>
+            <a:fillRect/>
+          </a:stretch>
+        </a:blipFill>
+        <a:ln w="34925" cap="flat" cmpd="sng" algn="in">
+          <a:noFill/>
+          <a:prstDash val="solid"/>
+        </a:ln>
+        <a:effectLst/>
+      </dsp:spPr>
+      <dsp:style>
+        <a:lnRef idx="2">
+          <a:scrgbClr r="0" g="0" b="0"/>
+        </a:lnRef>
+        <a:fillRef idx="1">
+          <a:scrgbClr r="0" g="0" b="0"/>
+        </a:fillRef>
+        <a:effectRef idx="0">
+          <a:scrgbClr r="0" g="0" b="0"/>
+        </a:effectRef>
+        <a:fontRef idx="minor">
+          <a:schemeClr val="lt1"/>
+        </a:fontRef>
+      </dsp:style>
+    </dsp:sp>
+    <dsp:sp modelId="{FF71E695-4AB7-4E9C-8C0D-F89ABAA6D440}">
+      <dsp:nvSpPr>
+        <dsp:cNvPr id="0" name=""/>
+        <dsp:cNvSpPr/>
+      </dsp:nvSpPr>
+      <dsp:spPr>
+        <a:xfrm>
+          <a:off x="238152" y="1843920"/>
+          <a:ext cx="1800000" cy="720000"/>
+        </a:xfrm>
+        <a:prstGeom prst="rect">
+          <a:avLst/>
+        </a:prstGeom>
+        <a:noFill/>
+        <a:ln>
+          <a:noFill/>
+        </a:ln>
+        <a:effectLst/>
+      </dsp:spPr>
+      <dsp:style>
+        <a:lnRef idx="0">
+          <a:scrgbClr r="0" g="0" b="0"/>
+        </a:lnRef>
+        <a:fillRef idx="0">
+          <a:scrgbClr r="0" g="0" b="0"/>
+        </a:fillRef>
+        <a:effectRef idx="0">
+          <a:scrgbClr r="0" g="0" b="0"/>
+        </a:effectRef>
+        <a:fontRef idx="minor"/>
+      </dsp:style>
+      <dsp:txBody>
+        <a:bodyPr spcFirstLastPara="0" vert="horz" wrap="square" lIns="0" tIns="0" rIns="0" bIns="0" numCol="1" spcCol="1270" anchor="t" anchorCtr="0">
+          <a:noAutofit/>
+        </a:bodyPr>
+        <a:lstStyle/>
+        <a:p>
+          <a:pPr marL="0" lvl="0" indent="0" algn="ctr" defTabSz="844550">
+            <a:lnSpc>
+              <a:spcPct val="90000"/>
+            </a:lnSpc>
+            <a:spcBef>
+              <a:spcPct val="0"/>
+            </a:spcBef>
+            <a:spcAft>
+              <a:spcPct val="35000"/>
+            </a:spcAft>
+            <a:buNone/>
+          </a:pPr>
+          <a:r>
+            <a:rPr lang="en-US" sz="1900" kern="1200" baseline="0"/>
+            <a:t>What is the Purpose of ML</a:t>
+          </a:r>
+          <a:endParaRPr lang="en-US" sz="1900" kern="1200"/>
+        </a:p>
+      </dsp:txBody>
+      <dsp:txXfrm>
+        <a:off x="238152" y="1843920"/>
+        <a:ext cx="1800000" cy="720000"/>
+      </dsp:txXfrm>
+    </dsp:sp>
+    <dsp:sp modelId="{8F5E7928-3807-464D-A0D6-72C6A9EC8CDF}">
+      <dsp:nvSpPr>
+        <dsp:cNvPr id="0" name=""/>
+        <dsp:cNvSpPr/>
+      </dsp:nvSpPr>
+      <dsp:spPr>
+        <a:xfrm>
+          <a:off x="2848152" y="699249"/>
+          <a:ext cx="810000" cy="810000"/>
+        </a:xfrm>
+        <a:prstGeom prst="rect">
+          <a:avLst/>
+        </a:prstGeom>
+        <a:blipFill>
+          <a:blip xmlns:r="http://schemas.openxmlformats.org/officeDocument/2006/relationships" r:embed="rId3">
+            <a:extLst>
+              <a:ext uri="{28A0092B-C50C-407E-A947-70E740481C1C}">
+                <a14:useLocalDpi xmlns:a14="http://schemas.microsoft.com/office/drawing/2010/main" val="0"/>
+              </a:ext>
+              <a:ext uri="{96DAC541-7B7A-43D3-8B79-37D633B846F1}">
+                <asvg:svgBlip xmlns:asvg="http://schemas.microsoft.com/office/drawing/2016/SVG/main" r:embed="rId4"/>
+              </a:ext>
+            </a:extLst>
+          </a:blip>
+          <a:stretch>
+            <a:fillRect/>
+          </a:stretch>
+        </a:blipFill>
+        <a:ln w="34925" cap="flat" cmpd="sng" algn="in">
+          <a:noFill/>
+          <a:prstDash val="solid"/>
+        </a:ln>
+        <a:effectLst/>
+      </dsp:spPr>
+      <dsp:style>
+        <a:lnRef idx="2">
+          <a:scrgbClr r="0" g="0" b="0"/>
+        </a:lnRef>
+        <a:fillRef idx="1">
+          <a:scrgbClr r="0" g="0" b="0"/>
+        </a:fillRef>
+        <a:effectRef idx="0">
+          <a:scrgbClr r="0" g="0" b="0"/>
+        </a:effectRef>
+        <a:fontRef idx="minor">
+          <a:schemeClr val="lt1"/>
+        </a:fontRef>
+      </dsp:style>
+    </dsp:sp>
+    <dsp:sp modelId="{6406E899-9FFE-486E-85B3-92929B93206C}">
+      <dsp:nvSpPr>
+        <dsp:cNvPr id="0" name=""/>
+        <dsp:cNvSpPr/>
+      </dsp:nvSpPr>
+      <dsp:spPr>
+        <a:xfrm>
+          <a:off x="2353152" y="1843920"/>
+          <a:ext cx="1800000" cy="720000"/>
+        </a:xfrm>
+        <a:prstGeom prst="rect">
+          <a:avLst/>
+        </a:prstGeom>
+        <a:noFill/>
+        <a:ln>
+          <a:noFill/>
+        </a:ln>
+        <a:effectLst/>
+      </dsp:spPr>
+      <dsp:style>
+        <a:lnRef idx="0">
+          <a:scrgbClr r="0" g="0" b="0"/>
+        </a:lnRef>
+        <a:fillRef idx="0">
+          <a:scrgbClr r="0" g="0" b="0"/>
+        </a:fillRef>
+        <a:effectRef idx="0">
+          <a:scrgbClr r="0" g="0" b="0"/>
+        </a:effectRef>
+        <a:fontRef idx="minor"/>
+      </dsp:style>
+      <dsp:txBody>
+        <a:bodyPr spcFirstLastPara="0" vert="horz" wrap="square" lIns="0" tIns="0" rIns="0" bIns="0" numCol="1" spcCol="1270" anchor="t" anchorCtr="0">
+          <a:noAutofit/>
+        </a:bodyPr>
+        <a:lstStyle/>
+        <a:p>
+          <a:pPr marL="0" lvl="0" indent="0" algn="ctr" defTabSz="844550">
+            <a:lnSpc>
+              <a:spcPct val="90000"/>
+            </a:lnSpc>
+            <a:spcBef>
+              <a:spcPct val="0"/>
+            </a:spcBef>
+            <a:spcAft>
+              <a:spcPct val="35000"/>
+            </a:spcAft>
+            <a:buNone/>
+          </a:pPr>
+          <a:r>
+            <a:rPr lang="en-US" sz="1900" kern="1200" baseline="0"/>
+            <a:t>What is ML</a:t>
+          </a:r>
+          <a:endParaRPr lang="en-US" sz="1900" kern="1200"/>
+        </a:p>
+      </dsp:txBody>
+      <dsp:txXfrm>
+        <a:off x="2353152" y="1843920"/>
+        <a:ext cx="1800000" cy="720000"/>
+      </dsp:txXfrm>
+    </dsp:sp>
+    <dsp:sp modelId="{C3BEABEE-A4FD-43BD-BEEB-BF6A2F151863}">
+      <dsp:nvSpPr>
+        <dsp:cNvPr id="0" name=""/>
+        <dsp:cNvSpPr/>
+      </dsp:nvSpPr>
+      <dsp:spPr>
+        <a:xfrm>
+          <a:off x="4963152" y="699249"/>
+          <a:ext cx="810000" cy="810000"/>
+        </a:xfrm>
+        <a:prstGeom prst="rect">
+          <a:avLst/>
+        </a:prstGeom>
+        <a:blipFill>
+          <a:blip xmlns:r="http://schemas.openxmlformats.org/officeDocument/2006/relationships" r:embed="rId5">
+            <a:extLst>
+              <a:ext uri="{28A0092B-C50C-407E-A947-70E740481C1C}">
+                <a14:useLocalDpi xmlns:a14="http://schemas.microsoft.com/office/drawing/2010/main" val="0"/>
+              </a:ext>
+              <a:ext uri="{96DAC541-7B7A-43D3-8B79-37D633B846F1}">
+                <asvg:svgBlip xmlns:asvg="http://schemas.microsoft.com/office/drawing/2016/SVG/main" r:embed="rId6"/>
+              </a:ext>
+            </a:extLst>
+          </a:blip>
+          <a:stretch>
+            <a:fillRect/>
+          </a:stretch>
+        </a:blipFill>
+        <a:ln w="34925" cap="flat" cmpd="sng" algn="in">
+          <a:noFill/>
+          <a:prstDash val="solid"/>
+        </a:ln>
+        <a:effectLst/>
+      </dsp:spPr>
+      <dsp:style>
+        <a:lnRef idx="2">
+          <a:scrgbClr r="0" g="0" b="0"/>
+        </a:lnRef>
+        <a:fillRef idx="1">
+          <a:scrgbClr r="0" g="0" b="0"/>
+        </a:fillRef>
+        <a:effectRef idx="0">
+          <a:scrgbClr r="0" g="0" b="0"/>
+        </a:effectRef>
+        <a:fontRef idx="minor">
+          <a:schemeClr val="lt1"/>
+        </a:fontRef>
+      </dsp:style>
+    </dsp:sp>
+    <dsp:sp modelId="{3E0F5CCB-5F78-4A9A-BF78-732A36E11F05}">
+      <dsp:nvSpPr>
+        <dsp:cNvPr id="0" name=""/>
+        <dsp:cNvSpPr/>
+      </dsp:nvSpPr>
+      <dsp:spPr>
+        <a:xfrm>
+          <a:off x="4468152" y="1843920"/>
+          <a:ext cx="1800000" cy="720000"/>
+        </a:xfrm>
+        <a:prstGeom prst="rect">
+          <a:avLst/>
+        </a:prstGeom>
+        <a:noFill/>
+        <a:ln>
+          <a:noFill/>
+        </a:ln>
+        <a:effectLst/>
+      </dsp:spPr>
+      <dsp:style>
+        <a:lnRef idx="0">
+          <a:scrgbClr r="0" g="0" b="0"/>
+        </a:lnRef>
+        <a:fillRef idx="0">
+          <a:scrgbClr r="0" g="0" b="0"/>
+        </a:fillRef>
+        <a:effectRef idx="0">
+          <a:scrgbClr r="0" g="0" b="0"/>
+        </a:effectRef>
+        <a:fontRef idx="minor"/>
+      </dsp:style>
+      <dsp:txBody>
+        <a:bodyPr spcFirstLastPara="0" vert="horz" wrap="square" lIns="0" tIns="0" rIns="0" bIns="0" numCol="1" spcCol="1270" anchor="t" anchorCtr="0">
+          <a:noAutofit/>
+        </a:bodyPr>
+        <a:lstStyle/>
+        <a:p>
+          <a:pPr marL="0" lvl="0" indent="0" algn="ctr" defTabSz="844550">
+            <a:lnSpc>
+              <a:spcPct val="90000"/>
+            </a:lnSpc>
+            <a:spcBef>
+              <a:spcPct val="0"/>
+            </a:spcBef>
+            <a:spcAft>
+              <a:spcPct val="35000"/>
+            </a:spcAft>
+            <a:buNone/>
+          </a:pPr>
+          <a:r>
+            <a:rPr lang="en-US" sz="1900" kern="1200" baseline="0"/>
+            <a:t>Supervised Learning Theory</a:t>
+          </a:r>
+          <a:endParaRPr lang="en-US" sz="1900" kern="1200"/>
+        </a:p>
+      </dsp:txBody>
+      <dsp:txXfrm>
+        <a:off x="4468152" y="1843920"/>
+        <a:ext cx="1800000" cy="720000"/>
+      </dsp:txXfrm>
+    </dsp:sp>
+    <dsp:sp modelId="{815C54C1-60EC-441D-8B53-0778358857F2}">
+      <dsp:nvSpPr>
+        <dsp:cNvPr id="0" name=""/>
+        <dsp:cNvSpPr/>
+      </dsp:nvSpPr>
+      <dsp:spPr>
+        <a:xfrm>
+          <a:off x="1790652" y="3013920"/>
+          <a:ext cx="810000" cy="810000"/>
+        </a:xfrm>
+        <a:prstGeom prst="rect">
+          <a:avLst/>
+        </a:prstGeom>
+        <a:blipFill>
+          <a:blip xmlns:r="http://schemas.openxmlformats.org/officeDocument/2006/relationships" r:embed="rId7">
+            <a:extLst>
+              <a:ext uri="{28A0092B-C50C-407E-A947-70E740481C1C}">
+                <a14:useLocalDpi xmlns:a14="http://schemas.microsoft.com/office/drawing/2010/main" val="0"/>
+              </a:ext>
+              <a:ext uri="{96DAC541-7B7A-43D3-8B79-37D633B846F1}">
+                <asvg:svgBlip xmlns:asvg="http://schemas.microsoft.com/office/drawing/2016/SVG/main" r:embed="rId8"/>
+              </a:ext>
+            </a:extLst>
+          </a:blip>
+          <a:stretch>
+            <a:fillRect/>
+          </a:stretch>
+        </a:blipFill>
+        <a:ln w="34925" cap="flat" cmpd="sng" algn="in">
+          <a:noFill/>
+          <a:prstDash val="solid"/>
+        </a:ln>
+        <a:effectLst/>
+      </dsp:spPr>
+      <dsp:style>
+        <a:lnRef idx="2">
+          <a:scrgbClr r="0" g="0" b="0"/>
+        </a:lnRef>
+        <a:fillRef idx="1">
+          <a:scrgbClr r="0" g="0" b="0"/>
+        </a:fillRef>
+        <a:effectRef idx="0">
+          <a:scrgbClr r="0" g="0" b="0"/>
+        </a:effectRef>
+        <a:fontRef idx="minor">
+          <a:schemeClr val="lt1"/>
+        </a:fontRef>
+      </dsp:style>
+    </dsp:sp>
+    <dsp:sp modelId="{AF291E37-DD63-4341-81EA-5A050199F3DE}">
+      <dsp:nvSpPr>
+        <dsp:cNvPr id="0" name=""/>
+        <dsp:cNvSpPr/>
+      </dsp:nvSpPr>
+      <dsp:spPr>
+        <a:xfrm>
+          <a:off x="1295652" y="4158590"/>
+          <a:ext cx="1800000" cy="720000"/>
+        </a:xfrm>
+        <a:prstGeom prst="rect">
+          <a:avLst/>
+        </a:prstGeom>
+        <a:noFill/>
+        <a:ln>
+          <a:noFill/>
+        </a:ln>
+        <a:effectLst/>
+      </dsp:spPr>
+      <dsp:style>
+        <a:lnRef idx="0">
+          <a:scrgbClr r="0" g="0" b="0"/>
+        </a:lnRef>
+        <a:fillRef idx="0">
+          <a:scrgbClr r="0" g="0" b="0"/>
+        </a:fillRef>
+        <a:effectRef idx="0">
+          <a:scrgbClr r="0" g="0" b="0"/>
+        </a:effectRef>
+        <a:fontRef idx="minor"/>
+      </dsp:style>
+      <dsp:txBody>
+        <a:bodyPr spcFirstLastPara="0" vert="horz" wrap="square" lIns="0" tIns="0" rIns="0" bIns="0" numCol="1" spcCol="1270" anchor="t" anchorCtr="0">
+          <a:noAutofit/>
+        </a:bodyPr>
+        <a:lstStyle/>
+        <a:p>
+          <a:pPr marL="0" lvl="0" indent="0" algn="ctr" defTabSz="844550">
+            <a:lnSpc>
+              <a:spcPct val="90000"/>
+            </a:lnSpc>
+            <a:spcBef>
+              <a:spcPct val="0"/>
+            </a:spcBef>
+            <a:spcAft>
+              <a:spcPct val="35000"/>
+            </a:spcAft>
+            <a:buNone/>
+          </a:pPr>
+          <a:r>
+            <a:rPr lang="en-US" sz="1900" kern="1200" baseline="0"/>
+            <a:t>Building a Simple </a:t>
+          </a:r>
+          <a:r>
+            <a:rPr lang="en-US" sz="1900" kern="1200" baseline="0">
+              <a:latin typeface="Franklin Gothic Book" panose="020B0503020102020204"/>
+            </a:rPr>
+            <a:t>Model</a:t>
+          </a:r>
+          <a:r>
+            <a:rPr lang="en-US" sz="1900" kern="1200" baseline="0"/>
+            <a:t> demo</a:t>
+          </a:r>
+          <a:endParaRPr lang="en-US" sz="1900" kern="1200"/>
+        </a:p>
+      </dsp:txBody>
+      <dsp:txXfrm>
+        <a:off x="1295652" y="4158590"/>
+        <a:ext cx="1800000" cy="720000"/>
+      </dsp:txXfrm>
+    </dsp:sp>
+    <dsp:sp modelId="{798E4BFD-CE35-4C34-8640-4F9EC2BBBBF7}">
+      <dsp:nvSpPr>
+        <dsp:cNvPr id="0" name=""/>
+        <dsp:cNvSpPr/>
+      </dsp:nvSpPr>
+      <dsp:spPr>
+        <a:xfrm>
+          <a:off x="3905652" y="3013920"/>
+          <a:ext cx="810000" cy="810000"/>
+        </a:xfrm>
+        <a:prstGeom prst="rect">
+          <a:avLst/>
+        </a:prstGeom>
+        <a:blipFill>
+          <a:blip xmlns:r="http://schemas.openxmlformats.org/officeDocument/2006/relationships" r:embed="rId9">
+            <a:extLst>
+              <a:ext uri="{28A0092B-C50C-407E-A947-70E740481C1C}">
+                <a14:useLocalDpi xmlns:a14="http://schemas.microsoft.com/office/drawing/2010/main" val="0"/>
+              </a:ext>
+              <a:ext uri="{96DAC541-7B7A-43D3-8B79-37D633B846F1}">
+                <asvg:svgBlip xmlns:asvg="http://schemas.microsoft.com/office/drawing/2016/SVG/main" r:embed="rId10"/>
+              </a:ext>
+            </a:extLst>
+          </a:blip>
+          <a:stretch>
+            <a:fillRect/>
+          </a:stretch>
+        </a:blipFill>
+        <a:ln w="34925" cap="flat" cmpd="sng" algn="in">
+          <a:noFill/>
+          <a:prstDash val="solid"/>
+        </a:ln>
+        <a:effectLst/>
+      </dsp:spPr>
+      <dsp:style>
+        <a:lnRef idx="2">
+          <a:scrgbClr r="0" g="0" b="0"/>
+        </a:lnRef>
+        <a:fillRef idx="1">
+          <a:scrgbClr r="0" g="0" b="0"/>
+        </a:fillRef>
+        <a:effectRef idx="0">
+          <a:scrgbClr r="0" g="0" b="0"/>
+        </a:effectRef>
+        <a:fontRef idx="minor">
+          <a:schemeClr val="lt1"/>
+        </a:fontRef>
+      </dsp:style>
+    </dsp:sp>
+    <dsp:sp modelId="{3D7BDD2B-FCDF-4181-B6C7-C0632DC51D98}">
+      <dsp:nvSpPr>
+        <dsp:cNvPr id="0" name=""/>
+        <dsp:cNvSpPr/>
+      </dsp:nvSpPr>
+      <dsp:spPr>
+        <a:xfrm>
+          <a:off x="3410652" y="4158590"/>
+          <a:ext cx="1800000" cy="720000"/>
+        </a:xfrm>
+        <a:prstGeom prst="rect">
+          <a:avLst/>
+        </a:prstGeom>
+        <a:noFill/>
+        <a:ln>
+          <a:noFill/>
+        </a:ln>
+        <a:effectLst/>
+      </dsp:spPr>
+      <dsp:style>
+        <a:lnRef idx="0">
+          <a:scrgbClr r="0" g="0" b="0"/>
+        </a:lnRef>
+        <a:fillRef idx="0">
+          <a:scrgbClr r="0" g="0" b="0"/>
+        </a:fillRef>
+        <a:effectRef idx="0">
+          <a:scrgbClr r="0" g="0" b="0"/>
+        </a:effectRef>
+        <a:fontRef idx="minor"/>
+      </dsp:style>
+      <dsp:txBody>
+        <a:bodyPr spcFirstLastPara="0" vert="horz" wrap="square" lIns="0" tIns="0" rIns="0" bIns="0" numCol="1" spcCol="1270" anchor="t" anchorCtr="0">
+          <a:noAutofit/>
+        </a:bodyPr>
+        <a:lstStyle/>
+        <a:p>
+          <a:pPr marL="0" lvl="0" indent="0" algn="ctr" defTabSz="844550">
+            <a:lnSpc>
+              <a:spcPct val="90000"/>
+            </a:lnSpc>
+            <a:spcBef>
+              <a:spcPct val="0"/>
+            </a:spcBef>
+            <a:spcAft>
+              <a:spcPct val="35000"/>
+            </a:spcAft>
+            <a:buNone/>
+          </a:pPr>
+          <a:r>
+            <a:rPr lang="en-US" sz="1900" kern="1200" baseline="0"/>
+            <a:t>Feedback</a:t>
+          </a:r>
+          <a:endParaRPr lang="en-US" sz="1900" kern="1200"/>
+        </a:p>
+      </dsp:txBody>
+      <dsp:txXfrm>
+        <a:off x="3410652" y="4158590"/>
+        <a:ext cx="1800000" cy="720000"/>
+      </dsp:txXfrm>
+    </dsp:sp>
+  </dsp:spTree>
+</dsp:drawing>
+</file>
+
+<file path=ppt/diagrams/drawing4.xml><?xml version="1.0" encoding="utf-8"?>
 <dsp:drawing xmlns:dgm="http://schemas.openxmlformats.org/drawingml/2006/diagram" xmlns:dsp="http://schemas.microsoft.com/office/drawing/2008/diagram" xmlns:a="http://schemas.openxmlformats.org/drawingml/2006/main">
   <dsp:spTree>
     <dsp:nvGrpSpPr>
@@ -5058,10 +6928,10 @@
             <a:buNone/>
           </a:pPr>
           <a:r>
-            <a:rPr lang="en-US" sz="2400" kern="1200" baseline="0" dirty="0"/>
+            <a:rPr lang="en-US" sz="2400" kern="1200" baseline="0"/>
             <a:t>Essentially math equations</a:t>
           </a:r>
-          <a:endParaRPr lang="en-US" sz="2400" kern="1200" dirty="0"/>
+          <a:endParaRPr lang="en-US" sz="2400" kern="1200"/>
         </a:p>
       </dsp:txBody>
       <dsp:txXfrm>
@@ -5962,6 +7832,196 @@
 </file>
 
 <file path=ppt/diagrams/layout3.xml><?xml version="1.0" encoding="utf-8"?>
+<dgm:layoutDef xmlns:dgm="http://schemas.openxmlformats.org/drawingml/2006/diagram" xmlns:a="http://schemas.openxmlformats.org/drawingml/2006/main" uniqueId="urn:microsoft.com/office/officeart/2018/2/layout/IconLabelList">
+  <dgm:title val="Icon Label List"/>
+  <dgm:desc val="Use to show non-sequential or grouped chunks of information accompanied by a related visuals. Works best with icons or small pictures with short text captions."/>
+  <dgm:catLst>
+    <dgm:cat type="icon" pri="500"/>
+  </dgm:catLst>
+  <dgm:sampData useDef="1">
+    <dgm:dataModel>
+      <dgm:ptLst/>
+      <dgm:bg/>
+      <dgm:whole/>
+    </dgm:dataModel>
+  </dgm:sampData>
+  <dgm:styleData useDef="1">
+    <dgm:dataModel>
+      <dgm:ptLst/>
+      <dgm:bg/>
+      <dgm:whole/>
+    </dgm:dataModel>
+  </dgm:styleData>
+  <dgm:clrData useDef="1">
+    <dgm:dataModel>
+      <dgm:ptLst/>
+      <dgm:bg/>
+      <dgm:whole/>
+    </dgm:dataModel>
+  </dgm:clrData>
+  <dgm:layoutNode name="root">
+    <dgm:varLst>
+      <dgm:dir/>
+      <dgm:resizeHandles val="exact"/>
+    </dgm:varLst>
+    <dgm:choose name="Name0">
+      <dgm:if name="Name1" axis="self" func="var" arg="dir" op="equ" val="norm">
+        <dgm:alg type="snake">
+          <dgm:param type="grDir" val="tL"/>
+          <dgm:param type="flowDir" val="row"/>
+          <dgm:param type="contDir" val="sameDir"/>
+          <dgm:param type="off" val="ctr"/>
+          <dgm:param type="vertAlign" val="mid"/>
+          <dgm:param type="horzAlign" val="ctr"/>
+        </dgm:alg>
+      </dgm:if>
+      <dgm:else name="Name2">
+        <dgm:alg type="snake">
+          <dgm:param type="grDir" val="tR"/>
+          <dgm:param type="flowDir" val="row"/>
+          <dgm:param type="contDir" val="sameDir"/>
+          <dgm:param type="off" val="ctr"/>
+          <dgm:param type="vertAlign" val="mid"/>
+          <dgm:param type="horzAlign" val="ctr"/>
+        </dgm:alg>
+      </dgm:else>
+    </dgm:choose>
+    <dgm:shape xmlns:r="http://schemas.openxmlformats.org/officeDocument/2006/relationships" r:blip="">
+      <dgm:adjLst/>
+    </dgm:shape>
+    <dgm:presOf/>
+    <dgm:choose name="Name3">
+      <dgm:if name="Name4" axis="ch" ptType="node" func="cnt" op="lte" val="2">
+        <dgm:constrLst>
+          <dgm:constr type="h" for="ch" forName="compNode" refType="h" fact="0.4"/>
+          <dgm:constr type="w" for="ch" forName="compNode" val="120"/>
+          <dgm:constr type="w" for="ch" forName="sibTrans" refType="w" refFor="ch" refForName="compNode" fact="0.175"/>
+          <dgm:constr type="sp" refType="w" refFor="ch" refForName="compNode" op="equ" fact="0.25"/>
+          <dgm:constr type="primFontSz" for="des" ptType="node" op="equ" val="50"/>
+          <dgm:constr type="h" for="des" forName="compNode" op="equ"/>
+          <dgm:constr type="h" for="des" forName="textRect" op="equ"/>
+        </dgm:constrLst>
+      </dgm:if>
+      <dgm:if name="Name5" axis="ch" ptType="node" func="cnt" op="lte" val="4">
+        <dgm:constrLst>
+          <dgm:constr type="h" for="ch" forName="compNode" refType="h" fact="0.4"/>
+          <dgm:constr type="w" for="ch" forName="compNode" refType="w"/>
+          <dgm:constr type="w" for="ch" forName="sibTrans" refType="w" refFor="ch" refForName="compNode" fact="0.175"/>
+          <dgm:constr type="sp" refType="w" refFor="ch" refForName="compNode" op="equ" fact="0.25"/>
+          <dgm:constr type="primFontSz" for="des" ptType="node" op="equ" val="36"/>
+          <dgm:constr type="h" for="des" forName="compNode" op="equ"/>
+          <dgm:constr type="h" for="des" forName="textRect" op="equ"/>
+        </dgm:constrLst>
+      </dgm:if>
+      <dgm:else name="Name6">
+        <dgm:constrLst>
+          <dgm:constr type="h" for="ch" forName="compNode" refType="h" fact="0.4"/>
+          <dgm:constr type="w" for="ch" forName="compNode" refType="w"/>
+          <dgm:constr type="w" for="ch" forName="sibTrans" refType="w" refFor="ch" refForName="compNode" fact="0.175"/>
+          <dgm:constr type="sp" refType="w" refFor="ch" refForName="compNode" op="equ" fact="0.25"/>
+          <dgm:constr type="primFontSz" for="des" ptType="node" op="equ" val="24"/>
+          <dgm:constr type="h" for="des" forName="compNode" op="equ"/>
+          <dgm:constr type="h" for="des" forName="textRect" op="equ"/>
+        </dgm:constrLst>
+      </dgm:else>
+    </dgm:choose>
+    <dgm:ruleLst>
+      <dgm:rule type="w" for="ch" forName="compNode" val="50" fact="NaN" max="NaN"/>
+    </dgm:ruleLst>
+    <dgm:forEach name="Name7" axis="ch" ptType="node">
+      <dgm:layoutNode name="compNode">
+        <dgm:alg type="composite"/>
+        <dgm:shape xmlns:r="http://schemas.openxmlformats.org/officeDocument/2006/relationships" r:blip="">
+          <dgm:adjLst/>
+        </dgm:shape>
+        <dgm:presOf axis="self"/>
+        <dgm:constrLst>
+          <dgm:constr type="w" for="ch" forName="iconRect" refType="w" fact="0.45"/>
+          <dgm:constr type="h" for="ch" forName="iconRect" refType="w" refFor="ch" refForName="iconRect"/>
+          <dgm:constr type="ctrX" for="ch" forName="iconRect" refType="w" fact="0.5"/>
+          <dgm:constr type="t" for="ch" forName="iconRect"/>
+          <dgm:constr type="h" for="ch" forName="spaceRect" refType="h" fact="0.15"/>
+          <dgm:constr type="w" for="ch" forName="spaceRect" refType="w"/>
+          <dgm:constr type="l" for="ch" forName="spaceRect"/>
+          <dgm:constr type="t" for="ch" forName="spaceRect" refType="b" refFor="ch" refForName="iconRect"/>
+          <dgm:constr type="h" for="ch" forName="textRect" val="20"/>
+          <dgm:constr type="w" for="ch" forName="textRect" refType="w"/>
+          <dgm:constr type="l" for="ch" forName="textRect"/>
+          <dgm:constr type="t" for="ch" forName="textRect" refType="b" refFor="ch" refForName="spaceRect"/>
+        </dgm:constrLst>
+        <dgm:ruleLst>
+          <dgm:rule type="h" val="INF" fact="NaN" max="NaN"/>
+        </dgm:ruleLst>
+        <dgm:layoutNode name="iconRect" styleLbl="node1">
+          <dgm:alg type="sp"/>
+          <dgm:shape xmlns:r="http://schemas.openxmlformats.org/officeDocument/2006/relationships" type="rect" r:blip="" blipPhldr="1">
+            <dgm:adjLst/>
+          </dgm:shape>
+          <dgm:presOf/>
+          <dgm:constrLst/>
+          <dgm:ruleLst/>
+        </dgm:layoutNode>
+        <dgm:layoutNode name="spaceRect">
+          <dgm:alg type="sp"/>
+          <dgm:shape xmlns:r="http://schemas.openxmlformats.org/officeDocument/2006/relationships" r:blip="">
+            <dgm:adjLst/>
+          </dgm:shape>
+          <dgm:presOf/>
+          <dgm:constrLst/>
+          <dgm:ruleLst/>
+        </dgm:layoutNode>
+        <dgm:layoutNode name="textRect" styleLbl="revTx">
+          <dgm:varLst>
+            <dgm:chMax val="1"/>
+            <dgm:chPref val="1"/>
+          </dgm:varLst>
+          <dgm:alg type="tx">
+            <dgm:param type="txAnchorVert" val="t"/>
+          </dgm:alg>
+          <dgm:shape xmlns:r="http://schemas.openxmlformats.org/officeDocument/2006/relationships" type="rect" r:blip="">
+            <dgm:adjLst/>
+          </dgm:shape>
+          <dgm:presOf axis="self" ptType="node"/>
+          <dgm:constrLst>
+            <dgm:constr type="lMarg"/>
+            <dgm:constr type="rMarg"/>
+            <dgm:constr type="tMarg"/>
+            <dgm:constr type="bMarg"/>
+          </dgm:constrLst>
+          <dgm:ruleLst>
+            <dgm:rule type="primFontSz" val="11" fact="NaN" max="NaN"/>
+            <dgm:rule type="h" val="INF" fact="NaN" max="NaN"/>
+          </dgm:ruleLst>
+        </dgm:layoutNode>
+      </dgm:layoutNode>
+      <dgm:forEach name="Name8" axis="followSib" ptType="sibTrans" cnt="1">
+        <dgm:layoutNode name="sibTrans">
+          <dgm:alg type="sp"/>
+          <dgm:shape xmlns:r="http://schemas.openxmlformats.org/officeDocument/2006/relationships" r:blip="">
+            <dgm:adjLst/>
+          </dgm:shape>
+          <dgm:presOf axis="self"/>
+          <dgm:constrLst/>
+          <dgm:ruleLst/>
+        </dgm:layoutNode>
+      </dgm:forEach>
+    </dgm:forEach>
+  </dgm:layoutNode>
+  <dgm:extLst>
+    <a:ext uri="{68A01E43-0DF5-4B5B-8FA6-DAF915123BFB}">
+      <dgm1612:lstStyle xmlns:dgm1612="http://schemas.microsoft.com/office/drawing/2016/12/diagram">
+        <a:lvl1pPr>
+          <a:lnSpc>
+            <a:spcPct val="100000"/>
+          </a:lnSpc>
+        </a:lvl1pPr>
+      </dgm1612:lstStyle>
+    </a:ext>
+  </dgm:extLst>
+</dgm:layoutDef>
+</file>
+
+<file path=ppt/diagrams/layout4.xml><?xml version="1.0" encoding="utf-8"?>
 <dgm:layoutDef xmlns:dgm="http://schemas.openxmlformats.org/drawingml/2006/diagram" xmlns:a="http://schemas.openxmlformats.org/drawingml/2006/main" uniqueId="urn:microsoft.com/office/officeart/2018/2/layout/IconVerticalSolidList">
   <dgm:title val="Icon Vertical Solid List"/>
   <dgm:desc val="Use to show a series of visuals from top to bottom with Level 1 or Level 1 and Level 2 text grouped in a shape. Works best with icons or small pictures with lengthier descriptions."/>
@@ -8324,6 +10384,1040 @@
 </file>
 
 <file path=ppt/diagrams/quickStyle3.xml><?xml version="1.0" encoding="utf-8"?>
+<dgm:styleDef xmlns:dgm="http://schemas.openxmlformats.org/drawingml/2006/diagram" xmlns:a="http://schemas.openxmlformats.org/drawingml/2006/main" uniqueId="urn:microsoft.com/office/officeart/2005/8/quickstyle/simple1">
+  <dgm:title val=""/>
+  <dgm:desc val=""/>
+  <dgm:catLst>
+    <dgm:cat type="simple" pri="10100"/>
+  </dgm:catLst>
+  <dgm:scene3d>
+    <a:camera prst="orthographicFront"/>
+    <a:lightRig rig="threePt" dir="t"/>
+  </dgm:scene3d>
+  <dgm:styleLbl name="node0">
+    <dgm:scene3d>
+      <a:camera prst="orthographicFront"/>
+      <a:lightRig rig="threePt" dir="t"/>
+    </dgm:scene3d>
+    <dgm:sp3d/>
+    <dgm:txPr/>
+    <dgm:style>
+      <a:lnRef idx="2">
+        <a:scrgbClr r="0" g="0" b="0"/>
+      </a:lnRef>
+      <a:fillRef idx="1">
+        <a:scrgbClr r="0" g="0" b="0"/>
+      </a:fillRef>
+      <a:effectRef idx="0">
+        <a:scrgbClr r="0" g="0" b="0"/>
+      </a:effectRef>
+      <a:fontRef idx="minor">
+        <a:schemeClr val="lt1"/>
+      </a:fontRef>
+    </dgm:style>
+  </dgm:styleLbl>
+  <dgm:styleLbl name="lnNode1">
+    <dgm:scene3d>
+      <a:camera prst="orthographicFront"/>
+      <a:lightRig rig="threePt" dir="t"/>
+    </dgm:scene3d>
+    <dgm:sp3d/>
+    <dgm:txPr/>
+    <dgm:style>
+      <a:lnRef idx="2">
+        <a:scrgbClr r="0" g="0" b="0"/>
+      </a:lnRef>
+      <a:fillRef idx="1">
+        <a:scrgbClr r="0" g="0" b="0"/>
+      </a:fillRef>
+      <a:effectRef idx="0">
+        <a:scrgbClr r="0" g="0" b="0"/>
+      </a:effectRef>
+      <a:fontRef idx="minor">
+        <a:schemeClr val="lt1"/>
+      </a:fontRef>
+    </dgm:style>
+  </dgm:styleLbl>
+  <dgm:styleLbl name="vennNode1">
+    <dgm:scene3d>
+      <a:camera prst="orthographicFront"/>
+      <a:lightRig rig="threePt" dir="t"/>
+    </dgm:scene3d>
+    <dgm:sp3d/>
+    <dgm:txPr/>
+    <dgm:style>
+      <a:lnRef idx="2">
+        <a:scrgbClr r="0" g="0" b="0"/>
+      </a:lnRef>
+      <a:fillRef idx="1">
+        <a:scrgbClr r="0" g="0" b="0"/>
+      </a:fillRef>
+      <a:effectRef idx="0">
+        <a:scrgbClr r="0" g="0" b="0"/>
+      </a:effectRef>
+      <a:fontRef idx="minor">
+        <a:schemeClr val="tx1"/>
+      </a:fontRef>
+    </dgm:style>
+  </dgm:styleLbl>
+  <dgm:styleLbl name="alignNode1">
+    <dgm:scene3d>
+      <a:camera prst="orthographicFront"/>
+      <a:lightRig rig="threePt" dir="t"/>
+    </dgm:scene3d>
+    <dgm:sp3d/>
+    <dgm:txPr/>
+    <dgm:style>
+      <a:lnRef idx="2">
+        <a:scrgbClr r="0" g="0" b="0"/>
+      </a:lnRef>
+      <a:fillRef idx="1">
+        <a:scrgbClr r="0" g="0" b="0"/>
+      </a:fillRef>
+      <a:effectRef idx="0">
+        <a:scrgbClr r="0" g="0" b="0"/>
+      </a:effectRef>
+      <a:fontRef idx="minor">
+        <a:schemeClr val="lt1"/>
+      </a:fontRef>
+    </dgm:style>
+  </dgm:styleLbl>
+  <dgm:styleLbl name="node1">
+    <dgm:scene3d>
+      <a:camera prst="orthographicFront"/>
+      <a:lightRig rig="threePt" dir="t"/>
+    </dgm:scene3d>
+    <dgm:sp3d/>
+    <dgm:txPr/>
+    <dgm:style>
+      <a:lnRef idx="2">
+        <a:scrgbClr r="0" g="0" b="0"/>
+      </a:lnRef>
+      <a:fillRef idx="1">
+        <a:scrgbClr r="0" g="0" b="0"/>
+      </a:fillRef>
+      <a:effectRef idx="0">
+        <a:scrgbClr r="0" g="0" b="0"/>
+      </a:effectRef>
+      <a:fontRef idx="minor">
+        <a:schemeClr val="lt1"/>
+      </a:fontRef>
+    </dgm:style>
+  </dgm:styleLbl>
+  <dgm:styleLbl name="node2">
+    <dgm:scene3d>
+      <a:camera prst="orthographicFront"/>
+      <a:lightRig rig="threePt" dir="t"/>
+    </dgm:scene3d>
+    <dgm:sp3d/>
+    <dgm:txPr/>
+    <dgm:style>
+      <a:lnRef idx="2">
+        <a:scrgbClr r="0" g="0" b="0"/>
+      </a:lnRef>
+      <a:fillRef idx="1">
+        <a:scrgbClr r="0" g="0" b="0"/>
+      </a:fillRef>
+      <a:effectRef idx="0">
+        <a:scrgbClr r="0" g="0" b="0"/>
+      </a:effectRef>
+      <a:fontRef idx="minor">
+        <a:schemeClr val="lt1"/>
+      </a:fontRef>
+    </dgm:style>
+  </dgm:styleLbl>
+  <dgm:styleLbl name="node3">
+    <dgm:scene3d>
+      <a:camera prst="orthographicFront"/>
+      <a:lightRig rig="threePt" dir="t"/>
+    </dgm:scene3d>
+    <dgm:sp3d/>
+    <dgm:txPr/>
+    <dgm:style>
+      <a:lnRef idx="2">
+        <a:scrgbClr r="0" g="0" b="0"/>
+      </a:lnRef>
+      <a:fillRef idx="1">
+        <a:scrgbClr r="0" g="0" b="0"/>
+      </a:fillRef>
+      <a:effectRef idx="0">
+        <a:scrgbClr r="0" g="0" b="0"/>
+      </a:effectRef>
+      <a:fontRef idx="minor">
+        <a:schemeClr val="lt1"/>
+      </a:fontRef>
+    </dgm:style>
+  </dgm:styleLbl>
+  <dgm:styleLbl name="node4">
+    <dgm:scene3d>
+      <a:camera prst="orthographicFront"/>
+      <a:lightRig rig="threePt" dir="t"/>
+    </dgm:scene3d>
+    <dgm:sp3d/>
+    <dgm:txPr/>
+    <dgm:style>
+      <a:lnRef idx="2">
+        <a:scrgbClr r="0" g="0" b="0"/>
+      </a:lnRef>
+      <a:fillRef idx="1">
+        <a:scrgbClr r="0" g="0" b="0"/>
+      </a:fillRef>
+      <a:effectRef idx="0">
+        <a:scrgbClr r="0" g="0" b="0"/>
+      </a:effectRef>
+      <a:fontRef idx="minor">
+        <a:schemeClr val="lt1"/>
+      </a:fontRef>
+    </dgm:style>
+  </dgm:styleLbl>
+  <dgm:styleLbl name="fgImgPlace1">
+    <dgm:scene3d>
+      <a:camera prst="orthographicFront"/>
+      <a:lightRig rig="threePt" dir="t"/>
+    </dgm:scene3d>
+    <dgm:sp3d/>
+    <dgm:txPr/>
+    <dgm:style>
+      <a:lnRef idx="2">
+        <a:scrgbClr r="0" g="0" b="0"/>
+      </a:lnRef>
+      <a:fillRef idx="1">
+        <a:scrgbClr r="0" g="0" b="0"/>
+      </a:fillRef>
+      <a:effectRef idx="0">
+        <a:scrgbClr r="0" g="0" b="0"/>
+      </a:effectRef>
+      <a:fontRef idx="minor"/>
+    </dgm:style>
+  </dgm:styleLbl>
+  <dgm:styleLbl name="alignImgPlace1">
+    <dgm:scene3d>
+      <a:camera prst="orthographicFront"/>
+      <a:lightRig rig="threePt" dir="t"/>
+    </dgm:scene3d>
+    <dgm:sp3d/>
+    <dgm:txPr/>
+    <dgm:style>
+      <a:lnRef idx="2">
+        <a:scrgbClr r="0" g="0" b="0"/>
+      </a:lnRef>
+      <a:fillRef idx="1">
+        <a:scrgbClr r="0" g="0" b="0"/>
+      </a:fillRef>
+      <a:effectRef idx="0">
+        <a:scrgbClr r="0" g="0" b="0"/>
+      </a:effectRef>
+      <a:fontRef idx="minor"/>
+    </dgm:style>
+  </dgm:styleLbl>
+  <dgm:styleLbl name="bgImgPlace1">
+    <dgm:scene3d>
+      <a:camera prst="orthographicFront"/>
+      <a:lightRig rig="threePt" dir="t"/>
+    </dgm:scene3d>
+    <dgm:sp3d/>
+    <dgm:txPr/>
+    <dgm:style>
+      <a:lnRef idx="2">
+        <a:scrgbClr r="0" g="0" b="0"/>
+      </a:lnRef>
+      <a:fillRef idx="1">
+        <a:scrgbClr r="0" g="0" b="0"/>
+      </a:fillRef>
+      <a:effectRef idx="0">
+        <a:scrgbClr r="0" g="0" b="0"/>
+      </a:effectRef>
+      <a:fontRef idx="minor"/>
+    </dgm:style>
+  </dgm:styleLbl>
+  <dgm:styleLbl name="sibTrans2D1">
+    <dgm:scene3d>
+      <a:camera prst="orthographicFront"/>
+      <a:lightRig rig="threePt" dir="t"/>
+    </dgm:scene3d>
+    <dgm:sp3d/>
+    <dgm:txPr/>
+    <dgm:style>
+      <a:lnRef idx="0">
+        <a:scrgbClr r="0" g="0" b="0"/>
+      </a:lnRef>
+      <a:fillRef idx="1">
+        <a:scrgbClr r="0" g="0" b="0"/>
+      </a:fillRef>
+      <a:effectRef idx="0">
+        <a:scrgbClr r="0" g="0" b="0"/>
+      </a:effectRef>
+      <a:fontRef idx="minor">
+        <a:schemeClr val="lt1"/>
+      </a:fontRef>
+    </dgm:style>
+  </dgm:styleLbl>
+  <dgm:styleLbl name="fgSibTrans2D1">
+    <dgm:scene3d>
+      <a:camera prst="orthographicFront"/>
+      <a:lightRig rig="threePt" dir="t"/>
+    </dgm:scene3d>
+    <dgm:sp3d/>
+    <dgm:txPr/>
+    <dgm:style>
+      <a:lnRef idx="0">
+        <a:scrgbClr r="0" g="0" b="0"/>
+      </a:lnRef>
+      <a:fillRef idx="1">
+        <a:scrgbClr r="0" g="0" b="0"/>
+      </a:fillRef>
+      <a:effectRef idx="0">
+        <a:scrgbClr r="0" g="0" b="0"/>
+      </a:effectRef>
+      <a:fontRef idx="minor">
+        <a:schemeClr val="lt1"/>
+      </a:fontRef>
+    </dgm:style>
+  </dgm:styleLbl>
+  <dgm:styleLbl name="bgSibTrans2D1">
+    <dgm:scene3d>
+      <a:camera prst="orthographicFront"/>
+      <a:lightRig rig="threePt" dir="t"/>
+    </dgm:scene3d>
+    <dgm:sp3d/>
+    <dgm:txPr/>
+    <dgm:style>
+      <a:lnRef idx="0">
+        <a:scrgbClr r="0" g="0" b="0"/>
+      </a:lnRef>
+      <a:fillRef idx="1">
+        <a:scrgbClr r="0" g="0" b="0"/>
+      </a:fillRef>
+      <a:effectRef idx="0">
+        <a:scrgbClr r="0" g="0" b="0"/>
+      </a:effectRef>
+      <a:fontRef idx="minor">
+        <a:schemeClr val="lt1"/>
+      </a:fontRef>
+    </dgm:style>
+  </dgm:styleLbl>
+  <dgm:styleLbl name="sibTrans1D1">
+    <dgm:scene3d>
+      <a:camera prst="orthographicFront"/>
+      <a:lightRig rig="threePt" dir="t"/>
+    </dgm:scene3d>
+    <dgm:sp3d/>
+    <dgm:txPr/>
+    <dgm:style>
+      <a:lnRef idx="1">
+        <a:scrgbClr r="0" g="0" b="0"/>
+      </a:lnRef>
+      <a:fillRef idx="0">
+        <a:scrgbClr r="0" g="0" b="0"/>
+      </a:fillRef>
+      <a:effectRef idx="0">
+        <a:scrgbClr r="0" g="0" b="0"/>
+      </a:effectRef>
+      <a:fontRef idx="minor"/>
+    </dgm:style>
+  </dgm:styleLbl>
+  <dgm:styleLbl name="callout">
+    <dgm:scene3d>
+      <a:camera prst="orthographicFront"/>
+      <a:lightRig rig="threePt" dir="t"/>
+    </dgm:scene3d>
+    <dgm:sp3d/>
+    <dgm:txPr/>
+    <dgm:style>
+      <a:lnRef idx="2">
+        <a:scrgbClr r="0" g="0" b="0"/>
+      </a:lnRef>
+      <a:fillRef idx="1">
+        <a:scrgbClr r="0" g="0" b="0"/>
+      </a:fillRef>
+      <a:effectRef idx="0">
+        <a:scrgbClr r="0" g="0" b="0"/>
+      </a:effectRef>
+      <a:fontRef idx="minor"/>
+    </dgm:style>
+  </dgm:styleLbl>
+  <dgm:styleLbl name="asst0">
+    <dgm:scene3d>
+      <a:camera prst="orthographicFront"/>
+      <a:lightRig rig="threePt" dir="t"/>
+    </dgm:scene3d>
+    <dgm:sp3d/>
+    <dgm:txPr/>
+    <dgm:style>
+      <a:lnRef idx="2">
+        <a:scrgbClr r="0" g="0" b="0"/>
+      </a:lnRef>
+      <a:fillRef idx="1">
+        <a:scrgbClr r="0" g="0" b="0"/>
+      </a:fillRef>
+      <a:effectRef idx="0">
+        <a:scrgbClr r="0" g="0" b="0"/>
+      </a:effectRef>
+      <a:fontRef idx="minor">
+        <a:schemeClr val="lt1"/>
+      </a:fontRef>
+    </dgm:style>
+  </dgm:styleLbl>
+  <dgm:styleLbl name="asst1">
+    <dgm:scene3d>
+      <a:camera prst="orthographicFront"/>
+      <a:lightRig rig="threePt" dir="t"/>
+    </dgm:scene3d>
+    <dgm:sp3d/>
+    <dgm:txPr/>
+    <dgm:style>
+      <a:lnRef idx="2">
+        <a:scrgbClr r="0" g="0" b="0"/>
+      </a:lnRef>
+      <a:fillRef idx="1">
+        <a:scrgbClr r="0" g="0" b="0"/>
+      </a:fillRef>
+      <a:effectRef idx="0">
+        <a:scrgbClr r="0" g="0" b="0"/>
+      </a:effectRef>
+      <a:fontRef idx="minor">
+        <a:schemeClr val="lt1"/>
+      </a:fontRef>
+    </dgm:style>
+  </dgm:styleLbl>
+  <dgm:styleLbl name="asst2">
+    <dgm:scene3d>
+      <a:camera prst="orthographicFront"/>
+      <a:lightRig rig="threePt" dir="t"/>
+    </dgm:scene3d>
+    <dgm:sp3d/>
+    <dgm:txPr/>
+    <dgm:style>
+      <a:lnRef idx="2">
+        <a:scrgbClr r="0" g="0" b="0"/>
+      </a:lnRef>
+      <a:fillRef idx="1">
+        <a:scrgbClr r="0" g="0" b="0"/>
+      </a:fillRef>
+      <a:effectRef idx="0">
+        <a:scrgbClr r="0" g="0" b="0"/>
+      </a:effectRef>
+      <a:fontRef idx="minor">
+        <a:schemeClr val="lt1"/>
+      </a:fontRef>
+    </dgm:style>
+  </dgm:styleLbl>
+  <dgm:styleLbl name="asst3">
+    <dgm:scene3d>
+      <a:camera prst="orthographicFront"/>
+      <a:lightRig rig="threePt" dir="t"/>
+    </dgm:scene3d>
+    <dgm:sp3d/>
+    <dgm:txPr/>
+    <dgm:style>
+      <a:lnRef idx="2">
+        <a:scrgbClr r="0" g="0" b="0"/>
+      </a:lnRef>
+      <a:fillRef idx="1">
+        <a:scrgbClr r="0" g="0" b="0"/>
+      </a:fillRef>
+      <a:effectRef idx="0">
+        <a:scrgbClr r="0" g="0" b="0"/>
+      </a:effectRef>
+      <a:fontRef idx="minor">
+        <a:schemeClr val="lt1"/>
+      </a:fontRef>
+    </dgm:style>
+  </dgm:styleLbl>
+  <dgm:styleLbl name="asst4">
+    <dgm:scene3d>
+      <a:camera prst="orthographicFront"/>
+      <a:lightRig rig="threePt" dir="t"/>
+    </dgm:scene3d>
+    <dgm:sp3d/>
+    <dgm:txPr/>
+    <dgm:style>
+      <a:lnRef idx="2">
+        <a:scrgbClr r="0" g="0" b="0"/>
+      </a:lnRef>
+      <a:fillRef idx="1">
+        <a:scrgbClr r="0" g="0" b="0"/>
+      </a:fillRef>
+      <a:effectRef idx="0">
+        <a:scrgbClr r="0" g="0" b="0"/>
+      </a:effectRef>
+      <a:fontRef idx="minor">
+        <a:schemeClr val="lt1"/>
+      </a:fontRef>
+    </dgm:style>
+  </dgm:styleLbl>
+  <dgm:styleLbl name="parChTrans2D1">
+    <dgm:scene3d>
+      <a:camera prst="orthographicFront"/>
+      <a:lightRig rig="threePt" dir="t"/>
+    </dgm:scene3d>
+    <dgm:sp3d/>
+    <dgm:txPr/>
+    <dgm:style>
+      <a:lnRef idx="2">
+        <a:scrgbClr r="0" g="0" b="0"/>
+      </a:lnRef>
+      <a:fillRef idx="1">
+        <a:scrgbClr r="0" g="0" b="0"/>
+      </a:fillRef>
+      <a:effectRef idx="0">
+        <a:scrgbClr r="0" g="0" b="0"/>
+      </a:effectRef>
+      <a:fontRef idx="minor">
+        <a:schemeClr val="lt1"/>
+      </a:fontRef>
+    </dgm:style>
+  </dgm:styleLbl>
+  <dgm:styleLbl name="parChTrans2D2">
+    <dgm:scene3d>
+      <a:camera prst="orthographicFront"/>
+      <a:lightRig rig="threePt" dir="t"/>
+    </dgm:scene3d>
+    <dgm:sp3d/>
+    <dgm:txPr/>
+    <dgm:style>
+      <a:lnRef idx="2">
+        <a:scrgbClr r="0" g="0" b="0"/>
+      </a:lnRef>
+      <a:fillRef idx="1">
+        <a:scrgbClr r="0" g="0" b="0"/>
+      </a:fillRef>
+      <a:effectRef idx="0">
+        <a:scrgbClr r="0" g="0" b="0"/>
+      </a:effectRef>
+      <a:fontRef idx="minor">
+        <a:schemeClr val="lt1"/>
+      </a:fontRef>
+    </dgm:style>
+  </dgm:styleLbl>
+  <dgm:styleLbl name="parChTrans2D3">
+    <dgm:scene3d>
+      <a:camera prst="orthographicFront"/>
+      <a:lightRig rig="threePt" dir="t"/>
+    </dgm:scene3d>
+    <dgm:sp3d/>
+    <dgm:txPr/>
+    <dgm:style>
+      <a:lnRef idx="2">
+        <a:scrgbClr r="0" g="0" b="0"/>
+      </a:lnRef>
+      <a:fillRef idx="1">
+        <a:scrgbClr r="0" g="0" b="0"/>
+      </a:fillRef>
+      <a:effectRef idx="0">
+        <a:scrgbClr r="0" g="0" b="0"/>
+      </a:effectRef>
+      <a:fontRef idx="minor">
+        <a:schemeClr val="lt1"/>
+      </a:fontRef>
+    </dgm:style>
+  </dgm:styleLbl>
+  <dgm:styleLbl name="parChTrans2D4">
+    <dgm:scene3d>
+      <a:camera prst="orthographicFront"/>
+      <a:lightRig rig="threePt" dir="t"/>
+    </dgm:scene3d>
+    <dgm:sp3d/>
+    <dgm:txPr/>
+    <dgm:style>
+      <a:lnRef idx="2">
+        <a:scrgbClr r="0" g="0" b="0"/>
+      </a:lnRef>
+      <a:fillRef idx="1">
+        <a:scrgbClr r="0" g="0" b="0"/>
+      </a:fillRef>
+      <a:effectRef idx="0">
+        <a:scrgbClr r="0" g="0" b="0"/>
+      </a:effectRef>
+      <a:fontRef idx="minor">
+        <a:schemeClr val="lt1"/>
+      </a:fontRef>
+    </dgm:style>
+  </dgm:styleLbl>
+  <dgm:styleLbl name="parChTrans1D1">
+    <dgm:scene3d>
+      <a:camera prst="orthographicFront"/>
+      <a:lightRig rig="threePt" dir="t"/>
+    </dgm:scene3d>
+    <dgm:sp3d/>
+    <dgm:txPr/>
+    <dgm:style>
+      <a:lnRef idx="2">
+        <a:scrgbClr r="0" g="0" b="0"/>
+      </a:lnRef>
+      <a:fillRef idx="0">
+        <a:scrgbClr r="0" g="0" b="0"/>
+      </a:fillRef>
+      <a:effectRef idx="0">
+        <a:scrgbClr r="0" g="0" b="0"/>
+      </a:effectRef>
+      <a:fontRef idx="minor"/>
+    </dgm:style>
+  </dgm:styleLbl>
+  <dgm:styleLbl name="parChTrans1D2">
+    <dgm:scene3d>
+      <a:camera prst="orthographicFront"/>
+      <a:lightRig rig="threePt" dir="t"/>
+    </dgm:scene3d>
+    <dgm:sp3d/>
+    <dgm:txPr/>
+    <dgm:style>
+      <a:lnRef idx="2">
+        <a:scrgbClr r="0" g="0" b="0"/>
+      </a:lnRef>
+      <a:fillRef idx="0">
+        <a:scrgbClr r="0" g="0" b="0"/>
+      </a:fillRef>
+      <a:effectRef idx="0">
+        <a:scrgbClr r="0" g="0" b="0"/>
+      </a:effectRef>
+      <a:fontRef idx="minor"/>
+    </dgm:style>
+  </dgm:styleLbl>
+  <dgm:styleLbl name="parChTrans1D3">
+    <dgm:scene3d>
+      <a:camera prst="orthographicFront"/>
+      <a:lightRig rig="threePt" dir="t"/>
+    </dgm:scene3d>
+    <dgm:sp3d/>
+    <dgm:txPr/>
+    <dgm:style>
+      <a:lnRef idx="2">
+        <a:scrgbClr r="0" g="0" b="0"/>
+      </a:lnRef>
+      <a:fillRef idx="0">
+        <a:scrgbClr r="0" g="0" b="0"/>
+      </a:fillRef>
+      <a:effectRef idx="0">
+        <a:scrgbClr r="0" g="0" b="0"/>
+      </a:effectRef>
+      <a:fontRef idx="minor"/>
+    </dgm:style>
+  </dgm:styleLbl>
+  <dgm:styleLbl name="parChTrans1D4">
+    <dgm:scene3d>
+      <a:camera prst="orthographicFront"/>
+      <a:lightRig rig="threePt" dir="t"/>
+    </dgm:scene3d>
+    <dgm:sp3d/>
+    <dgm:txPr/>
+    <dgm:style>
+      <a:lnRef idx="2">
+        <a:scrgbClr r="0" g="0" b="0"/>
+      </a:lnRef>
+      <a:fillRef idx="0">
+        <a:scrgbClr r="0" g="0" b="0"/>
+      </a:fillRef>
+      <a:effectRef idx="0">
+        <a:scrgbClr r="0" g="0" b="0"/>
+      </a:effectRef>
+      <a:fontRef idx="minor"/>
+    </dgm:style>
+  </dgm:styleLbl>
+  <dgm:styleLbl name="fgAcc1">
+    <dgm:scene3d>
+      <a:camera prst="orthographicFront"/>
+      <a:lightRig rig="threePt" dir="t"/>
+    </dgm:scene3d>
+    <dgm:sp3d/>
+    <dgm:txPr/>
+    <dgm:style>
+      <a:lnRef idx="2">
+        <a:scrgbClr r="0" g="0" b="0"/>
+      </a:lnRef>
+      <a:fillRef idx="1">
+        <a:scrgbClr r="0" g="0" b="0"/>
+      </a:fillRef>
+      <a:effectRef idx="0">
+        <a:scrgbClr r="0" g="0" b="0"/>
+      </a:effectRef>
+      <a:fontRef idx="minor"/>
+    </dgm:style>
+  </dgm:styleLbl>
+  <dgm:styleLbl name="conFgAcc1">
+    <dgm:scene3d>
+      <a:camera prst="orthographicFront"/>
+      <a:lightRig rig="threePt" dir="t"/>
+    </dgm:scene3d>
+    <dgm:sp3d/>
+    <dgm:txPr/>
+    <dgm:style>
+      <a:lnRef idx="2">
+        <a:scrgbClr r="0" g="0" b="0"/>
+      </a:lnRef>
+      <a:fillRef idx="1">
+        <a:scrgbClr r="0" g="0" b="0"/>
+      </a:fillRef>
+      <a:effectRef idx="0">
+        <a:scrgbClr r="0" g="0" b="0"/>
+      </a:effectRef>
+      <a:fontRef idx="minor"/>
+    </dgm:style>
+  </dgm:styleLbl>
+  <dgm:styleLbl name="alignAcc1">
+    <dgm:scene3d>
+      <a:camera prst="orthographicFront"/>
+      <a:lightRig rig="threePt" dir="t"/>
+    </dgm:scene3d>
+    <dgm:sp3d/>
+    <dgm:txPr/>
+    <dgm:style>
+      <a:lnRef idx="2">
+        <a:scrgbClr r="0" g="0" b="0"/>
+      </a:lnRef>
+      <a:fillRef idx="1">
+        <a:scrgbClr r="0" g="0" b="0"/>
+      </a:fillRef>
+      <a:effectRef idx="0">
+        <a:scrgbClr r="0" g="0" b="0"/>
+      </a:effectRef>
+      <a:fontRef idx="minor"/>
+    </dgm:style>
+  </dgm:styleLbl>
+  <dgm:styleLbl name="trAlignAcc1">
+    <dgm:scene3d>
+      <a:camera prst="orthographicFront"/>
+      <a:lightRig rig="threePt" dir="t"/>
+    </dgm:scene3d>
+    <dgm:sp3d/>
+    <dgm:txPr/>
+    <dgm:style>
+      <a:lnRef idx="1">
+        <a:scrgbClr r="0" g="0" b="0"/>
+      </a:lnRef>
+      <a:fillRef idx="1">
+        <a:scrgbClr r="0" g="0" b="0"/>
+      </a:fillRef>
+      <a:effectRef idx="0">
+        <a:scrgbClr r="0" g="0" b="0"/>
+      </a:effectRef>
+      <a:fontRef idx="minor"/>
+    </dgm:style>
+  </dgm:styleLbl>
+  <dgm:styleLbl name="bgAcc1">
+    <dgm:scene3d>
+      <a:camera prst="orthographicFront"/>
+      <a:lightRig rig="threePt" dir="t"/>
+    </dgm:scene3d>
+    <dgm:sp3d/>
+    <dgm:txPr/>
+    <dgm:style>
+      <a:lnRef idx="2">
+        <a:scrgbClr r="0" g="0" b="0"/>
+      </a:lnRef>
+      <a:fillRef idx="1">
+        <a:scrgbClr r="0" g="0" b="0"/>
+      </a:fillRef>
+      <a:effectRef idx="0">
+        <a:scrgbClr r="0" g="0" b="0"/>
+      </a:effectRef>
+      <a:fontRef idx="minor"/>
+    </dgm:style>
+  </dgm:styleLbl>
+  <dgm:styleLbl name="solidFgAcc1">
+    <dgm:scene3d>
+      <a:camera prst="orthographicFront"/>
+      <a:lightRig rig="threePt" dir="t"/>
+    </dgm:scene3d>
+    <dgm:sp3d/>
+    <dgm:txPr/>
+    <dgm:style>
+      <a:lnRef idx="2">
+        <a:scrgbClr r="0" g="0" b="0"/>
+      </a:lnRef>
+      <a:fillRef idx="1">
+        <a:scrgbClr r="0" g="0" b="0"/>
+      </a:fillRef>
+      <a:effectRef idx="0">
+        <a:scrgbClr r="0" g="0" b="0"/>
+      </a:effectRef>
+      <a:fontRef idx="minor"/>
+    </dgm:style>
+  </dgm:styleLbl>
+  <dgm:styleLbl name="solidAlignAcc1">
+    <dgm:scene3d>
+      <a:camera prst="orthographicFront"/>
+      <a:lightRig rig="threePt" dir="t"/>
+    </dgm:scene3d>
+    <dgm:sp3d/>
+    <dgm:txPr/>
+    <dgm:style>
+      <a:lnRef idx="2">
+        <a:scrgbClr r="0" g="0" b="0"/>
+      </a:lnRef>
+      <a:fillRef idx="1">
+        <a:scrgbClr r="0" g="0" b="0"/>
+      </a:fillRef>
+      <a:effectRef idx="0">
+        <a:scrgbClr r="0" g="0" b="0"/>
+      </a:effectRef>
+      <a:fontRef idx="minor"/>
+    </dgm:style>
+  </dgm:styleLbl>
+  <dgm:styleLbl name="solidBgAcc1">
+    <dgm:scene3d>
+      <a:camera prst="orthographicFront"/>
+      <a:lightRig rig="threePt" dir="t"/>
+    </dgm:scene3d>
+    <dgm:sp3d/>
+    <dgm:txPr/>
+    <dgm:style>
+      <a:lnRef idx="2">
+        <a:scrgbClr r="0" g="0" b="0"/>
+      </a:lnRef>
+      <a:fillRef idx="1">
+        <a:scrgbClr r="0" g="0" b="0"/>
+      </a:fillRef>
+      <a:effectRef idx="0">
+        <a:scrgbClr r="0" g="0" b="0"/>
+      </a:effectRef>
+      <a:fontRef idx="minor"/>
+    </dgm:style>
+  </dgm:styleLbl>
+  <dgm:styleLbl name="fgAccFollowNode1">
+    <dgm:scene3d>
+      <a:camera prst="orthographicFront"/>
+      <a:lightRig rig="threePt" dir="t"/>
+    </dgm:scene3d>
+    <dgm:sp3d/>
+    <dgm:txPr/>
+    <dgm:style>
+      <a:lnRef idx="2">
+        <a:scrgbClr r="0" g="0" b="0"/>
+      </a:lnRef>
+      <a:fillRef idx="1">
+        <a:scrgbClr r="0" g="0" b="0"/>
+      </a:fillRef>
+      <a:effectRef idx="0">
+        <a:scrgbClr r="0" g="0" b="0"/>
+      </a:effectRef>
+      <a:fontRef idx="minor"/>
+    </dgm:style>
+  </dgm:styleLbl>
+  <dgm:styleLbl name="alignAccFollowNode1">
+    <dgm:scene3d>
+      <a:camera prst="orthographicFront"/>
+      <a:lightRig rig="threePt" dir="t"/>
+    </dgm:scene3d>
+    <dgm:sp3d/>
+    <dgm:txPr/>
+    <dgm:style>
+      <a:lnRef idx="2">
+        <a:scrgbClr r="0" g="0" b="0"/>
+      </a:lnRef>
+      <a:fillRef idx="1">
+        <a:scrgbClr r="0" g="0" b="0"/>
+      </a:fillRef>
+      <a:effectRef idx="0">
+        <a:scrgbClr r="0" g="0" b="0"/>
+      </a:effectRef>
+      <a:fontRef idx="minor"/>
+    </dgm:style>
+  </dgm:styleLbl>
+  <dgm:styleLbl name="bgAccFollowNode1">
+    <dgm:scene3d>
+      <a:camera prst="orthographicFront"/>
+      <a:lightRig rig="threePt" dir="t"/>
+    </dgm:scene3d>
+    <dgm:sp3d/>
+    <dgm:txPr/>
+    <dgm:style>
+      <a:lnRef idx="2">
+        <a:scrgbClr r="0" g="0" b="0"/>
+      </a:lnRef>
+      <a:fillRef idx="1">
+        <a:scrgbClr r="0" g="0" b="0"/>
+      </a:fillRef>
+      <a:effectRef idx="0">
+        <a:scrgbClr r="0" g="0" b="0"/>
+      </a:effectRef>
+      <a:fontRef idx="minor"/>
+    </dgm:style>
+  </dgm:styleLbl>
+  <dgm:styleLbl name="fgAcc0">
+    <dgm:scene3d>
+      <a:camera prst="orthographicFront"/>
+      <a:lightRig rig="threePt" dir="t"/>
+    </dgm:scene3d>
+    <dgm:sp3d/>
+    <dgm:txPr/>
+    <dgm:style>
+      <a:lnRef idx="2">
+        <a:scrgbClr r="0" g="0" b="0"/>
+      </a:lnRef>
+      <a:fillRef idx="1">
+        <a:scrgbClr r="0" g="0" b="0"/>
+      </a:fillRef>
+      <a:effectRef idx="0">
+        <a:scrgbClr r="0" g="0" b="0"/>
+      </a:effectRef>
+      <a:fontRef idx="minor"/>
+    </dgm:style>
+  </dgm:styleLbl>
+  <dgm:styleLbl name="fgAcc2">
+    <dgm:scene3d>
+      <a:camera prst="orthographicFront"/>
+      <a:lightRig rig="threePt" dir="t"/>
+    </dgm:scene3d>
+    <dgm:sp3d/>
+    <dgm:txPr/>
+    <dgm:style>
+      <a:lnRef idx="2">
+        <a:scrgbClr r="0" g="0" b="0"/>
+      </a:lnRef>
+      <a:fillRef idx="1">
+        <a:scrgbClr r="0" g="0" b="0"/>
+      </a:fillRef>
+      <a:effectRef idx="0">
+        <a:scrgbClr r="0" g="0" b="0"/>
+      </a:effectRef>
+      <a:fontRef idx="minor"/>
+    </dgm:style>
+  </dgm:styleLbl>
+  <dgm:styleLbl name="fgAcc3">
+    <dgm:scene3d>
+      <a:camera prst="orthographicFront"/>
+      <a:lightRig rig="threePt" dir="t"/>
+    </dgm:scene3d>
+    <dgm:sp3d/>
+    <dgm:txPr/>
+    <dgm:style>
+      <a:lnRef idx="2">
+        <a:scrgbClr r="0" g="0" b="0"/>
+      </a:lnRef>
+      <a:fillRef idx="1">
+        <a:scrgbClr r="0" g="0" b="0"/>
+      </a:fillRef>
+      <a:effectRef idx="0">
+        <a:scrgbClr r="0" g="0" b="0"/>
+      </a:effectRef>
+      <a:fontRef idx="minor"/>
+    </dgm:style>
+  </dgm:styleLbl>
+  <dgm:styleLbl name="fgAcc4">
+    <dgm:scene3d>
+      <a:camera prst="orthographicFront"/>
+      <a:lightRig rig="threePt" dir="t"/>
+    </dgm:scene3d>
+    <dgm:sp3d/>
+    <dgm:txPr/>
+    <dgm:style>
+      <a:lnRef idx="2">
+        <a:scrgbClr r="0" g="0" b="0"/>
+      </a:lnRef>
+      <a:fillRef idx="1">
+        <a:scrgbClr r="0" g="0" b="0"/>
+      </a:fillRef>
+      <a:effectRef idx="0">
+        <a:scrgbClr r="0" g="0" b="0"/>
+      </a:effectRef>
+      <a:fontRef idx="minor"/>
+    </dgm:style>
+  </dgm:styleLbl>
+  <dgm:styleLbl name="bgShp">
+    <dgm:scene3d>
+      <a:camera prst="orthographicFront"/>
+      <a:lightRig rig="threePt" dir="t"/>
+    </dgm:scene3d>
+    <dgm:sp3d/>
+    <dgm:txPr/>
+    <dgm:style>
+      <a:lnRef idx="0">
+        <a:scrgbClr r="0" g="0" b="0"/>
+      </a:lnRef>
+      <a:fillRef idx="1">
+        <a:scrgbClr r="0" g="0" b="0"/>
+      </a:fillRef>
+      <a:effectRef idx="0">
+        <a:scrgbClr r="0" g="0" b="0"/>
+      </a:effectRef>
+      <a:fontRef idx="minor"/>
+    </dgm:style>
+  </dgm:styleLbl>
+  <dgm:styleLbl name="dkBgShp">
+    <dgm:scene3d>
+      <a:camera prst="orthographicFront"/>
+      <a:lightRig rig="threePt" dir="t"/>
+    </dgm:scene3d>
+    <dgm:sp3d/>
+    <dgm:txPr/>
+    <dgm:style>
+      <a:lnRef idx="0">
+        <a:scrgbClr r="0" g="0" b="0"/>
+      </a:lnRef>
+      <a:fillRef idx="1">
+        <a:scrgbClr r="0" g="0" b="0"/>
+      </a:fillRef>
+      <a:effectRef idx="0">
+        <a:scrgbClr r="0" g="0" b="0"/>
+      </a:effectRef>
+      <a:fontRef idx="minor"/>
+    </dgm:style>
+  </dgm:styleLbl>
+  <dgm:styleLbl name="trBgShp">
+    <dgm:scene3d>
+      <a:camera prst="orthographicFront"/>
+      <a:lightRig rig="threePt" dir="t"/>
+    </dgm:scene3d>
+    <dgm:sp3d/>
+    <dgm:txPr/>
+    <dgm:style>
+      <a:lnRef idx="0">
+        <a:scrgbClr r="0" g="0" b="0"/>
+      </a:lnRef>
+      <a:fillRef idx="1">
+        <a:scrgbClr r="0" g="0" b="0"/>
+      </a:fillRef>
+      <a:effectRef idx="0">
+        <a:scrgbClr r="0" g="0" b="0"/>
+      </a:effectRef>
+      <a:fontRef idx="minor"/>
+    </dgm:style>
+  </dgm:styleLbl>
+  <dgm:styleLbl name="fgShp">
+    <dgm:scene3d>
+      <a:camera prst="orthographicFront"/>
+      <a:lightRig rig="threePt" dir="t"/>
+    </dgm:scene3d>
+    <dgm:sp3d/>
+    <dgm:txPr/>
+    <dgm:style>
+      <a:lnRef idx="2">
+        <a:scrgbClr r="0" g="0" b="0"/>
+      </a:lnRef>
+      <a:fillRef idx="1">
+        <a:scrgbClr r="0" g="0" b="0"/>
+      </a:fillRef>
+      <a:effectRef idx="0">
+        <a:scrgbClr r="0" g="0" b="0"/>
+      </a:effectRef>
+      <a:fontRef idx="minor"/>
+    </dgm:style>
+  </dgm:styleLbl>
+  <dgm:styleLbl name="revTx">
+    <dgm:scene3d>
+      <a:camera prst="orthographicFront"/>
+      <a:lightRig rig="threePt" dir="t"/>
+    </dgm:scene3d>
+    <dgm:sp3d/>
+    <dgm:txPr/>
+    <dgm:style>
+      <a:lnRef idx="0">
+        <a:scrgbClr r="0" g="0" b="0"/>
+      </a:lnRef>
+      <a:fillRef idx="0">
+        <a:scrgbClr r="0" g="0" b="0"/>
+      </a:fillRef>
+      <a:effectRef idx="0">
+        <a:scrgbClr r="0" g="0" b="0"/>
+      </a:effectRef>
+      <a:fontRef idx="minor"/>
+    </dgm:style>
+  </dgm:styleLbl>
+</dgm:styleDef>
+</file>
+
+<file path=ppt/diagrams/quickStyle4.xml><?xml version="1.0" encoding="utf-8"?>
 <dgm:styleDef xmlns:dgm="http://schemas.openxmlformats.org/drawingml/2006/diagram" xmlns:a="http://schemas.openxmlformats.org/drawingml/2006/main" uniqueId="urn:microsoft.com/office/officeart/2005/8/quickstyle/simple5">
   <dgm:title val=""/>
   <dgm:desc val=""/>
@@ -9439,7 +12533,7 @@
           <a:p>
             <a:fld id="{D264E860-8F31-4054-A493-E34C98AAD2AE}" type="datetimeFigureOut">
               <a:rPr lang="en-US" smtClean="0"/>
-              <a:t>9/22/2023</a:t>
+              <a:t>9/26/2023</a:t>
             </a:fld>
             <a:endParaRPr lang="en-US"/>
           </a:p>
@@ -9754,7 +12848,7 @@
               <a:buFontTx/>
               <a:buNone/>
             </a:pPr>
-            <a:endParaRPr lang="en-US" dirty="0"/>
+            <a:endParaRPr lang="en-US"/>
           </a:p>
         </p:txBody>
       </p:sp>
@@ -9842,7 +12936,7 @@
               <a:buFontTx/>
               <a:buNone/>
             </a:pPr>
-            <a:endParaRPr lang="en-US" dirty="0"/>
+            <a:endParaRPr lang="en-US"/>
           </a:p>
         </p:txBody>
       </p:sp>
@@ -9872,7 +12966,7 @@
     </p:spTree>
     <p:extLst>
       <p:ext uri="{BB962C8B-B14F-4D97-AF65-F5344CB8AC3E}">
-        <p14:creationId xmlns:p14="http://schemas.microsoft.com/office/powerpoint/2010/main" val="104062643"/>
+        <p14:creationId xmlns:p14="http://schemas.microsoft.com/office/powerpoint/2010/main" val="4005500927"/>
       </p:ext>
     </p:extLst>
   </p:cSld>
@@ -9927,7 +13021,7 @@
           <a:lstStyle/>
           <a:p>
             <a:r>
-              <a:rPr lang="en-US" dirty="0"/>
+              <a:rPr lang="en-US"/>
               <a:t>Key take away is that that ML is able to abstract the body of a function in a unique way, and using this custom function, many complex problems can be tackled in ways they could have been approached before</a:t>
             </a:r>
           </a:p>
@@ -10014,11 +13108,11 @@
           <a:lstStyle/>
           <a:p>
             <a:r>
-              <a:rPr lang="en-US" dirty="0"/>
+              <a:rPr lang="en-US"/>
               <a:t>Definition: </a:t>
             </a:r>
             <a:r>
-              <a:rPr lang="en-US" sz="1200" b="0" i="0" kern="1200" dirty="0">
+              <a:rPr lang="en-US" sz="1200" b="0" i="0" kern="1200">
                 <a:solidFill>
                   <a:schemeClr val="tx1"/>
                 </a:solidFill>
@@ -10032,7 +13126,7 @@
           </a:p>
           <a:p>
             <a:r>
-              <a:rPr lang="en-US" sz="1200" b="0" i="0" kern="1200" dirty="0">
+              <a:rPr lang="en-US" sz="1200" b="0" i="0" kern="1200">
                 <a:solidFill>
                   <a:schemeClr val="tx1"/>
                 </a:solidFill>
@@ -10043,7 +13137,7 @@
               </a:rPr>
               <a:t>Before we go into these math equations, I will introduce the neural network structure</a:t>
             </a:r>
-            <a:endParaRPr lang="en-US" dirty="0"/>
+            <a:endParaRPr lang="en-US"/>
           </a:p>
         </p:txBody>
       </p:sp>
@@ -10128,8 +13222,8 @@
           <a:lstStyle/>
           <a:p>
             <a:r>
-              <a:rPr lang="en-US" dirty="0"/>
-              <a:t>This lecture had a lot of theory and we realize that, so we are going to give you a quick demo</a:t>
+              <a:rPr lang="en-US"/>
+              <a:t>Answer to Question: It tries to patterns and similar characteristics and begins to group the data together (known as clustering)</a:t>
             </a:r>
           </a:p>
         </p:txBody>
@@ -10215,54 +13309,234 @@
           <a:lstStyle/>
           <a:p>
             <a:r>
-              <a:rPr lang="en-US" dirty="0"/>
-              <a:t>Say </a:t>
-            </a:r>
-            <a:r>
-              <a:rPr lang="en-US" dirty="0" err="1"/>
-              <a:t>coursera</a:t>
-            </a:r>
-            <a:r>
-              <a:rPr lang="en-US" dirty="0"/>
-              <a:t> courses are expensive, but highly comprehensive and do have financial aid options</a:t>
+              <a:rPr lang="en-US">
+                <a:cs typeface="Calibri"/>
+              </a:rPr>
+              <a:t>Within Supervised Learning, there are 2 main types, Classification and Regression - (explain what is on slides (Regression usually deals with numbers, and classification tends to deal with Labels as shown in the graph))</a:t>
             </a:r>
           </a:p>
           <a:p>
-            <a:pPr marL="171450" indent="-171450">
-              <a:buFontTx/>
-              <a:buChar char="-"/>
-            </a:pPr>
+            <a:endParaRPr lang="en-US">
+              <a:cs typeface="Calibri"/>
+            </a:endParaRPr>
+          </a:p>
+          <a:p>
             <a:r>
-              <a:rPr lang="en-US" dirty="0"/>
-              <a:t>Udemy courses are best resources, courses are cheap and the ones I’ve provided have good content</a:t>
+              <a:rPr lang="en-US">
+                <a:cs typeface="Calibri"/>
+              </a:rPr>
+              <a:t>Talk about how the graphs differ from each other (</a:t>
+            </a:r>
+            <a:r>
+              <a:rPr lang="en-US" err="1">
+                <a:cs typeface="Calibri"/>
+              </a:rPr>
+              <a:t>Classificatoin</a:t>
+            </a:r>
+            <a:r>
+              <a:rPr lang="en-US">
+                <a:cs typeface="Calibri"/>
+              </a:rPr>
+              <a:t> groups the data into separate groups, Regression forms a linear pattern between the data also known as linear regression)</a:t>
             </a:r>
           </a:p>
           <a:p>
-            <a:pPr marL="171450" indent="-171450">
-              <a:buFontTx/>
-              <a:buChar char="-"/>
-            </a:pPr>
+            <a:endParaRPr lang="en-US">
+              <a:cs typeface="Calibri"/>
+            </a:endParaRPr>
+          </a:p>
+        </p:txBody>
+      </p:sp>
+      <p:sp>
+        <p:nvSpPr>
+          <p:cNvPr id="4" name="Slide Number Placeholder 3"/>
+          <p:cNvSpPr>
+            <a:spLocks noGrp="1"/>
+          </p:cNvSpPr>
+          <p:nvPr>
+            <p:ph type="sldNum" sz="quarter" idx="5"/>
+          </p:nvPr>
+        </p:nvSpPr>
+        <p:spPr/>
+        <p:txBody>
+          <a:bodyPr/>
+          <a:lstStyle/>
+          <a:p>
+            <a:fld id="{E1D6255D-54B9-4E44-8DC1-E4F8B15F530F}" type="slidenum">
+              <a:rPr lang="en-US" smtClean="0"/>
+              <a:t>8</a:t>
+            </a:fld>
+            <a:endParaRPr lang="en-US"/>
+          </a:p>
+        </p:txBody>
+      </p:sp>
+    </p:spTree>
+    <p:extLst>
+      <p:ext uri="{BB962C8B-B14F-4D97-AF65-F5344CB8AC3E}">
+        <p14:creationId xmlns:p14="http://schemas.microsoft.com/office/powerpoint/2010/main" val="1066934463"/>
+      </p:ext>
+    </p:extLst>
+  </p:cSld>
+  <p:clrMapOvr>
+    <a:masterClrMapping/>
+  </p:clrMapOvr>
+</p:notes>
+</file>
+
+<file path=ppt/notesSlides/notesSlide7.xml><?xml version="1.0" encoding="utf-8"?>
+<p:notes xmlns:a="http://schemas.openxmlformats.org/drawingml/2006/main" xmlns:r="http://schemas.openxmlformats.org/officeDocument/2006/relationships" xmlns:p="http://schemas.openxmlformats.org/presentationml/2006/main">
+  <p:cSld>
+    <p:spTree>
+      <p:nvGrpSpPr>
+        <p:cNvPr id="1" name=""/>
+        <p:cNvGrpSpPr/>
+        <p:nvPr/>
+      </p:nvGrpSpPr>
+      <p:grpSpPr>
+        <a:xfrm>
+          <a:off x="0" y="0"/>
+          <a:ext cx="0" cy="0"/>
+          <a:chOff x="0" y="0"/>
+          <a:chExt cx="0" cy="0"/>
+        </a:xfrm>
+      </p:grpSpPr>
+      <p:sp>
+        <p:nvSpPr>
+          <p:cNvPr id="2" name="Slide Image Placeholder 1"/>
+          <p:cNvSpPr>
+            <a:spLocks noGrp="1" noRot="1" noChangeAspect="1"/>
+          </p:cNvSpPr>
+          <p:nvPr>
+            <p:ph type="sldImg"/>
+          </p:nvPr>
+        </p:nvSpPr>
+        <p:spPr/>
+      </p:sp>
+      <p:sp>
+        <p:nvSpPr>
+          <p:cNvPr id="3" name="Notes Placeholder 2"/>
+          <p:cNvSpPr>
+            <a:spLocks noGrp="1"/>
+          </p:cNvSpPr>
+          <p:nvPr>
+            <p:ph type="body" idx="1"/>
+          </p:nvPr>
+        </p:nvSpPr>
+        <p:spPr/>
+        <p:txBody>
+          <a:bodyPr/>
+          <a:lstStyle/>
+          <a:p>
             <a:r>
-              <a:rPr lang="en-US" dirty="0"/>
-              <a:t>Through courses like these you will get a firm foundation in machine learning techniques and principles</a:t>
+              <a:rPr lang="en-US">
+                <a:cs typeface="Calibri"/>
+              </a:rPr>
+              <a:t>Random Forest is a type of algorithm and it is very versatile (talk about the slide content), mention on how it also looks very similar to a neural network</a:t>
             </a:r>
+            <a:endParaRPr lang="en-US"/>
           </a:p>
           <a:p>
-            <a:pPr marL="171450" indent="-171450">
-              <a:buFontTx/>
-              <a:buChar char="-"/>
-            </a:pPr>
+            <a:endParaRPr lang="en-US"/>
+          </a:p>
+          <a:p>
+            <a:endParaRPr lang="en-US"/>
+          </a:p>
+          <a:p>
             <a:r>
-              <a:rPr lang="en-US" dirty="0"/>
-              <a:t>Through use of these courses I was able to get the foundational knowledge for my first coop at </a:t>
+              <a:rPr lang="en-US"/>
+              <a:t>This lecture had a lot of theory and we realize that, so we are going to give you a quick demo</a:t>
             </a:r>
+            <a:endParaRPr lang="en-US">
+              <a:cs typeface="Calibri" panose="020F0502020204030204"/>
+            </a:endParaRPr>
+          </a:p>
+        </p:txBody>
+      </p:sp>
+      <p:sp>
+        <p:nvSpPr>
+          <p:cNvPr id="4" name="Slide Number Placeholder 3"/>
+          <p:cNvSpPr>
+            <a:spLocks noGrp="1"/>
+          </p:cNvSpPr>
+          <p:nvPr>
+            <p:ph type="sldNum" sz="quarter" idx="5"/>
+          </p:nvPr>
+        </p:nvSpPr>
+        <p:spPr/>
+        <p:txBody>
+          <a:bodyPr/>
+          <a:lstStyle/>
+          <a:p>
+            <a:fld id="{E1D6255D-54B9-4E44-8DC1-E4F8B15F530F}" type="slidenum">
+              <a:rPr lang="en-US" smtClean="0"/>
+              <a:t>10</a:t>
+            </a:fld>
+            <a:endParaRPr lang="en-US"/>
+          </a:p>
+        </p:txBody>
+      </p:sp>
+    </p:spTree>
+    <p:extLst>
+      <p:ext uri="{BB962C8B-B14F-4D97-AF65-F5344CB8AC3E}">
+        <p14:creationId xmlns:p14="http://schemas.microsoft.com/office/powerpoint/2010/main" val="1585830183"/>
+      </p:ext>
+    </p:extLst>
+  </p:cSld>
+  <p:clrMapOvr>
+    <a:masterClrMapping/>
+  </p:clrMapOvr>
+</p:notes>
+</file>
+
+<file path=ppt/notesSlides/notesSlide8.xml><?xml version="1.0" encoding="utf-8"?>
+<p:notes xmlns:a="http://schemas.openxmlformats.org/drawingml/2006/main" xmlns:r="http://schemas.openxmlformats.org/officeDocument/2006/relationships" xmlns:p="http://schemas.openxmlformats.org/presentationml/2006/main">
+  <p:cSld>
+    <p:spTree>
+      <p:nvGrpSpPr>
+        <p:cNvPr id="1" name=""/>
+        <p:cNvGrpSpPr/>
+        <p:nvPr/>
+      </p:nvGrpSpPr>
+      <p:grpSpPr>
+        <a:xfrm>
+          <a:off x="0" y="0"/>
+          <a:ext cx="0" cy="0"/>
+          <a:chOff x="0" y="0"/>
+          <a:chExt cx="0" cy="0"/>
+        </a:xfrm>
+      </p:grpSpPr>
+      <p:sp>
+        <p:nvSpPr>
+          <p:cNvPr id="2" name="Slide Image Placeholder 1"/>
+          <p:cNvSpPr>
+            <a:spLocks noGrp="1" noRot="1" noChangeAspect="1"/>
+          </p:cNvSpPr>
+          <p:nvPr>
+            <p:ph type="sldImg"/>
+          </p:nvPr>
+        </p:nvSpPr>
+        <p:spPr/>
+      </p:sp>
+      <p:sp>
+        <p:nvSpPr>
+          <p:cNvPr id="3" name="Notes Placeholder 2"/>
+          <p:cNvSpPr>
+            <a:spLocks noGrp="1"/>
+          </p:cNvSpPr>
+          <p:nvPr>
+            <p:ph type="body" idx="1"/>
+          </p:nvPr>
+        </p:nvSpPr>
+        <p:spPr/>
+        <p:txBody>
+          <a:bodyPr/>
+          <a:lstStyle/>
+          <a:p>
             <a:r>
-              <a:rPr lang="en-US" dirty="0" err="1"/>
-              <a:t>Telus</a:t>
-            </a:r>
-            <a:r>
-              <a:rPr lang="en-US" dirty="0"/>
-              <a:t> after first year</a:t>
+              <a:rPr lang="en-US">
+                <a:cs typeface="Calibri"/>
+              </a:rPr>
+              <a:t>This is the Decision Tree Diagram we will be using for the demo</a:t>
             </a:r>
           </a:p>
         </p:txBody>
@@ -10284,7 +13558,91 @@
           <a:p>
             <a:fld id="{E1D6255D-54B9-4E44-8DC1-E4F8B15F530F}" type="slidenum">
               <a:rPr lang="en-US" smtClean="0"/>
-              <a:t>8</a:t>
+              <a:t>11</a:t>
+            </a:fld>
+            <a:endParaRPr lang="en-US"/>
+          </a:p>
+        </p:txBody>
+      </p:sp>
+    </p:spTree>
+    <p:extLst>
+      <p:ext uri="{BB962C8B-B14F-4D97-AF65-F5344CB8AC3E}">
+        <p14:creationId xmlns:p14="http://schemas.microsoft.com/office/powerpoint/2010/main" val="243897585"/>
+      </p:ext>
+    </p:extLst>
+  </p:cSld>
+  <p:clrMapOvr>
+    <a:masterClrMapping/>
+  </p:clrMapOvr>
+</p:notes>
+</file>
+
+<file path=ppt/notesSlides/notesSlide9.xml><?xml version="1.0" encoding="utf-8"?>
+<p:notes xmlns:a="http://schemas.openxmlformats.org/drawingml/2006/main" xmlns:r="http://schemas.openxmlformats.org/officeDocument/2006/relationships" xmlns:p="http://schemas.openxmlformats.org/presentationml/2006/main">
+  <p:cSld>
+    <p:spTree>
+      <p:nvGrpSpPr>
+        <p:cNvPr id="1" name=""/>
+        <p:cNvGrpSpPr/>
+        <p:nvPr/>
+      </p:nvGrpSpPr>
+      <p:grpSpPr>
+        <a:xfrm>
+          <a:off x="0" y="0"/>
+          <a:ext cx="0" cy="0"/>
+          <a:chOff x="0" y="0"/>
+          <a:chExt cx="0" cy="0"/>
+        </a:xfrm>
+      </p:grpSpPr>
+      <p:sp>
+        <p:nvSpPr>
+          <p:cNvPr id="2" name="Slide Image Placeholder 1"/>
+          <p:cNvSpPr>
+            <a:spLocks noGrp="1" noRot="1" noChangeAspect="1"/>
+          </p:cNvSpPr>
+          <p:nvPr>
+            <p:ph type="sldImg"/>
+          </p:nvPr>
+        </p:nvSpPr>
+        <p:spPr/>
+      </p:sp>
+      <p:sp>
+        <p:nvSpPr>
+          <p:cNvPr id="3" name="Notes Placeholder 2"/>
+          <p:cNvSpPr>
+            <a:spLocks noGrp="1"/>
+          </p:cNvSpPr>
+          <p:nvPr>
+            <p:ph type="body" idx="1"/>
+          </p:nvPr>
+        </p:nvSpPr>
+        <p:spPr/>
+        <p:txBody>
+          <a:bodyPr/>
+          <a:lstStyle/>
+          <a:p>
+            <a:endParaRPr lang="en-US"/>
+          </a:p>
+        </p:txBody>
+      </p:sp>
+      <p:sp>
+        <p:nvSpPr>
+          <p:cNvPr id="4" name="Slide Number Placeholder 3"/>
+          <p:cNvSpPr>
+            <a:spLocks noGrp="1"/>
+          </p:cNvSpPr>
+          <p:nvPr>
+            <p:ph type="sldNum" sz="quarter" idx="5"/>
+          </p:nvPr>
+        </p:nvSpPr>
+        <p:spPr/>
+        <p:txBody>
+          <a:bodyPr/>
+          <a:lstStyle/>
+          <a:p>
+            <a:fld id="{E1D6255D-54B9-4E44-8DC1-E4F8B15F530F}" type="slidenum">
+              <a:rPr lang="en-US" smtClean="0"/>
+              <a:t>12</a:t>
             </a:fld>
             <a:endParaRPr lang="en-US"/>
           </a:p>
@@ -10362,7 +13720,6 @@
               <a:rPr lang="en-US"/>
               <a:t>Click to edit Master title style</a:t>
             </a:r>
-            <a:endParaRPr lang="en-US" dirty="0"/>
           </a:p>
         </p:txBody>
       </p:sp>
@@ -10438,7 +13795,6 @@
               <a:rPr lang="en-US"/>
               <a:t>Click to edit Master subtitle style</a:t>
             </a:r>
-            <a:endParaRPr lang="en-US" dirty="0"/>
           </a:p>
         </p:txBody>
       </p:sp>
@@ -10472,7 +13828,7 @@
           <a:p>
             <a:fld id="{E7A722B3-22F4-4B05-8985-87A59CBAA03B}" type="datetimeFigureOut">
               <a:rPr lang="en-US" smtClean="0"/>
-              <a:t>9/22/2023</a:t>
+              <a:t>9/26/2023</a:t>
             </a:fld>
             <a:endParaRPr lang="en-US"/>
           </a:p>
@@ -10724,7 +14080,6 @@
               <a:rPr lang="en-US"/>
               <a:t>Click to edit Master title style</a:t>
             </a:r>
-            <a:endParaRPr lang="en-US" dirty="0"/>
           </a:p>
         </p:txBody>
       </p:sp>
@@ -10781,7 +14136,6 @@
               <a:rPr lang="en-US"/>
               <a:t>Fifth level</a:t>
             </a:r>
-            <a:endParaRPr lang="en-US" dirty="0"/>
           </a:p>
         </p:txBody>
       </p:sp>
@@ -10802,7 +14156,7 @@
           <a:p>
             <a:fld id="{E7A722B3-22F4-4B05-8985-87A59CBAA03B}" type="datetimeFigureOut">
               <a:rPr lang="en-US" smtClean="0"/>
-              <a:t>9/22/2023</a:t>
+              <a:t>9/26/2023</a:t>
             </a:fld>
             <a:endParaRPr lang="en-US"/>
           </a:p>
@@ -10904,7 +14258,6 @@
               <a:rPr lang="en-US"/>
               <a:t>Click to edit Master title style</a:t>
             </a:r>
-            <a:endParaRPr lang="en-US" dirty="0"/>
           </a:p>
         </p:txBody>
       </p:sp>
@@ -10961,7 +14314,6 @@
               <a:rPr lang="en-US"/>
               <a:t>Fifth level</a:t>
             </a:r>
-            <a:endParaRPr lang="en-US" dirty="0"/>
           </a:p>
         </p:txBody>
       </p:sp>
@@ -10982,7 +14334,7 @@
           <a:p>
             <a:fld id="{E7A722B3-22F4-4B05-8985-87A59CBAA03B}" type="datetimeFigureOut">
               <a:rPr lang="en-US" smtClean="0"/>
-              <a:t>9/22/2023</a:t>
+              <a:t>9/26/2023</a:t>
             </a:fld>
             <a:endParaRPr lang="en-US"/>
           </a:p>
@@ -11079,7 +14431,6 @@
               <a:rPr lang="en-US"/>
               <a:t>Click to edit Master title style</a:t>
             </a:r>
-            <a:endParaRPr lang="en-US" dirty="0"/>
           </a:p>
         </p:txBody>
       </p:sp>
@@ -11131,7 +14482,6 @@
               <a:rPr lang="en-US"/>
               <a:t>Fifth level</a:t>
             </a:r>
-            <a:endParaRPr lang="en-US" dirty="0"/>
           </a:p>
         </p:txBody>
       </p:sp>
@@ -11152,7 +14502,7 @@
           <a:p>
             <a:fld id="{E7A722B3-22F4-4B05-8985-87A59CBAA03B}" type="datetimeFigureOut">
               <a:rPr lang="en-US" smtClean="0"/>
-              <a:t>9/22/2023</a:t>
+              <a:t>9/26/2023</a:t>
             </a:fld>
             <a:endParaRPr lang="en-US"/>
           </a:p>
@@ -11269,7 +14619,6 @@
               <a:rPr lang="en-US"/>
               <a:t>Click to edit Master title style</a:t>
             </a:r>
-            <a:endParaRPr lang="en-US" dirty="0"/>
           </a:p>
         </p:txBody>
       </p:sp>
@@ -11429,7 +14778,7 @@
           <a:p>
             <a:fld id="{E7A722B3-22F4-4B05-8985-87A59CBAA03B}" type="datetimeFigureOut">
               <a:rPr lang="en-US" smtClean="0"/>
-              <a:t>9/22/2023</a:t>
+              <a:t>9/26/2023</a:t>
             </a:fld>
             <a:endParaRPr lang="en-US"/>
           </a:p>
@@ -11616,7 +14965,6 @@
               <a:rPr lang="en-US"/>
               <a:t>Click to edit Master title style</a:t>
             </a:r>
-            <a:endParaRPr lang="en-US" dirty="0"/>
           </a:p>
         </p:txBody>
       </p:sp>
@@ -11709,7 +15057,6 @@
               <a:rPr lang="en-US"/>
               <a:t>Fifth level</a:t>
             </a:r>
-            <a:endParaRPr lang="en-US" dirty="0"/>
           </a:p>
         </p:txBody>
       </p:sp>
@@ -11802,7 +15149,6 @@
               <a:rPr lang="en-US"/>
               <a:t>Fifth level</a:t>
             </a:r>
-            <a:endParaRPr lang="en-US" dirty="0"/>
           </a:p>
         </p:txBody>
       </p:sp>
@@ -11823,7 +15169,7 @@
           <a:p>
             <a:fld id="{E7A722B3-22F4-4B05-8985-87A59CBAA03B}" type="datetimeFigureOut">
               <a:rPr lang="en-US" smtClean="0"/>
-              <a:t>9/22/2023</a:t>
+              <a:t>9/26/2023</a:t>
             </a:fld>
             <a:endParaRPr lang="en-US"/>
           </a:p>
@@ -11933,7 +15279,6 @@
               <a:rPr lang="en-US"/>
               <a:t>Click to edit Master title style</a:t>
             </a:r>
-            <a:endParaRPr lang="en-US" dirty="0"/>
           </a:p>
         </p:txBody>
       </p:sp>
@@ -12106,7 +15451,6 @@
               <a:rPr lang="en-US"/>
               <a:t>Fifth level</a:t>
             </a:r>
-            <a:endParaRPr lang="en-US" dirty="0"/>
           </a:p>
         </p:txBody>
       </p:sp>
@@ -12279,7 +15623,6 @@
               <a:rPr lang="en-US"/>
               <a:t>Fifth level</a:t>
             </a:r>
-            <a:endParaRPr lang="en-US" dirty="0"/>
           </a:p>
         </p:txBody>
       </p:sp>
@@ -12300,7 +15643,7 @@
           <a:p>
             <a:fld id="{E7A722B3-22F4-4B05-8985-87A59CBAA03B}" type="datetimeFigureOut">
               <a:rPr lang="en-US" smtClean="0"/>
-              <a:t>9/22/2023</a:t>
+              <a:t>9/26/2023</a:t>
             </a:fld>
             <a:endParaRPr lang="en-US"/>
           </a:p>
@@ -12397,7 +15740,6 @@
               <a:rPr lang="en-US"/>
               <a:t>Click to edit Master title style</a:t>
             </a:r>
-            <a:endParaRPr lang="en-US" dirty="0"/>
           </a:p>
         </p:txBody>
       </p:sp>
@@ -12418,7 +15760,7 @@
           <a:p>
             <a:fld id="{E7A722B3-22F4-4B05-8985-87A59CBAA03B}" type="datetimeFigureOut">
               <a:rPr lang="en-US" smtClean="0"/>
-              <a:t>9/22/2023</a:t>
+              <a:t>9/26/2023</a:t>
             </a:fld>
             <a:endParaRPr lang="en-US"/>
           </a:p>
@@ -12513,7 +15855,7 @@
           <a:p>
             <a:fld id="{E7A722B3-22F4-4B05-8985-87A59CBAA03B}" type="datetimeFigureOut">
               <a:rPr lang="en-US" smtClean="0"/>
-              <a:t>9/22/2023</a:t>
+              <a:t>9/26/2023</a:t>
             </a:fld>
             <a:endParaRPr lang="en-US"/>
           </a:p>
@@ -12666,7 +16008,6 @@
               <a:rPr lang="en-US"/>
               <a:t>Click to edit Master title style</a:t>
             </a:r>
-            <a:endParaRPr lang="en-US" dirty="0"/>
           </a:p>
         </p:txBody>
       </p:sp>
@@ -12751,7 +16092,6 @@
               <a:rPr lang="en-US"/>
               <a:t>Fifth level</a:t>
             </a:r>
-            <a:endParaRPr lang="en-US" dirty="0"/>
           </a:p>
         </p:txBody>
       </p:sp>
@@ -12859,7 +16199,7 @@
           <a:p>
             <a:fld id="{E7A722B3-22F4-4B05-8985-87A59CBAA03B}" type="datetimeFigureOut">
               <a:rPr lang="en-US" smtClean="0"/>
-              <a:t>9/22/2023</a:t>
+              <a:t>9/26/2023</a:t>
             </a:fld>
             <a:endParaRPr lang="en-US"/>
           </a:p>
@@ -13072,7 +16412,6 @@
               <a:rPr lang="en-US"/>
               <a:t>Click to edit Master title style</a:t>
             </a:r>
-            <a:endParaRPr lang="en-US" dirty="0"/>
           </a:p>
         </p:txBody>
       </p:sp>
@@ -13139,7 +16478,6 @@
               <a:rPr lang="en-US"/>
               <a:t>Click icon to add picture</a:t>
             </a:r>
-            <a:endParaRPr lang="en-US" dirty="0"/>
           </a:p>
         </p:txBody>
       </p:sp>
@@ -13247,7 +16585,7 @@
           <a:p>
             <a:fld id="{E7A722B3-22F4-4B05-8985-87A59CBAA03B}" type="datetimeFigureOut">
               <a:rPr lang="en-US" smtClean="0"/>
-              <a:t>9/22/2023</a:t>
+              <a:t>9/26/2023</a:t>
             </a:fld>
             <a:endParaRPr lang="en-US"/>
           </a:p>
@@ -13426,7 +16764,6 @@
               <a:rPr lang="en-US"/>
               <a:t>Click to edit Master title style</a:t>
             </a:r>
-            <a:endParaRPr lang="en-US" dirty="0"/>
           </a:p>
         </p:txBody>
       </p:sp>
@@ -13488,7 +16825,6 @@
               <a:rPr lang="en-US"/>
               <a:t>Fifth level</a:t>
             </a:r>
-            <a:endParaRPr lang="en-US" dirty="0"/>
           </a:p>
         </p:txBody>
       </p:sp>
@@ -13525,7 +16861,7 @@
           <a:p>
             <a:fld id="{E7A722B3-22F4-4B05-8985-87A59CBAA03B}" type="datetimeFigureOut">
               <a:rPr lang="en-US" smtClean="0"/>
-              <a:t>9/22/2023</a:t>
+              <a:t>9/26/2023</a:t>
             </a:fld>
             <a:endParaRPr lang="en-US"/>
           </a:p>
@@ -14055,8 +17391,8 @@
         </p:nvSpPr>
         <p:spPr>
           <a:xfrm>
-            <a:off x="1263775" y="1852608"/>
-            <a:ext cx="9320719" cy="2098226"/>
+            <a:off x="1169781" y="1120878"/>
+            <a:ext cx="9851922" cy="2407169"/>
           </a:xfrm>
         </p:spPr>
         <p:txBody>
@@ -14064,8 +17400,8 @@
           <a:lstStyle/>
           <a:p>
             <a:r>
-              <a:rPr lang="en-US" dirty="0"/>
-              <a:t>Beginner ML Course</a:t>
+              <a:rPr lang="en-US" sz="4800" dirty="0"/>
+              <a:t>Machine Learning Essentials: Decode the Basics of ML</a:t>
             </a:r>
           </a:p>
         </p:txBody>
@@ -14094,7 +17430,7 @@
           <a:lstStyle/>
           <a:p>
             <a:r>
-              <a:rPr lang="en-US" sz="4000" dirty="0"/>
+              <a:rPr lang="en-US" sz="3600" dirty="0"/>
               <a:t>Mac AI</a:t>
             </a:r>
           </a:p>
@@ -14104,6 +17440,874 @@
     <p:extLst>
       <p:ext uri="{BB962C8B-B14F-4D97-AF65-F5344CB8AC3E}">
         <p14:creationId xmlns:p14="http://schemas.microsoft.com/office/powerpoint/2010/main" val="1800870924"/>
+      </p:ext>
+    </p:extLst>
+  </p:cSld>
+  <p:clrMapOvr>
+    <a:masterClrMapping/>
+  </p:clrMapOvr>
+</p:sld>
+</file>
+
+<file path=ppt/slides/slide10.xml><?xml version="1.0" encoding="utf-8"?>
+<p:sld xmlns:a="http://schemas.openxmlformats.org/drawingml/2006/main" xmlns:r="http://schemas.openxmlformats.org/officeDocument/2006/relationships" xmlns:p="http://schemas.openxmlformats.org/presentationml/2006/main">
+  <p:cSld>
+    <p:bg>
+      <p:bgPr>
+        <a:solidFill>
+          <a:schemeClr val="bg2"/>
+        </a:solidFill>
+        <a:effectLst/>
+      </p:bgPr>
+    </p:bg>
+    <p:spTree>
+      <p:nvGrpSpPr>
+        <p:cNvPr id="1" name=""/>
+        <p:cNvGrpSpPr/>
+        <p:nvPr/>
+      </p:nvGrpSpPr>
+      <p:grpSpPr>
+        <a:xfrm>
+          <a:off x="0" y="0"/>
+          <a:ext cx="0" cy="0"/>
+          <a:chOff x="0" y="0"/>
+          <a:chExt cx="0" cy="0"/>
+        </a:xfrm>
+      </p:grpSpPr>
+      <p:sp>
+        <p:nvSpPr>
+          <p:cNvPr id="11" name="Rectangle 10">
+            <a:extLst>
+              <a:ext uri="{FF2B5EF4-FFF2-40B4-BE49-F238E27FC236}">
+                <a16:creationId xmlns:a16="http://schemas.microsoft.com/office/drawing/2014/main" id="{0E880B70-9045-4B1E-A61A-E849BE8C838F}"/>
+              </a:ext>
+              <a:ext uri="{C183D7F6-B498-43B3-948B-1728B52AA6E4}">
+                <adec:decorative xmlns:adec="http://schemas.microsoft.com/office/drawing/2017/decorative" val="1"/>
+              </a:ext>
+            </a:extLst>
+          </p:cNvPr>
+          <p:cNvSpPr>
+            <a:spLocks noGrp="1" noRot="1" noChangeAspect="1" noMove="1" noResize="1" noEditPoints="1" noAdjustHandles="1" noChangeArrowheads="1" noChangeShapeType="1" noTextEdit="1"/>
+          </p:cNvSpPr>
+          <p:nvPr>
+            <p:extLst>
+              <p:ext uri="{386F3935-93C4-4BCD-93E2-E3B085C9AB24}">
+                <p16:designElem xmlns:p16="http://schemas.microsoft.com/office/powerpoint/2015/main" val="1"/>
+              </p:ext>
+            </p:extLst>
+          </p:nvPr>
+        </p:nvSpPr>
+        <p:spPr>
+          <a:xfrm>
+            <a:off x="478095" y="376"/>
+            <a:ext cx="228600" cy="6858000"/>
+          </a:xfrm>
+          <a:prstGeom prst="rect">
+            <a:avLst/>
+          </a:prstGeom>
+          <a:solidFill>
+            <a:schemeClr val="tx2"/>
+          </a:solidFill>
+          <a:ln>
+            <a:noFill/>
+          </a:ln>
+        </p:spPr>
+        <p:style>
+          <a:lnRef idx="2">
+            <a:schemeClr val="accent1">
+              <a:shade val="50000"/>
+            </a:schemeClr>
+          </a:lnRef>
+          <a:fillRef idx="1">
+            <a:schemeClr val="accent1"/>
+          </a:fillRef>
+          <a:effectRef idx="0">
+            <a:schemeClr val="accent1"/>
+          </a:effectRef>
+          <a:fontRef idx="minor">
+            <a:schemeClr val="lt1"/>
+          </a:fontRef>
+        </p:style>
+        <p:txBody>
+          <a:bodyPr/>
+          <a:lstStyle/>
+          <a:p>
+            <a:endParaRPr lang="en-CA"/>
+          </a:p>
+        </p:txBody>
+      </p:sp>
+      <p:sp>
+        <p:nvSpPr>
+          <p:cNvPr id="13" name="Rectangle 12">
+            <a:extLst>
+              <a:ext uri="{FF2B5EF4-FFF2-40B4-BE49-F238E27FC236}">
+                <a16:creationId xmlns:a16="http://schemas.microsoft.com/office/drawing/2014/main" id="{6D7D7F0C-622D-4D84-A68D-C1AF54B6347B}"/>
+              </a:ext>
+              <a:ext uri="{C183D7F6-B498-43B3-948B-1728B52AA6E4}">
+                <adec:decorative xmlns:adec="http://schemas.microsoft.com/office/drawing/2017/decorative" val="1"/>
+              </a:ext>
+            </a:extLst>
+          </p:cNvPr>
+          <p:cNvSpPr>
+            <a:spLocks noGrp="1" noRot="1" noChangeAspect="1" noMove="1" noResize="1" noEditPoints="1" noAdjustHandles="1" noChangeArrowheads="1" noChangeShapeType="1" noTextEdit="1"/>
+          </p:cNvSpPr>
+          <p:nvPr>
+            <p:extLst>
+              <p:ext uri="{386F3935-93C4-4BCD-93E2-E3B085C9AB24}">
+                <p16:designElem xmlns:p16="http://schemas.microsoft.com/office/powerpoint/2015/main" val="1"/>
+              </p:ext>
+            </p:extLst>
+          </p:nvPr>
+        </p:nvSpPr>
+        <p:spPr>
+          <a:xfrm>
+            <a:off x="0" y="376"/>
+            <a:ext cx="5303520" cy="6857624"/>
+          </a:xfrm>
+          <a:prstGeom prst="rect">
+            <a:avLst/>
+          </a:prstGeom>
+          <a:solidFill>
+            <a:schemeClr val="accent1"/>
+          </a:solidFill>
+          <a:ln>
+            <a:noFill/>
+          </a:ln>
+        </p:spPr>
+        <p:style>
+          <a:lnRef idx="2">
+            <a:schemeClr val="accent1">
+              <a:shade val="50000"/>
+            </a:schemeClr>
+          </a:lnRef>
+          <a:fillRef idx="1">
+            <a:schemeClr val="accent1"/>
+          </a:fillRef>
+          <a:effectRef idx="0">
+            <a:schemeClr val="accent1"/>
+          </a:effectRef>
+          <a:fontRef idx="minor">
+            <a:schemeClr val="lt1"/>
+          </a:fontRef>
+        </p:style>
+        <p:txBody>
+          <a:bodyPr/>
+          <a:lstStyle/>
+          <a:p>
+            <a:endParaRPr lang="en-CA"/>
+          </a:p>
+        </p:txBody>
+      </p:sp>
+      <p:sp>
+        <p:nvSpPr>
+          <p:cNvPr id="2" name="Title 1">
+            <a:extLst>
+              <a:ext uri="{FF2B5EF4-FFF2-40B4-BE49-F238E27FC236}">
+                <a16:creationId xmlns:a16="http://schemas.microsoft.com/office/drawing/2014/main" id="{ED677C06-D45C-AEBE-051E-3EED0BDEC1C3}"/>
+              </a:ext>
+            </a:extLst>
+          </p:cNvPr>
+          <p:cNvSpPr>
+            <a:spLocks noGrp="1"/>
+          </p:cNvSpPr>
+          <p:nvPr>
+            <p:ph type="title"/>
+          </p:nvPr>
+        </p:nvSpPr>
+        <p:spPr>
+          <a:xfrm>
+            <a:off x="640081" y="1312691"/>
+            <a:ext cx="4018839" cy="2035628"/>
+          </a:xfrm>
+        </p:spPr>
+        <p:txBody>
+          <a:bodyPr vert="horz" lIns="91440" tIns="45720" rIns="91440" bIns="45720" rtlCol="0" anchor="t">
+            <a:normAutofit/>
+          </a:bodyPr>
+          <a:lstStyle/>
+          <a:p>
+            <a:pPr>
+              <a:lnSpc>
+                <a:spcPct val="89000"/>
+              </a:lnSpc>
+            </a:pPr>
+            <a:r>
+              <a:rPr lang="en-US" sz="4400"/>
+              <a:t>Random Forest</a:t>
+            </a:r>
+          </a:p>
+        </p:txBody>
+      </p:sp>
+      <p:sp>
+        <p:nvSpPr>
+          <p:cNvPr id="4" name="Text Placeholder 3">
+            <a:extLst>
+              <a:ext uri="{FF2B5EF4-FFF2-40B4-BE49-F238E27FC236}">
+                <a16:creationId xmlns:a16="http://schemas.microsoft.com/office/drawing/2014/main" id="{4DFEEB77-8B27-D315-8AAC-8CB4327FDBEB}"/>
+              </a:ext>
+            </a:extLst>
+          </p:cNvPr>
+          <p:cNvSpPr>
+            <a:spLocks noGrp="1"/>
+          </p:cNvSpPr>
+          <p:nvPr>
+            <p:ph type="body" sz="half" idx="2"/>
+          </p:nvPr>
+        </p:nvSpPr>
+        <p:spPr>
+          <a:xfrm>
+            <a:off x="594098" y="2429954"/>
+            <a:ext cx="4010296" cy="3472543"/>
+          </a:xfrm>
+        </p:spPr>
+        <p:txBody>
+          <a:bodyPr vert="horz" lIns="91440" tIns="45720" rIns="91440" bIns="45720" rtlCol="0" anchor="t">
+            <a:normAutofit/>
+          </a:bodyPr>
+          <a:lstStyle/>
+          <a:p>
+            <a:pPr marL="285750" indent="-383540">
+              <a:lnSpc>
+                <a:spcPct val="94000"/>
+              </a:lnSpc>
+              <a:spcAft>
+                <a:spcPts val="200"/>
+              </a:spcAft>
+              <a:buFont typeface="Franklin Gothic Book" panose="020B0503020102020204" pitchFamily="34" charset="0"/>
+              <a:buChar char="-"/>
+            </a:pPr>
+            <a:r>
+              <a:rPr lang="en-US" sz="1500"/>
+              <a:t>Produces multiple decision trees (structured the same as a condition statement)</a:t>
+            </a:r>
+            <a:endParaRPr lang="en-US"/>
+          </a:p>
+          <a:p>
+            <a:pPr>
+              <a:lnSpc>
+                <a:spcPct val="94000"/>
+              </a:lnSpc>
+              <a:spcAft>
+                <a:spcPts val="200"/>
+              </a:spcAft>
+            </a:pPr>
+            <a:endParaRPr lang="en-US" sz="1500"/>
+          </a:p>
+          <a:p>
+            <a:pPr marL="285750" indent="-383540">
+              <a:lnSpc>
+                <a:spcPct val="94000"/>
+              </a:lnSpc>
+              <a:spcAft>
+                <a:spcPts val="200"/>
+              </a:spcAft>
+              <a:buFont typeface="Franklin Gothic Book" panose="020B0503020102020204" pitchFamily="34" charset="0"/>
+              <a:buChar char="-"/>
+            </a:pPr>
+            <a:r>
+              <a:rPr lang="en-US" sz="1500"/>
+              <a:t>Can be used in either, Regression or Classification Learning Methods</a:t>
+            </a:r>
+          </a:p>
+          <a:p>
+            <a:pPr marL="285750" indent="-383540">
+              <a:lnSpc>
+                <a:spcPct val="94000"/>
+              </a:lnSpc>
+              <a:spcAft>
+                <a:spcPts val="200"/>
+              </a:spcAft>
+              <a:buChar char="-"/>
+            </a:pPr>
+            <a:endParaRPr lang="en-US" sz="1500" dirty="0"/>
+          </a:p>
+          <a:p>
+            <a:pPr marL="285750" indent="-383540">
+              <a:lnSpc>
+                <a:spcPct val="94000"/>
+              </a:lnSpc>
+              <a:spcAft>
+                <a:spcPts val="200"/>
+              </a:spcAft>
+              <a:buChar char="-"/>
+            </a:pPr>
+            <a:r>
+              <a:rPr lang="en-US" sz="1500" dirty="0"/>
+              <a:t>Also used in Finance and AI models which detect Spam/Phishing emails</a:t>
+            </a:r>
+          </a:p>
+          <a:p>
+            <a:pPr>
+              <a:lnSpc>
+                <a:spcPct val="94000"/>
+              </a:lnSpc>
+              <a:spcAft>
+                <a:spcPts val="200"/>
+              </a:spcAft>
+            </a:pPr>
+            <a:endParaRPr lang="en-US" sz="1500"/>
+          </a:p>
+        </p:txBody>
+      </p:sp>
+      <p:sp>
+        <p:nvSpPr>
+          <p:cNvPr id="15" name="Rectangle 14">
+            <a:extLst>
+              <a:ext uri="{FF2B5EF4-FFF2-40B4-BE49-F238E27FC236}">
+                <a16:creationId xmlns:a16="http://schemas.microsoft.com/office/drawing/2014/main" id="{02A2E7B6-CE50-4B96-A981-2A0250732818}"/>
+              </a:ext>
+              <a:ext uri="{C183D7F6-B498-43B3-948B-1728B52AA6E4}">
+                <adec:decorative xmlns:adec="http://schemas.microsoft.com/office/drawing/2017/decorative" val="1"/>
+              </a:ext>
+            </a:extLst>
+          </p:cNvPr>
+          <p:cNvSpPr>
+            <a:spLocks noGrp="1" noRot="1" noChangeAspect="1" noMove="1" noResize="1" noEditPoints="1" noAdjustHandles="1" noChangeArrowheads="1" noChangeShapeType="1" noTextEdit="1"/>
+          </p:cNvSpPr>
+          <p:nvPr>
+            <p:extLst>
+              <p:ext uri="{386F3935-93C4-4BCD-93E2-E3B085C9AB24}">
+                <p16:designElem xmlns:p16="http://schemas.microsoft.com/office/powerpoint/2015/main" val="1"/>
+              </p:ext>
+            </p:extLst>
+          </p:nvPr>
+        </p:nvSpPr>
+        <p:spPr>
+          <a:xfrm>
+            <a:off x="5303520" y="376"/>
+            <a:ext cx="228600" cy="6858000"/>
+          </a:xfrm>
+          <a:prstGeom prst="rect">
+            <a:avLst/>
+          </a:prstGeom>
+          <a:solidFill>
+            <a:schemeClr val="tx2"/>
+          </a:solidFill>
+          <a:ln>
+            <a:noFill/>
+          </a:ln>
+        </p:spPr>
+        <p:style>
+          <a:lnRef idx="2">
+            <a:schemeClr val="accent1">
+              <a:shade val="50000"/>
+            </a:schemeClr>
+          </a:lnRef>
+          <a:fillRef idx="1">
+            <a:schemeClr val="accent1"/>
+          </a:fillRef>
+          <a:effectRef idx="0">
+            <a:schemeClr val="accent1"/>
+          </a:effectRef>
+          <a:fontRef idx="minor">
+            <a:schemeClr val="lt1"/>
+          </a:fontRef>
+        </p:style>
+        <p:txBody>
+          <a:bodyPr/>
+          <a:lstStyle/>
+          <a:p>
+            <a:endParaRPr lang="en-CA"/>
+          </a:p>
+        </p:txBody>
+      </p:sp>
+      <p:pic>
+        <p:nvPicPr>
+          <p:cNvPr id="6" name="Picture 5" descr="A diagram of a network&#10;&#10;Description automatically generated">
+            <a:extLst>
+              <a:ext uri="{FF2B5EF4-FFF2-40B4-BE49-F238E27FC236}">
+                <a16:creationId xmlns:a16="http://schemas.microsoft.com/office/drawing/2014/main" id="{46621D45-B923-B1D8-7C4B-45851F7B7012}"/>
+              </a:ext>
+            </a:extLst>
+          </p:cNvPr>
+          <p:cNvPicPr>
+            <a:picLocks noChangeAspect="1"/>
+          </p:cNvPicPr>
+          <p:nvPr/>
+        </p:nvPicPr>
+        <p:blipFill>
+          <a:blip r:embed="rId3"/>
+          <a:stretch>
+            <a:fillRect/>
+          </a:stretch>
+        </p:blipFill>
+        <p:spPr>
+          <a:xfrm>
+            <a:off x="6877127" y="416360"/>
+            <a:ext cx="4181962" cy="3494902"/>
+          </a:xfrm>
+          <a:prstGeom prst="rect">
+            <a:avLst/>
+          </a:prstGeom>
+        </p:spPr>
+      </p:pic>
+      <p:pic>
+        <p:nvPicPr>
+          <p:cNvPr id="5" name="Picture 4" descr="A diagram of a diagram&#10;&#10;Description automatically generated">
+            <a:extLst>
+              <a:ext uri="{FF2B5EF4-FFF2-40B4-BE49-F238E27FC236}">
+                <a16:creationId xmlns:a16="http://schemas.microsoft.com/office/drawing/2014/main" id="{2A10AC13-E1DB-30B1-DA71-BE0DA8FA4223}"/>
+              </a:ext>
+            </a:extLst>
+          </p:cNvPr>
+          <p:cNvPicPr>
+            <a:picLocks noChangeAspect="1"/>
+          </p:cNvPicPr>
+          <p:nvPr/>
+        </p:nvPicPr>
+        <p:blipFill>
+          <a:blip r:embed="rId4"/>
+          <a:stretch>
+            <a:fillRect/>
+          </a:stretch>
+        </p:blipFill>
+        <p:spPr>
+          <a:xfrm>
+            <a:off x="7475121" y="4459699"/>
+            <a:ext cx="3038528" cy="1701576"/>
+          </a:xfrm>
+          <a:prstGeom prst="rect">
+            <a:avLst/>
+          </a:prstGeom>
+        </p:spPr>
+      </p:pic>
+    </p:spTree>
+    <p:extLst>
+      <p:ext uri="{BB962C8B-B14F-4D97-AF65-F5344CB8AC3E}">
+        <p14:creationId xmlns:p14="http://schemas.microsoft.com/office/powerpoint/2010/main" val="3185885361"/>
+      </p:ext>
+    </p:extLst>
+  </p:cSld>
+  <p:clrMapOvr>
+    <a:masterClrMapping/>
+  </p:clrMapOvr>
+</p:sld>
+</file>
+
+<file path=ppt/slides/slide11.xml><?xml version="1.0" encoding="utf-8"?>
+<p:sld xmlns:a="http://schemas.openxmlformats.org/drawingml/2006/main" xmlns:r="http://schemas.openxmlformats.org/officeDocument/2006/relationships" xmlns:p="http://schemas.openxmlformats.org/presentationml/2006/main">
+  <p:cSld>
+    <p:bg>
+      <p:bgPr>
+        <a:solidFill>
+          <a:schemeClr val="bg2"/>
+        </a:solidFill>
+        <a:effectLst/>
+      </p:bgPr>
+    </p:bg>
+    <p:spTree>
+      <p:nvGrpSpPr>
+        <p:cNvPr id="1" name=""/>
+        <p:cNvGrpSpPr/>
+        <p:nvPr/>
+      </p:nvGrpSpPr>
+      <p:grpSpPr>
+        <a:xfrm>
+          <a:off x="0" y="0"/>
+          <a:ext cx="0" cy="0"/>
+          <a:chOff x="0" y="0"/>
+          <a:chExt cx="0" cy="0"/>
+        </a:xfrm>
+      </p:grpSpPr>
+      <p:sp>
+        <p:nvSpPr>
+          <p:cNvPr id="7" name="Rectangle 6">
+            <a:extLst>
+              <a:ext uri="{FF2B5EF4-FFF2-40B4-BE49-F238E27FC236}">
+                <a16:creationId xmlns:a16="http://schemas.microsoft.com/office/drawing/2014/main" id="{69805AF4-7989-43AB-9A60-14E3F851FB30}"/>
+              </a:ext>
+              <a:ext uri="{C183D7F6-B498-43B3-948B-1728B52AA6E4}">
+                <adec:decorative xmlns:adec="http://schemas.microsoft.com/office/drawing/2017/decorative" val="1"/>
+              </a:ext>
+            </a:extLst>
+          </p:cNvPr>
+          <p:cNvSpPr>
+            <a:spLocks noGrp="1" noRot="1" noChangeAspect="1" noMove="1" noResize="1" noEditPoints="1" noAdjustHandles="1" noChangeArrowheads="1" noChangeShapeType="1" noTextEdit="1"/>
+          </p:cNvSpPr>
+          <p:nvPr>
+            <p:extLst>
+              <p:ext uri="{386F3935-93C4-4BCD-93E2-E3B085C9AB24}">
+                <p16:designElem xmlns:p16="http://schemas.microsoft.com/office/powerpoint/2015/main" val="1"/>
+              </p:ext>
+            </p:extLst>
+          </p:nvPr>
+        </p:nvSpPr>
+        <p:spPr>
+          <a:xfrm>
+            <a:off x="0" y="0"/>
+            <a:ext cx="12192000" cy="6858000"/>
+          </a:xfrm>
+          <a:prstGeom prst="rect">
+            <a:avLst/>
+          </a:prstGeom>
+          <a:solidFill>
+            <a:srgbClr val="315046"/>
+          </a:solidFill>
+          <a:ln>
+            <a:noFill/>
+          </a:ln>
+        </p:spPr>
+        <p:style>
+          <a:lnRef idx="2">
+            <a:schemeClr val="accent1">
+              <a:shade val="50000"/>
+            </a:schemeClr>
+          </a:lnRef>
+          <a:fillRef idx="1">
+            <a:schemeClr val="accent1"/>
+          </a:fillRef>
+          <a:effectRef idx="0">
+            <a:schemeClr val="accent1"/>
+          </a:effectRef>
+          <a:fontRef idx="minor">
+            <a:schemeClr val="lt1"/>
+          </a:fontRef>
+        </p:style>
+        <p:txBody>
+          <a:bodyPr rtlCol="0" anchor="ctr"/>
+          <a:lstStyle/>
+          <a:p>
+            <a:pPr algn="ctr"/>
+            <a:endParaRPr lang="en-US"/>
+          </a:p>
+        </p:txBody>
+      </p:sp>
+      <p:sp>
+        <p:nvSpPr>
+          <p:cNvPr id="9" name="Rectangle 8">
+            <a:extLst>
+              <a:ext uri="{FF2B5EF4-FFF2-40B4-BE49-F238E27FC236}">
+                <a16:creationId xmlns:a16="http://schemas.microsoft.com/office/drawing/2014/main" id="{E0036B63-B0EC-4AF3-95D3-2E2DCA25FBC6}"/>
+              </a:ext>
+              <a:ext uri="{C183D7F6-B498-43B3-948B-1728B52AA6E4}">
+                <adec:decorative xmlns:adec="http://schemas.microsoft.com/office/drawing/2017/decorative" val="1"/>
+              </a:ext>
+            </a:extLst>
+          </p:cNvPr>
+          <p:cNvSpPr>
+            <a:spLocks noGrp="1" noRot="1" noChangeAspect="1" noMove="1" noResize="1" noEditPoints="1" noAdjustHandles="1" noChangeArrowheads="1" noChangeShapeType="1" noTextEdit="1"/>
+          </p:cNvSpPr>
+          <p:nvPr>
+            <p:extLst>
+              <p:ext uri="{386F3935-93C4-4BCD-93E2-E3B085C9AB24}">
+                <p16:designElem xmlns:p16="http://schemas.microsoft.com/office/powerpoint/2015/main" val="1"/>
+              </p:ext>
+            </p:extLst>
+          </p:nvPr>
+        </p:nvSpPr>
+        <p:spPr>
+          <a:xfrm>
+            <a:off x="477012" y="480060"/>
+            <a:ext cx="11237976" cy="5897880"/>
+          </a:xfrm>
+          <a:prstGeom prst="rect">
+            <a:avLst/>
+          </a:prstGeom>
+          <a:solidFill>
+            <a:srgbClr val="FFFFFF"/>
+          </a:solidFill>
+          <a:ln>
+            <a:noFill/>
+          </a:ln>
+        </p:spPr>
+        <p:style>
+          <a:lnRef idx="2">
+            <a:schemeClr val="accent1">
+              <a:shade val="50000"/>
+            </a:schemeClr>
+          </a:lnRef>
+          <a:fillRef idx="1">
+            <a:schemeClr val="accent1"/>
+          </a:fillRef>
+          <a:effectRef idx="0">
+            <a:schemeClr val="accent1"/>
+          </a:effectRef>
+          <a:fontRef idx="minor">
+            <a:schemeClr val="lt1"/>
+          </a:fontRef>
+        </p:style>
+        <p:txBody>
+          <a:bodyPr rtlCol="0" anchor="ctr"/>
+          <a:lstStyle/>
+          <a:p>
+            <a:pPr algn="ctr"/>
+            <a:endParaRPr lang="en-US"/>
+          </a:p>
+        </p:txBody>
+      </p:sp>
+      <p:pic>
+        <p:nvPicPr>
+          <p:cNvPr id="2" name="Picture 1">
+            <a:extLst>
+              <a:ext uri="{FF2B5EF4-FFF2-40B4-BE49-F238E27FC236}">
+                <a16:creationId xmlns:a16="http://schemas.microsoft.com/office/drawing/2014/main" id="{EBE20097-C224-9DB2-1437-26849A8E925E}"/>
+              </a:ext>
+            </a:extLst>
+          </p:cNvPr>
+          <p:cNvPicPr>
+            <a:picLocks noChangeAspect="1"/>
+          </p:cNvPicPr>
+          <p:nvPr/>
+        </p:nvPicPr>
+        <p:blipFill>
+          <a:blip r:embed="rId3"/>
+          <a:stretch>
+            <a:fillRect/>
+          </a:stretch>
+        </p:blipFill>
+        <p:spPr>
+          <a:xfrm>
+            <a:off x="2494766" y="800100"/>
+            <a:ext cx="7202468" cy="5257801"/>
+          </a:xfrm>
+          <a:prstGeom prst="rect">
+            <a:avLst/>
+          </a:prstGeom>
+        </p:spPr>
+      </p:pic>
+    </p:spTree>
+    <p:extLst>
+      <p:ext uri="{BB962C8B-B14F-4D97-AF65-F5344CB8AC3E}">
+        <p14:creationId xmlns:p14="http://schemas.microsoft.com/office/powerpoint/2010/main" val="1211295295"/>
+      </p:ext>
+    </p:extLst>
+  </p:cSld>
+  <p:clrMapOvr>
+    <a:masterClrMapping/>
+  </p:clrMapOvr>
+</p:sld>
+</file>
+
+<file path=ppt/slides/slide12.xml><?xml version="1.0" encoding="utf-8"?>
+<p:sld xmlns:a="http://schemas.openxmlformats.org/drawingml/2006/main" xmlns:r="http://schemas.openxmlformats.org/officeDocument/2006/relationships" xmlns:p="http://schemas.openxmlformats.org/presentationml/2006/main">
+  <p:cSld>
+    <p:spTree>
+      <p:nvGrpSpPr>
+        <p:cNvPr id="1" name=""/>
+        <p:cNvGrpSpPr/>
+        <p:nvPr/>
+      </p:nvGrpSpPr>
+      <p:grpSpPr>
+        <a:xfrm>
+          <a:off x="0" y="0"/>
+          <a:ext cx="0" cy="0"/>
+          <a:chOff x="0" y="0"/>
+          <a:chExt cx="0" cy="0"/>
+        </a:xfrm>
+      </p:grpSpPr>
+      <p:sp>
+        <p:nvSpPr>
+          <p:cNvPr id="2" name="Title 1">
+            <a:extLst>
+              <a:ext uri="{FF2B5EF4-FFF2-40B4-BE49-F238E27FC236}">
+                <a16:creationId xmlns:a16="http://schemas.microsoft.com/office/drawing/2014/main" id="{CE032A76-CBBD-4A1F-B2C8-29F7AE557763}"/>
+              </a:ext>
+            </a:extLst>
+          </p:cNvPr>
+          <p:cNvSpPr>
+            <a:spLocks noGrp="1"/>
+          </p:cNvSpPr>
+          <p:nvPr>
+            <p:ph type="title"/>
+          </p:nvPr>
+        </p:nvSpPr>
+        <p:spPr/>
+        <p:txBody>
+          <a:bodyPr/>
+          <a:lstStyle/>
+          <a:p>
+            <a:r>
+              <a:rPr lang="en-US"/>
+              <a:t>Resources / Sources</a:t>
+            </a:r>
+          </a:p>
+        </p:txBody>
+      </p:sp>
+      <p:sp>
+        <p:nvSpPr>
+          <p:cNvPr id="3" name="Content Placeholder 2">
+            <a:extLst>
+              <a:ext uri="{FF2B5EF4-FFF2-40B4-BE49-F238E27FC236}">
+                <a16:creationId xmlns:a16="http://schemas.microsoft.com/office/drawing/2014/main" id="{9434FAC3-8292-4795-9BEC-A8345EC22E61}"/>
+              </a:ext>
+            </a:extLst>
+          </p:cNvPr>
+          <p:cNvSpPr>
+            <a:spLocks noGrp="1"/>
+          </p:cNvSpPr>
+          <p:nvPr>
+            <p:ph idx="1"/>
+          </p:nvPr>
+        </p:nvSpPr>
+        <p:spPr>
+          <a:xfrm>
+            <a:off x="1371600" y="1916482"/>
+            <a:ext cx="9601200" cy="3950918"/>
+          </a:xfrm>
+        </p:spPr>
+        <p:txBody>
+          <a:bodyPr vert="horz" lIns="91440" tIns="45720" rIns="91440" bIns="45720" rtlCol="0" anchor="t">
+            <a:normAutofit/>
+          </a:bodyPr>
+          <a:lstStyle/>
+          <a:p>
+            <a:pPr marL="0" indent="0">
+              <a:buNone/>
+            </a:pPr>
+            <a:r>
+              <a:rPr lang="en-US"/>
+              <a:t>Any sources we used or resources recommended for them to continue learning on their own before our next workshop if they wish to do so.</a:t>
+            </a:r>
+          </a:p>
+          <a:p>
+            <a:pPr marL="0" indent="0">
+              <a:buNone/>
+            </a:pPr>
+            <a:r>
+              <a:rPr lang="en-US">
+                <a:ea typeface="+mn-lt"/>
+                <a:cs typeface="+mn-lt"/>
+                <a:hlinkClick r:id="rId3"/>
+              </a:rPr>
+              <a:t>https://www.analyticsvidhya.com/blog/2019/08/11-important-model-evaluation-error-metrics/</a:t>
+            </a:r>
+            <a:r>
+              <a:rPr lang="en-US">
+                <a:ea typeface="+mn-lt"/>
+                <a:cs typeface="+mn-lt"/>
+              </a:rPr>
+              <a:t> - Blog post for Evaluation Metrics</a:t>
+            </a:r>
+            <a:endParaRPr lang="en-US"/>
+          </a:p>
+        </p:txBody>
+      </p:sp>
+    </p:spTree>
+    <p:extLst>
+      <p:ext uri="{BB962C8B-B14F-4D97-AF65-F5344CB8AC3E}">
+        <p14:creationId xmlns:p14="http://schemas.microsoft.com/office/powerpoint/2010/main" val="3972757158"/>
+      </p:ext>
+    </p:extLst>
+  </p:cSld>
+  <p:clrMapOvr>
+    <a:masterClrMapping/>
+  </p:clrMapOvr>
+</p:sld>
+</file>
+
+<file path=ppt/slides/slide13.xml><?xml version="1.0" encoding="utf-8"?>
+<p:sld xmlns:a="http://schemas.openxmlformats.org/drawingml/2006/main" xmlns:r="http://schemas.openxmlformats.org/officeDocument/2006/relationships" xmlns:p="http://schemas.openxmlformats.org/presentationml/2006/main">
+  <p:cSld>
+    <p:spTree>
+      <p:nvGrpSpPr>
+        <p:cNvPr id="1" name=""/>
+        <p:cNvGrpSpPr/>
+        <p:nvPr/>
+      </p:nvGrpSpPr>
+      <p:grpSpPr>
+        <a:xfrm>
+          <a:off x="0" y="0"/>
+          <a:ext cx="0" cy="0"/>
+          <a:chOff x="0" y="0"/>
+          <a:chExt cx="0" cy="0"/>
+        </a:xfrm>
+      </p:grpSpPr>
+      <p:sp>
+        <p:nvSpPr>
+          <p:cNvPr id="2" name="Title 1">
+            <a:extLst>
+              <a:ext uri="{FF2B5EF4-FFF2-40B4-BE49-F238E27FC236}">
+                <a16:creationId xmlns:a16="http://schemas.microsoft.com/office/drawing/2014/main" id="{ADE51BEC-6C2D-4505-8A92-3AFFD720F259}"/>
+              </a:ext>
+            </a:extLst>
+          </p:cNvPr>
+          <p:cNvSpPr>
+            <a:spLocks noGrp="1"/>
+          </p:cNvSpPr>
+          <p:nvPr>
+            <p:ph type="title"/>
+          </p:nvPr>
+        </p:nvSpPr>
+        <p:spPr/>
+        <p:txBody>
+          <a:bodyPr/>
+          <a:lstStyle/>
+          <a:p>
+            <a:r>
+              <a:rPr lang="en-US"/>
+              <a:t>Feedback </a:t>
+            </a:r>
+          </a:p>
+        </p:txBody>
+      </p:sp>
+      <p:sp>
+        <p:nvSpPr>
+          <p:cNvPr id="3" name="Content Placeholder 2">
+            <a:extLst>
+              <a:ext uri="{FF2B5EF4-FFF2-40B4-BE49-F238E27FC236}">
+                <a16:creationId xmlns:a16="http://schemas.microsoft.com/office/drawing/2014/main" id="{5662F7F2-BB50-460A-90B4-2C7DBCA2D86C}"/>
+              </a:ext>
+            </a:extLst>
+          </p:cNvPr>
+          <p:cNvSpPr>
+            <a:spLocks noGrp="1"/>
+          </p:cNvSpPr>
+          <p:nvPr>
+            <p:ph idx="1"/>
+          </p:nvPr>
+        </p:nvSpPr>
+        <p:spPr/>
+        <p:txBody>
+          <a:bodyPr/>
+          <a:lstStyle/>
+          <a:p>
+            <a:pPr marL="0" indent="0">
+              <a:buNone/>
+            </a:pPr>
+            <a:r>
+              <a:rPr lang="en-US"/>
+              <a:t>Links: </a:t>
+            </a:r>
+          </a:p>
+          <a:p>
+            <a:r>
+              <a:rPr lang="en-US"/>
+              <a:t>** QR CODE TO MICROSOFT FEEDBACK FORM **</a:t>
+            </a:r>
+          </a:p>
+          <a:p>
+            <a:r>
+              <a:rPr lang="en-US"/>
+              <a:t>**MAKE REPO &amp; LINK HERE**</a:t>
+            </a:r>
+          </a:p>
+          <a:p>
+            <a:pPr lvl="1"/>
+            <a:r>
+              <a:rPr lang="en-US"/>
+              <a:t> Star the repo so you can easily access it</a:t>
+            </a:r>
+          </a:p>
+          <a:p>
+            <a:pPr lvl="1"/>
+            <a:r>
+              <a:rPr lang="en-US"/>
+              <a:t>Check it for updates and solutions to tutorial exercises</a:t>
+            </a:r>
+          </a:p>
+          <a:p>
+            <a:pPr lvl="1"/>
+            <a:r>
+              <a:rPr lang="en-US"/>
+              <a:t>Resources folder for relevant course and articles</a:t>
+            </a:r>
+          </a:p>
+        </p:txBody>
+      </p:sp>
+    </p:spTree>
+    <p:extLst>
+      <p:ext uri="{BB962C8B-B14F-4D97-AF65-F5344CB8AC3E}">
+        <p14:creationId xmlns:p14="http://schemas.microsoft.com/office/powerpoint/2010/main" val="2922898032"/>
       </p:ext>
     </p:extLst>
   </p:cSld>
@@ -14156,7 +18360,7 @@
         </p:nvSpPr>
         <p:spPr>
           <a:xfrm>
-            <a:off x="640080" y="639704"/>
+            <a:off x="1053925" y="639704"/>
             <a:ext cx="3299579" cy="5577840"/>
           </a:xfrm>
         </p:spPr>
@@ -14168,10 +18372,9 @@
           <a:p>
             <a:pPr algn="ctr"/>
             <a:r>
-              <a:rPr lang="en-US" dirty="0"/>
+              <a:rPr lang="en-US"/>
               <a:t>Brief Introduction</a:t>
             </a:r>
-            <a:endParaRPr lang="en-US"/>
           </a:p>
         </p:txBody>
       </p:sp>
@@ -14191,13 +18394,13 @@
             <p:ph idx="1"/>
             <p:extLst>
               <p:ext uri="{D42A27DB-BD31-4B8C-83A1-F6EECF244321}">
-                <p14:modId xmlns:p14="http://schemas.microsoft.com/office/powerpoint/2010/main" val="2208230276"/>
+                <p14:modId xmlns:p14="http://schemas.microsoft.com/office/powerpoint/2010/main" val="3705322085"/>
               </p:ext>
             </p:extLst>
           </p:nvPr>
         </p:nvGraphicFramePr>
         <p:xfrm>
-          <a:off x="4901472" y="639705"/>
+          <a:off x="4816076" y="639705"/>
           <a:ext cx="6506304" cy="5577840"/>
         </p:xfrm>
         <a:graphic>
@@ -14262,7 +18465,7 @@
         </p:nvSpPr>
         <p:spPr>
           <a:xfrm>
-            <a:off x="640080" y="639704"/>
+            <a:off x="1053925" y="639704"/>
             <a:ext cx="3299579" cy="5577840"/>
           </a:xfrm>
         </p:spPr>
@@ -14274,10 +18477,9 @@
           <a:p>
             <a:pPr algn="ctr"/>
             <a:r>
-              <a:rPr lang="en-US" dirty="0"/>
+              <a:rPr lang="en-US"/>
               <a:t>Brief Introduction</a:t>
             </a:r>
-            <a:endParaRPr lang="en-US"/>
           </a:p>
         </p:txBody>
       </p:sp>
@@ -14297,13 +18499,13 @@
             <p:ph idx="1"/>
             <p:extLst>
               <p:ext uri="{D42A27DB-BD31-4B8C-83A1-F6EECF244321}">
-                <p14:modId xmlns:p14="http://schemas.microsoft.com/office/powerpoint/2010/main" val="2061916235"/>
+                <p14:modId xmlns:p14="http://schemas.microsoft.com/office/powerpoint/2010/main" val="4133083994"/>
               </p:ext>
             </p:extLst>
           </p:nvPr>
         </p:nvGraphicFramePr>
         <p:xfrm>
-          <a:off x="4901472" y="639705"/>
+          <a:off x="4816076" y="639705"/>
           <a:ext cx="6506304" cy="5577840"/>
         </p:xfrm>
         <a:graphic>
@@ -14315,7 +18517,7 @@
     </p:spTree>
     <p:extLst>
       <p:ext uri="{BB962C8B-B14F-4D97-AF65-F5344CB8AC3E}">
-        <p14:creationId xmlns:p14="http://schemas.microsoft.com/office/powerpoint/2010/main" val="790191233"/>
+        <p14:creationId xmlns:p14="http://schemas.microsoft.com/office/powerpoint/2010/main" val="1902598697"/>
       </p:ext>
     </p:extLst>
   </p:cSld>
@@ -14328,6 +18530,14 @@
 <file path=ppt/slides/slide4.xml><?xml version="1.0" encoding="utf-8"?>
 <p:sld xmlns:a="http://schemas.openxmlformats.org/drawingml/2006/main" xmlns:r="http://schemas.openxmlformats.org/officeDocument/2006/relationships" xmlns:p="http://schemas.openxmlformats.org/presentationml/2006/main">
   <p:cSld>
+    <p:bg>
+      <p:bgPr>
+        <a:solidFill>
+          <a:schemeClr val="bg2"/>
+        </a:solidFill>
+        <a:effectLst/>
+      </p:bgPr>
+    </p:bg>
     <p:spTree>
       <p:nvGrpSpPr>
         <p:cNvPr id="1" name=""/>
@@ -14342,6 +18552,66 @@
           <a:chExt cx="0" cy="0"/>
         </a:xfrm>
       </p:grpSpPr>
+      <p:sp useBgFill="1">
+        <p:nvSpPr>
+          <p:cNvPr id="9" name="Rectangle 8">
+            <a:extLst>
+              <a:ext uri="{FF2B5EF4-FFF2-40B4-BE49-F238E27FC236}">
+                <a16:creationId xmlns:a16="http://schemas.microsoft.com/office/drawing/2014/main" id="{30BC9609-A8AF-411F-A9E0-C3B93C8945CA}"/>
+              </a:ext>
+              <a:ext uri="{C183D7F6-B498-43B3-948B-1728B52AA6E4}">
+                <adec:decorative xmlns:adec="http://schemas.microsoft.com/office/drawing/2017/decorative" val="1"/>
+              </a:ext>
+            </a:extLst>
+          </p:cNvPr>
+          <p:cNvSpPr>
+            <a:spLocks noGrp="1" noRot="1" noChangeAspect="1" noMove="1" noResize="1" noEditPoints="1" noAdjustHandles="1" noChangeArrowheads="1" noChangeShapeType="1" noTextEdit="1"/>
+          </p:cNvSpPr>
+          <p:nvPr>
+            <p:extLst>
+              <p:ext uri="{386F3935-93C4-4BCD-93E2-E3B085C9AB24}">
+                <p16:designElem xmlns:p16="http://schemas.microsoft.com/office/powerpoint/2015/main" val="1"/>
+              </p:ext>
+            </p:extLst>
+          </p:nvPr>
+        </p:nvSpPr>
+        <p:spPr>
+          <a:xfrm>
+            <a:off x="0" y="0"/>
+            <a:ext cx="12192000" cy="6858000"/>
+          </a:xfrm>
+          <a:prstGeom prst="rect">
+            <a:avLst/>
+          </a:prstGeom>
+          <a:ln>
+            <a:noFill/>
+          </a:ln>
+        </p:spPr>
+        <p:style>
+          <a:lnRef idx="2">
+            <a:schemeClr val="accent1">
+              <a:shade val="50000"/>
+            </a:schemeClr>
+          </a:lnRef>
+          <a:fillRef idx="1">
+            <a:schemeClr val="accent1"/>
+          </a:fillRef>
+          <a:effectRef idx="0">
+            <a:schemeClr val="accent1"/>
+          </a:effectRef>
+          <a:fontRef idx="minor">
+            <a:schemeClr val="lt1"/>
+          </a:fontRef>
+        </p:style>
+        <p:txBody>
+          <a:bodyPr rtlCol="0" anchor="ctr"/>
+          <a:lstStyle/>
+          <a:p>
+            <a:pPr algn="ctr"/>
+            <a:endParaRPr lang="en-US"/>
+          </a:p>
+        </p:txBody>
+      </p:sp>
       <p:sp>
         <p:nvSpPr>
           <p:cNvPr id="2" name="Title 1">
@@ -14358,70 +18628,57 @@
             <p:ph type="title"/>
           </p:nvPr>
         </p:nvSpPr>
-        <p:spPr/>
+        <p:spPr>
+          <a:xfrm>
+            <a:off x="640080" y="639704"/>
+            <a:ext cx="3299579" cy="5577840"/>
+          </a:xfrm>
+        </p:spPr>
         <p:txBody>
-          <a:bodyPr/>
+          <a:bodyPr anchor="ctr">
+            <a:normAutofit/>
+          </a:bodyPr>
           <a:lstStyle/>
           <a:p>
+            <a:pPr algn="ctr"/>
             <a:r>
-              <a:rPr lang="en-US" dirty="0"/>
+              <a:rPr lang="en-US"/>
               <a:t>Overview</a:t>
             </a:r>
           </a:p>
         </p:txBody>
       </p:sp>
-      <p:sp>
-        <p:nvSpPr>
-          <p:cNvPr id="3" name="Content Placeholder 2">
+      <p:graphicFrame>
+        <p:nvGraphicFramePr>
+          <p:cNvPr id="5" name="Content Placeholder 2">
             <a:extLst>
               <a:ext uri="{FF2B5EF4-FFF2-40B4-BE49-F238E27FC236}">
-                <a16:creationId xmlns:a16="http://schemas.microsoft.com/office/drawing/2014/main" id="{A24C22A8-9B27-46AE-BEA4-5B657849BA93}"/>
+                <a16:creationId xmlns:a16="http://schemas.microsoft.com/office/drawing/2014/main" id="{E1F4AC8A-57A3-21FB-62C7-224951DEAF61}"/>
               </a:ext>
             </a:extLst>
           </p:cNvPr>
-          <p:cNvSpPr>
-            <a:spLocks noGrp="1"/>
-          </p:cNvSpPr>
+          <p:cNvGraphicFramePr>
+            <a:graphicFrameLocks noGrp="1"/>
+          </p:cNvGraphicFramePr>
           <p:nvPr>
             <p:ph idx="1"/>
+            <p:extLst>
+              <p:ext uri="{D42A27DB-BD31-4B8C-83A1-F6EECF244321}">
+                <p14:modId xmlns:p14="http://schemas.microsoft.com/office/powerpoint/2010/main" val="3668448386"/>
+              </p:ext>
+            </p:extLst>
           </p:nvPr>
-        </p:nvSpPr>
-        <p:spPr/>
-        <p:txBody>
-          <a:bodyPr/>
-          <a:lstStyle/>
-          <a:p>
-            <a:r>
-              <a:rPr lang="en-US" dirty="0"/>
-              <a:t>What is the Purpose of ML</a:t>
-            </a:r>
-          </a:p>
-          <a:p>
-            <a:r>
-              <a:rPr lang="en-US" dirty="0"/>
-              <a:t>What is ML</a:t>
-            </a:r>
-          </a:p>
-          <a:p>
-            <a:r>
-              <a:rPr lang="en-US" dirty="0"/>
-              <a:t>Supervised Learning Theory</a:t>
-            </a:r>
-          </a:p>
-          <a:p>
-            <a:r>
-              <a:rPr lang="en-US" dirty="0"/>
-              <a:t>Building a Simple linear model demo</a:t>
-            </a:r>
-          </a:p>
-          <a:p>
-            <a:r>
-              <a:rPr lang="en-US" dirty="0"/>
-              <a:t>Feedback</a:t>
-            </a:r>
-          </a:p>
-        </p:txBody>
-      </p:sp>
+        </p:nvGraphicFramePr>
+        <p:xfrm>
+          <a:off x="4901472" y="639705"/>
+          <a:ext cx="6506304" cy="5577840"/>
+        </p:xfrm>
+        <a:graphic>
+          <a:graphicData uri="http://schemas.openxmlformats.org/drawingml/2006/diagram">
+            <dgm:relIds xmlns:dgm="http://schemas.openxmlformats.org/drawingml/2006/diagram" xmlns:r="http://schemas.openxmlformats.org/officeDocument/2006/relationships" r:dm="rId2" r:lo="rId3" r:qs="rId4" r:cs="rId5"/>
+          </a:graphicData>
+        </a:graphic>
+      </p:graphicFrame>
     </p:spTree>
     <p:extLst>
       <p:ext uri="{BB962C8B-B14F-4D97-AF65-F5344CB8AC3E}">
@@ -14474,7 +18731,7 @@
           <a:lstStyle/>
           <a:p>
             <a:r>
-              <a:rPr lang="en-US" dirty="0"/>
+              <a:rPr lang="en-US"/>
               <a:t>What is the Purpose of ML</a:t>
             </a:r>
           </a:p>
@@ -14502,54 +18759,54 @@
           <a:lstStyle/>
           <a:p>
             <a:r>
-              <a:rPr lang="en-US" dirty="0"/>
+              <a:rPr lang="en-US"/>
               <a:t>At its simplest, ML is pattern matching for function arguments</a:t>
             </a:r>
           </a:p>
           <a:p>
             <a:r>
-              <a:rPr lang="en-US" dirty="0"/>
+              <a:rPr lang="en-US"/>
               <a:t>Given some input X it needs to accurately predict F(X)</a:t>
             </a:r>
           </a:p>
           <a:p>
             <a:r>
-              <a:rPr lang="en-US" dirty="0"/>
+              <a:rPr lang="en-US"/>
               <a:t>Through accurate representation of the function, there are many possible implications/ use cases:</a:t>
             </a:r>
           </a:p>
           <a:p>
             <a:pPr lvl="1"/>
             <a:r>
-              <a:rPr lang="en-US" dirty="0"/>
+              <a:rPr lang="en-US"/>
               <a:t>Virtual Assistants</a:t>
             </a:r>
           </a:p>
           <a:p>
             <a:pPr lvl="1"/>
             <a:r>
-              <a:rPr lang="en-US" dirty="0"/>
+              <a:rPr lang="en-US"/>
               <a:t>Machine Vision (Object Detection/ Image Recognition)</a:t>
             </a:r>
           </a:p>
           <a:p>
             <a:pPr lvl="1"/>
             <a:r>
-              <a:rPr lang="en-US" dirty="0"/>
+              <a:rPr lang="en-US"/>
               <a:t>Pattern Replication in Art</a:t>
             </a:r>
           </a:p>
           <a:p>
             <a:pPr lvl="1"/>
             <a:r>
-              <a:rPr lang="en-US" dirty="0"/>
+              <a:rPr lang="en-US"/>
               <a:t>Market Prediction in Finance</a:t>
             </a:r>
           </a:p>
           <a:p>
             <a:pPr lvl="1"/>
             <a:r>
-              <a:rPr lang="en-US" dirty="0"/>
+              <a:rPr lang="en-US"/>
               <a:t>Etc.</a:t>
             </a:r>
           </a:p>
@@ -14808,6 +19065,14 @@
 <file path=ppt/slides/slide7.xml><?xml version="1.0" encoding="utf-8"?>
 <p:sld xmlns:a="http://schemas.openxmlformats.org/drawingml/2006/main" xmlns:r="http://schemas.openxmlformats.org/officeDocument/2006/relationships" xmlns:p="http://schemas.openxmlformats.org/presentationml/2006/main">
   <p:cSld>
+    <p:bg>
+      <p:bgPr>
+        <a:solidFill>
+          <a:schemeClr val="bg2"/>
+        </a:solidFill>
+        <a:effectLst/>
+      </p:bgPr>
+    </p:bg>
     <p:spTree>
       <p:nvGrpSpPr>
         <p:cNvPr id="1" name=""/>
@@ -14822,6 +19087,66 @@
           <a:chExt cx="0" cy="0"/>
         </a:xfrm>
       </p:grpSpPr>
+      <p:sp useBgFill="1">
+        <p:nvSpPr>
+          <p:cNvPr id="9" name="Rectangle 8">
+            <a:extLst>
+              <a:ext uri="{FF2B5EF4-FFF2-40B4-BE49-F238E27FC236}">
+                <a16:creationId xmlns:a16="http://schemas.microsoft.com/office/drawing/2014/main" id="{961D8973-EAA9-459A-AF59-BBB4233D6C78}"/>
+              </a:ext>
+              <a:ext uri="{C183D7F6-B498-43B3-948B-1728B52AA6E4}">
+                <adec:decorative xmlns:adec="http://schemas.microsoft.com/office/drawing/2017/decorative" val="1"/>
+              </a:ext>
+            </a:extLst>
+          </p:cNvPr>
+          <p:cNvSpPr>
+            <a:spLocks noGrp="1" noRot="1" noChangeAspect="1" noMove="1" noResize="1" noEditPoints="1" noAdjustHandles="1" noChangeArrowheads="1" noChangeShapeType="1" noTextEdit="1"/>
+          </p:cNvSpPr>
+          <p:nvPr>
+            <p:extLst>
+              <p:ext uri="{386F3935-93C4-4BCD-93E2-E3B085C9AB24}">
+                <p16:designElem xmlns:p16="http://schemas.microsoft.com/office/powerpoint/2015/main" val="1"/>
+              </p:ext>
+            </p:extLst>
+          </p:nvPr>
+        </p:nvSpPr>
+        <p:spPr>
+          <a:xfrm>
+            <a:off x="0" y="0"/>
+            <a:ext cx="12192000" cy="6858000"/>
+          </a:xfrm>
+          <a:prstGeom prst="rect">
+            <a:avLst/>
+          </a:prstGeom>
+          <a:ln>
+            <a:noFill/>
+          </a:ln>
+        </p:spPr>
+        <p:style>
+          <a:lnRef idx="2">
+            <a:schemeClr val="accent1">
+              <a:shade val="50000"/>
+            </a:schemeClr>
+          </a:lnRef>
+          <a:fillRef idx="1">
+            <a:schemeClr val="accent1"/>
+          </a:fillRef>
+          <a:effectRef idx="0">
+            <a:schemeClr val="accent1"/>
+          </a:effectRef>
+          <a:fontRef idx="minor">
+            <a:schemeClr val="lt1"/>
+          </a:fontRef>
+        </p:style>
+        <p:txBody>
+          <a:bodyPr rtlCol="0" anchor="ctr"/>
+          <a:lstStyle/>
+          <a:p>
+            <a:pPr algn="ctr"/>
+            <a:endParaRPr lang="en-US"/>
+          </a:p>
+        </p:txBody>
+      </p:sp>
       <p:sp>
         <p:nvSpPr>
           <p:cNvPr id="2" name="Title 1">
@@ -14840,17 +19165,19 @@
         </p:nvSpPr>
         <p:spPr>
           <a:xfrm>
-            <a:off x="1371600" y="685800"/>
-            <a:ext cx="9601200" cy="1485900"/>
+            <a:off x="784743" y="685800"/>
+            <a:ext cx="5793475" cy="1485900"/>
           </a:xfrm>
         </p:spPr>
         <p:txBody>
-          <a:bodyPr/>
+          <a:bodyPr>
+            <a:normAutofit/>
+          </a:bodyPr>
           <a:lstStyle/>
           <a:p>
             <a:r>
-              <a:rPr lang="en-US" dirty="0"/>
-              <a:t>Demo</a:t>
+              <a:rPr lang="en-US"/>
+              <a:t>How does a "Machine" Learn?</a:t>
             </a:r>
           </a:p>
         </p:txBody>
@@ -14871,18 +19198,174 @@
             <p:ph idx="1"/>
           </p:nvPr>
         </p:nvSpPr>
-        <p:spPr/>
+        <p:spPr>
+          <a:xfrm>
+            <a:off x="784743" y="2286000"/>
+            <a:ext cx="5793475" cy="3581400"/>
+          </a:xfrm>
+        </p:spPr>
+        <p:txBody>
+          <a:bodyPr vert="horz" lIns="91440" tIns="45720" rIns="91440" bIns="45720" rtlCol="0">
+            <a:normAutofit/>
+          </a:bodyPr>
+          <a:lstStyle/>
+          <a:p>
+            <a:pPr marL="0" indent="0">
+              <a:buNone/>
+            </a:pPr>
+            <a:r>
+              <a:rPr lang="en-US" b="1"/>
+              <a:t>Supervised Learning</a:t>
+            </a:r>
+          </a:p>
+          <a:p>
+            <a:pPr marL="383540" indent="-383540">
+              <a:buFont typeface="Calibri" panose="020B0503020102020204" pitchFamily="34" charset="0"/>
+              <a:buChar char="-"/>
+            </a:pPr>
+            <a:r>
+              <a:rPr lang="en-US"/>
+              <a:t>Trains the model from labelling training data</a:t>
+            </a:r>
+          </a:p>
+          <a:p>
+            <a:pPr marL="383540" indent="-383540">
+              <a:buFont typeface="Calibri" panose="020B0503020102020204" pitchFamily="34" charset="0"/>
+              <a:buChar char="-"/>
+            </a:pPr>
+            <a:r>
+              <a:rPr lang="en-US"/>
+              <a:t>Allows to predict output for future or unseen data</a:t>
+            </a:r>
+          </a:p>
+          <a:p>
+            <a:pPr marL="0" indent="0">
+              <a:buNone/>
+            </a:pPr>
+            <a:endParaRPr lang="en-US" b="1"/>
+          </a:p>
+          <a:p>
+            <a:pPr marL="0" indent="0">
+              <a:buNone/>
+            </a:pPr>
+            <a:r>
+              <a:rPr lang="en-US" b="1"/>
+              <a:t>Unsupervised Learning </a:t>
+            </a:r>
+          </a:p>
+          <a:p>
+            <a:pPr marL="383540" indent="-383540">
+              <a:buFont typeface="Calibri" panose="020B0503020102020204" pitchFamily="34" charset="0"/>
+              <a:buChar char="-"/>
+            </a:pPr>
+            <a:r>
+              <a:rPr lang="en-US"/>
+              <a:t>Trains the model on data which isn't classified</a:t>
+            </a:r>
+          </a:p>
+          <a:p>
+            <a:pPr marL="383540" indent="-383540">
+              <a:buFont typeface="Calibri" panose="020B0503020102020204" pitchFamily="34" charset="0"/>
+              <a:buChar char="-"/>
+            </a:pPr>
+            <a:r>
+              <a:rPr lang="en-US"/>
+              <a:t>How exactly does it predict data then?</a:t>
+            </a:r>
+          </a:p>
+        </p:txBody>
+      </p:sp>
+      <p:sp>
+        <p:nvSpPr>
+          <p:cNvPr id="11" name="Rectangle 10">
+            <a:extLst>
+              <a:ext uri="{FF2B5EF4-FFF2-40B4-BE49-F238E27FC236}">
+                <a16:creationId xmlns:a16="http://schemas.microsoft.com/office/drawing/2014/main" id="{FBEA8A33-C0D0-416D-8359-724B8828C7C3}"/>
+              </a:ext>
+              <a:ext uri="{C183D7F6-B498-43B3-948B-1728B52AA6E4}">
+                <adec:decorative xmlns:adec="http://schemas.microsoft.com/office/drawing/2017/decorative" val="1"/>
+              </a:ext>
+            </a:extLst>
+          </p:cNvPr>
+          <p:cNvSpPr>
+            <a:spLocks noGrp="1" noRot="1" noChangeAspect="1" noMove="1" noResize="1" noEditPoints="1" noAdjustHandles="1" noChangeArrowheads="1" noChangeShapeType="1" noTextEdit="1"/>
+          </p:cNvSpPr>
+          <p:nvPr>
+            <p:extLst>
+              <p:ext uri="{386F3935-93C4-4BCD-93E2-E3B085C9AB24}">
+                <p16:designElem xmlns:p16="http://schemas.microsoft.com/office/powerpoint/2015/main" val="1"/>
+              </p:ext>
+            </p:extLst>
+          </p:nvPr>
+        </p:nvSpPr>
+        <p:spPr>
+          <a:xfrm>
+            <a:off x="7383661" y="0"/>
+            <a:ext cx="228600" cy="6858000"/>
+          </a:xfrm>
+          <a:prstGeom prst="rect">
+            <a:avLst/>
+          </a:prstGeom>
+          <a:solidFill>
+            <a:schemeClr val="tx2"/>
+          </a:solidFill>
+          <a:ln>
+            <a:noFill/>
+          </a:ln>
+        </p:spPr>
+        <p:style>
+          <a:lnRef idx="2">
+            <a:schemeClr val="accent1">
+              <a:shade val="50000"/>
+            </a:schemeClr>
+          </a:lnRef>
+          <a:fillRef idx="1">
+            <a:schemeClr val="accent1"/>
+          </a:fillRef>
+          <a:effectRef idx="0">
+            <a:schemeClr val="accent1"/>
+          </a:effectRef>
+          <a:fontRef idx="minor">
+            <a:schemeClr val="lt1"/>
+          </a:fontRef>
+        </p:style>
         <p:txBody>
           <a:bodyPr/>
           <a:lstStyle/>
           <a:p>
-            <a:r>
-              <a:rPr lang="en-US" dirty="0"/>
-              <a:t>Demo link</a:t>
-            </a:r>
+            <a:endParaRPr lang="en-CA"/>
           </a:p>
         </p:txBody>
       </p:sp>
+      <p:pic>
+        <p:nvPicPr>
+          <p:cNvPr id="5" name="Picture 4" descr="White bulbs with a yellow one standing out">
+            <a:extLst>
+              <a:ext uri="{FF2B5EF4-FFF2-40B4-BE49-F238E27FC236}">
+                <a16:creationId xmlns:a16="http://schemas.microsoft.com/office/drawing/2014/main" id="{2DF23873-E4C1-4E43-7717-96C220032CDD}"/>
+              </a:ext>
+            </a:extLst>
+          </p:cNvPr>
+          <p:cNvPicPr>
+            <a:picLocks noChangeAspect="1"/>
+          </p:cNvPicPr>
+          <p:nvPr/>
+        </p:nvPicPr>
+        <p:blipFill rotWithShape="1">
+          <a:blip r:embed="rId3"/>
+          <a:srcRect l="37700" r="17789" b="-3"/>
+          <a:stretch/>
+        </p:blipFill>
+        <p:spPr>
+          <a:xfrm>
+            <a:off x="7612260" y="10"/>
+            <a:ext cx="4579739" cy="6857990"/>
+          </a:xfrm>
+          <a:prstGeom prst="rect">
+            <a:avLst/>
+          </a:prstGeom>
+        </p:spPr>
+      </p:pic>
     </p:spTree>
     <p:extLst>
       <p:ext uri="{BB962C8B-B14F-4D97-AF65-F5344CB8AC3E}">
@@ -14918,7 +19401,7 @@
           <p:cNvPr id="2" name="Title 1">
             <a:extLst>
               <a:ext uri="{FF2B5EF4-FFF2-40B4-BE49-F238E27FC236}">
-                <a16:creationId xmlns:a16="http://schemas.microsoft.com/office/drawing/2014/main" id="{CE032A76-CBBD-4A1F-B2C8-29F7AE557763}"/>
+                <a16:creationId xmlns:a16="http://schemas.microsoft.com/office/drawing/2014/main" id="{3BAA2A52-1B4E-BFF4-1228-06D6AFBF68AD}"/>
               </a:ext>
             </a:extLst>
           </p:cNvPr>
@@ -14929,24 +19412,29 @@
             <p:ph type="title"/>
           </p:nvPr>
         </p:nvSpPr>
-        <p:spPr/>
+        <p:spPr>
+          <a:xfrm>
+            <a:off x="4064876" y="344214"/>
+            <a:ext cx="4063563" cy="717332"/>
+          </a:xfrm>
+        </p:spPr>
         <p:txBody>
           <a:bodyPr/>
           <a:lstStyle/>
           <a:p>
             <a:r>
-              <a:rPr lang="en-US" dirty="0"/>
-              <a:t>Resources</a:t>
+              <a:rPr lang="en-US"/>
+              <a:t>Different Types?</a:t>
             </a:r>
           </a:p>
         </p:txBody>
       </p:sp>
       <p:sp>
         <p:nvSpPr>
-          <p:cNvPr id="3" name="Content Placeholder 2">
+          <p:cNvPr id="3" name="Text Placeholder 2">
             <a:extLst>
               <a:ext uri="{FF2B5EF4-FFF2-40B4-BE49-F238E27FC236}">
-                <a16:creationId xmlns:a16="http://schemas.microsoft.com/office/drawing/2014/main" id="{9434FAC3-8292-4795-9BEC-A8345EC22E61}"/>
+                <a16:creationId xmlns:a16="http://schemas.microsoft.com/office/drawing/2014/main" id="{B22A717B-0735-86D1-B4B7-9CD8C05E0EE6}"/>
               </a:ext>
             </a:extLst>
           </p:cNvPr>
@@ -14954,101 +19442,165 @@
             <a:spLocks noGrp="1"/>
           </p:cNvSpPr>
           <p:nvPr>
-            <p:ph idx="1"/>
+            <p:ph type="body" idx="1"/>
           </p:nvPr>
         </p:nvSpPr>
         <p:spPr>
           <a:xfrm>
-            <a:off x="1371600" y="1916482"/>
-            <a:ext cx="9601200" cy="3950918"/>
+            <a:off x="1371600" y="1585433"/>
+            <a:ext cx="3550605" cy="488895"/>
           </a:xfrm>
         </p:spPr>
         <p:txBody>
-          <a:bodyPr>
-            <a:normAutofit fontScale="85000" lnSpcReduction="20000"/>
-          </a:bodyPr>
+          <a:bodyPr/>
           <a:lstStyle/>
           <a:p>
-            <a:pPr marL="0" indent="0">
-              <a:buNone/>
-            </a:pPr>
             <a:r>
-              <a:rPr lang="en-US" dirty="0"/>
-              <a:t>Written explanation you might find useful:</a:t>
-            </a:r>
-          </a:p>
-          <a:p>
-            <a:r>
-              <a:rPr lang="en-US" dirty="0">
-                <a:hlinkClick r:id="rId3"/>
-              </a:rPr>
-              <a:t>https://bit.ly/2EzoY6D</a:t>
-            </a:r>
-            <a:endParaRPr lang="en-US" dirty="0"/>
-          </a:p>
-          <a:p>
-            <a:pPr marL="0" indent="0">
-              <a:buNone/>
-            </a:pPr>
-            <a:endParaRPr lang="en-US" dirty="0"/>
-          </a:p>
-          <a:p>
-            <a:pPr marL="0" indent="0">
-              <a:buNone/>
-            </a:pPr>
-            <a:r>
-              <a:rPr lang="en-US" dirty="0"/>
-              <a:t>Coursera Courses:</a:t>
-            </a:r>
-          </a:p>
-          <a:p>
-            <a:r>
-              <a:rPr lang="en-US" dirty="0"/>
-              <a:t>Andrew Ng’s Deep Learning Course 1</a:t>
-            </a:r>
-          </a:p>
-          <a:p>
-            <a:r>
-              <a:rPr lang="en-US" dirty="0"/>
-              <a:t>Andrew Ng’s Machine Learning Course</a:t>
-            </a:r>
-          </a:p>
-          <a:p>
-            <a:endParaRPr lang="en-US" dirty="0"/>
-          </a:p>
-          <a:p>
-            <a:pPr marL="0" indent="0">
-              <a:buNone/>
-            </a:pPr>
-            <a:r>
-              <a:rPr lang="en-US" dirty="0"/>
-              <a:t>Udemy Courses:</a:t>
-            </a:r>
-          </a:p>
-          <a:p>
-            <a:r>
-              <a:rPr lang="en-US" dirty="0"/>
-              <a:t>Introduction to TensorFlow</a:t>
-            </a:r>
-          </a:p>
-          <a:p>
-            <a:r>
-              <a:rPr lang="en-US" dirty="0"/>
-              <a:t>Machine Vision</a:t>
-            </a:r>
-          </a:p>
-          <a:p>
-            <a:r>
-              <a:rPr lang="en-US" dirty="0"/>
-              <a:t>Modern Deep Learning</a:t>
+              <a:rPr lang="en-US" b="1"/>
+              <a:t>Classification</a:t>
             </a:r>
           </a:p>
         </p:txBody>
       </p:sp>
+      <p:sp>
+        <p:nvSpPr>
+          <p:cNvPr id="4" name="Content Placeholder 3">
+            <a:extLst>
+              <a:ext uri="{FF2B5EF4-FFF2-40B4-BE49-F238E27FC236}">
+                <a16:creationId xmlns:a16="http://schemas.microsoft.com/office/drawing/2014/main" id="{7F2EB356-2BFC-D0A9-EA00-077B8E7CB524}"/>
+              </a:ext>
+            </a:extLst>
+          </p:cNvPr>
+          <p:cNvSpPr>
+            <a:spLocks noGrp="1"/>
+          </p:cNvSpPr>
+          <p:nvPr>
+            <p:ph sz="half" idx="2"/>
+          </p:nvPr>
+        </p:nvSpPr>
+        <p:spPr>
+          <a:xfrm>
+            <a:off x="1371600" y="2359276"/>
+            <a:ext cx="4443984" cy="2562193"/>
+          </a:xfrm>
+        </p:spPr>
+        <p:txBody>
+          <a:bodyPr vert="horz" lIns="91440" tIns="45720" rIns="91440" bIns="45720" rtlCol="0" anchor="t">
+            <a:normAutofit/>
+          </a:bodyPr>
+          <a:lstStyle/>
+          <a:p>
+            <a:pPr marL="383540" indent="-383540"/>
+            <a:r>
+              <a:rPr lang="en-US"/>
+              <a:t>Output contains pre-defined labels which have discrete values</a:t>
+            </a:r>
+          </a:p>
+        </p:txBody>
+      </p:sp>
+      <p:sp>
+        <p:nvSpPr>
+          <p:cNvPr id="5" name="Text Placeholder 4">
+            <a:extLst>
+              <a:ext uri="{FF2B5EF4-FFF2-40B4-BE49-F238E27FC236}">
+                <a16:creationId xmlns:a16="http://schemas.microsoft.com/office/drawing/2014/main" id="{04F8E66F-9FBC-EB7C-9338-EC407537759C}"/>
+              </a:ext>
+            </a:extLst>
+          </p:cNvPr>
+          <p:cNvSpPr>
+            <a:spLocks noGrp="1"/>
+          </p:cNvSpPr>
+          <p:nvPr>
+            <p:ph type="body" sz="quarter" idx="3"/>
+          </p:nvPr>
+        </p:nvSpPr>
+        <p:spPr>
+          <a:xfrm>
+            <a:off x="6525014" y="1585433"/>
+            <a:ext cx="1980622" cy="495464"/>
+          </a:xfrm>
+        </p:spPr>
+        <p:txBody>
+          <a:bodyPr/>
+          <a:lstStyle/>
+          <a:p>
+            <a:r>
+              <a:rPr lang="en-US" b="1"/>
+              <a:t>Regression</a:t>
+            </a:r>
+          </a:p>
+        </p:txBody>
+      </p:sp>
+      <p:sp>
+        <p:nvSpPr>
+          <p:cNvPr id="6" name="Content Placeholder 5">
+            <a:extLst>
+              <a:ext uri="{FF2B5EF4-FFF2-40B4-BE49-F238E27FC236}">
+                <a16:creationId xmlns:a16="http://schemas.microsoft.com/office/drawing/2014/main" id="{DD16899B-C6B5-71B8-BEBA-E2D70EF33691}"/>
+              </a:ext>
+            </a:extLst>
+          </p:cNvPr>
+          <p:cNvSpPr>
+            <a:spLocks noGrp="1"/>
+          </p:cNvSpPr>
+          <p:nvPr>
+            <p:ph sz="quarter" idx="4"/>
+          </p:nvPr>
+        </p:nvSpPr>
+        <p:spPr>
+          <a:xfrm>
+            <a:off x="6525014" y="2359276"/>
+            <a:ext cx="4443984" cy="2562193"/>
+          </a:xfrm>
+        </p:spPr>
+        <p:txBody>
+          <a:bodyPr vert="horz" lIns="91440" tIns="45720" rIns="91440" bIns="45720" rtlCol="0" anchor="t">
+            <a:normAutofit/>
+          </a:bodyPr>
+          <a:lstStyle/>
+          <a:p>
+            <a:pPr marL="383540" indent="-383540"/>
+            <a:r>
+              <a:rPr lang="en-US"/>
+              <a:t>Output has continuous value which isn't restricted to defined discrete values</a:t>
+            </a:r>
+          </a:p>
+        </p:txBody>
+      </p:sp>
+      <p:pic>
+        <p:nvPicPr>
+          <p:cNvPr id="8" name="Picture 7">
+            <a:extLst>
+              <a:ext uri="{FF2B5EF4-FFF2-40B4-BE49-F238E27FC236}">
+                <a16:creationId xmlns:a16="http://schemas.microsoft.com/office/drawing/2014/main" id="{526B64A6-1C95-1549-D23C-73DA90A45A49}"/>
+              </a:ext>
+            </a:extLst>
+          </p:cNvPr>
+          <p:cNvPicPr>
+            <a:picLocks noChangeAspect="1"/>
+          </p:cNvPicPr>
+          <p:nvPr/>
+        </p:nvPicPr>
+        <p:blipFill>
+          <a:blip r:embed="rId3"/>
+          <a:stretch>
+            <a:fillRect/>
+          </a:stretch>
+        </p:blipFill>
+        <p:spPr>
+          <a:xfrm>
+            <a:off x="2865383" y="3555297"/>
+            <a:ext cx="5830613" cy="2953060"/>
+          </a:xfrm>
+          <a:prstGeom prst="rect">
+            <a:avLst/>
+          </a:prstGeom>
+        </p:spPr>
+      </p:pic>
     </p:spTree>
     <p:extLst>
       <p:ext uri="{BB962C8B-B14F-4D97-AF65-F5344CB8AC3E}">
-        <p14:creationId xmlns:p14="http://schemas.microsoft.com/office/powerpoint/2010/main" val="3972757158"/>
+        <p14:creationId xmlns:p14="http://schemas.microsoft.com/office/powerpoint/2010/main" val="3018652669"/>
       </p:ext>
     </p:extLst>
   </p:cSld>
@@ -15061,6 +19613,14 @@
 <file path=ppt/slides/slide9.xml><?xml version="1.0" encoding="utf-8"?>
 <p:sld xmlns:a="http://schemas.openxmlformats.org/drawingml/2006/main" xmlns:r="http://schemas.openxmlformats.org/officeDocument/2006/relationships" xmlns:p="http://schemas.openxmlformats.org/presentationml/2006/main">
   <p:cSld>
+    <p:bg>
+      <p:bgPr>
+        <a:solidFill>
+          <a:schemeClr val="bg2"/>
+        </a:solidFill>
+        <a:effectLst/>
+      </p:bgPr>
+    </p:bg>
     <p:spTree>
       <p:nvGrpSpPr>
         <p:cNvPr id="1" name=""/>
@@ -15077,10 +19637,132 @@
       </p:grpSpPr>
       <p:sp>
         <p:nvSpPr>
+          <p:cNvPr id="22" name="Rectangle 21">
+            <a:extLst>
+              <a:ext uri="{FF2B5EF4-FFF2-40B4-BE49-F238E27FC236}">
+                <a16:creationId xmlns:a16="http://schemas.microsoft.com/office/drawing/2014/main" id="{0E807223-DF88-4D6D-970E-08919E5E02EB}"/>
+              </a:ext>
+              <a:ext uri="{C183D7F6-B498-43B3-948B-1728B52AA6E4}">
+                <adec:decorative xmlns:adec="http://schemas.microsoft.com/office/drawing/2017/decorative" val="1"/>
+              </a:ext>
+            </a:extLst>
+          </p:cNvPr>
+          <p:cNvSpPr>
+            <a:spLocks noGrp="1" noRot="1" noChangeAspect="1" noMove="1" noResize="1" noEditPoints="1" noAdjustHandles="1" noChangeArrowheads="1" noChangeShapeType="1" noTextEdit="1"/>
+          </p:cNvSpPr>
+          <p:nvPr>
+            <p:extLst>
+              <p:ext uri="{386F3935-93C4-4BCD-93E2-E3B085C9AB24}">
+                <p16:designElem xmlns:p16="http://schemas.microsoft.com/office/powerpoint/2015/main" val="1"/>
+              </p:ext>
+            </p:extLst>
+          </p:nvPr>
+        </p:nvSpPr>
+        <p:spPr>
+          <a:xfrm>
+            <a:off x="478095" y="376"/>
+            <a:ext cx="228600" cy="6858000"/>
+          </a:xfrm>
+          <a:prstGeom prst="rect">
+            <a:avLst/>
+          </a:prstGeom>
+          <a:solidFill>
+            <a:schemeClr val="tx2"/>
+          </a:solidFill>
+          <a:ln>
+            <a:noFill/>
+          </a:ln>
+        </p:spPr>
+        <p:style>
+          <a:lnRef idx="2">
+            <a:schemeClr val="accent1">
+              <a:shade val="50000"/>
+            </a:schemeClr>
+          </a:lnRef>
+          <a:fillRef idx="1">
+            <a:schemeClr val="accent1"/>
+          </a:fillRef>
+          <a:effectRef idx="0">
+            <a:schemeClr val="accent1"/>
+          </a:effectRef>
+          <a:fontRef idx="minor">
+            <a:schemeClr val="lt1"/>
+          </a:fontRef>
+        </p:style>
+        <p:txBody>
+          <a:bodyPr/>
+          <a:lstStyle/>
+          <a:p>
+            <a:endParaRPr lang="en-CA"/>
+          </a:p>
+        </p:txBody>
+      </p:sp>
+      <p:sp useBgFill="1">
+        <p:nvSpPr>
+          <p:cNvPr id="21" name="Rectangle 20">
+            <a:extLst>
+              <a:ext uri="{FF2B5EF4-FFF2-40B4-BE49-F238E27FC236}">
+                <a16:creationId xmlns:a16="http://schemas.microsoft.com/office/drawing/2014/main" id="{C96282C0-351C-48EE-A89D-D662C5DB2509}"/>
+              </a:ext>
+              <a:ext uri="{C183D7F6-B498-43B3-948B-1728B52AA6E4}">
+                <adec:decorative xmlns:adec="http://schemas.microsoft.com/office/drawing/2017/decorative" val="1"/>
+              </a:ext>
+            </a:extLst>
+          </p:cNvPr>
+          <p:cNvSpPr>
+            <a:spLocks noGrp="1" noRot="1" noChangeAspect="1" noMove="1" noResize="1" noEditPoints="1" noAdjustHandles="1" noChangeArrowheads="1" noChangeShapeType="1" noTextEdit="1"/>
+          </p:cNvSpPr>
+          <p:nvPr>
+            <p:extLst>
+              <p:ext uri="{386F3935-93C4-4BCD-93E2-E3B085C9AB24}">
+                <p16:designElem xmlns:p16="http://schemas.microsoft.com/office/powerpoint/2015/main" val="1"/>
+              </p:ext>
+            </p:extLst>
+          </p:nvPr>
+        </p:nvSpPr>
+        <p:spPr>
+          <a:xfrm>
+            <a:off x="0" y="0"/>
+            <a:ext cx="12192000" cy="6858000"/>
+          </a:xfrm>
+          <a:prstGeom prst="rect">
+            <a:avLst/>
+          </a:prstGeom>
+          <a:ln>
+            <a:noFill/>
+          </a:ln>
+        </p:spPr>
+        <p:style>
+          <a:lnRef idx="2">
+            <a:schemeClr val="accent1">
+              <a:shade val="50000"/>
+            </a:schemeClr>
+          </a:lnRef>
+          <a:fillRef idx="1">
+            <a:schemeClr val="accent1"/>
+          </a:fillRef>
+          <a:effectRef idx="0">
+            <a:schemeClr val="accent1"/>
+          </a:effectRef>
+          <a:fontRef idx="minor">
+            <a:schemeClr val="lt1"/>
+          </a:fontRef>
+        </p:style>
+        <p:txBody>
+          <a:bodyPr rtlCol="0" anchor="ctr"/>
+          <a:lstStyle/>
+          <a:p>
+            <a:pPr algn="ctr"/>
+            <a:endParaRPr lang="en-US"/>
+          </a:p>
+        </p:txBody>
+      </p:sp>
+      <p:sp>
+        <p:nvSpPr>
           <p:cNvPr id="2" name="Title 1">
             <a:extLst>
               <a:ext uri="{FF2B5EF4-FFF2-40B4-BE49-F238E27FC236}">
-                <a16:creationId xmlns:a16="http://schemas.microsoft.com/office/drawing/2014/main" id="{ADE51BEC-6C2D-4505-8A92-3AFFD720F259}"/>
+                <a16:creationId xmlns:a16="http://schemas.microsoft.com/office/drawing/2014/main" id="{06C0E170-F144-4A03-E05B-2A4A3BF426F4}"/>
               </a:ext>
             </a:extLst>
           </p:cNvPr>
@@ -15091,24 +19773,127 @@
             <p:ph type="title"/>
           </p:nvPr>
         </p:nvSpPr>
-        <p:spPr/>
+        <p:spPr>
+          <a:xfrm>
+            <a:off x="5100824" y="685800"/>
+            <a:ext cx="6176776" cy="1485900"/>
+          </a:xfrm>
+        </p:spPr>
+        <p:txBody>
+          <a:bodyPr vert="horz" lIns="91440" tIns="45720" rIns="91440" bIns="45720" rtlCol="0" anchor="t">
+            <a:normAutofit/>
+          </a:bodyPr>
+          <a:lstStyle/>
+          <a:p>
+            <a:pPr>
+              <a:lnSpc>
+                <a:spcPct val="89000"/>
+              </a:lnSpc>
+            </a:pPr>
+            <a:r>
+              <a:rPr lang="en-US" sz="4400"/>
+              <a:t>Decision Trees</a:t>
+            </a:r>
+          </a:p>
+        </p:txBody>
+      </p:sp>
+      <p:pic>
+        <p:nvPicPr>
+          <p:cNvPr id="24" name="Picture 23" descr="Vibrant green forest">
+            <a:extLst>
+              <a:ext uri="{FF2B5EF4-FFF2-40B4-BE49-F238E27FC236}">
+                <a16:creationId xmlns:a16="http://schemas.microsoft.com/office/drawing/2014/main" id="{9DA45AE6-998D-E4B0-FF04-2F2F6C451FC0}"/>
+              </a:ext>
+            </a:extLst>
+          </p:cNvPr>
+          <p:cNvPicPr>
+            <a:picLocks noChangeAspect="1"/>
+          </p:cNvPicPr>
+          <p:nvPr/>
+        </p:nvPicPr>
+        <p:blipFill rotWithShape="1">
+          <a:blip r:embed="rId2"/>
+          <a:srcRect l="25682" r="31812" b="-3"/>
+          <a:stretch/>
+        </p:blipFill>
+        <p:spPr>
+          <a:xfrm>
+            <a:off x="-1" y="10"/>
+            <a:ext cx="4373546" cy="6857990"/>
+          </a:xfrm>
+          <a:prstGeom prst="rect">
+            <a:avLst/>
+          </a:prstGeom>
+        </p:spPr>
+      </p:pic>
+      <p:sp>
+        <p:nvSpPr>
+          <p:cNvPr id="23" name="Rectangle 22">
+            <a:extLst>
+              <a:ext uri="{FF2B5EF4-FFF2-40B4-BE49-F238E27FC236}">
+                <a16:creationId xmlns:a16="http://schemas.microsoft.com/office/drawing/2014/main" id="{1B35EC73-2F87-44A7-B231-910536590D14}"/>
+              </a:ext>
+              <a:ext uri="{C183D7F6-B498-43B3-948B-1728B52AA6E4}">
+                <adec:decorative xmlns:adec="http://schemas.microsoft.com/office/drawing/2017/decorative" val="1"/>
+              </a:ext>
+            </a:extLst>
+          </p:cNvPr>
+          <p:cNvSpPr>
+            <a:spLocks noGrp="1" noRot="1" noChangeAspect="1" noMove="1" noResize="1" noEditPoints="1" noAdjustHandles="1" noChangeArrowheads="1" noChangeShapeType="1" noTextEdit="1"/>
+          </p:cNvSpPr>
+          <p:nvPr>
+            <p:extLst>
+              <p:ext uri="{386F3935-93C4-4BCD-93E2-E3B085C9AB24}">
+                <p16:designElem xmlns:p16="http://schemas.microsoft.com/office/powerpoint/2015/main" val="1"/>
+              </p:ext>
+            </p:extLst>
+          </p:nvPr>
+        </p:nvSpPr>
+        <p:spPr>
+          <a:xfrm>
+            <a:off x="4373545" y="376"/>
+            <a:ext cx="228600" cy="6858000"/>
+          </a:xfrm>
+          <a:prstGeom prst="rect">
+            <a:avLst/>
+          </a:prstGeom>
+          <a:solidFill>
+            <a:schemeClr val="tx2"/>
+          </a:solidFill>
+          <a:ln>
+            <a:noFill/>
+          </a:ln>
+        </p:spPr>
+        <p:style>
+          <a:lnRef idx="2">
+            <a:schemeClr val="accent1">
+              <a:shade val="50000"/>
+            </a:schemeClr>
+          </a:lnRef>
+          <a:fillRef idx="1">
+            <a:schemeClr val="accent1"/>
+          </a:fillRef>
+          <a:effectRef idx="0">
+            <a:schemeClr val="accent1"/>
+          </a:effectRef>
+          <a:fontRef idx="minor">
+            <a:schemeClr val="lt1"/>
+          </a:fontRef>
+        </p:style>
         <p:txBody>
           <a:bodyPr/>
           <a:lstStyle/>
           <a:p>
-            <a:r>
-              <a:rPr lang="en-US" dirty="0"/>
-              <a:t>Feedback </a:t>
-            </a:r>
+            <a:endParaRPr lang="en-CA"/>
           </a:p>
         </p:txBody>
       </p:sp>
       <p:sp>
         <p:nvSpPr>
-          <p:cNvPr id="3" name="Content Placeholder 2">
+          <p:cNvPr id="25" name="Text Placeholder 3">
             <a:extLst>
               <a:ext uri="{FF2B5EF4-FFF2-40B4-BE49-F238E27FC236}">
-                <a16:creationId xmlns:a16="http://schemas.microsoft.com/office/drawing/2014/main" id="{5662F7F2-BB50-460A-90B4-2C7DBCA2D86C}"/>
+                <a16:creationId xmlns:a16="http://schemas.microsoft.com/office/drawing/2014/main" id="{416C7416-55B1-08E1-F068-1DB0A2C3D5EC}"/>
               </a:ext>
             </a:extLst>
           </p:cNvPr>
@@ -15116,61 +19901,150 @@
             <a:spLocks noGrp="1"/>
           </p:cNvSpPr>
           <p:nvPr>
-            <p:ph idx="1"/>
+            <p:ph type="body" sz="half" idx="2"/>
           </p:nvPr>
         </p:nvSpPr>
-        <p:spPr/>
+        <p:spPr>
+          <a:xfrm>
+            <a:off x="5100824" y="2286000"/>
+            <a:ext cx="6176776" cy="3581400"/>
+          </a:xfrm>
+        </p:spPr>
         <p:txBody>
-          <a:bodyPr/>
+          <a:bodyPr vert="horz" lIns="91440" tIns="45720" rIns="91440" bIns="45720" rtlCol="0" anchor="t">
+            <a:normAutofit/>
+          </a:bodyPr>
           <a:lstStyle/>
           <a:p>
-            <a:pPr marL="0" indent="0">
-              <a:buNone/>
+            <a:pPr marL="383540" indent="-383540">
+              <a:lnSpc>
+                <a:spcPct val="94000"/>
+              </a:lnSpc>
+              <a:spcAft>
+                <a:spcPts val="200"/>
+              </a:spcAft>
+              <a:buFont typeface="Franklin Gothic Book" panose="020B0503020102020204" pitchFamily="34" charset="0"/>
+              <a:buChar char="-"/>
             </a:pPr>
             <a:r>
               <a:rPr lang="en-US" dirty="0"/>
-              <a:t>Links: </a:t>
+              <a:t>Supervised Learning Algorithm which can be used for either </a:t>
             </a:r>
-          </a:p>
-          <a:p>
             <a:r>
-              <a:rPr lang="en-US" dirty="0"/>
-              <a:t>Lesson Ideas/Topics you want covered: usatyc@mcmaster.ca</a:t>
-            </a:r>
-          </a:p>
-          <a:p>
-            <a:r>
-              <a:rPr lang="en-US" dirty="0">
-                <a:hlinkClick r:id="rId2"/>
-              </a:rPr>
-              <a:t>**MAKE REPO**</a:t>
+              <a:rPr lang="en-US"/>
+              <a:t>Regression or Classification, similar to if statement</a:t>
             </a:r>
             <a:endParaRPr lang="en-US" dirty="0"/>
           </a:p>
           <a:p>
-            <a:pPr lvl="1"/>
+            <a:pPr>
+              <a:lnSpc>
+                <a:spcPct val="94000"/>
+              </a:lnSpc>
+              <a:spcAft>
+                <a:spcPts val="200"/>
+              </a:spcAft>
+            </a:pPr>
+            <a:endParaRPr lang="en-US" dirty="0"/>
+          </a:p>
+          <a:p>
+            <a:pPr marL="383540" indent="-383540">
+              <a:lnSpc>
+                <a:spcPct val="94000"/>
+              </a:lnSpc>
+              <a:spcAft>
+                <a:spcPts val="200"/>
+              </a:spcAft>
+              <a:buFont typeface="Franklin Gothic Book" panose="020B0503020102020204" pitchFamily="34" charset="0"/>
+              <a:buChar char="-"/>
+            </a:pPr>
             <a:r>
               <a:rPr lang="en-US" dirty="0"/>
-              <a:t>Star the repo so you can easily access it</a:t>
+              <a:t>Can be used for something simple as predicting weather (sunny, rainy, cloudy, etc.)</a:t>
             </a:r>
           </a:p>
           <a:p>
-            <a:pPr lvl="1"/>
+            <a:pPr marL="383540" indent="-383540">
+              <a:lnSpc>
+                <a:spcPct val="94000"/>
+              </a:lnSpc>
+              <a:spcAft>
+                <a:spcPts val="200"/>
+              </a:spcAft>
+              <a:buFont typeface="Franklin Gothic Book" panose="020B0503020102020204" pitchFamily="34" charset="0"/>
+              <a:buChar char="-"/>
+            </a:pPr>
+            <a:endParaRPr lang="en-US" dirty="0"/>
+          </a:p>
+          <a:p>
+            <a:pPr marL="383540" indent="-383540">
+              <a:lnSpc>
+                <a:spcPct val="94000"/>
+              </a:lnSpc>
+              <a:spcAft>
+                <a:spcPts val="200"/>
+              </a:spcAft>
+              <a:buFont typeface="Franklin Gothic Book" panose="020B0503020102020204" pitchFamily="34" charset="0"/>
+              <a:buChar char="-"/>
+            </a:pPr>
             <a:r>
               <a:rPr lang="en-US" dirty="0"/>
-              <a:t>Check it for updates and solutions to tutorial exercises</a:t>
+              <a:t>Real World Applications where Decision Trees are used:</a:t>
             </a:r>
           </a:p>
           <a:p>
-            <a:pPr lvl="1"/>
+            <a:pPr marL="383540" indent="-383540">
+              <a:lnSpc>
+                <a:spcPct val="94000"/>
+              </a:lnSpc>
+              <a:spcAft>
+                <a:spcPts val="200"/>
+              </a:spcAft>
+              <a:buChar char="-"/>
+            </a:pPr>
+            <a:endParaRPr lang="en-US" dirty="0"/>
+          </a:p>
+          <a:p>
+            <a:pPr marL="383540" indent="-383540">
+              <a:lnSpc>
+                <a:spcPct val="94000"/>
+              </a:lnSpc>
+              <a:spcAft>
+                <a:spcPts val="200"/>
+              </a:spcAft>
+              <a:buFont typeface="Arial" panose="020B0503020102020204" pitchFamily="34" charset="0"/>
+              <a:buChar char="•"/>
+            </a:pPr>
             <a:r>
               <a:rPr lang="en-US" dirty="0"/>
-              <a:t>Resources folder for relevant course and </a:t>
+              <a:t>Finance (Credit Scoring)</a:t>
             </a:r>
+          </a:p>
+          <a:p>
+            <a:pPr marL="383540" indent="-383540">
+              <a:lnSpc>
+                <a:spcPct val="94000"/>
+              </a:lnSpc>
+              <a:spcAft>
+                <a:spcPts val="200"/>
+              </a:spcAft>
+              <a:buFont typeface="Arial" panose="020B0503020102020204" pitchFamily="34" charset="0"/>
+              <a:buChar char="•"/>
+            </a:pPr>
             <a:r>
-              <a:rPr lang="en-US" dirty="0" err="1"/>
-              <a:t>aritcles</a:t>
+              <a:rPr lang="en-US" dirty="0"/>
+              <a:t>Medicine (Disease Diagnosis)</a:t>
             </a:r>
+          </a:p>
+          <a:p>
+            <a:pPr>
+              <a:lnSpc>
+                <a:spcPct val="94000"/>
+              </a:lnSpc>
+              <a:spcAft>
+                <a:spcPts val="200"/>
+              </a:spcAft>
+            </a:pPr>
             <a:endParaRPr lang="en-US" dirty="0"/>
           </a:p>
         </p:txBody>
@@ -15178,12 +20052,12 @@
     </p:spTree>
     <p:extLst>
       <p:ext uri="{BB962C8B-B14F-4D97-AF65-F5344CB8AC3E}">
-        <p14:creationId xmlns:p14="http://schemas.microsoft.com/office/powerpoint/2010/main" val="2922898032"/>
+        <p14:creationId xmlns:p14="http://schemas.microsoft.com/office/powerpoint/2010/main" val="826231178"/>
       </p:ext>
     </p:extLst>
   </p:cSld>
   <p:clrMapOvr>
-    <a:masterClrMapping/>
+    <a:overrideClrMapping bg1="dk1" tx1="lt1" bg2="dk2" tx2="lt2" accent1="accent1" accent2="accent2" accent3="accent3" accent4="accent4" accent5="accent5" accent6="accent6" hlink="hlink" folHlink="folHlink"/>
   </p:clrMapOvr>
 </p:sld>
 </file>
@@ -15742,6 +20616,15 @@
 </file>
 
 <file path=customXml/item1.xml><?xml version="1.0" encoding="utf-8"?>
+<?mso-contentType ?>
+<FormTemplates xmlns="http://schemas.microsoft.com/sharepoint/v3/contenttype/forms">
+  <Display>DocumentLibraryForm</Display>
+  <Edit>DocumentLibraryForm</Edit>
+  <New>DocumentLibraryForm</New>
+</FormTemplates>
+</file>
+
+<file path=customXml/item2.xml><?xml version="1.0" encoding="utf-8"?>
 <ct:contentTypeSchema xmlns:ct="http://schemas.microsoft.com/office/2006/metadata/contentType" xmlns:ma="http://schemas.microsoft.com/office/2006/metadata/properties/metaAttributes" ct:_="" ma:_="" ma:contentTypeName="Document" ma:contentTypeID="0x010100A138A50FC5C5A54F801564C242CFB38E" ma:contentTypeVersion="17" ma:contentTypeDescription="Create a new document." ma:contentTypeScope="" ma:versionID="1980c2d6e08a6e4b57abcc2cc0e33908">
   <xsd:schema xmlns:xsd="http://www.w3.org/2001/XMLSchema" xmlns:xs="http://www.w3.org/2001/XMLSchema" xmlns:p="http://schemas.microsoft.com/office/2006/metadata/properties" xmlns:ns2="26c2fda3-b0a2-41b7-97b2-c03685688d87" xmlns:ns3="dd3dafda-cdd4-4f81-86c9-d15cfdeb45d3" targetNamespace="http://schemas.microsoft.com/office/2006/metadata/properties" ma:root="true" ma:fieldsID="7e4b7a73b02a5d70b30388078f18fe82" ns2:_="" ns3:_="">
     <xsd:import namespace="26c2fda3-b0a2-41b7-97b2-c03685688d87"/>
@@ -15990,7 +20873,7 @@
 </ct:contentTypeSchema>
 </file>
 
-<file path=customXml/item2.xml><?xml version="1.0" encoding="utf-8"?>
+<file path=customXml/item3.xml><?xml version="1.0" encoding="utf-8"?>
 <p:properties xmlns:p="http://schemas.microsoft.com/office/2006/metadata/properties" xmlns:xsi="http://www.w3.org/2001/XMLSchema-instance" xmlns:pc="http://schemas.microsoft.com/office/infopath/2007/PartnerControls">
   <documentManagement>
     <TaxCatchAll xmlns="dd3dafda-cdd4-4f81-86c9-d15cfdeb45d3" xsi:nil="true"/>
@@ -16002,49 +20885,46 @@
 </p:properties>
 </file>
 
-<file path=customXml/item3.xml><?xml version="1.0" encoding="utf-8"?>
-<?mso-contentType ?>
-<FormTemplates xmlns="http://schemas.microsoft.com/sharepoint/v3/contenttype/forms">
-  <Display>DocumentLibraryForm</Display>
-  <Edit>DocumentLibraryForm</Edit>
-  <New>DocumentLibraryForm</New>
-</FormTemplates>
-</file>
-
 <file path=customXml/itemProps1.xml><?xml version="1.0" encoding="utf-8"?>
-<ds:datastoreItem xmlns:ds="http://schemas.openxmlformats.org/officeDocument/2006/customXml" ds:itemID="{3CFB899A-19DA-450D-93B6-FEA29CE0E693}">
+<ds:datastoreItem xmlns:ds="http://schemas.openxmlformats.org/officeDocument/2006/customXml" ds:itemID="{33DE25A8-FB18-4B89-9F73-8D11CDDAE4CC}">
   <ds:schemaRefs>
-    <ds:schemaRef ds:uri="http://schemas.microsoft.com/office/2006/metadata/contentType"/>
-    <ds:schemaRef ds:uri="http://schemas.microsoft.com/office/2006/metadata/properties/metaAttributes"/>
-    <ds:schemaRef ds:uri="http://www.w3.org/2001/XMLSchema"/>
-    <ds:schemaRef ds:uri="http://schemas.microsoft.com/office/2006/metadata/properties"/>
-    <ds:schemaRef ds:uri="26c2fda3-b0a2-41b7-97b2-c03685688d87"/>
-    <ds:schemaRef ds:uri="dd3dafda-cdd4-4f81-86c9-d15cfdeb45d3"/>
-    <ds:schemaRef ds:uri="http://schemas.microsoft.com/office/2006/documentManagement/types"/>
-    <ds:schemaRef ds:uri="http://schemas.microsoft.com/office/infopath/2007/PartnerControls"/>
-    <ds:schemaRef ds:uri="http://schemas.openxmlformats.org/package/2006/metadata/core-properties"/>
-    <ds:schemaRef ds:uri="http://purl.org/dc/elements/1.1/"/>
-    <ds:schemaRef ds:uri="http://purl.org/dc/terms/"/>
-    <ds:schemaRef ds:uri="http://schemas.microsoft.com/internal/obd"/>
+    <ds:schemaRef ds:uri="http://schemas.microsoft.com/sharepoint/v3/contenttype/forms"/>
   </ds:schemaRefs>
 </ds:datastoreItem>
 </file>
 
 <file path=customXml/itemProps2.xml><?xml version="1.0" encoding="utf-8"?>
-<ds:datastoreItem xmlns:ds="http://schemas.openxmlformats.org/officeDocument/2006/customXml" ds:itemID="{DCB4C554-F469-47B9-B8BA-38C6CA58F4C9}">
+<ds:datastoreItem xmlns:ds="http://schemas.openxmlformats.org/officeDocument/2006/customXml" ds:itemID="{3CFB899A-19DA-450D-93B6-FEA29CE0E693}">
   <ds:schemaRefs>
+    <ds:schemaRef ds:uri="26c2fda3-b0a2-41b7-97b2-c03685688d87"/>
+    <ds:schemaRef ds:uri="dd3dafda-cdd4-4f81-86c9-d15cfdeb45d3"/>
+    <ds:schemaRef ds:uri="http://purl.org/dc/elements/1.1/"/>
+    <ds:schemaRef ds:uri="http://purl.org/dc/terms/"/>
+    <ds:schemaRef ds:uri="http://schemas.microsoft.com/internal/obd"/>
+    <ds:schemaRef ds:uri="http://schemas.microsoft.com/office/2006/documentManagement/types"/>
+    <ds:schemaRef ds:uri="http://schemas.microsoft.com/office/2006/metadata/contentType"/>
     <ds:schemaRef ds:uri="http://schemas.microsoft.com/office/2006/metadata/properties"/>
+    <ds:schemaRef ds:uri="http://schemas.microsoft.com/office/2006/metadata/properties/metaAttributes"/>
     <ds:schemaRef ds:uri="http://schemas.microsoft.com/office/infopath/2007/PartnerControls"/>
-    <ds:schemaRef ds:uri="dd3dafda-cdd4-4f81-86c9-d15cfdeb45d3"/>
-    <ds:schemaRef ds:uri="26c2fda3-b0a2-41b7-97b2-c03685688d87"/>
+    <ds:schemaRef ds:uri="http://schemas.openxmlformats.org/package/2006/metadata/core-properties"/>
+    <ds:schemaRef ds:uri="http://www.w3.org/2001/XMLSchema"/>
   </ds:schemaRefs>
 </ds:datastoreItem>
 </file>
 
 <file path=customXml/itemProps3.xml><?xml version="1.0" encoding="utf-8"?>
-<ds:datastoreItem xmlns:ds="http://schemas.openxmlformats.org/officeDocument/2006/customXml" ds:itemID="{33DE25A8-FB18-4B89-9F73-8D11CDDAE4CC}">
+<ds:datastoreItem xmlns:ds="http://schemas.openxmlformats.org/officeDocument/2006/customXml" ds:itemID="{DCB4C554-F469-47B9-B8BA-38C6CA58F4C9}">
   <ds:schemaRefs>
-    <ds:schemaRef ds:uri="http://schemas.microsoft.com/sharepoint/v3/contenttype/forms"/>
+    <ds:schemaRef ds:uri="http://schemas.microsoft.com/office/infopath/2007/PartnerControls"/>
+    <ds:schemaRef ds:uri="26c2fda3-b0a2-41b7-97b2-c03685688d87"/>
+    <ds:schemaRef ds:uri="http://www.w3.org/XML/1998/namespace"/>
+    <ds:schemaRef ds:uri="http://purl.org/dc/dcmitype/"/>
+    <ds:schemaRef ds:uri="http://schemas.microsoft.com/office/2006/documentManagement/types"/>
+    <ds:schemaRef ds:uri="http://schemas.microsoft.com/office/2006/metadata/properties"/>
+    <ds:schemaRef ds:uri="http://purl.org/dc/elements/1.1/"/>
+    <ds:schemaRef ds:uri="http://schemas.openxmlformats.org/package/2006/metadata/core-properties"/>
+    <ds:schemaRef ds:uri="dd3dafda-cdd4-4f81-86c9-d15cfdeb45d3"/>
+    <ds:schemaRef ds:uri="http://purl.org/dc/terms/"/>
   </ds:schemaRefs>
 </ds:datastoreItem>
 </file>
--- a/Workshop_Slides/Workshop_1.pptx
+++ b/Workshop_Slides/Workshop_1.pptx
@@ -5,12 +5,12 @@
     <p:sldMasterId id="2147483684" r:id="rId4"/>
   </p:sldMasterIdLst>
   <p:notesMasterIdLst>
-    <p:notesMasterId r:id="rId18"/>
+    <p:notesMasterId r:id="rId19"/>
   </p:notesMasterIdLst>
   <p:sldIdLst>
     <p:sldId id="256" r:id="rId5"/>
-    <p:sldId id="257" r:id="rId6"/>
-    <p:sldId id="294" r:id="rId7"/>
+    <p:sldId id="296" r:id="rId6"/>
+    <p:sldId id="257" r:id="rId7"/>
     <p:sldId id="261" r:id="rId8"/>
     <p:sldId id="289" r:id="rId9"/>
     <p:sldId id="258" r:id="rId10"/>
@@ -20,7 +20,8 @@
     <p:sldId id="292" r:id="rId14"/>
     <p:sldId id="293" r:id="rId15"/>
     <p:sldId id="259" r:id="rId16"/>
-    <p:sldId id="260" r:id="rId17"/>
+    <p:sldId id="297" r:id="rId17"/>
+    <p:sldId id="260" r:id="rId18"/>
   </p:sldIdLst>
   <p:sldSz cx="12192000" cy="6858000"/>
   <p:notesSz cx="6858000" cy="9144000"/>
@@ -1979,7 +1980,7 @@
 </file>
 
 <file path=ppt/diagrams/colors3.xml><?xml version="1.0" encoding="utf-8"?>
-<dgm:colorsDef xmlns:dgm="http://schemas.openxmlformats.org/drawingml/2006/diagram" xmlns:a="http://schemas.openxmlformats.org/drawingml/2006/main" uniqueId="urn:microsoft.com/office/officeart/2018/5/colors/Iconchunking_neutralbg_accent1_2">
+<dgm:colorsDef xmlns:dgm="http://schemas.openxmlformats.org/drawingml/2006/diagram" xmlns:a="http://schemas.openxmlformats.org/drawingml/2006/main" uniqueId="urn:microsoft.com/office/officeart/2005/8/colors/accent1_2">
   <dgm:title val=""/>
   <dgm:desc val=""/>
   <dgm:catLst>
@@ -2014,9 +2015,7 @@
       <a:schemeClr val="accent1"/>
     </dgm:fillClrLst>
     <dgm:linClrLst meth="repeat">
-      <a:schemeClr val="lt1">
-        <a:alpha val="0"/>
-      </a:schemeClr>
+      <a:schemeClr val="lt1"/>
     </dgm:linClrLst>
     <dgm:effectClrLst/>
     <dgm:txLinClrLst/>
@@ -2643,8 +2642,8 @@
   </dgm:styleLbl>
   <dgm:styleLbl name="bgShp">
     <dgm:fillClrLst meth="repeat">
-      <a:schemeClr val="bg1">
-        <a:lumMod val="95000"/>
+      <a:schemeClr val="accent1">
+        <a:tint val="40000"/>
       </a:schemeClr>
     </dgm:fillClrLst>
     <dgm:linClrLst meth="repeat">
@@ -3561,10 +3560,10 @@
             </a:lnSpc>
           </a:pPr>
           <a:r>
-            <a:rPr lang="en-US" baseline="0"/>
+            <a:rPr lang="en-US" baseline="0" dirty="0"/>
             <a:t>My name is Connor</a:t>
           </a:r>
-          <a:endParaRPr lang="en-US"/>
+          <a:endParaRPr lang="en-US" dirty="0"/>
         </a:p>
       </dgm:t>
     </dgm:pt>
@@ -3644,7 +3643,7 @@
             </a:lnSpc>
           </a:pPr>
           <a:r>
-            <a:rPr lang="en-US"/>
+            <a:rPr lang="en-US" dirty="0"/>
             <a:t>Director of Education</a:t>
           </a:r>
         </a:p>
@@ -3947,14 +3946,14 @@
             </a:lnSpc>
           </a:pPr>
           <a:r>
-            <a:rPr lang="en-US" baseline="0"/>
+            <a:rPr lang="en-US" baseline="0" dirty="0"/>
             <a:t>My name is </a:t>
           </a:r>
           <a:r>
-            <a:rPr lang="en-US" baseline="0" err="1"/>
+            <a:rPr lang="en-US" baseline="0" dirty="0" err="1"/>
             <a:t>Vraj</a:t>
           </a:r>
-          <a:endParaRPr lang="en-US"/>
+          <a:endParaRPr lang="en-US" dirty="0"/>
         </a:p>
       </dgm:t>
     </dgm:pt>
@@ -3993,7 +3992,7 @@
             </a:lnSpc>
           </a:pPr>
           <a:r>
-            <a:rPr lang="en-US"/>
+            <a:rPr lang="en-US" dirty="0"/>
             <a:t>Computer Engineering II</a:t>
           </a:r>
         </a:p>
@@ -4034,19 +4033,8 @@
             </a:lnSpc>
           </a:pPr>
           <a:r>
-            <a:rPr lang="en-US"/>
-            <a:t>Education Coordinator / </a:t>
-          </a:r>
-        </a:p>
-        <a:p>
-          <a:pPr>
-            <a:lnSpc>
-              <a:spcPct val="100000"/>
-            </a:lnSpc>
-          </a:pPr>
-          <a:r>
-            <a:rPr lang="en-US"/>
-            <a:t>Workshop Developer</a:t>
+            <a:rPr lang="en-US" dirty="0"/>
+            <a:t>Education Coordinator / Workshop Developer</a:t>
           </a:r>
         </a:p>
       </dgm:t>
@@ -4325,7 +4313,7 @@
 <dgm:dataModel xmlns:dgm="http://schemas.openxmlformats.org/drawingml/2006/diagram" xmlns:a="http://schemas.openxmlformats.org/drawingml/2006/main">
   <dgm:ptLst>
     <dgm:pt modelId="{37A33F4F-E70C-4382-BFF3-D60F5B7C15B8}" type="doc">
-      <dgm:prSet loTypeId="urn:microsoft.com/office/officeart/2018/2/layout/IconLabelList" loCatId="icon" qsTypeId="urn:microsoft.com/office/officeart/2005/8/quickstyle/simple1" qsCatId="simple" csTypeId="urn:microsoft.com/office/officeart/2018/5/colors/Iconchunking_neutralbg_accent1_2" csCatId="accent1" phldr="1"/>
+      <dgm:prSet loTypeId="urn:microsoft.com/office/officeart/2005/8/layout/vProcess5" loCatId="process" qsTypeId="urn:microsoft.com/office/officeart/2005/8/quickstyle/simple1" qsCatId="simple" csTypeId="urn:microsoft.com/office/officeart/2005/8/colors/accent1_2" csCatId="accent1" phldr="1"/>
       <dgm:spPr/>
       <dgm:t>
         <a:bodyPr/>
@@ -4342,11 +4330,16 @@
         <a:bodyPr/>
         <a:lstStyle/>
         <a:p>
+          <a:pPr>
+            <a:lnSpc>
+              <a:spcPct val="100000"/>
+            </a:lnSpc>
+            <a:defRPr cap="all"/>
+          </a:pPr>
           <a:r>
-            <a:rPr lang="en-US" baseline="0"/>
-            <a:t>What is the Purpose of ML</a:t>
+            <a:rPr lang="en-US"/>
+            <a:t>ML Overview</a:t>
           </a:r>
-          <a:endParaRPr lang="en-US"/>
         </a:p>
       </dgm:t>
     </dgm:pt>
@@ -4379,11 +4372,17 @@
         <a:bodyPr/>
         <a:lstStyle/>
         <a:p>
+          <a:pPr>
+            <a:lnSpc>
+              <a:spcPct val="100000"/>
+            </a:lnSpc>
+            <a:defRPr cap="all"/>
+          </a:pPr>
           <a:r>
             <a:rPr lang="en-US" baseline="0"/>
-            <a:t>What is ML</a:t>
+            <a:t>Supervised Learning Theory</a:t>
           </a:r>
-          <a:endParaRPr lang="en-US"/>
+          <a:endParaRPr lang="en-US" dirty="0"/>
         </a:p>
       </dgm:t>
     </dgm:pt>
@@ -4416,11 +4415,27 @@
         <a:bodyPr/>
         <a:lstStyle/>
         <a:p>
+          <a:pPr>
+            <a:lnSpc>
+              <a:spcPct val="100000"/>
+            </a:lnSpc>
+            <a:defRPr cap="all"/>
+          </a:pPr>
           <a:r>
             <a:rPr lang="en-US" baseline="0"/>
-            <a:t>Supervised Learning Theory</a:t>
+            <a:t>Building a Simple </a:t>
           </a:r>
-          <a:endParaRPr lang="en-US"/>
+          <a:r>
+            <a:rPr lang="en-US" baseline="0">
+              <a:latin typeface="Franklin Gothic Book" panose="020B0503020102020204"/>
+            </a:rPr>
+            <a:t>Model</a:t>
+          </a:r>
+          <a:r>
+            <a:rPr lang="en-US" baseline="0"/>
+            <a:t> demo</a:t>
+          </a:r>
+          <a:endParaRPr lang="en-US" dirty="0"/>
         </a:p>
       </dgm:t>
     </dgm:pt>
@@ -4453,21 +4468,17 @@
         <a:bodyPr/>
         <a:lstStyle/>
         <a:p>
+          <a:pPr>
+            <a:lnSpc>
+              <a:spcPct val="100000"/>
+            </a:lnSpc>
+            <a:defRPr cap="all"/>
+          </a:pPr>
           <a:r>
             <a:rPr lang="en-US" baseline="0"/>
-            <a:t>Building a Simple </a:t>
+            <a:t>KAHOOT</a:t>
           </a:r>
-          <a:r>
-            <a:rPr lang="en-US" baseline="0">
-              <a:latin typeface="Franklin Gothic Book" panose="020B0503020102020204"/>
-            </a:rPr>
-            <a:t>Model</a:t>
-          </a:r>
-          <a:r>
-            <a:rPr lang="en-US" baseline="0"/>
-            <a:t> demo</a:t>
-          </a:r>
-          <a:endParaRPr lang="en-US"/>
+          <a:endParaRPr lang="en-US" dirty="0"/>
         </a:p>
       </dgm:t>
     </dgm:pt>
@@ -4500,6 +4511,12 @@
         <a:bodyPr/>
         <a:lstStyle/>
         <a:p>
+          <a:pPr>
+            <a:lnSpc>
+              <a:spcPct val="100000"/>
+            </a:lnSpc>
+            <a:defRPr cap="all"/>
+          </a:pPr>
           <a:r>
             <a:rPr lang="en-US" baseline="0"/>
             <a:t>Feedback</a:t>
@@ -4530,293 +4547,171 @@
         </a:p>
       </dgm:t>
     </dgm:pt>
-    <dgm:pt modelId="{4D770F4A-2002-4AC8-9678-98EE36C4F2A6}" type="pres">
-      <dgm:prSet presAssocID="{37A33F4F-E70C-4382-BFF3-D60F5B7C15B8}" presName="root" presStyleCnt="0">
+    <dgm:pt modelId="{4B264668-8F74-4C11-8C32-073D6B97ECAD}" type="pres">
+      <dgm:prSet presAssocID="{37A33F4F-E70C-4382-BFF3-D60F5B7C15B8}" presName="outerComposite" presStyleCnt="0">
         <dgm:presLayoutVars>
+          <dgm:chMax val="5"/>
           <dgm:dir/>
           <dgm:resizeHandles val="exact"/>
         </dgm:presLayoutVars>
       </dgm:prSet>
       <dgm:spPr/>
     </dgm:pt>
-    <dgm:pt modelId="{BA942426-9904-409B-A971-0CF55498FA57}" type="pres">
-      <dgm:prSet presAssocID="{0A26668A-B80A-49C1-A762-A9358E65B65A}" presName="compNode" presStyleCnt="0"/>
+    <dgm:pt modelId="{CB535E85-C512-4C15-9AE6-F8315435F96A}" type="pres">
+      <dgm:prSet presAssocID="{37A33F4F-E70C-4382-BFF3-D60F5B7C15B8}" presName="dummyMaxCanvas" presStyleCnt="0">
+        <dgm:presLayoutVars/>
+      </dgm:prSet>
       <dgm:spPr/>
     </dgm:pt>
-    <dgm:pt modelId="{F926435F-6066-4EC7-BDCD-A0927D5B3243}" type="pres">
-      <dgm:prSet presAssocID="{0A26668A-B80A-49C1-A762-A9358E65B65A}" presName="iconRect" presStyleLbl="node1" presStyleIdx="0" presStyleCnt="5"/>
-      <dgm:spPr>
-        <a:blipFill>
-          <a:blip xmlns:r="http://schemas.openxmlformats.org/officeDocument/2006/relationships" r:embed="rId1">
-            <a:extLst>
-              <a:ext uri="{28A0092B-C50C-407E-A947-70E740481C1C}">
-                <a14:useLocalDpi xmlns:a14="http://schemas.microsoft.com/office/drawing/2010/main" val="0"/>
-              </a:ext>
-              <a:ext uri="{96DAC541-7B7A-43D3-8B79-37D633B846F1}">
-                <asvg:svgBlip xmlns:asvg="http://schemas.microsoft.com/office/drawing/2016/SVG/main" r:embed="rId2"/>
-              </a:ext>
-            </a:extLst>
-          </a:blip>
-          <a:stretch>
-            <a:fillRect/>
-          </a:stretch>
-        </a:blipFill>
-        <a:ln>
-          <a:noFill/>
-        </a:ln>
-      </dgm:spPr>
-      <dgm:extLst>
-        <a:ext uri="{E40237B7-FDA0-4F09-8148-C483321AD2D9}">
-          <dgm14:cNvPr xmlns:dgm14="http://schemas.microsoft.com/office/drawing/2010/diagram" id="0" name="" descr="Head with Gears"/>
-        </a:ext>
-      </dgm:extLst>
-    </dgm:pt>
-    <dgm:pt modelId="{A8B70FF2-C619-4764-9418-256411ACE0E3}" type="pres">
-      <dgm:prSet presAssocID="{0A26668A-B80A-49C1-A762-A9358E65B65A}" presName="spaceRect" presStyleCnt="0"/>
-      <dgm:spPr/>
-    </dgm:pt>
-    <dgm:pt modelId="{FF71E695-4AB7-4E9C-8C0D-F89ABAA6D440}" type="pres">
-      <dgm:prSet presAssocID="{0A26668A-B80A-49C1-A762-A9358E65B65A}" presName="textRect" presStyleLbl="revTx" presStyleIdx="0" presStyleCnt="5">
+    <dgm:pt modelId="{0DC97FEF-23E1-4BDE-9ABF-DA95371938C4}" type="pres">
+      <dgm:prSet presAssocID="{37A33F4F-E70C-4382-BFF3-D60F5B7C15B8}" presName="FiveNodes_1" presStyleLbl="node1" presStyleIdx="0" presStyleCnt="5">
         <dgm:presLayoutVars>
-          <dgm:chMax val="1"/>
-          <dgm:chPref val="1"/>
+          <dgm:bulletEnabled val="1"/>
         </dgm:presLayoutVars>
       </dgm:prSet>
       <dgm:spPr/>
     </dgm:pt>
-    <dgm:pt modelId="{10C1763B-2937-486D-8779-8F9CD1AA09A6}" type="pres">
-      <dgm:prSet presAssocID="{7D7AD219-A14B-4CEF-B846-5F849D81BAAF}" presName="sibTrans" presStyleCnt="0"/>
-      <dgm:spPr/>
-    </dgm:pt>
-    <dgm:pt modelId="{ECA6B9F1-78E8-46A2-80E8-C858B9B769FE}" type="pres">
-      <dgm:prSet presAssocID="{761BCE97-8D4D-409C-B7A1-22CBB1A08893}" presName="compNode" presStyleCnt="0"/>
-      <dgm:spPr/>
-    </dgm:pt>
-    <dgm:pt modelId="{8F5E7928-3807-464D-A0D6-72C6A9EC8CDF}" type="pres">
-      <dgm:prSet presAssocID="{761BCE97-8D4D-409C-B7A1-22CBB1A08893}" presName="iconRect" presStyleLbl="node1" presStyleIdx="1" presStyleCnt="5"/>
-      <dgm:spPr>
-        <a:blipFill>
-          <a:blip xmlns:r="http://schemas.openxmlformats.org/officeDocument/2006/relationships" r:embed="rId3">
-            <a:extLst>
-              <a:ext uri="{28A0092B-C50C-407E-A947-70E740481C1C}">
-                <a14:useLocalDpi xmlns:a14="http://schemas.microsoft.com/office/drawing/2010/main" val="0"/>
-              </a:ext>
-              <a:ext uri="{96DAC541-7B7A-43D3-8B79-37D633B846F1}">
-                <asvg:svgBlip xmlns:asvg="http://schemas.microsoft.com/office/drawing/2016/SVG/main" r:embed="rId4"/>
-              </a:ext>
-            </a:extLst>
-          </a:blip>
-          <a:stretch>
-            <a:fillRect/>
-          </a:stretch>
-        </a:blipFill>
-        <a:ln>
-          <a:noFill/>
-        </a:ln>
-      </dgm:spPr>
-      <dgm:extLst>
-        <a:ext uri="{E40237B7-FDA0-4F09-8148-C483321AD2D9}">
-          <dgm14:cNvPr xmlns:dgm14="http://schemas.microsoft.com/office/drawing/2010/diagram" id="0" name="" descr="Help"/>
-        </a:ext>
-      </dgm:extLst>
-    </dgm:pt>
-    <dgm:pt modelId="{D4C6AD57-C1B1-4A15-BD2F-77A7EFA53E2B}" type="pres">
-      <dgm:prSet presAssocID="{761BCE97-8D4D-409C-B7A1-22CBB1A08893}" presName="spaceRect" presStyleCnt="0"/>
-      <dgm:spPr/>
-    </dgm:pt>
-    <dgm:pt modelId="{6406E899-9FFE-486E-85B3-92929B93206C}" type="pres">
-      <dgm:prSet presAssocID="{761BCE97-8D4D-409C-B7A1-22CBB1A08893}" presName="textRect" presStyleLbl="revTx" presStyleIdx="1" presStyleCnt="5">
+    <dgm:pt modelId="{170621FB-21A8-4363-A45D-0B6961B68B23}" type="pres">
+      <dgm:prSet presAssocID="{37A33F4F-E70C-4382-BFF3-D60F5B7C15B8}" presName="FiveNodes_2" presStyleLbl="node1" presStyleIdx="1" presStyleCnt="5">
         <dgm:presLayoutVars>
-          <dgm:chMax val="1"/>
-          <dgm:chPref val="1"/>
+          <dgm:bulletEnabled val="1"/>
         </dgm:presLayoutVars>
       </dgm:prSet>
       <dgm:spPr/>
     </dgm:pt>
-    <dgm:pt modelId="{5C9618C1-82D8-4F34-9BED-EB5BD3A61EA6}" type="pres">
-      <dgm:prSet presAssocID="{D7287400-32EA-4472-A0F3-85FD1BFDB1D5}" presName="sibTrans" presStyleCnt="0"/>
-      <dgm:spPr/>
-    </dgm:pt>
-    <dgm:pt modelId="{6AF1FEFF-8B5B-43A7-A982-13F76F07D6C1}" type="pres">
-      <dgm:prSet presAssocID="{615274B7-6B40-4600-9CFF-A9B50114878D}" presName="compNode" presStyleCnt="0"/>
-      <dgm:spPr/>
-    </dgm:pt>
-    <dgm:pt modelId="{C3BEABEE-A4FD-43BD-BEEB-BF6A2F151863}" type="pres">
-      <dgm:prSet presAssocID="{615274B7-6B40-4600-9CFF-A9B50114878D}" presName="iconRect" presStyleLbl="node1" presStyleIdx="2" presStyleCnt="5"/>
-      <dgm:spPr>
-        <a:blipFill>
-          <a:blip xmlns:r="http://schemas.openxmlformats.org/officeDocument/2006/relationships" r:embed="rId5">
-            <a:extLst>
-              <a:ext uri="{28A0092B-C50C-407E-A947-70E740481C1C}">
-                <a14:useLocalDpi xmlns:a14="http://schemas.microsoft.com/office/drawing/2010/main" val="0"/>
-              </a:ext>
-              <a:ext uri="{96DAC541-7B7A-43D3-8B79-37D633B846F1}">
-                <asvg:svgBlip xmlns:asvg="http://schemas.microsoft.com/office/drawing/2016/SVG/main" r:embed="rId6"/>
-              </a:ext>
-            </a:extLst>
-          </a:blip>
-          <a:stretch>
-            <a:fillRect/>
-          </a:stretch>
-        </a:blipFill>
-        <a:ln>
-          <a:noFill/>
-        </a:ln>
-      </dgm:spPr>
-      <dgm:extLst>
-        <a:ext uri="{E40237B7-FDA0-4F09-8148-C483321AD2D9}">
-          <dgm14:cNvPr xmlns:dgm14="http://schemas.microsoft.com/office/drawing/2010/diagram" id="0" name="" descr="Books"/>
-        </a:ext>
-      </dgm:extLst>
-    </dgm:pt>
-    <dgm:pt modelId="{DA5247C1-8533-499A-B137-571DC6F80667}" type="pres">
-      <dgm:prSet presAssocID="{615274B7-6B40-4600-9CFF-A9B50114878D}" presName="spaceRect" presStyleCnt="0"/>
-      <dgm:spPr/>
-    </dgm:pt>
-    <dgm:pt modelId="{3E0F5CCB-5F78-4A9A-BF78-732A36E11F05}" type="pres">
-      <dgm:prSet presAssocID="{615274B7-6B40-4600-9CFF-A9B50114878D}" presName="textRect" presStyleLbl="revTx" presStyleIdx="2" presStyleCnt="5">
+    <dgm:pt modelId="{B6BFF6E4-A310-431B-B8CD-A40D6398278A}" type="pres">
+      <dgm:prSet presAssocID="{37A33F4F-E70C-4382-BFF3-D60F5B7C15B8}" presName="FiveNodes_3" presStyleLbl="node1" presStyleIdx="2" presStyleCnt="5">
         <dgm:presLayoutVars>
-          <dgm:chMax val="1"/>
-          <dgm:chPref val="1"/>
+          <dgm:bulletEnabled val="1"/>
         </dgm:presLayoutVars>
       </dgm:prSet>
       <dgm:spPr/>
     </dgm:pt>
-    <dgm:pt modelId="{654CFCDC-7195-4237-B87F-3F7EE78A072B}" type="pres">
-      <dgm:prSet presAssocID="{91B750BE-F107-4B2C-94B7-DC8D0A6A9535}" presName="sibTrans" presStyleCnt="0"/>
-      <dgm:spPr/>
-    </dgm:pt>
-    <dgm:pt modelId="{3458CF47-C2C3-49D8-9815-0DD36B199CE2}" type="pres">
-      <dgm:prSet presAssocID="{88D6EE73-EBD9-4073-9D53-0646D3C48995}" presName="compNode" presStyleCnt="0"/>
-      <dgm:spPr/>
-    </dgm:pt>
-    <dgm:pt modelId="{815C54C1-60EC-441D-8B53-0778358857F2}" type="pres">
-      <dgm:prSet presAssocID="{88D6EE73-EBD9-4073-9D53-0646D3C48995}" presName="iconRect" presStyleLbl="node1" presStyleIdx="3" presStyleCnt="5"/>
-      <dgm:spPr>
-        <a:blipFill>
-          <a:blip xmlns:r="http://schemas.openxmlformats.org/officeDocument/2006/relationships" r:embed="rId7">
-            <a:extLst>
-              <a:ext uri="{28A0092B-C50C-407E-A947-70E740481C1C}">
-                <a14:useLocalDpi xmlns:a14="http://schemas.microsoft.com/office/drawing/2010/main" val="0"/>
-              </a:ext>
-              <a:ext uri="{96DAC541-7B7A-43D3-8B79-37D633B846F1}">
-                <asvg:svgBlip xmlns:asvg="http://schemas.microsoft.com/office/drawing/2016/SVG/main" r:embed="rId8"/>
-              </a:ext>
-            </a:extLst>
-          </a:blip>
-          <a:stretch>
-            <a:fillRect/>
-          </a:stretch>
-        </a:blipFill>
-        <a:ln>
-          <a:noFill/>
-        </a:ln>
-      </dgm:spPr>
-      <dgm:extLst>
-        <a:ext uri="{E40237B7-FDA0-4F09-8148-C483321AD2D9}">
-          <dgm14:cNvPr xmlns:dgm14="http://schemas.microsoft.com/office/drawing/2010/diagram" id="0" name="" descr="Teacher"/>
-        </a:ext>
-      </dgm:extLst>
-    </dgm:pt>
-    <dgm:pt modelId="{05CDEE58-80E3-426E-96A0-21A401D7BBE6}" type="pres">
-      <dgm:prSet presAssocID="{88D6EE73-EBD9-4073-9D53-0646D3C48995}" presName="spaceRect" presStyleCnt="0"/>
-      <dgm:spPr/>
-    </dgm:pt>
-    <dgm:pt modelId="{AF291E37-DD63-4341-81EA-5A050199F3DE}" type="pres">
-      <dgm:prSet presAssocID="{88D6EE73-EBD9-4073-9D53-0646D3C48995}" presName="textRect" presStyleLbl="revTx" presStyleIdx="3" presStyleCnt="5">
+    <dgm:pt modelId="{EA85B479-6751-4238-B241-815CA66F87F2}" type="pres">
+      <dgm:prSet presAssocID="{37A33F4F-E70C-4382-BFF3-D60F5B7C15B8}" presName="FiveNodes_4" presStyleLbl="node1" presStyleIdx="3" presStyleCnt="5">
         <dgm:presLayoutVars>
-          <dgm:chMax val="1"/>
-          <dgm:chPref val="1"/>
+          <dgm:bulletEnabled val="1"/>
         </dgm:presLayoutVars>
       </dgm:prSet>
       <dgm:spPr/>
     </dgm:pt>
-    <dgm:pt modelId="{9693D403-3897-4A2D-85D9-816214158931}" type="pres">
-      <dgm:prSet presAssocID="{988DA2D1-CF78-4D31-84EA-966BEECA5EC2}" presName="sibTrans" presStyleCnt="0"/>
+    <dgm:pt modelId="{F46F83D2-5195-4FC8-81FB-223D7E6E5B89}" type="pres">
+      <dgm:prSet presAssocID="{37A33F4F-E70C-4382-BFF3-D60F5B7C15B8}" presName="FiveNodes_5" presStyleLbl="node1" presStyleIdx="4" presStyleCnt="5">
+        <dgm:presLayoutVars>
+          <dgm:bulletEnabled val="1"/>
+        </dgm:presLayoutVars>
+      </dgm:prSet>
       <dgm:spPr/>
     </dgm:pt>
-    <dgm:pt modelId="{993CDCAA-8912-4D23-BDEC-40929B1FE1D5}" type="pres">
-      <dgm:prSet presAssocID="{A03527D0-8B23-40AC-A340-9E12C52FA7A6}" presName="compNode" presStyleCnt="0"/>
+    <dgm:pt modelId="{CDCF3E08-B30C-498E-A33F-5D602D6B8C43}" type="pres">
+      <dgm:prSet presAssocID="{37A33F4F-E70C-4382-BFF3-D60F5B7C15B8}" presName="FiveConn_1-2" presStyleLbl="fgAccFollowNode1" presStyleIdx="0" presStyleCnt="4">
+        <dgm:presLayoutVars>
+          <dgm:bulletEnabled val="1"/>
+        </dgm:presLayoutVars>
+      </dgm:prSet>
       <dgm:spPr/>
     </dgm:pt>
-    <dgm:pt modelId="{798E4BFD-CE35-4C34-8640-4F9EC2BBBBF7}" type="pres">
-      <dgm:prSet presAssocID="{A03527D0-8B23-40AC-A340-9E12C52FA7A6}" presName="iconRect" presStyleLbl="node1" presStyleIdx="4" presStyleCnt="5"/>
-      <dgm:spPr>
-        <a:blipFill>
-          <a:blip xmlns:r="http://schemas.openxmlformats.org/officeDocument/2006/relationships" r:embed="rId9">
-            <a:extLst>
-              <a:ext uri="{28A0092B-C50C-407E-A947-70E740481C1C}">
-                <a14:useLocalDpi xmlns:a14="http://schemas.microsoft.com/office/drawing/2010/main" val="0"/>
-              </a:ext>
-              <a:ext uri="{96DAC541-7B7A-43D3-8B79-37D633B846F1}">
-                <asvg:svgBlip xmlns:asvg="http://schemas.microsoft.com/office/drawing/2016/SVG/main" r:embed="rId10"/>
-              </a:ext>
-            </a:extLst>
-          </a:blip>
-          <a:stretch>
-            <a:fillRect/>
-          </a:stretch>
-        </a:blipFill>
-        <a:ln>
-          <a:noFill/>
-        </a:ln>
-      </dgm:spPr>
-      <dgm:extLst>
-        <a:ext uri="{E40237B7-FDA0-4F09-8148-C483321AD2D9}">
-          <dgm14:cNvPr xmlns:dgm14="http://schemas.microsoft.com/office/drawing/2010/diagram" id="0" name="" descr="Chat"/>
-        </a:ext>
-      </dgm:extLst>
-    </dgm:pt>
-    <dgm:pt modelId="{5B578491-A456-40F4-A08A-5CC0866E5D7F}" type="pres">
-      <dgm:prSet presAssocID="{A03527D0-8B23-40AC-A340-9E12C52FA7A6}" presName="spaceRect" presStyleCnt="0"/>
+    <dgm:pt modelId="{1B97F18D-4491-45C2-9070-B6941ACE7C04}" type="pres">
+      <dgm:prSet presAssocID="{37A33F4F-E70C-4382-BFF3-D60F5B7C15B8}" presName="FiveConn_2-3" presStyleLbl="fgAccFollowNode1" presStyleIdx="1" presStyleCnt="4">
+        <dgm:presLayoutVars>
+          <dgm:bulletEnabled val="1"/>
+        </dgm:presLayoutVars>
+      </dgm:prSet>
       <dgm:spPr/>
     </dgm:pt>
-    <dgm:pt modelId="{3D7BDD2B-FCDF-4181-B6C7-C0632DC51D98}" type="pres">
-      <dgm:prSet presAssocID="{A03527D0-8B23-40AC-A340-9E12C52FA7A6}" presName="textRect" presStyleLbl="revTx" presStyleIdx="4" presStyleCnt="5">
+    <dgm:pt modelId="{095F8C2D-58E4-48BE-8F5B-B91910833356}" type="pres">
+      <dgm:prSet presAssocID="{37A33F4F-E70C-4382-BFF3-D60F5B7C15B8}" presName="FiveConn_3-4" presStyleLbl="fgAccFollowNode1" presStyleIdx="2" presStyleCnt="4">
         <dgm:presLayoutVars>
-          <dgm:chMax val="1"/>
-          <dgm:chPref val="1"/>
+          <dgm:bulletEnabled val="1"/>
+        </dgm:presLayoutVars>
+      </dgm:prSet>
+      <dgm:spPr/>
+    </dgm:pt>
+    <dgm:pt modelId="{0D105099-0AF4-44AA-BE01-CD283D9109EC}" type="pres">
+      <dgm:prSet presAssocID="{37A33F4F-E70C-4382-BFF3-D60F5B7C15B8}" presName="FiveConn_4-5" presStyleLbl="fgAccFollowNode1" presStyleIdx="3" presStyleCnt="4">
+        <dgm:presLayoutVars>
+          <dgm:bulletEnabled val="1"/>
+        </dgm:presLayoutVars>
+      </dgm:prSet>
+      <dgm:spPr/>
+    </dgm:pt>
+    <dgm:pt modelId="{4729535D-831E-4F08-B9ED-1D81002C634A}" type="pres">
+      <dgm:prSet presAssocID="{37A33F4F-E70C-4382-BFF3-D60F5B7C15B8}" presName="FiveNodes_1_text" presStyleLbl="node1" presStyleIdx="4" presStyleCnt="5">
+        <dgm:presLayoutVars>
+          <dgm:bulletEnabled val="1"/>
+        </dgm:presLayoutVars>
+      </dgm:prSet>
+      <dgm:spPr/>
+    </dgm:pt>
+    <dgm:pt modelId="{7EC56960-D1A3-4993-8577-6F0D8BC5520F}" type="pres">
+      <dgm:prSet presAssocID="{37A33F4F-E70C-4382-BFF3-D60F5B7C15B8}" presName="FiveNodes_2_text" presStyleLbl="node1" presStyleIdx="4" presStyleCnt="5">
+        <dgm:presLayoutVars>
+          <dgm:bulletEnabled val="1"/>
+        </dgm:presLayoutVars>
+      </dgm:prSet>
+      <dgm:spPr/>
+    </dgm:pt>
+    <dgm:pt modelId="{C391BCA6-CF44-4384-92B7-96D5E103D40F}" type="pres">
+      <dgm:prSet presAssocID="{37A33F4F-E70C-4382-BFF3-D60F5B7C15B8}" presName="FiveNodes_3_text" presStyleLbl="node1" presStyleIdx="4" presStyleCnt="5">
+        <dgm:presLayoutVars>
+          <dgm:bulletEnabled val="1"/>
+        </dgm:presLayoutVars>
+      </dgm:prSet>
+      <dgm:spPr/>
+    </dgm:pt>
+    <dgm:pt modelId="{481FBBB9-35DC-450F-8352-C44AA97E2D5B}" type="pres">
+      <dgm:prSet presAssocID="{37A33F4F-E70C-4382-BFF3-D60F5B7C15B8}" presName="FiveNodes_4_text" presStyleLbl="node1" presStyleIdx="4" presStyleCnt="5">
+        <dgm:presLayoutVars>
+          <dgm:bulletEnabled val="1"/>
+        </dgm:presLayoutVars>
+      </dgm:prSet>
+      <dgm:spPr/>
+    </dgm:pt>
+    <dgm:pt modelId="{A3056E77-0F9C-4873-B170-C7652394A86D}" type="pres">
+      <dgm:prSet presAssocID="{37A33F4F-E70C-4382-BFF3-D60F5B7C15B8}" presName="FiveNodes_5_text" presStyleLbl="node1" presStyleIdx="4" presStyleCnt="5">
+        <dgm:presLayoutVars>
+          <dgm:bulletEnabled val="1"/>
         </dgm:presLayoutVars>
       </dgm:prSet>
       <dgm:spPr/>
     </dgm:pt>
   </dgm:ptLst>
   <dgm:cxnLst>
+    <dgm:cxn modelId="{CE0FDF0D-EA3C-45C8-AD37-64593C6777E2}" type="presOf" srcId="{A03527D0-8B23-40AC-A340-9E12C52FA7A6}" destId="{F46F83D2-5195-4FC8-81FB-223D7E6E5B89}" srcOrd="0" destOrd="0" presId="urn:microsoft.com/office/officeart/2005/8/layout/vProcess5"/>
+    <dgm:cxn modelId="{9A09900F-C6CF-4F83-AFC8-937E5CB5C77E}" type="presOf" srcId="{0A26668A-B80A-49C1-A762-A9358E65B65A}" destId="{0DC97FEF-23E1-4BDE-9ABF-DA95371938C4}" srcOrd="0" destOrd="0" presId="urn:microsoft.com/office/officeart/2005/8/layout/vProcess5"/>
+    <dgm:cxn modelId="{9B691015-BCD0-4AC1-A3A1-E60E675B1132}" type="presOf" srcId="{761BCE97-8D4D-409C-B7A1-22CBB1A08893}" destId="{170621FB-21A8-4363-A45D-0B6961B68B23}" srcOrd="0" destOrd="0" presId="urn:microsoft.com/office/officeart/2005/8/layout/vProcess5"/>
     <dgm:cxn modelId="{F7A0F432-6191-441B-9837-3EB1489973F8}" srcId="{37A33F4F-E70C-4382-BFF3-D60F5B7C15B8}" destId="{88D6EE73-EBD9-4073-9D53-0646D3C48995}" srcOrd="3" destOrd="0" parTransId="{35F6722D-4EA1-4A29-A13A-E5777728FB32}" sibTransId="{988DA2D1-CF78-4D31-84EA-966BEECA5EC2}"/>
-    <dgm:cxn modelId="{C1256D37-4EB4-4E12-BE1B-CF33EC9BB810}" type="presOf" srcId="{37A33F4F-E70C-4382-BFF3-D60F5B7C15B8}" destId="{4D770F4A-2002-4AC8-9678-98EE36C4F2A6}" srcOrd="0" destOrd="0" presId="urn:microsoft.com/office/officeart/2018/2/layout/IconLabelList"/>
-    <dgm:cxn modelId="{564EBE68-5AC4-4585-A924-92952D7941D3}" type="presOf" srcId="{615274B7-6B40-4600-9CFF-A9B50114878D}" destId="{3E0F5CCB-5F78-4A9A-BF78-732A36E11F05}" srcOrd="0" destOrd="0" presId="urn:microsoft.com/office/officeart/2018/2/layout/IconLabelList"/>
-    <dgm:cxn modelId="{6D2FCD7E-D72F-4897-B5B0-D2ADE4B6D58B}" type="presOf" srcId="{761BCE97-8D4D-409C-B7A1-22CBB1A08893}" destId="{6406E899-9FFE-486E-85B3-92929B93206C}" srcOrd="0" destOrd="0" presId="urn:microsoft.com/office/officeart/2018/2/layout/IconLabelList"/>
+    <dgm:cxn modelId="{ECD4F640-E539-4192-A756-67D125CC9B2B}" type="presOf" srcId="{88D6EE73-EBD9-4073-9D53-0646D3C48995}" destId="{481FBBB9-35DC-450F-8352-C44AA97E2D5B}" srcOrd="1" destOrd="0" presId="urn:microsoft.com/office/officeart/2005/8/layout/vProcess5"/>
+    <dgm:cxn modelId="{97E3FA5C-5CA2-40F4-984C-D3C3FBB0C267}" type="presOf" srcId="{A03527D0-8B23-40AC-A340-9E12C52FA7A6}" destId="{A3056E77-0F9C-4873-B170-C7652394A86D}" srcOrd="1" destOrd="0" presId="urn:microsoft.com/office/officeart/2005/8/layout/vProcess5"/>
+    <dgm:cxn modelId="{6B7E9562-3550-41CF-8568-3F1A57366889}" type="presOf" srcId="{88D6EE73-EBD9-4073-9D53-0646D3C48995}" destId="{EA85B479-6751-4238-B241-815CA66F87F2}" srcOrd="0" destOrd="0" presId="urn:microsoft.com/office/officeart/2005/8/layout/vProcess5"/>
+    <dgm:cxn modelId="{480A044D-295F-4C97-A0C1-79D46E128207}" type="presOf" srcId="{615274B7-6B40-4600-9CFF-A9B50114878D}" destId="{C391BCA6-CF44-4384-92B7-96D5E103D40F}" srcOrd="1" destOrd="0" presId="urn:microsoft.com/office/officeart/2005/8/layout/vProcess5"/>
+    <dgm:cxn modelId="{AA160656-852A-46F3-9E87-9293511D215D}" type="presOf" srcId="{91B750BE-F107-4B2C-94B7-DC8D0A6A9535}" destId="{095F8C2D-58E4-48BE-8F5B-B91910833356}" srcOrd="0" destOrd="0" presId="urn:microsoft.com/office/officeart/2005/8/layout/vProcess5"/>
     <dgm:cxn modelId="{F6EA2990-66C2-45F9-B1BB-209DB4FE59B9}" srcId="{37A33F4F-E70C-4382-BFF3-D60F5B7C15B8}" destId="{0A26668A-B80A-49C1-A762-A9358E65B65A}" srcOrd="0" destOrd="0" parTransId="{2D0A55B9-3B7B-484D-A5D8-5AF446139943}" sibTransId="{7D7AD219-A14B-4CEF-B846-5F849D81BAAF}"/>
+    <dgm:cxn modelId="{85329895-4098-495B-89DA-3AA698459AD0}" type="presOf" srcId="{37A33F4F-E70C-4382-BFF3-D60F5B7C15B8}" destId="{4B264668-8F74-4C11-8C32-073D6B97ECAD}" srcOrd="0" destOrd="0" presId="urn:microsoft.com/office/officeart/2005/8/layout/vProcess5"/>
+    <dgm:cxn modelId="{38DCE29D-F021-49A3-A37B-BA6979CB9534}" type="presOf" srcId="{615274B7-6B40-4600-9CFF-A9B50114878D}" destId="{B6BFF6E4-A310-431B-B8CD-A40D6398278A}" srcOrd="0" destOrd="0" presId="urn:microsoft.com/office/officeart/2005/8/layout/vProcess5"/>
+    <dgm:cxn modelId="{9419B5AF-CF66-4FAC-97DA-0395AA92080C}" type="presOf" srcId="{761BCE97-8D4D-409C-B7A1-22CBB1A08893}" destId="{7EC56960-D1A3-4993-8577-6F0D8BC5520F}" srcOrd="1" destOrd="0" presId="urn:microsoft.com/office/officeart/2005/8/layout/vProcess5"/>
     <dgm:cxn modelId="{59B0C4B4-1655-4E12-A0BF-2FE2BFFD72D6}" srcId="{37A33F4F-E70C-4382-BFF3-D60F5B7C15B8}" destId="{A03527D0-8B23-40AC-A340-9E12C52FA7A6}" srcOrd="4" destOrd="0" parTransId="{DFFD4BC2-7C55-427D-84D8-77E607AC0DB1}" sibTransId="{9E713A57-B254-4F5E-9596-7E6C11197A43}"/>
-    <dgm:cxn modelId="{C6A6E2CB-ECF5-41F0-8F6E-5C8154E94371}" type="presOf" srcId="{88D6EE73-EBD9-4073-9D53-0646D3C48995}" destId="{AF291E37-DD63-4341-81EA-5A050199F3DE}" srcOrd="0" destOrd="0" presId="urn:microsoft.com/office/officeart/2018/2/layout/IconLabelList"/>
-    <dgm:cxn modelId="{95520FDA-DBF7-4687-8826-BAB1409F0FEC}" type="presOf" srcId="{A03527D0-8B23-40AC-A340-9E12C52FA7A6}" destId="{3D7BDD2B-FCDF-4181-B6C7-C0632DC51D98}" srcOrd="0" destOrd="0" presId="urn:microsoft.com/office/officeart/2018/2/layout/IconLabelList"/>
+    <dgm:cxn modelId="{D02C6FC1-0CB1-4FF5-8455-44A500CEC323}" type="presOf" srcId="{D7287400-32EA-4472-A0F3-85FD1BFDB1D5}" destId="{1B97F18D-4491-45C2-9070-B6941ACE7C04}" srcOrd="0" destOrd="0" presId="urn:microsoft.com/office/officeart/2005/8/layout/vProcess5"/>
+    <dgm:cxn modelId="{23886AC9-69E3-4778-B80B-45F1487FA7E6}" type="presOf" srcId="{0A26668A-B80A-49C1-A762-A9358E65B65A}" destId="{4729535D-831E-4F08-B9ED-1D81002C634A}" srcOrd="1" destOrd="0" presId="urn:microsoft.com/office/officeart/2005/8/layout/vProcess5"/>
+    <dgm:cxn modelId="{4AC3E2D9-04B5-4217-8AC5-065FAEECFFF0}" type="presOf" srcId="{988DA2D1-CF78-4D31-84EA-966BEECA5EC2}" destId="{0D105099-0AF4-44AA-BE01-CD283D9109EC}" srcOrd="0" destOrd="0" presId="urn:microsoft.com/office/officeart/2005/8/layout/vProcess5"/>
     <dgm:cxn modelId="{298F27E2-4312-48B2-BFA5-D4D6045B378A}" srcId="{37A33F4F-E70C-4382-BFF3-D60F5B7C15B8}" destId="{615274B7-6B40-4600-9CFF-A9B50114878D}" srcOrd="2" destOrd="0" parTransId="{77284AE4-78B0-4A4E-BDA1-AD373272C56D}" sibTransId="{91B750BE-F107-4B2C-94B7-DC8D0A6A9535}"/>
-    <dgm:cxn modelId="{22AADAED-A1A7-4B74-AA24-DC6BE9D51F81}" type="presOf" srcId="{0A26668A-B80A-49C1-A762-A9358E65B65A}" destId="{FF71E695-4AB7-4E9C-8C0D-F89ABAA6D440}" srcOrd="0" destOrd="0" presId="urn:microsoft.com/office/officeart/2018/2/layout/IconLabelList"/>
+    <dgm:cxn modelId="{D1D05BE5-556A-49D2-A5C7-8046ADE44236}" type="presOf" srcId="{7D7AD219-A14B-4CEF-B846-5F849D81BAAF}" destId="{CDCF3E08-B30C-498E-A33F-5D602D6B8C43}" srcOrd="0" destOrd="0" presId="urn:microsoft.com/office/officeart/2005/8/layout/vProcess5"/>
     <dgm:cxn modelId="{319D19F9-8461-4CD7-BDBA-A072C979ED05}" srcId="{37A33F4F-E70C-4382-BFF3-D60F5B7C15B8}" destId="{761BCE97-8D4D-409C-B7A1-22CBB1A08893}" srcOrd="1" destOrd="0" parTransId="{AA65FC39-4994-4EA2-A467-5F168B8046B0}" sibTransId="{D7287400-32EA-4472-A0F3-85FD1BFDB1D5}"/>
-    <dgm:cxn modelId="{450F35B8-FC5A-4B4B-B558-A6B927E170DF}" type="presParOf" srcId="{4D770F4A-2002-4AC8-9678-98EE36C4F2A6}" destId="{BA942426-9904-409B-A971-0CF55498FA57}" srcOrd="0" destOrd="0" presId="urn:microsoft.com/office/officeart/2018/2/layout/IconLabelList"/>
-    <dgm:cxn modelId="{46D23761-3B43-47C3-9D8D-9A7AE4DD4425}" type="presParOf" srcId="{BA942426-9904-409B-A971-0CF55498FA57}" destId="{F926435F-6066-4EC7-BDCD-A0927D5B3243}" srcOrd="0" destOrd="0" presId="urn:microsoft.com/office/officeart/2018/2/layout/IconLabelList"/>
-    <dgm:cxn modelId="{6D5BF139-4494-4462-8B6C-FFBAA8CE3C11}" type="presParOf" srcId="{BA942426-9904-409B-A971-0CF55498FA57}" destId="{A8B70FF2-C619-4764-9418-256411ACE0E3}" srcOrd="1" destOrd="0" presId="urn:microsoft.com/office/officeart/2018/2/layout/IconLabelList"/>
-    <dgm:cxn modelId="{81A1F1AA-7F2E-4621-A235-0E7167F4D992}" type="presParOf" srcId="{BA942426-9904-409B-A971-0CF55498FA57}" destId="{FF71E695-4AB7-4E9C-8C0D-F89ABAA6D440}" srcOrd="2" destOrd="0" presId="urn:microsoft.com/office/officeart/2018/2/layout/IconLabelList"/>
-    <dgm:cxn modelId="{BABF8E97-0628-4787-A1D9-9E0F9D5AD4F6}" type="presParOf" srcId="{4D770F4A-2002-4AC8-9678-98EE36C4F2A6}" destId="{10C1763B-2937-486D-8779-8F9CD1AA09A6}" srcOrd="1" destOrd="0" presId="urn:microsoft.com/office/officeart/2018/2/layout/IconLabelList"/>
-    <dgm:cxn modelId="{904D0462-530B-4B45-B174-79B05F9C979E}" type="presParOf" srcId="{4D770F4A-2002-4AC8-9678-98EE36C4F2A6}" destId="{ECA6B9F1-78E8-46A2-80E8-C858B9B769FE}" srcOrd="2" destOrd="0" presId="urn:microsoft.com/office/officeart/2018/2/layout/IconLabelList"/>
-    <dgm:cxn modelId="{BAB2F70D-75D9-468C-A116-0E1E7487122B}" type="presParOf" srcId="{ECA6B9F1-78E8-46A2-80E8-C858B9B769FE}" destId="{8F5E7928-3807-464D-A0D6-72C6A9EC8CDF}" srcOrd="0" destOrd="0" presId="urn:microsoft.com/office/officeart/2018/2/layout/IconLabelList"/>
-    <dgm:cxn modelId="{B0E3459F-ABD8-4525-ADC9-EC358BE6EF29}" type="presParOf" srcId="{ECA6B9F1-78E8-46A2-80E8-C858B9B769FE}" destId="{D4C6AD57-C1B1-4A15-BD2F-77A7EFA53E2B}" srcOrd="1" destOrd="0" presId="urn:microsoft.com/office/officeart/2018/2/layout/IconLabelList"/>
-    <dgm:cxn modelId="{7E613172-5C26-4118-A1FE-E1153068E2DF}" type="presParOf" srcId="{ECA6B9F1-78E8-46A2-80E8-C858B9B769FE}" destId="{6406E899-9FFE-486E-85B3-92929B93206C}" srcOrd="2" destOrd="0" presId="urn:microsoft.com/office/officeart/2018/2/layout/IconLabelList"/>
-    <dgm:cxn modelId="{0405DAEC-6331-46F7-880A-341DE5841A85}" type="presParOf" srcId="{4D770F4A-2002-4AC8-9678-98EE36C4F2A6}" destId="{5C9618C1-82D8-4F34-9BED-EB5BD3A61EA6}" srcOrd="3" destOrd="0" presId="urn:microsoft.com/office/officeart/2018/2/layout/IconLabelList"/>
-    <dgm:cxn modelId="{68176454-0F41-4D65-BB55-90E5241C11FA}" type="presParOf" srcId="{4D770F4A-2002-4AC8-9678-98EE36C4F2A6}" destId="{6AF1FEFF-8B5B-43A7-A982-13F76F07D6C1}" srcOrd="4" destOrd="0" presId="urn:microsoft.com/office/officeart/2018/2/layout/IconLabelList"/>
-    <dgm:cxn modelId="{7F6F3F39-6455-4E12-86E7-B8336D956DCC}" type="presParOf" srcId="{6AF1FEFF-8B5B-43A7-A982-13F76F07D6C1}" destId="{C3BEABEE-A4FD-43BD-BEEB-BF6A2F151863}" srcOrd="0" destOrd="0" presId="urn:microsoft.com/office/officeart/2018/2/layout/IconLabelList"/>
-    <dgm:cxn modelId="{A472876F-51B8-47B3-AC4A-77E692741002}" type="presParOf" srcId="{6AF1FEFF-8B5B-43A7-A982-13F76F07D6C1}" destId="{DA5247C1-8533-499A-B137-571DC6F80667}" srcOrd="1" destOrd="0" presId="urn:microsoft.com/office/officeart/2018/2/layout/IconLabelList"/>
-    <dgm:cxn modelId="{382E1DAE-33AB-4D53-BB0E-8B3EB8E3E970}" type="presParOf" srcId="{6AF1FEFF-8B5B-43A7-A982-13F76F07D6C1}" destId="{3E0F5CCB-5F78-4A9A-BF78-732A36E11F05}" srcOrd="2" destOrd="0" presId="urn:microsoft.com/office/officeart/2018/2/layout/IconLabelList"/>
-    <dgm:cxn modelId="{3E442BA5-C5DE-4C68-8D9B-6081CB8A7A7D}" type="presParOf" srcId="{4D770F4A-2002-4AC8-9678-98EE36C4F2A6}" destId="{654CFCDC-7195-4237-B87F-3F7EE78A072B}" srcOrd="5" destOrd="0" presId="urn:microsoft.com/office/officeart/2018/2/layout/IconLabelList"/>
-    <dgm:cxn modelId="{FE243960-65A5-4F9F-A11B-ADF62CCF2E7B}" type="presParOf" srcId="{4D770F4A-2002-4AC8-9678-98EE36C4F2A6}" destId="{3458CF47-C2C3-49D8-9815-0DD36B199CE2}" srcOrd="6" destOrd="0" presId="urn:microsoft.com/office/officeart/2018/2/layout/IconLabelList"/>
-    <dgm:cxn modelId="{9DC857D3-2756-4B98-BD5E-2D386B386109}" type="presParOf" srcId="{3458CF47-C2C3-49D8-9815-0DD36B199CE2}" destId="{815C54C1-60EC-441D-8B53-0778358857F2}" srcOrd="0" destOrd="0" presId="urn:microsoft.com/office/officeart/2018/2/layout/IconLabelList"/>
-    <dgm:cxn modelId="{5B760C1C-42D8-49BA-A961-72183776BE76}" type="presParOf" srcId="{3458CF47-C2C3-49D8-9815-0DD36B199CE2}" destId="{05CDEE58-80E3-426E-96A0-21A401D7BBE6}" srcOrd="1" destOrd="0" presId="urn:microsoft.com/office/officeart/2018/2/layout/IconLabelList"/>
-    <dgm:cxn modelId="{114B20C0-5213-4627-A0B1-67106913E6D7}" type="presParOf" srcId="{3458CF47-C2C3-49D8-9815-0DD36B199CE2}" destId="{AF291E37-DD63-4341-81EA-5A050199F3DE}" srcOrd="2" destOrd="0" presId="urn:microsoft.com/office/officeart/2018/2/layout/IconLabelList"/>
-    <dgm:cxn modelId="{389E7D0A-857A-4EDA-9EFF-F1C78753568C}" type="presParOf" srcId="{4D770F4A-2002-4AC8-9678-98EE36C4F2A6}" destId="{9693D403-3897-4A2D-85D9-816214158931}" srcOrd="7" destOrd="0" presId="urn:microsoft.com/office/officeart/2018/2/layout/IconLabelList"/>
-    <dgm:cxn modelId="{E81FBDC8-1D9E-4104-8ABA-8A7DFBF3B581}" type="presParOf" srcId="{4D770F4A-2002-4AC8-9678-98EE36C4F2A6}" destId="{993CDCAA-8912-4D23-BDEC-40929B1FE1D5}" srcOrd="8" destOrd="0" presId="urn:microsoft.com/office/officeart/2018/2/layout/IconLabelList"/>
-    <dgm:cxn modelId="{32F540B4-3114-443E-851E-7D0B6A89F945}" type="presParOf" srcId="{993CDCAA-8912-4D23-BDEC-40929B1FE1D5}" destId="{798E4BFD-CE35-4C34-8640-4F9EC2BBBBF7}" srcOrd="0" destOrd="0" presId="urn:microsoft.com/office/officeart/2018/2/layout/IconLabelList"/>
-    <dgm:cxn modelId="{A960016E-6094-4B22-AD69-B36FB496AF48}" type="presParOf" srcId="{993CDCAA-8912-4D23-BDEC-40929B1FE1D5}" destId="{5B578491-A456-40F4-A08A-5CC0866E5D7F}" srcOrd="1" destOrd="0" presId="urn:microsoft.com/office/officeart/2018/2/layout/IconLabelList"/>
-    <dgm:cxn modelId="{7875DC63-B89C-43F9-8DEE-3C073B5055BA}" type="presParOf" srcId="{993CDCAA-8912-4D23-BDEC-40929B1FE1D5}" destId="{3D7BDD2B-FCDF-4181-B6C7-C0632DC51D98}" srcOrd="2" destOrd="0" presId="urn:microsoft.com/office/officeart/2018/2/layout/IconLabelList"/>
+    <dgm:cxn modelId="{CD203D2F-9750-497A-9BBE-4BEAE655F48F}" type="presParOf" srcId="{4B264668-8F74-4C11-8C32-073D6B97ECAD}" destId="{CB535E85-C512-4C15-9AE6-F8315435F96A}" srcOrd="0" destOrd="0" presId="urn:microsoft.com/office/officeart/2005/8/layout/vProcess5"/>
+    <dgm:cxn modelId="{E9AD9CF0-401D-4400-BC9E-4628CE4BC942}" type="presParOf" srcId="{4B264668-8F74-4C11-8C32-073D6B97ECAD}" destId="{0DC97FEF-23E1-4BDE-9ABF-DA95371938C4}" srcOrd="1" destOrd="0" presId="urn:microsoft.com/office/officeart/2005/8/layout/vProcess5"/>
+    <dgm:cxn modelId="{CA4B080E-7BAA-49C3-AA39-2CC004E1FFF6}" type="presParOf" srcId="{4B264668-8F74-4C11-8C32-073D6B97ECAD}" destId="{170621FB-21A8-4363-A45D-0B6961B68B23}" srcOrd="2" destOrd="0" presId="urn:microsoft.com/office/officeart/2005/8/layout/vProcess5"/>
+    <dgm:cxn modelId="{FBD28FCC-5570-458E-B35E-44ECD9AA0947}" type="presParOf" srcId="{4B264668-8F74-4C11-8C32-073D6B97ECAD}" destId="{B6BFF6E4-A310-431B-B8CD-A40D6398278A}" srcOrd="3" destOrd="0" presId="urn:microsoft.com/office/officeart/2005/8/layout/vProcess5"/>
+    <dgm:cxn modelId="{A9FC21FD-9DDA-4706-95DC-48E5BB7D0C55}" type="presParOf" srcId="{4B264668-8F74-4C11-8C32-073D6B97ECAD}" destId="{EA85B479-6751-4238-B241-815CA66F87F2}" srcOrd="4" destOrd="0" presId="urn:microsoft.com/office/officeart/2005/8/layout/vProcess5"/>
+    <dgm:cxn modelId="{65CD6666-D9A4-4049-83DA-46480211E8ED}" type="presParOf" srcId="{4B264668-8F74-4C11-8C32-073D6B97ECAD}" destId="{F46F83D2-5195-4FC8-81FB-223D7E6E5B89}" srcOrd="5" destOrd="0" presId="urn:microsoft.com/office/officeart/2005/8/layout/vProcess5"/>
+    <dgm:cxn modelId="{B6B1699C-9B36-49B3-857E-D579A933368D}" type="presParOf" srcId="{4B264668-8F74-4C11-8C32-073D6B97ECAD}" destId="{CDCF3E08-B30C-498E-A33F-5D602D6B8C43}" srcOrd="6" destOrd="0" presId="urn:microsoft.com/office/officeart/2005/8/layout/vProcess5"/>
+    <dgm:cxn modelId="{0E86E141-93F7-4E87-A947-D88F18FEA568}" type="presParOf" srcId="{4B264668-8F74-4C11-8C32-073D6B97ECAD}" destId="{1B97F18D-4491-45C2-9070-B6941ACE7C04}" srcOrd="7" destOrd="0" presId="urn:microsoft.com/office/officeart/2005/8/layout/vProcess5"/>
+    <dgm:cxn modelId="{C7633D55-09C0-41F8-BEC0-677834BC43A5}" type="presParOf" srcId="{4B264668-8F74-4C11-8C32-073D6B97ECAD}" destId="{095F8C2D-58E4-48BE-8F5B-B91910833356}" srcOrd="8" destOrd="0" presId="urn:microsoft.com/office/officeart/2005/8/layout/vProcess5"/>
+    <dgm:cxn modelId="{D208434D-EB08-4675-8453-9B93EC250159}" type="presParOf" srcId="{4B264668-8F74-4C11-8C32-073D6B97ECAD}" destId="{0D105099-0AF4-44AA-BE01-CD283D9109EC}" srcOrd="9" destOrd="0" presId="urn:microsoft.com/office/officeart/2005/8/layout/vProcess5"/>
+    <dgm:cxn modelId="{44B07C40-0EEC-4613-A2AA-813155245D51}" type="presParOf" srcId="{4B264668-8F74-4C11-8C32-073D6B97ECAD}" destId="{4729535D-831E-4F08-B9ED-1D81002C634A}" srcOrd="10" destOrd="0" presId="urn:microsoft.com/office/officeart/2005/8/layout/vProcess5"/>
+    <dgm:cxn modelId="{B09CD66A-A581-4141-AF80-7A75E4E32643}" type="presParOf" srcId="{4B264668-8F74-4C11-8C32-073D6B97ECAD}" destId="{7EC56960-D1A3-4993-8577-6F0D8BC5520F}" srcOrd="11" destOrd="0" presId="urn:microsoft.com/office/officeart/2005/8/layout/vProcess5"/>
+    <dgm:cxn modelId="{AAFF819C-CF8E-4E2F-A1C2-B1C887EB64BA}" type="presParOf" srcId="{4B264668-8F74-4C11-8C32-073D6B97ECAD}" destId="{C391BCA6-CF44-4384-92B7-96D5E103D40F}" srcOrd="12" destOrd="0" presId="urn:microsoft.com/office/officeart/2005/8/layout/vProcess5"/>
+    <dgm:cxn modelId="{5B873D35-79EB-413B-843B-7D9880523406}" type="presParOf" srcId="{4B264668-8F74-4C11-8C32-073D6B97ECAD}" destId="{481FBBB9-35DC-450F-8352-C44AA97E2D5B}" srcOrd="13" destOrd="0" presId="urn:microsoft.com/office/officeart/2005/8/layout/vProcess5"/>
+    <dgm:cxn modelId="{3DBA90E3-1F58-49E8-B1B9-3F1FF0415CF5}" type="presParOf" srcId="{4B264668-8F74-4C11-8C32-073D6B97ECAD}" destId="{A3056E77-0F9C-4873-B170-C7652394A86D}" srcOrd="14" destOrd="0" presId="urn:microsoft.com/office/officeart/2005/8/layout/vProcess5"/>
   </dgm:cxnLst>
   <dgm:bg/>
   <dgm:whole/>
@@ -5293,10 +5188,10 @@
             <a:buNone/>
           </a:pPr>
           <a:r>
-            <a:rPr lang="en-US" sz="2500" kern="1200" baseline="0"/>
+            <a:rPr lang="en-US" sz="2500" kern="1200" baseline="0" dirty="0"/>
             <a:t>My name is Connor</a:t>
           </a:r>
-          <a:endParaRPr lang="en-US" sz="2500" kern="1200"/>
+          <a:endParaRPr lang="en-US" sz="2500" kern="1200" dirty="0"/>
         </a:p>
       </dsp:txBody>
       <dsp:txXfrm>
@@ -5592,7 +5487,7 @@
             <a:buNone/>
           </a:pPr>
           <a:r>
-            <a:rPr lang="en-US" sz="2500" kern="1200"/>
+            <a:rPr lang="en-US" sz="2500" kern="1200" dirty="0"/>
             <a:t>Director of Education</a:t>
           </a:r>
         </a:p>
@@ -5810,14 +5705,14 @@
             <a:buNone/>
           </a:pPr>
           <a:r>
-            <a:rPr lang="en-US" sz="2300" kern="1200" baseline="0"/>
+            <a:rPr lang="en-US" sz="2300" kern="1200" baseline="0" dirty="0"/>
             <a:t>My name is </a:t>
           </a:r>
           <a:r>
-            <a:rPr lang="en-US" sz="2300" kern="1200" baseline="0" err="1"/>
+            <a:rPr lang="en-US" sz="2300" kern="1200" baseline="0" dirty="0" err="1"/>
             <a:t>Vraj</a:t>
           </a:r>
-          <a:endParaRPr lang="en-US" sz="2300" kern="1200"/>
+          <a:endParaRPr lang="en-US" sz="2300" kern="1200" dirty="0"/>
         </a:p>
       </dsp:txBody>
       <dsp:txXfrm>
@@ -5964,7 +5859,7 @@
             <a:buNone/>
           </a:pPr>
           <a:r>
-            <a:rPr lang="en-US" sz="2300" kern="1200"/>
+            <a:rPr lang="en-US" sz="2300" kern="1200" dirty="0"/>
             <a:t>Computer Engineering II</a:t>
           </a:r>
         </a:p>
@@ -6113,26 +6008,8 @@
             <a:buNone/>
           </a:pPr>
           <a:r>
-            <a:rPr lang="en-US" sz="2300" kern="1200"/>
-            <a:t>Education Coordinator / </a:t>
-          </a:r>
-        </a:p>
-        <a:p>
-          <a:pPr marL="0" lvl="0" indent="0" algn="l" defTabSz="1022350">
-            <a:lnSpc>
-              <a:spcPct val="100000"/>
-            </a:lnSpc>
-            <a:spcBef>
-              <a:spcPct val="0"/>
-            </a:spcBef>
-            <a:spcAft>
-              <a:spcPct val="35000"/>
-            </a:spcAft>
-            <a:buNone/>
-          </a:pPr>
-          <a:r>
-            <a:rPr lang="en-US" sz="2300" kern="1200"/>
-            <a:t>Workshop Developer</a:t>
+            <a:rPr lang="en-US" sz="2300" kern="1200" dirty="0"/>
+            <a:t>Education Coordinator / Workshop Developer</a:t>
           </a:r>
         </a:p>
       </dsp:txBody>
@@ -6210,36 +6087,38 @@
       <dsp:cNvGrpSpPr/>
     </dsp:nvGrpSpPr>
     <dsp:grpSpPr/>
-    <dsp:sp modelId="{F926435F-6066-4EC7-BDCD-A0927D5B3243}">
+    <dsp:sp modelId="{0DC97FEF-23E1-4BDE-9ABF-DA95371938C4}">
       <dsp:nvSpPr>
         <dsp:cNvPr id="0" name=""/>
         <dsp:cNvSpPr/>
       </dsp:nvSpPr>
       <dsp:spPr>
         <a:xfrm>
-          <a:off x="733152" y="699249"/>
-          <a:ext cx="810000" cy="810000"/>
+          <a:off x="0" y="0"/>
+          <a:ext cx="7392924" cy="644652"/>
         </a:xfrm>
-        <a:prstGeom prst="rect">
-          <a:avLst/>
+        <a:prstGeom prst="roundRect">
+          <a:avLst>
+            <a:gd name="adj" fmla="val 10000"/>
+          </a:avLst>
         </a:prstGeom>
-        <a:blipFill>
-          <a:blip xmlns:r="http://schemas.openxmlformats.org/officeDocument/2006/relationships" r:embed="rId1">
-            <a:extLst>
-              <a:ext uri="{28A0092B-C50C-407E-A947-70E740481C1C}">
-                <a14:useLocalDpi xmlns:a14="http://schemas.microsoft.com/office/drawing/2010/main" val="0"/>
-              </a:ext>
-              <a:ext uri="{96DAC541-7B7A-43D3-8B79-37D633B846F1}">
-                <asvg:svgBlip xmlns:asvg="http://schemas.microsoft.com/office/drawing/2016/SVG/main" r:embed="rId2"/>
-              </a:ext>
-            </a:extLst>
-          </a:blip>
-          <a:stretch>
-            <a:fillRect/>
-          </a:stretch>
-        </a:blipFill>
+        <a:solidFill>
+          <a:schemeClr val="accent1">
+            <a:hueOff val="0"/>
+            <a:satOff val="0"/>
+            <a:lumOff val="0"/>
+            <a:alphaOff val="0"/>
+          </a:schemeClr>
+        </a:solidFill>
         <a:ln w="34925" cap="flat" cmpd="sng" algn="in">
-          <a:noFill/>
+          <a:solidFill>
+            <a:schemeClr val="lt1">
+              <a:hueOff val="0"/>
+              <a:satOff val="0"/>
+              <a:lumOff val="0"/>
+              <a:alphaOff val="0"/>
+            </a:schemeClr>
+          </a:solidFill>
           <a:prstDash val="solid"/>
         </a:ln>
         <a:effectLst/>
@@ -6258,47 +6137,15 @@
           <a:schemeClr val="lt1"/>
         </a:fontRef>
       </dsp:style>
-    </dsp:sp>
-    <dsp:sp modelId="{FF71E695-4AB7-4E9C-8C0D-F89ABAA6D440}">
-      <dsp:nvSpPr>
-        <dsp:cNvPr id="0" name=""/>
-        <dsp:cNvSpPr/>
-      </dsp:nvSpPr>
-      <dsp:spPr>
-        <a:xfrm>
-          <a:off x="238152" y="1843920"/>
-          <a:ext cx="1800000" cy="720000"/>
-        </a:xfrm>
-        <a:prstGeom prst="rect">
-          <a:avLst/>
-        </a:prstGeom>
-        <a:noFill/>
-        <a:ln>
-          <a:noFill/>
-        </a:ln>
-        <a:effectLst/>
-      </dsp:spPr>
-      <dsp:style>
-        <a:lnRef idx="0">
-          <a:scrgbClr r="0" g="0" b="0"/>
-        </a:lnRef>
-        <a:fillRef idx="0">
-          <a:scrgbClr r="0" g="0" b="0"/>
-        </a:fillRef>
-        <a:effectRef idx="0">
-          <a:scrgbClr r="0" g="0" b="0"/>
-        </a:effectRef>
-        <a:fontRef idx="minor"/>
-      </dsp:style>
       <dsp:txBody>
-        <a:bodyPr spcFirstLastPara="0" vert="horz" wrap="square" lIns="0" tIns="0" rIns="0" bIns="0" numCol="1" spcCol="1270" anchor="t" anchorCtr="0">
+        <a:bodyPr spcFirstLastPara="0" vert="horz" wrap="square" lIns="102870" tIns="102870" rIns="102870" bIns="102870" numCol="1" spcCol="1270" anchor="ctr" anchorCtr="0">
           <a:noAutofit/>
         </a:bodyPr>
         <a:lstStyle/>
         <a:p>
-          <a:pPr marL="0" lvl="0" indent="0" algn="ctr" defTabSz="844550">
+          <a:pPr marL="0" lvl="0" indent="0" algn="l" defTabSz="1200150">
             <a:lnSpc>
-              <a:spcPct val="90000"/>
+              <a:spcPct val="100000"/>
             </a:lnSpc>
             <a:spcBef>
               <a:spcPct val="0"/>
@@ -6307,49 +6154,51 @@
               <a:spcPct val="35000"/>
             </a:spcAft>
             <a:buNone/>
+            <a:defRPr cap="all"/>
           </a:pPr>
           <a:r>
-            <a:rPr lang="en-US" sz="1900" kern="1200" baseline="0"/>
-            <a:t>What is the Purpose of ML</a:t>
+            <a:rPr lang="en-US" sz="2700" kern="1200"/>
+            <a:t>ML Overview</a:t>
           </a:r>
-          <a:endParaRPr lang="en-US" sz="1900" kern="1200"/>
         </a:p>
       </dsp:txBody>
       <dsp:txXfrm>
-        <a:off x="238152" y="1843920"/>
-        <a:ext cx="1800000" cy="720000"/>
+        <a:off x="18881" y="18881"/>
+        <a:ext cx="6621870" cy="606890"/>
       </dsp:txXfrm>
     </dsp:sp>
-    <dsp:sp modelId="{8F5E7928-3807-464D-A0D6-72C6A9EC8CDF}">
+    <dsp:sp modelId="{170621FB-21A8-4363-A45D-0B6961B68B23}">
       <dsp:nvSpPr>
         <dsp:cNvPr id="0" name=""/>
         <dsp:cNvSpPr/>
       </dsp:nvSpPr>
       <dsp:spPr>
         <a:xfrm>
-          <a:off x="2848152" y="699249"/>
-          <a:ext cx="810000" cy="810000"/>
+          <a:off x="552069" y="734187"/>
+          <a:ext cx="7392924" cy="644652"/>
         </a:xfrm>
-        <a:prstGeom prst="rect">
-          <a:avLst/>
+        <a:prstGeom prst="roundRect">
+          <a:avLst>
+            <a:gd name="adj" fmla="val 10000"/>
+          </a:avLst>
         </a:prstGeom>
-        <a:blipFill>
-          <a:blip xmlns:r="http://schemas.openxmlformats.org/officeDocument/2006/relationships" r:embed="rId3">
-            <a:extLst>
-              <a:ext uri="{28A0092B-C50C-407E-A947-70E740481C1C}">
-                <a14:useLocalDpi xmlns:a14="http://schemas.microsoft.com/office/drawing/2010/main" val="0"/>
-              </a:ext>
-              <a:ext uri="{96DAC541-7B7A-43D3-8B79-37D633B846F1}">
-                <asvg:svgBlip xmlns:asvg="http://schemas.microsoft.com/office/drawing/2016/SVG/main" r:embed="rId4"/>
-              </a:ext>
-            </a:extLst>
-          </a:blip>
-          <a:stretch>
-            <a:fillRect/>
-          </a:stretch>
-        </a:blipFill>
+        <a:solidFill>
+          <a:schemeClr val="accent1">
+            <a:hueOff val="0"/>
+            <a:satOff val="0"/>
+            <a:lumOff val="0"/>
+            <a:alphaOff val="0"/>
+          </a:schemeClr>
+        </a:solidFill>
         <a:ln w="34925" cap="flat" cmpd="sng" algn="in">
-          <a:noFill/>
+          <a:solidFill>
+            <a:schemeClr val="lt1">
+              <a:hueOff val="0"/>
+              <a:satOff val="0"/>
+              <a:lumOff val="0"/>
+              <a:alphaOff val="0"/>
+            </a:schemeClr>
+          </a:solidFill>
           <a:prstDash val="solid"/>
         </a:ln>
         <a:effectLst/>
@@ -6368,47 +6217,15 @@
           <a:schemeClr val="lt1"/>
         </a:fontRef>
       </dsp:style>
-    </dsp:sp>
-    <dsp:sp modelId="{6406E899-9FFE-486E-85B3-92929B93206C}">
-      <dsp:nvSpPr>
-        <dsp:cNvPr id="0" name=""/>
-        <dsp:cNvSpPr/>
-      </dsp:nvSpPr>
-      <dsp:spPr>
-        <a:xfrm>
-          <a:off x="2353152" y="1843920"/>
-          <a:ext cx="1800000" cy="720000"/>
-        </a:xfrm>
-        <a:prstGeom prst="rect">
-          <a:avLst/>
-        </a:prstGeom>
-        <a:noFill/>
-        <a:ln>
-          <a:noFill/>
-        </a:ln>
-        <a:effectLst/>
-      </dsp:spPr>
-      <dsp:style>
-        <a:lnRef idx="0">
-          <a:scrgbClr r="0" g="0" b="0"/>
-        </a:lnRef>
-        <a:fillRef idx="0">
-          <a:scrgbClr r="0" g="0" b="0"/>
-        </a:fillRef>
-        <a:effectRef idx="0">
-          <a:scrgbClr r="0" g="0" b="0"/>
-        </a:effectRef>
-        <a:fontRef idx="minor"/>
-      </dsp:style>
       <dsp:txBody>
-        <a:bodyPr spcFirstLastPara="0" vert="horz" wrap="square" lIns="0" tIns="0" rIns="0" bIns="0" numCol="1" spcCol="1270" anchor="t" anchorCtr="0">
+        <a:bodyPr spcFirstLastPara="0" vert="horz" wrap="square" lIns="102870" tIns="102870" rIns="102870" bIns="102870" numCol="1" spcCol="1270" anchor="ctr" anchorCtr="0">
           <a:noAutofit/>
         </a:bodyPr>
         <a:lstStyle/>
         <a:p>
-          <a:pPr marL="0" lvl="0" indent="0" algn="ctr" defTabSz="844550">
+          <a:pPr marL="0" lvl="0" indent="0" algn="l" defTabSz="1200150">
             <a:lnSpc>
-              <a:spcPct val="90000"/>
+              <a:spcPct val="100000"/>
             </a:lnSpc>
             <a:spcBef>
               <a:spcPct val="0"/>
@@ -6417,49 +6234,52 @@
               <a:spcPct val="35000"/>
             </a:spcAft>
             <a:buNone/>
+            <a:defRPr cap="all"/>
           </a:pPr>
           <a:r>
-            <a:rPr lang="en-US" sz="1900" kern="1200" baseline="0"/>
-            <a:t>What is ML</a:t>
+            <a:rPr lang="en-US" sz="2700" kern="1200" baseline="0"/>
+            <a:t>Supervised Learning Theory</a:t>
           </a:r>
-          <a:endParaRPr lang="en-US" sz="1900" kern="1200"/>
+          <a:endParaRPr lang="en-US" sz="2700" kern="1200" dirty="0"/>
         </a:p>
       </dsp:txBody>
       <dsp:txXfrm>
-        <a:off x="2353152" y="1843920"/>
-        <a:ext cx="1800000" cy="720000"/>
+        <a:off x="570950" y="753068"/>
+        <a:ext cx="6384069" cy="606890"/>
       </dsp:txXfrm>
     </dsp:sp>
-    <dsp:sp modelId="{C3BEABEE-A4FD-43BD-BEEB-BF6A2F151863}">
+    <dsp:sp modelId="{B6BFF6E4-A310-431B-B8CD-A40D6398278A}">
       <dsp:nvSpPr>
         <dsp:cNvPr id="0" name=""/>
         <dsp:cNvSpPr/>
       </dsp:nvSpPr>
       <dsp:spPr>
         <a:xfrm>
-          <a:off x="4963152" y="699249"/>
-          <a:ext cx="810000" cy="810000"/>
+          <a:off x="1104137" y="1468374"/>
+          <a:ext cx="7392924" cy="644652"/>
         </a:xfrm>
-        <a:prstGeom prst="rect">
-          <a:avLst/>
+        <a:prstGeom prst="roundRect">
+          <a:avLst>
+            <a:gd name="adj" fmla="val 10000"/>
+          </a:avLst>
         </a:prstGeom>
-        <a:blipFill>
-          <a:blip xmlns:r="http://schemas.openxmlformats.org/officeDocument/2006/relationships" r:embed="rId5">
-            <a:extLst>
-              <a:ext uri="{28A0092B-C50C-407E-A947-70E740481C1C}">
-                <a14:useLocalDpi xmlns:a14="http://schemas.microsoft.com/office/drawing/2010/main" val="0"/>
-              </a:ext>
-              <a:ext uri="{96DAC541-7B7A-43D3-8B79-37D633B846F1}">
-                <asvg:svgBlip xmlns:asvg="http://schemas.microsoft.com/office/drawing/2016/SVG/main" r:embed="rId6"/>
-              </a:ext>
-            </a:extLst>
-          </a:blip>
-          <a:stretch>
-            <a:fillRect/>
-          </a:stretch>
-        </a:blipFill>
+        <a:solidFill>
+          <a:schemeClr val="accent1">
+            <a:hueOff val="0"/>
+            <a:satOff val="0"/>
+            <a:lumOff val="0"/>
+            <a:alphaOff val="0"/>
+          </a:schemeClr>
+        </a:solidFill>
         <a:ln w="34925" cap="flat" cmpd="sng" algn="in">
-          <a:noFill/>
+          <a:solidFill>
+            <a:schemeClr val="lt1">
+              <a:hueOff val="0"/>
+              <a:satOff val="0"/>
+              <a:lumOff val="0"/>
+              <a:alphaOff val="0"/>
+            </a:schemeClr>
+          </a:solidFill>
           <a:prstDash val="solid"/>
         </a:ln>
         <a:effectLst/>
@@ -6478,47 +6298,15 @@
           <a:schemeClr val="lt1"/>
         </a:fontRef>
       </dsp:style>
-    </dsp:sp>
-    <dsp:sp modelId="{3E0F5CCB-5F78-4A9A-BF78-732A36E11F05}">
-      <dsp:nvSpPr>
-        <dsp:cNvPr id="0" name=""/>
-        <dsp:cNvSpPr/>
-      </dsp:nvSpPr>
-      <dsp:spPr>
-        <a:xfrm>
-          <a:off x="4468152" y="1843920"/>
-          <a:ext cx="1800000" cy="720000"/>
-        </a:xfrm>
-        <a:prstGeom prst="rect">
-          <a:avLst/>
-        </a:prstGeom>
-        <a:noFill/>
-        <a:ln>
-          <a:noFill/>
-        </a:ln>
-        <a:effectLst/>
-      </dsp:spPr>
-      <dsp:style>
-        <a:lnRef idx="0">
-          <a:scrgbClr r="0" g="0" b="0"/>
-        </a:lnRef>
-        <a:fillRef idx="0">
-          <a:scrgbClr r="0" g="0" b="0"/>
-        </a:fillRef>
-        <a:effectRef idx="0">
-          <a:scrgbClr r="0" g="0" b="0"/>
-        </a:effectRef>
-        <a:fontRef idx="minor"/>
-      </dsp:style>
       <dsp:txBody>
-        <a:bodyPr spcFirstLastPara="0" vert="horz" wrap="square" lIns="0" tIns="0" rIns="0" bIns="0" numCol="1" spcCol="1270" anchor="t" anchorCtr="0">
+        <a:bodyPr spcFirstLastPara="0" vert="horz" wrap="square" lIns="102870" tIns="102870" rIns="102870" bIns="102870" numCol="1" spcCol="1270" anchor="ctr" anchorCtr="0">
           <a:noAutofit/>
         </a:bodyPr>
         <a:lstStyle/>
         <a:p>
-          <a:pPr marL="0" lvl="0" indent="0" algn="ctr" defTabSz="844550">
+          <a:pPr marL="0" lvl="0" indent="0" algn="l" defTabSz="1200150">
             <a:lnSpc>
-              <a:spcPct val="90000"/>
+              <a:spcPct val="100000"/>
             </a:lnSpc>
             <a:spcBef>
               <a:spcPct val="0"/>
@@ -6527,49 +6315,62 @@
               <a:spcPct val="35000"/>
             </a:spcAft>
             <a:buNone/>
+            <a:defRPr cap="all"/>
           </a:pPr>
           <a:r>
-            <a:rPr lang="en-US" sz="1900" kern="1200" baseline="0"/>
-            <a:t>Supervised Learning Theory</a:t>
+            <a:rPr lang="en-US" sz="2700" kern="1200" baseline="0"/>
+            <a:t>Building a Simple </a:t>
           </a:r>
-          <a:endParaRPr lang="en-US" sz="1900" kern="1200"/>
+          <a:r>
+            <a:rPr lang="en-US" sz="2700" kern="1200" baseline="0">
+              <a:latin typeface="Franklin Gothic Book" panose="020B0503020102020204"/>
+            </a:rPr>
+            <a:t>Model</a:t>
+          </a:r>
+          <a:r>
+            <a:rPr lang="en-US" sz="2700" kern="1200" baseline="0"/>
+            <a:t> demo</a:t>
+          </a:r>
+          <a:endParaRPr lang="en-US" sz="2700" kern="1200" dirty="0"/>
         </a:p>
       </dsp:txBody>
       <dsp:txXfrm>
-        <a:off x="4468152" y="1843920"/>
-        <a:ext cx="1800000" cy="720000"/>
+        <a:off x="1123018" y="1487255"/>
+        <a:ext cx="6384069" cy="606889"/>
       </dsp:txXfrm>
     </dsp:sp>
-    <dsp:sp modelId="{815C54C1-60EC-441D-8B53-0778358857F2}">
+    <dsp:sp modelId="{EA85B479-6751-4238-B241-815CA66F87F2}">
       <dsp:nvSpPr>
         <dsp:cNvPr id="0" name=""/>
         <dsp:cNvSpPr/>
       </dsp:nvSpPr>
       <dsp:spPr>
         <a:xfrm>
-          <a:off x="1790652" y="3013920"/>
-          <a:ext cx="810000" cy="810000"/>
+          <a:off x="1656206" y="2202561"/>
+          <a:ext cx="7392924" cy="644652"/>
         </a:xfrm>
-        <a:prstGeom prst="rect">
-          <a:avLst/>
+        <a:prstGeom prst="roundRect">
+          <a:avLst>
+            <a:gd name="adj" fmla="val 10000"/>
+          </a:avLst>
         </a:prstGeom>
-        <a:blipFill>
-          <a:blip xmlns:r="http://schemas.openxmlformats.org/officeDocument/2006/relationships" r:embed="rId7">
-            <a:extLst>
-              <a:ext uri="{28A0092B-C50C-407E-A947-70E740481C1C}">
-                <a14:useLocalDpi xmlns:a14="http://schemas.microsoft.com/office/drawing/2010/main" val="0"/>
-              </a:ext>
-              <a:ext uri="{96DAC541-7B7A-43D3-8B79-37D633B846F1}">
-                <asvg:svgBlip xmlns:asvg="http://schemas.microsoft.com/office/drawing/2016/SVG/main" r:embed="rId8"/>
-              </a:ext>
-            </a:extLst>
-          </a:blip>
-          <a:stretch>
-            <a:fillRect/>
-          </a:stretch>
-        </a:blipFill>
+        <a:solidFill>
+          <a:schemeClr val="accent1">
+            <a:hueOff val="0"/>
+            <a:satOff val="0"/>
+            <a:lumOff val="0"/>
+            <a:alphaOff val="0"/>
+          </a:schemeClr>
+        </a:solidFill>
         <a:ln w="34925" cap="flat" cmpd="sng" algn="in">
-          <a:noFill/>
+          <a:solidFill>
+            <a:schemeClr val="lt1">
+              <a:hueOff val="0"/>
+              <a:satOff val="0"/>
+              <a:lumOff val="0"/>
+              <a:alphaOff val="0"/>
+            </a:schemeClr>
+          </a:solidFill>
           <a:prstDash val="solid"/>
         </a:ln>
         <a:effectLst/>
@@ -6588,47 +6389,15 @@
           <a:schemeClr val="lt1"/>
         </a:fontRef>
       </dsp:style>
-    </dsp:sp>
-    <dsp:sp modelId="{AF291E37-DD63-4341-81EA-5A050199F3DE}">
-      <dsp:nvSpPr>
-        <dsp:cNvPr id="0" name=""/>
-        <dsp:cNvSpPr/>
-      </dsp:nvSpPr>
-      <dsp:spPr>
-        <a:xfrm>
-          <a:off x="1295652" y="4158590"/>
-          <a:ext cx="1800000" cy="720000"/>
-        </a:xfrm>
-        <a:prstGeom prst="rect">
-          <a:avLst/>
-        </a:prstGeom>
-        <a:noFill/>
-        <a:ln>
-          <a:noFill/>
-        </a:ln>
-        <a:effectLst/>
-      </dsp:spPr>
-      <dsp:style>
-        <a:lnRef idx="0">
-          <a:scrgbClr r="0" g="0" b="0"/>
-        </a:lnRef>
-        <a:fillRef idx="0">
-          <a:scrgbClr r="0" g="0" b="0"/>
-        </a:fillRef>
-        <a:effectRef idx="0">
-          <a:scrgbClr r="0" g="0" b="0"/>
-        </a:effectRef>
-        <a:fontRef idx="minor"/>
-      </dsp:style>
       <dsp:txBody>
-        <a:bodyPr spcFirstLastPara="0" vert="horz" wrap="square" lIns="0" tIns="0" rIns="0" bIns="0" numCol="1" spcCol="1270" anchor="t" anchorCtr="0">
+        <a:bodyPr spcFirstLastPara="0" vert="horz" wrap="square" lIns="102870" tIns="102870" rIns="102870" bIns="102870" numCol="1" spcCol="1270" anchor="ctr" anchorCtr="0">
           <a:noAutofit/>
         </a:bodyPr>
         <a:lstStyle/>
         <a:p>
-          <a:pPr marL="0" lvl="0" indent="0" algn="ctr" defTabSz="844550">
+          <a:pPr marL="0" lvl="0" indent="0" algn="l" defTabSz="1200150">
             <a:lnSpc>
-              <a:spcPct val="90000"/>
+              <a:spcPct val="100000"/>
             </a:lnSpc>
             <a:spcBef>
               <a:spcPct val="0"/>
@@ -6637,59 +6406,52 @@
               <a:spcPct val="35000"/>
             </a:spcAft>
             <a:buNone/>
+            <a:defRPr cap="all"/>
           </a:pPr>
           <a:r>
-            <a:rPr lang="en-US" sz="1900" kern="1200" baseline="0"/>
-            <a:t>Building a Simple </a:t>
+            <a:rPr lang="en-US" sz="2700" kern="1200" baseline="0"/>
+            <a:t>KAHOOT</a:t>
           </a:r>
-          <a:r>
-            <a:rPr lang="en-US" sz="1900" kern="1200" baseline="0">
-              <a:latin typeface="Franklin Gothic Book" panose="020B0503020102020204"/>
-            </a:rPr>
-            <a:t>Model</a:t>
-          </a:r>
-          <a:r>
-            <a:rPr lang="en-US" sz="1900" kern="1200" baseline="0"/>
-            <a:t> demo</a:t>
-          </a:r>
-          <a:endParaRPr lang="en-US" sz="1900" kern="1200"/>
+          <a:endParaRPr lang="en-US" sz="2700" kern="1200" dirty="0"/>
         </a:p>
       </dsp:txBody>
       <dsp:txXfrm>
-        <a:off x="1295652" y="4158590"/>
-        <a:ext cx="1800000" cy="720000"/>
+        <a:off x="1675087" y="2221442"/>
+        <a:ext cx="6384069" cy="606890"/>
       </dsp:txXfrm>
     </dsp:sp>
-    <dsp:sp modelId="{798E4BFD-CE35-4C34-8640-4F9EC2BBBBF7}">
+    <dsp:sp modelId="{F46F83D2-5195-4FC8-81FB-223D7E6E5B89}">
       <dsp:nvSpPr>
         <dsp:cNvPr id="0" name=""/>
         <dsp:cNvSpPr/>
       </dsp:nvSpPr>
       <dsp:spPr>
         <a:xfrm>
-          <a:off x="3905652" y="3013920"/>
-          <a:ext cx="810000" cy="810000"/>
+          <a:off x="2208275" y="2936748"/>
+          <a:ext cx="7392924" cy="644652"/>
         </a:xfrm>
-        <a:prstGeom prst="rect">
-          <a:avLst/>
+        <a:prstGeom prst="roundRect">
+          <a:avLst>
+            <a:gd name="adj" fmla="val 10000"/>
+          </a:avLst>
         </a:prstGeom>
-        <a:blipFill>
-          <a:blip xmlns:r="http://schemas.openxmlformats.org/officeDocument/2006/relationships" r:embed="rId9">
-            <a:extLst>
-              <a:ext uri="{28A0092B-C50C-407E-A947-70E740481C1C}">
-                <a14:useLocalDpi xmlns:a14="http://schemas.microsoft.com/office/drawing/2010/main" val="0"/>
-              </a:ext>
-              <a:ext uri="{96DAC541-7B7A-43D3-8B79-37D633B846F1}">
-                <asvg:svgBlip xmlns:asvg="http://schemas.microsoft.com/office/drawing/2016/SVG/main" r:embed="rId10"/>
-              </a:ext>
-            </a:extLst>
-          </a:blip>
-          <a:stretch>
-            <a:fillRect/>
-          </a:stretch>
-        </a:blipFill>
+        <a:solidFill>
+          <a:schemeClr val="accent1">
+            <a:hueOff val="0"/>
+            <a:satOff val="0"/>
+            <a:lumOff val="0"/>
+            <a:alphaOff val="0"/>
+          </a:schemeClr>
+        </a:solidFill>
         <a:ln w="34925" cap="flat" cmpd="sng" algn="in">
-          <a:noFill/>
+          <a:solidFill>
+            <a:schemeClr val="lt1">
+              <a:hueOff val="0"/>
+              <a:satOff val="0"/>
+              <a:lumOff val="0"/>
+              <a:alphaOff val="0"/>
+            </a:schemeClr>
+          </a:solidFill>
           <a:prstDash val="solid"/>
         </a:ln>
         <a:effectLst/>
@@ -6708,31 +6470,83 @@
           <a:schemeClr val="lt1"/>
         </a:fontRef>
       </dsp:style>
+      <dsp:txBody>
+        <a:bodyPr spcFirstLastPara="0" vert="horz" wrap="square" lIns="102870" tIns="102870" rIns="102870" bIns="102870" numCol="1" spcCol="1270" anchor="ctr" anchorCtr="0">
+          <a:noAutofit/>
+        </a:bodyPr>
+        <a:lstStyle/>
+        <a:p>
+          <a:pPr marL="0" lvl="0" indent="0" algn="l" defTabSz="1200150">
+            <a:lnSpc>
+              <a:spcPct val="100000"/>
+            </a:lnSpc>
+            <a:spcBef>
+              <a:spcPct val="0"/>
+            </a:spcBef>
+            <a:spcAft>
+              <a:spcPct val="35000"/>
+            </a:spcAft>
+            <a:buNone/>
+            <a:defRPr cap="all"/>
+          </a:pPr>
+          <a:r>
+            <a:rPr lang="en-US" sz="2700" kern="1200" baseline="0"/>
+            <a:t>Feedback</a:t>
+          </a:r>
+          <a:endParaRPr lang="en-US" sz="2700" kern="1200"/>
+        </a:p>
+      </dsp:txBody>
+      <dsp:txXfrm>
+        <a:off x="2227156" y="2955629"/>
+        <a:ext cx="6384069" cy="606889"/>
+      </dsp:txXfrm>
     </dsp:sp>
-    <dsp:sp modelId="{3D7BDD2B-FCDF-4181-B6C7-C0632DC51D98}">
+    <dsp:sp modelId="{CDCF3E08-B30C-498E-A33F-5D602D6B8C43}">
       <dsp:nvSpPr>
         <dsp:cNvPr id="0" name=""/>
         <dsp:cNvSpPr/>
       </dsp:nvSpPr>
       <dsp:spPr>
         <a:xfrm>
-          <a:off x="3410652" y="4158590"/>
-          <a:ext cx="1800000" cy="720000"/>
+          <a:off x="6973900" y="470954"/>
+          <a:ext cx="419023" cy="419023"/>
         </a:xfrm>
-        <a:prstGeom prst="rect">
-          <a:avLst/>
+        <a:prstGeom prst="downArrow">
+          <a:avLst>
+            <a:gd name="adj1" fmla="val 55000"/>
+            <a:gd name="adj2" fmla="val 45000"/>
+          </a:avLst>
         </a:prstGeom>
-        <a:noFill/>
-        <a:ln>
-          <a:noFill/>
+        <a:solidFill>
+          <a:schemeClr val="accent1">
+            <a:alpha val="90000"/>
+            <a:tint val="40000"/>
+            <a:hueOff val="0"/>
+            <a:satOff val="0"/>
+            <a:lumOff val="0"/>
+            <a:alphaOff val="0"/>
+          </a:schemeClr>
+        </a:solidFill>
+        <a:ln w="34925" cap="flat" cmpd="sng" algn="in">
+          <a:solidFill>
+            <a:schemeClr val="accent1">
+              <a:alpha val="90000"/>
+              <a:tint val="40000"/>
+              <a:hueOff val="0"/>
+              <a:satOff val="0"/>
+              <a:lumOff val="0"/>
+              <a:alphaOff val="0"/>
+            </a:schemeClr>
+          </a:solidFill>
+          <a:prstDash val="solid"/>
         </a:ln>
         <a:effectLst/>
       </dsp:spPr>
       <dsp:style>
-        <a:lnRef idx="0">
+        <a:lnRef idx="2">
           <a:scrgbClr r="0" g="0" b="0"/>
         </a:lnRef>
-        <a:fillRef idx="0">
+        <a:fillRef idx="1">
           <a:scrgbClr r="0" g="0" b="0"/>
         </a:fillRef>
         <a:effectRef idx="0">
@@ -6741,12 +6555,12 @@
         <a:fontRef idx="minor"/>
       </dsp:style>
       <dsp:txBody>
-        <a:bodyPr spcFirstLastPara="0" vert="horz" wrap="square" lIns="0" tIns="0" rIns="0" bIns="0" numCol="1" spcCol="1270" anchor="t" anchorCtr="0">
+        <a:bodyPr spcFirstLastPara="0" vert="horz" wrap="square" lIns="25400" tIns="25400" rIns="25400" bIns="25400" numCol="1" spcCol="1270" anchor="ctr" anchorCtr="0">
           <a:noAutofit/>
         </a:bodyPr>
         <a:lstStyle/>
         <a:p>
-          <a:pPr marL="0" lvl="0" indent="0" algn="ctr" defTabSz="844550">
+          <a:pPr marL="0" lvl="0" indent="0" algn="ctr" defTabSz="889000">
             <a:lnSpc>
               <a:spcPct val="90000"/>
             </a:lnSpc>
@@ -6758,16 +6572,249 @@
             </a:spcAft>
             <a:buNone/>
           </a:pPr>
-          <a:r>
-            <a:rPr lang="en-US" sz="1900" kern="1200" baseline="0"/>
-            <a:t>Feedback</a:t>
-          </a:r>
-          <a:endParaRPr lang="en-US" sz="1900" kern="1200"/>
+          <a:endParaRPr lang="en-US" sz="2000" kern="1200"/>
         </a:p>
       </dsp:txBody>
       <dsp:txXfrm>
-        <a:off x="3410652" y="4158590"/>
-        <a:ext cx="1800000" cy="720000"/>
+        <a:off x="7068180" y="470954"/>
+        <a:ext cx="230463" cy="315315"/>
+      </dsp:txXfrm>
+    </dsp:sp>
+    <dsp:sp modelId="{1B97F18D-4491-45C2-9070-B6941ACE7C04}">
+      <dsp:nvSpPr>
+        <dsp:cNvPr id="0" name=""/>
+        <dsp:cNvSpPr/>
+      </dsp:nvSpPr>
+      <dsp:spPr>
+        <a:xfrm>
+          <a:off x="7525969" y="1205141"/>
+          <a:ext cx="419023" cy="419023"/>
+        </a:xfrm>
+        <a:prstGeom prst="downArrow">
+          <a:avLst>
+            <a:gd name="adj1" fmla="val 55000"/>
+            <a:gd name="adj2" fmla="val 45000"/>
+          </a:avLst>
+        </a:prstGeom>
+        <a:solidFill>
+          <a:schemeClr val="accent1">
+            <a:alpha val="90000"/>
+            <a:tint val="40000"/>
+            <a:hueOff val="0"/>
+            <a:satOff val="0"/>
+            <a:lumOff val="0"/>
+            <a:alphaOff val="0"/>
+          </a:schemeClr>
+        </a:solidFill>
+        <a:ln w="34925" cap="flat" cmpd="sng" algn="in">
+          <a:solidFill>
+            <a:schemeClr val="accent1">
+              <a:alpha val="90000"/>
+              <a:tint val="40000"/>
+              <a:hueOff val="0"/>
+              <a:satOff val="0"/>
+              <a:lumOff val="0"/>
+              <a:alphaOff val="0"/>
+            </a:schemeClr>
+          </a:solidFill>
+          <a:prstDash val="solid"/>
+        </a:ln>
+        <a:effectLst/>
+      </dsp:spPr>
+      <dsp:style>
+        <a:lnRef idx="2">
+          <a:scrgbClr r="0" g="0" b="0"/>
+        </a:lnRef>
+        <a:fillRef idx="1">
+          <a:scrgbClr r="0" g="0" b="0"/>
+        </a:fillRef>
+        <a:effectRef idx="0">
+          <a:scrgbClr r="0" g="0" b="0"/>
+        </a:effectRef>
+        <a:fontRef idx="minor"/>
+      </dsp:style>
+      <dsp:txBody>
+        <a:bodyPr spcFirstLastPara="0" vert="horz" wrap="square" lIns="25400" tIns="25400" rIns="25400" bIns="25400" numCol="1" spcCol="1270" anchor="ctr" anchorCtr="0">
+          <a:noAutofit/>
+        </a:bodyPr>
+        <a:lstStyle/>
+        <a:p>
+          <a:pPr marL="0" lvl="0" indent="0" algn="ctr" defTabSz="889000">
+            <a:lnSpc>
+              <a:spcPct val="90000"/>
+            </a:lnSpc>
+            <a:spcBef>
+              <a:spcPct val="0"/>
+            </a:spcBef>
+            <a:spcAft>
+              <a:spcPct val="35000"/>
+            </a:spcAft>
+            <a:buNone/>
+          </a:pPr>
+          <a:endParaRPr lang="en-US" sz="2000" kern="1200"/>
+        </a:p>
+      </dsp:txBody>
+      <dsp:txXfrm>
+        <a:off x="7620249" y="1205141"/>
+        <a:ext cx="230463" cy="315315"/>
+      </dsp:txXfrm>
+    </dsp:sp>
+    <dsp:sp modelId="{095F8C2D-58E4-48BE-8F5B-B91910833356}">
+      <dsp:nvSpPr>
+        <dsp:cNvPr id="0" name=""/>
+        <dsp:cNvSpPr/>
+      </dsp:nvSpPr>
+      <dsp:spPr>
+        <a:xfrm>
+          <a:off x="8078038" y="1928583"/>
+          <a:ext cx="419023" cy="419023"/>
+        </a:xfrm>
+        <a:prstGeom prst="downArrow">
+          <a:avLst>
+            <a:gd name="adj1" fmla="val 55000"/>
+            <a:gd name="adj2" fmla="val 45000"/>
+          </a:avLst>
+        </a:prstGeom>
+        <a:solidFill>
+          <a:schemeClr val="accent1">
+            <a:alpha val="90000"/>
+            <a:tint val="40000"/>
+            <a:hueOff val="0"/>
+            <a:satOff val="0"/>
+            <a:lumOff val="0"/>
+            <a:alphaOff val="0"/>
+          </a:schemeClr>
+        </a:solidFill>
+        <a:ln w="34925" cap="flat" cmpd="sng" algn="in">
+          <a:solidFill>
+            <a:schemeClr val="accent1">
+              <a:alpha val="90000"/>
+              <a:tint val="40000"/>
+              <a:hueOff val="0"/>
+              <a:satOff val="0"/>
+              <a:lumOff val="0"/>
+              <a:alphaOff val="0"/>
+            </a:schemeClr>
+          </a:solidFill>
+          <a:prstDash val="solid"/>
+        </a:ln>
+        <a:effectLst/>
+      </dsp:spPr>
+      <dsp:style>
+        <a:lnRef idx="2">
+          <a:scrgbClr r="0" g="0" b="0"/>
+        </a:lnRef>
+        <a:fillRef idx="1">
+          <a:scrgbClr r="0" g="0" b="0"/>
+        </a:fillRef>
+        <a:effectRef idx="0">
+          <a:scrgbClr r="0" g="0" b="0"/>
+        </a:effectRef>
+        <a:fontRef idx="minor"/>
+      </dsp:style>
+      <dsp:txBody>
+        <a:bodyPr spcFirstLastPara="0" vert="horz" wrap="square" lIns="25400" tIns="25400" rIns="25400" bIns="25400" numCol="1" spcCol="1270" anchor="ctr" anchorCtr="0">
+          <a:noAutofit/>
+        </a:bodyPr>
+        <a:lstStyle/>
+        <a:p>
+          <a:pPr marL="0" lvl="0" indent="0" algn="ctr" defTabSz="889000">
+            <a:lnSpc>
+              <a:spcPct val="90000"/>
+            </a:lnSpc>
+            <a:spcBef>
+              <a:spcPct val="0"/>
+            </a:spcBef>
+            <a:spcAft>
+              <a:spcPct val="35000"/>
+            </a:spcAft>
+            <a:buNone/>
+          </a:pPr>
+          <a:endParaRPr lang="en-US" sz="2000" kern="1200"/>
+        </a:p>
+      </dsp:txBody>
+      <dsp:txXfrm>
+        <a:off x="8172318" y="1928583"/>
+        <a:ext cx="230463" cy="315315"/>
+      </dsp:txXfrm>
+    </dsp:sp>
+    <dsp:sp modelId="{0D105099-0AF4-44AA-BE01-CD283D9109EC}">
+      <dsp:nvSpPr>
+        <dsp:cNvPr id="0" name=""/>
+        <dsp:cNvSpPr/>
+      </dsp:nvSpPr>
+      <dsp:spPr>
+        <a:xfrm>
+          <a:off x="8630107" y="2669933"/>
+          <a:ext cx="419023" cy="419023"/>
+        </a:xfrm>
+        <a:prstGeom prst="downArrow">
+          <a:avLst>
+            <a:gd name="adj1" fmla="val 55000"/>
+            <a:gd name="adj2" fmla="val 45000"/>
+          </a:avLst>
+        </a:prstGeom>
+        <a:solidFill>
+          <a:schemeClr val="accent1">
+            <a:alpha val="90000"/>
+            <a:tint val="40000"/>
+            <a:hueOff val="0"/>
+            <a:satOff val="0"/>
+            <a:lumOff val="0"/>
+            <a:alphaOff val="0"/>
+          </a:schemeClr>
+        </a:solidFill>
+        <a:ln w="34925" cap="flat" cmpd="sng" algn="in">
+          <a:solidFill>
+            <a:schemeClr val="accent1">
+              <a:alpha val="90000"/>
+              <a:tint val="40000"/>
+              <a:hueOff val="0"/>
+              <a:satOff val="0"/>
+              <a:lumOff val="0"/>
+              <a:alphaOff val="0"/>
+            </a:schemeClr>
+          </a:solidFill>
+          <a:prstDash val="solid"/>
+        </a:ln>
+        <a:effectLst/>
+      </dsp:spPr>
+      <dsp:style>
+        <a:lnRef idx="2">
+          <a:scrgbClr r="0" g="0" b="0"/>
+        </a:lnRef>
+        <a:fillRef idx="1">
+          <a:scrgbClr r="0" g="0" b="0"/>
+        </a:fillRef>
+        <a:effectRef idx="0">
+          <a:scrgbClr r="0" g="0" b="0"/>
+        </a:effectRef>
+        <a:fontRef idx="minor"/>
+      </dsp:style>
+      <dsp:txBody>
+        <a:bodyPr spcFirstLastPara="0" vert="horz" wrap="square" lIns="25400" tIns="25400" rIns="25400" bIns="25400" numCol="1" spcCol="1270" anchor="ctr" anchorCtr="0">
+          <a:noAutofit/>
+        </a:bodyPr>
+        <a:lstStyle/>
+        <a:p>
+          <a:pPr marL="0" lvl="0" indent="0" algn="ctr" defTabSz="889000">
+            <a:lnSpc>
+              <a:spcPct val="90000"/>
+            </a:lnSpc>
+            <a:spcBef>
+              <a:spcPct val="0"/>
+            </a:spcBef>
+            <a:spcAft>
+              <a:spcPct val="35000"/>
+            </a:spcAft>
+            <a:buNone/>
+          </a:pPr>
+          <a:endParaRPr lang="en-US" sz="2000" kern="1200"/>
+        </a:p>
+      </dsp:txBody>
+      <dsp:txXfrm>
+        <a:off x="8724387" y="2669933"/>
+        <a:ext cx="230463" cy="315315"/>
       </dsp:txXfrm>
     </dsp:sp>
   </dsp:spTree>
@@ -7832,192 +7879,1228 @@
 </file>
 
 <file path=ppt/diagrams/layout3.xml><?xml version="1.0" encoding="utf-8"?>
-<dgm:layoutDef xmlns:dgm="http://schemas.openxmlformats.org/drawingml/2006/diagram" xmlns:a="http://schemas.openxmlformats.org/drawingml/2006/main" uniqueId="urn:microsoft.com/office/officeart/2018/2/layout/IconLabelList">
-  <dgm:title val="Icon Label List"/>
-  <dgm:desc val="Use to show non-sequential or grouped chunks of information accompanied by a related visuals. Works best with icons or small pictures with short text captions."/>
+<dgm:layoutDef xmlns:dgm="http://schemas.openxmlformats.org/drawingml/2006/diagram" xmlns:a="http://schemas.openxmlformats.org/drawingml/2006/main" uniqueId="urn:microsoft.com/office/officeart/2005/8/layout/vProcess5">
+  <dgm:title val=""/>
+  <dgm:desc val=""/>
   <dgm:catLst>
-    <dgm:cat type="icon" pri="500"/>
+    <dgm:cat type="process" pri="14000"/>
   </dgm:catLst>
-  <dgm:sampData useDef="1">
+  <dgm:sampData>
     <dgm:dataModel>
-      <dgm:ptLst/>
+      <dgm:ptLst>
+        <dgm:pt modelId="0" type="doc"/>
+        <dgm:pt modelId="1">
+          <dgm:prSet phldr="1"/>
+        </dgm:pt>
+        <dgm:pt modelId="2">
+          <dgm:prSet phldr="1"/>
+        </dgm:pt>
+        <dgm:pt modelId="3">
+          <dgm:prSet phldr="1"/>
+        </dgm:pt>
+      </dgm:ptLst>
+      <dgm:cxnLst>
+        <dgm:cxn modelId="5" srcId="0" destId="1" srcOrd="0" destOrd="0"/>
+        <dgm:cxn modelId="6" srcId="0" destId="2" srcOrd="1" destOrd="0"/>
+        <dgm:cxn modelId="7" srcId="0" destId="3" srcOrd="2" destOrd="0"/>
+      </dgm:cxnLst>
       <dgm:bg/>
       <dgm:whole/>
     </dgm:dataModel>
   </dgm:sampData>
-  <dgm:styleData useDef="1">
+  <dgm:styleData>
     <dgm:dataModel>
-      <dgm:ptLst/>
+      <dgm:ptLst>
+        <dgm:pt modelId="0" type="doc"/>
+        <dgm:pt modelId="1"/>
+        <dgm:pt modelId="2"/>
+      </dgm:ptLst>
+      <dgm:cxnLst>
+        <dgm:cxn modelId="3" srcId="0" destId="1" srcOrd="0" destOrd="0"/>
+        <dgm:cxn modelId="4" srcId="0" destId="2" srcOrd="1" destOrd="0"/>
+      </dgm:cxnLst>
       <dgm:bg/>
       <dgm:whole/>
     </dgm:dataModel>
   </dgm:styleData>
-  <dgm:clrData useDef="1">
+  <dgm:clrData>
     <dgm:dataModel>
-      <dgm:ptLst/>
+      <dgm:ptLst>
+        <dgm:pt modelId="0" type="doc"/>
+        <dgm:pt modelId="1"/>
+        <dgm:pt modelId="2"/>
+        <dgm:pt modelId="3"/>
+        <dgm:pt modelId="4"/>
+      </dgm:ptLst>
+      <dgm:cxnLst>
+        <dgm:cxn modelId="6" srcId="0" destId="1" srcOrd="0" destOrd="0"/>
+        <dgm:cxn modelId="7" srcId="0" destId="2" srcOrd="1" destOrd="0"/>
+        <dgm:cxn modelId="8" srcId="0" destId="3" srcOrd="2" destOrd="0"/>
+        <dgm:cxn modelId="9" srcId="0" destId="4" srcOrd="3" destOrd="0"/>
+      </dgm:cxnLst>
       <dgm:bg/>
       <dgm:whole/>
     </dgm:dataModel>
   </dgm:clrData>
-  <dgm:layoutNode name="root">
+  <dgm:layoutNode name="outerComposite">
     <dgm:varLst>
+      <dgm:chMax val="5"/>
       <dgm:dir/>
       <dgm:resizeHandles val="exact"/>
     </dgm:varLst>
-    <dgm:choose name="Name0">
-      <dgm:if name="Name1" axis="self" func="var" arg="dir" op="equ" val="norm">
-        <dgm:alg type="snake">
-          <dgm:param type="grDir" val="tL"/>
-          <dgm:param type="flowDir" val="row"/>
-          <dgm:param type="contDir" val="sameDir"/>
-          <dgm:param type="off" val="ctr"/>
-          <dgm:param type="vertAlign" val="mid"/>
-          <dgm:param type="horzAlign" val="ctr"/>
-        </dgm:alg>
-      </dgm:if>
-      <dgm:else name="Name2">
-        <dgm:alg type="snake">
-          <dgm:param type="grDir" val="tR"/>
-          <dgm:param type="flowDir" val="row"/>
-          <dgm:param type="contDir" val="sameDir"/>
-          <dgm:param type="off" val="ctr"/>
-          <dgm:param type="vertAlign" val="mid"/>
-          <dgm:param type="horzAlign" val="ctr"/>
-        </dgm:alg>
-      </dgm:else>
-    </dgm:choose>
+    <dgm:alg type="composite"/>
     <dgm:shape xmlns:r="http://schemas.openxmlformats.org/officeDocument/2006/relationships" r:blip="">
       <dgm:adjLst/>
     </dgm:shape>
     <dgm:presOf/>
-    <dgm:choose name="Name3">
-      <dgm:if name="Name4" axis="ch" ptType="node" func="cnt" op="lte" val="2">
+    <dgm:choose name="Name0">
+      <dgm:if name="Name1" func="var" arg="dir" op="equ" val="norm">
         <dgm:constrLst>
-          <dgm:constr type="h" for="ch" forName="compNode" refType="h" fact="0.4"/>
-          <dgm:constr type="w" for="ch" forName="compNode" val="120"/>
-          <dgm:constr type="w" for="ch" forName="sibTrans" refType="w" refFor="ch" refForName="compNode" fact="0.175"/>
-          <dgm:constr type="sp" refType="w" refFor="ch" refForName="compNode" op="equ" fact="0.25"/>
-          <dgm:constr type="primFontSz" for="des" ptType="node" op="equ" val="50"/>
-          <dgm:constr type="h" for="des" forName="compNode" op="equ"/>
-          <dgm:constr type="h" for="des" forName="textRect" op="equ"/>
+          <dgm:constr type="primFontSz" for="ch" ptType="node" op="equ" val="65"/>
+          <dgm:constr type="w" for="ch" forName="dummyMaxCanvas" refType="w"/>
+          <dgm:constr type="h" for="ch" forName="dummyMaxCanvas" refType="h"/>
+          <dgm:constr type="w" for="ch" forName="OneNode_1" refType="w"/>
+          <dgm:constr type="h" for="ch" forName="OneNode_1" refType="h" fact="0.5"/>
+          <dgm:constr type="ctrY" for="ch" forName="OneNode_1" refType="h" fact="0.5"/>
+          <dgm:constr type="w" for="ch" forName="TwoNodes_1" refType="w" fact="0.85"/>
+          <dgm:constr type="h" for="ch" forName="TwoNodes_1" refType="h" fact="0.45"/>
+          <dgm:constr type="t" for="ch" forName="TwoNodes_1"/>
+          <dgm:constr type="l" for="ch" forName="TwoNodes_1"/>
+          <dgm:constr type="w" for="ch" forName="TwoNodes_2" refType="w" fact="0.85"/>
+          <dgm:constr type="h" for="ch" forName="TwoNodes_2" refType="h" fact="0.45"/>
+          <dgm:constr type="b" for="ch" forName="TwoNodes_2" refType="h"/>
+          <dgm:constr type="r" for="ch" forName="TwoNodes_2" refType="w"/>
+          <dgm:constr type="w" for="ch" forName="TwoConn_1-2" refType="h" refFor="ch" refForName="TwoNodes_1" fact="0.65"/>
+          <dgm:constr type="h" for="ch" forName="TwoConn_1-2" refType="h" refFor="ch" refForName="TwoNodes_1" fact="0.65"/>
+          <dgm:constr type="ctrY" for="ch" forName="TwoConn_1-2" refType="h" fact="0.5"/>
+          <dgm:constr type="r" for="ch" forName="TwoConn_1-2" refType="r" refFor="ch" refForName="TwoNodes_1"/>
+          <dgm:constr type="r" for="ch" forName="TwoNodes_1_text" refType="l" refFor="ch" refForName="TwoConn_1-2"/>
+          <dgm:constr type="rOff" for="ch" forName="TwoNodes_1_text" refType="w" refFor="ch" refForName="TwoConn_1-2" fact="-0.5"/>
+          <dgm:constr type="t" for="ch" forName="TwoNodes_1_text" refType="t" refFor="ch" refForName="TwoNodes_1"/>
+          <dgm:constr type="b" for="ch" forName="TwoNodes_1_text" refType="b" refFor="ch" refForName="TwoNodes_1"/>
+          <dgm:constr type="l" for="ch" forName="TwoNodes_1_text" refType="l" refFor="ch" refForName="TwoNodes_1"/>
+          <dgm:constr type="r" for="ch" forName="TwoNodes_2_text" refType="l" refFor="ch" refForName="TwoConn_1-2"/>
+          <dgm:constr type="t" for="ch" forName="TwoNodes_2_text" refType="t" refFor="ch" refForName="TwoNodes_2"/>
+          <dgm:constr type="b" for="ch" forName="TwoNodes_2_text" refType="b" refFor="ch" refForName="TwoNodes_2"/>
+          <dgm:constr type="l" for="ch" forName="TwoNodes_2_text" refType="l" refFor="ch" refForName="TwoNodes_2"/>
+          <dgm:constr type="w" for="ch" forName="ThreeNodes_1" refType="w" fact="0.85"/>
+          <dgm:constr type="h" for="ch" forName="ThreeNodes_1" refType="h" fact="0.3"/>
+          <dgm:constr type="t" for="ch" forName="ThreeNodes_1"/>
+          <dgm:constr type="l" for="ch" forName="ThreeNodes_1"/>
+          <dgm:constr type="w" for="ch" forName="ThreeNodes_2" refType="w" fact="0.85"/>
+          <dgm:constr type="h" for="ch" forName="ThreeNodes_2" refType="h" fact="0.3"/>
+          <dgm:constr type="ctrY" for="ch" forName="ThreeNodes_2" refType="h" fact="0.5"/>
+          <dgm:constr type="ctrX" for="ch" forName="ThreeNodes_2" refType="w" fact="0.5"/>
+          <dgm:constr type="w" for="ch" forName="ThreeNodes_3" refType="w" fact="0.85"/>
+          <dgm:constr type="h" for="ch" forName="ThreeNodes_3" refType="h" fact="0.3"/>
+          <dgm:constr type="b" for="ch" forName="ThreeNodes_3" refType="h"/>
+          <dgm:constr type="r" for="ch" forName="ThreeNodes_3" refType="w"/>
+          <dgm:constr type="w" for="ch" forName="ThreeConn_1-2" refType="h" refFor="ch" refForName="ThreeNodes_1" fact="0.65"/>
+          <dgm:constr type="h" for="ch" forName="ThreeConn_1-2" refType="h" refFor="ch" refForName="ThreeNodes_1" fact="0.65"/>
+          <dgm:constr type="ctrY" for="ch" forName="ThreeConn_1-2" refType="h" fact="0.325"/>
+          <dgm:constr type="r" for="ch" forName="ThreeConn_1-2" refType="r" refFor="ch" refForName="ThreeNodes_1"/>
+          <dgm:constr type="w" for="ch" forName="ThreeConn_2-3" refType="h" refFor="ch" refForName="ThreeNodes_2" fact="0.65"/>
+          <dgm:constr type="h" for="ch" forName="ThreeConn_2-3" refType="h" refFor="ch" refForName="ThreeNodes_2" fact="0.65"/>
+          <dgm:constr type="ctrY" for="ch" forName="ThreeConn_2-3" refType="h" fact="0.673"/>
+          <dgm:constr type="r" for="ch" forName="ThreeConn_2-3" refType="r" refFor="ch" refForName="ThreeNodes_2"/>
+          <dgm:constr type="r" for="ch" forName="ThreeNodes_1_text" refType="l" refFor="ch" refForName="ThreeConn_1-2"/>
+          <dgm:constr type="rOff" for="ch" forName="ThreeNodes_1_text" refType="w" refFor="ch" refForName="ThreeConn_1-2" fact="-0.57"/>
+          <dgm:constr type="t" for="ch" forName="ThreeNodes_1_text" refType="t" refFor="ch" refForName="ThreeNodes_1"/>
+          <dgm:constr type="b" for="ch" forName="ThreeNodes_1_text" refType="b" refFor="ch" refForName="ThreeNodes_1"/>
+          <dgm:constr type="l" for="ch" forName="ThreeNodes_1_text" refType="l" refFor="ch" refForName="ThreeNodes_1"/>
+          <dgm:constr type="r" for="ch" forName="ThreeNodes_2_text" refType="l" refFor="ch" refForName="ThreeConn_1-2"/>
+          <dgm:constr type="t" for="ch" forName="ThreeNodes_2_text" refType="t" refFor="ch" refForName="ThreeNodes_2"/>
+          <dgm:constr type="b" for="ch" forName="ThreeNodes_2_text" refType="b" refFor="ch" refForName="ThreeNodes_2"/>
+          <dgm:constr type="l" for="ch" forName="ThreeNodes_2_text" refType="l" refFor="ch" refForName="ThreeNodes_2"/>
+          <dgm:constr type="r" for="ch" forName="ThreeNodes_3_text" refType="l" refFor="ch" refForName="ThreeConn_2-3"/>
+          <dgm:constr type="t" for="ch" forName="ThreeNodes_3_text" refType="t" refFor="ch" refForName="ThreeNodes_3"/>
+          <dgm:constr type="b" for="ch" forName="ThreeNodes_3_text" refType="b" refFor="ch" refForName="ThreeNodes_3"/>
+          <dgm:constr type="l" for="ch" forName="ThreeNodes_3_text" refType="l" refFor="ch" refForName="ThreeNodes_3"/>
+          <dgm:constr type="w" for="ch" forName="FourNodes_1" refType="w" fact="0.8"/>
+          <dgm:constr type="h" for="ch" forName="FourNodes_1" refType="h" fact="0.22"/>
+          <dgm:constr type="t" for="ch" forName="FourNodes_1"/>
+          <dgm:constr type="l" for="ch" forName="FourNodes_1"/>
+          <dgm:constr type="w" for="ch" forName="FourNodes_2" refType="w" fact="0.8"/>
+          <dgm:constr type="h" for="ch" forName="FourNodes_2" refType="h" fact="0.22"/>
+          <dgm:constr type="ctrY" for="ch" forName="FourNodes_2" refType="h" fact="0.37"/>
+          <dgm:constr type="ctrX" for="ch" forName="FourNodes_2" refType="w" fact="0.467"/>
+          <dgm:constr type="w" for="ch" forName="FourNodes_3" refType="w" fact="0.8"/>
+          <dgm:constr type="h" for="ch" forName="FourNodes_3" refType="h" fact="0.22"/>
+          <dgm:constr type="ctrY" for="ch" forName="FourNodes_3" refType="h" fact="0.63"/>
+          <dgm:constr type="ctrX" for="ch" forName="FourNodes_3" refType="w" fact="0.533"/>
+          <dgm:constr type="w" for="ch" forName="FourNodes_4" refType="w" fact="0.8"/>
+          <dgm:constr type="h" for="ch" forName="FourNodes_4" refType="h" fact="0.22"/>
+          <dgm:constr type="b" for="ch" forName="FourNodes_4" refType="h"/>
+          <dgm:constr type="r" for="ch" forName="FourNodes_4" refType="w"/>
+          <dgm:constr type="w" for="ch" forName="FourConn_1-2" refType="h" refFor="ch" refForName="FourNodes_1" fact="0.65"/>
+          <dgm:constr type="h" for="ch" forName="FourConn_1-2" refType="h" refFor="ch" refForName="FourNodes_1" fact="0.65"/>
+          <dgm:constr type="ctrY" for="ch" forName="FourConn_1-2" refType="h" fact="0.24"/>
+          <dgm:constr type="r" for="ch" forName="FourConn_1-2" refType="r" refFor="ch" refForName="FourNodes_1"/>
+          <dgm:constr type="w" for="ch" forName="FourConn_2-3" refType="h" refFor="ch" refForName="FourNodes_2" fact="0.65"/>
+          <dgm:constr type="h" for="ch" forName="FourConn_2-3" refType="h" refFor="ch" refForName="FourNodes_2" fact="0.65"/>
+          <dgm:constr type="ctrY" for="ch" forName="FourConn_2-3" refType="h" fact="0.5"/>
+          <dgm:constr type="r" for="ch" forName="FourConn_2-3" refType="r" refFor="ch" refForName="FourNodes_2"/>
+          <dgm:constr type="w" for="ch" forName="FourConn_3-4" refType="h" refFor="ch" refForName="FourNodes_3" fact="0.65"/>
+          <dgm:constr type="h" for="ch" forName="FourConn_3-4" refType="h" refFor="ch" refForName="FourNodes_3" fact="0.65"/>
+          <dgm:constr type="ctrY" for="ch" forName="FourConn_3-4" refType="h" fact="0.76"/>
+          <dgm:constr type="r" for="ch" forName="FourConn_3-4" refType="r" refFor="ch" refForName="FourNodes_3"/>
+          <dgm:constr type="r" for="ch" forName="FourNodes_1_text" refType="l" refFor="ch" refForName="FourConn_1-2"/>
+          <dgm:constr type="rOff" for="ch" forName="FourNodes_1_text" refType="w" refFor="ch" refForName="FourConn_1-2" fact="-0.7"/>
+          <dgm:constr type="t" for="ch" forName="FourNodes_1_text" refType="t" refFor="ch" refForName="FourNodes_1"/>
+          <dgm:constr type="b" for="ch" forName="FourNodes_1_text" refType="b" refFor="ch" refForName="FourNodes_1"/>
+          <dgm:constr type="l" for="ch" forName="FourNodes_1_text" refType="l" refFor="ch" refForName="FourNodes_1"/>
+          <dgm:constr type="r" for="ch" forName="FourNodes_2_text" refType="l" refFor="ch" refForName="FourConn_1-2"/>
+          <dgm:constr type="t" for="ch" forName="FourNodes_2_text" refType="t" refFor="ch" refForName="FourNodes_2"/>
+          <dgm:constr type="b" for="ch" forName="FourNodes_2_text" refType="b" refFor="ch" refForName="FourNodes_2"/>
+          <dgm:constr type="l" for="ch" forName="FourNodes_2_text" refType="l" refFor="ch" refForName="FourNodes_2"/>
+          <dgm:constr type="r" for="ch" forName="FourNodes_3_text" refType="l" refFor="ch" refForName="FourConn_2-3"/>
+          <dgm:constr type="t" for="ch" forName="FourNodes_3_text" refType="t" refFor="ch" refForName="FourNodes_3"/>
+          <dgm:constr type="b" for="ch" forName="FourNodes_3_text" refType="b" refFor="ch" refForName="FourNodes_3"/>
+          <dgm:constr type="l" for="ch" forName="FourNodes_3_text" refType="l" refFor="ch" refForName="FourNodes_3"/>
+          <dgm:constr type="r" for="ch" forName="FourNodes_4_text" refType="l" refFor="ch" refForName="FourConn_3-4"/>
+          <dgm:constr type="t" for="ch" forName="FourNodes_4_text" refType="t" refFor="ch" refForName="FourNodes_4"/>
+          <dgm:constr type="b" for="ch" forName="FourNodes_4_text" refType="b" refFor="ch" refForName="FourNodes_4"/>
+          <dgm:constr type="l" for="ch" forName="FourNodes_4_text" refType="l" refFor="ch" refForName="FourNodes_4"/>
+          <dgm:constr type="w" for="ch" forName="FiveNodes_1" refType="w" fact="0.77"/>
+          <dgm:constr type="h" for="ch" forName="FiveNodes_1" refType="h" fact="0.18"/>
+          <dgm:constr type="t" for="ch" forName="FiveNodes_1"/>
+          <dgm:constr type="l" for="ch" forName="FiveNodes_1"/>
+          <dgm:constr type="w" for="ch" forName="FiveNodes_2" refType="w" fact="0.77"/>
+          <dgm:constr type="h" for="ch" forName="FiveNodes_2" refType="h" fact="0.18"/>
+          <dgm:constr type="ctrY" for="ch" forName="FiveNodes_2" refType="h" fact="0.295"/>
+          <dgm:constr type="ctrX" for="ch" forName="FiveNodes_2" refType="w" fact="0.4425"/>
+          <dgm:constr type="w" for="ch" forName="FiveNodes_3" refType="w" fact="0.77"/>
+          <dgm:constr type="h" for="ch" forName="FiveNodes_3" refType="h" fact="0.18"/>
+          <dgm:constr type="ctrY" for="ch" forName="FiveNodes_3" refType="h" fact="0.5"/>
+          <dgm:constr type="ctrX" for="ch" forName="FiveNodes_3" refType="w" fact="0.5"/>
+          <dgm:constr type="w" for="ch" forName="FiveNodes_4" refType="w" fact="0.77"/>
+          <dgm:constr type="h" for="ch" forName="FiveNodes_4" refType="h" fact="0.18"/>
+          <dgm:constr type="ctrY" for="ch" forName="FiveNodes_4" refType="h" fact="0.705"/>
+          <dgm:constr type="ctrX" for="ch" forName="FiveNodes_4" refType="w" fact="0.5575"/>
+          <dgm:constr type="w" for="ch" forName="FiveNodes_5" refType="w" fact="0.77"/>
+          <dgm:constr type="h" for="ch" forName="FiveNodes_5" refType="h" fact="0.18"/>
+          <dgm:constr type="b" for="ch" forName="FiveNodes_5" refType="h"/>
+          <dgm:constr type="r" for="ch" forName="FiveNodes_5" refType="w"/>
+          <dgm:constr type="w" for="ch" forName="FiveConn_1-2" refType="h" refFor="ch" refForName="FiveNodes_1" fact="0.65"/>
+          <dgm:constr type="h" for="ch" forName="FiveConn_1-2" refType="h" refFor="ch" refForName="FiveNodes_1" fact="0.65"/>
+          <dgm:constr type="ctrY" for="ch" forName="FiveConn_1-2" refType="h" fact="0.19"/>
+          <dgm:constr type="r" for="ch" forName="FiveConn_1-2" refType="r" refFor="ch" refForName="FiveNodes_1"/>
+          <dgm:constr type="w" for="ch" forName="FiveConn_2-3" refType="h" refFor="ch" refForName="FiveNodes_2" fact="0.65"/>
+          <dgm:constr type="h" for="ch" forName="FiveConn_2-3" refType="h" refFor="ch" refForName="FiveNodes_2" fact="0.65"/>
+          <dgm:constr type="ctrY" for="ch" forName="FiveConn_2-3" refType="h" fact="0.395"/>
+          <dgm:constr type="r" for="ch" forName="FiveConn_2-3" refType="r" refFor="ch" refForName="FiveNodes_2"/>
+          <dgm:constr type="w" for="ch" forName="FiveConn_3-4" refType="h" refFor="ch" refForName="FiveNodes_3" fact="0.65"/>
+          <dgm:constr type="h" for="ch" forName="FiveConn_3-4" refType="h" refFor="ch" refForName="FiveNodes_3" fact="0.65"/>
+          <dgm:constr type="ctrY" for="ch" forName="FiveConn_3-4" refType="h" fact="0.597"/>
+          <dgm:constr type="r" for="ch" forName="FiveConn_3-4" refType="r" refFor="ch" refForName="FiveNodes_3"/>
+          <dgm:constr type="w" for="ch" forName="FiveConn_4-5" refType="h" refFor="ch" refForName="FiveNodes_4" fact="0.65"/>
+          <dgm:constr type="h" for="ch" forName="FiveConn_4-5" refType="h" refFor="ch" refForName="FiveNodes_4" fact="0.65"/>
+          <dgm:constr type="ctrY" for="ch" forName="FiveConn_4-5" refType="h" fact="0.804"/>
+          <dgm:constr type="r" for="ch" forName="FiveConn_4-5" refType="r" refFor="ch" refForName="FiveNodes_4"/>
+          <dgm:constr type="r" for="ch" forName="FiveNodes_1_text" refType="l" refFor="ch" refForName="FiveConn_1-2"/>
+          <dgm:constr type="rOff" for="ch" forName="FiveNodes_1_text" refType="w" refFor="ch" refForName="FiveConn_1-2" fact="-0.75"/>
+          <dgm:constr type="t" for="ch" forName="FiveNodes_1_text" refType="t" refFor="ch" refForName="FiveNodes_1"/>
+          <dgm:constr type="b" for="ch" forName="FiveNodes_1_text" refType="b" refFor="ch" refForName="FiveNodes_1"/>
+          <dgm:constr type="l" for="ch" forName="FiveNodes_1_text" refType="l" refFor="ch" refForName="FiveNodes_1"/>
+          <dgm:constr type="r" for="ch" forName="FiveNodes_2_text" refType="l" refFor="ch" refForName="FiveConn_1-2"/>
+          <dgm:constr type="t" for="ch" forName="FiveNodes_2_text" refType="t" refFor="ch" refForName="FiveNodes_2"/>
+          <dgm:constr type="b" for="ch" forName="FiveNodes_2_text" refType="b" refFor="ch" refForName="FiveNodes_2"/>
+          <dgm:constr type="l" for="ch" forName="FiveNodes_2_text" refType="l" refFor="ch" refForName="FiveNodes_2"/>
+          <dgm:constr type="r" for="ch" forName="FiveNodes_3_text" refType="l" refFor="ch" refForName="FiveConn_2-3"/>
+          <dgm:constr type="t" for="ch" forName="FiveNodes_3_text" refType="t" refFor="ch" refForName="FiveNodes_3"/>
+          <dgm:constr type="b" for="ch" forName="FiveNodes_3_text" refType="b" refFor="ch" refForName="FiveNodes_3"/>
+          <dgm:constr type="l" for="ch" forName="FiveNodes_3_text" refType="l" refFor="ch" refForName="FiveNodes_3"/>
+          <dgm:constr type="r" for="ch" forName="FiveNodes_4_text" refType="l" refFor="ch" refForName="FiveConn_3-4"/>
+          <dgm:constr type="t" for="ch" forName="FiveNodes_4_text" refType="t" refFor="ch" refForName="FiveNodes_4"/>
+          <dgm:constr type="b" for="ch" forName="FiveNodes_4_text" refType="b" refFor="ch" refForName="FiveNodes_4"/>
+          <dgm:constr type="l" for="ch" forName="FiveNodes_4_text" refType="l" refFor="ch" refForName="FiveNodes_4"/>
+          <dgm:constr type="r" for="ch" forName="FiveNodes_5_text" refType="l" refFor="ch" refForName="FiveConn_4-5"/>
+          <dgm:constr type="t" for="ch" forName="FiveNodes_5_text" refType="t" refFor="ch" refForName="FiveNodes_5"/>
+          <dgm:constr type="b" for="ch" forName="FiveNodes_5_text" refType="b" refFor="ch" refForName="FiveNodes_5"/>
+          <dgm:constr type="l" for="ch" forName="FiveNodes_5_text" refType="l" refFor="ch" refForName="FiveNodes_5"/>
         </dgm:constrLst>
       </dgm:if>
-      <dgm:if name="Name5" axis="ch" ptType="node" func="cnt" op="lte" val="4">
+      <dgm:else name="Name2">
         <dgm:constrLst>
-          <dgm:constr type="h" for="ch" forName="compNode" refType="h" fact="0.4"/>
-          <dgm:constr type="w" for="ch" forName="compNode" refType="w"/>
-          <dgm:constr type="w" for="ch" forName="sibTrans" refType="w" refFor="ch" refForName="compNode" fact="0.175"/>
-          <dgm:constr type="sp" refType="w" refFor="ch" refForName="compNode" op="equ" fact="0.25"/>
-          <dgm:constr type="primFontSz" for="des" ptType="node" op="equ" val="36"/>
-          <dgm:constr type="h" for="des" forName="compNode" op="equ"/>
-          <dgm:constr type="h" for="des" forName="textRect" op="equ"/>
-        </dgm:constrLst>
-      </dgm:if>
-      <dgm:else name="Name6">
-        <dgm:constrLst>
-          <dgm:constr type="h" for="ch" forName="compNode" refType="h" fact="0.4"/>
-          <dgm:constr type="w" for="ch" forName="compNode" refType="w"/>
-          <dgm:constr type="w" for="ch" forName="sibTrans" refType="w" refFor="ch" refForName="compNode" fact="0.175"/>
-          <dgm:constr type="sp" refType="w" refFor="ch" refForName="compNode" op="equ" fact="0.25"/>
-          <dgm:constr type="primFontSz" for="des" ptType="node" op="equ" val="24"/>
-          <dgm:constr type="h" for="des" forName="compNode" op="equ"/>
-          <dgm:constr type="h" for="des" forName="textRect" op="equ"/>
+          <dgm:constr type="primFontSz" for="ch" ptType="node" op="equ" val="65"/>
+          <dgm:constr type="w" for="ch" forName="dummyMaxCanvas" refType="w"/>
+          <dgm:constr type="h" for="ch" forName="dummyMaxCanvas" refType="h"/>
+          <dgm:constr type="w" for="ch" forName="OneNode_1" refType="w"/>
+          <dgm:constr type="h" for="ch" forName="OneNode_1" refType="h" fact="0.5"/>
+          <dgm:constr type="ctrY" for="ch" forName="OneNode_1" refType="h" fact="0.5"/>
+          <dgm:constr type="w" for="ch" forName="TwoNodes_1" refType="w" fact="0.85"/>
+          <dgm:constr type="h" for="ch" forName="TwoNodes_1" refType="h" fact="0.45"/>
+          <dgm:constr type="t" for="ch" forName="TwoNodes_1"/>
+          <dgm:constr type="r" for="ch" forName="TwoNodes_1" refType="w"/>
+          <dgm:constr type="w" for="ch" forName="TwoNodes_2" refType="w" fact="0.85"/>
+          <dgm:constr type="h" for="ch" forName="TwoNodes_2" refType="h" fact="0.45"/>
+          <dgm:constr type="b" for="ch" forName="TwoNodes_2" refType="h"/>
+          <dgm:constr type="l" for="ch" forName="TwoNodes_2"/>
+          <dgm:constr type="w" for="ch" forName="TwoConn_1-2" refType="h" refFor="ch" refForName="TwoNodes_1" fact="0.65"/>
+          <dgm:constr type="h" for="ch" forName="TwoConn_1-2" refType="h" refFor="ch" refForName="TwoNodes_1" fact="0.65"/>
+          <dgm:constr type="ctrY" for="ch" forName="TwoConn_1-2" refType="h" fact="0.5"/>
+          <dgm:constr type="l" for="ch" forName="TwoConn_1-2" refType="l" refFor="ch" refForName="TwoNodes_1"/>
+          <dgm:constr type="l" for="ch" forName="TwoNodes_1_text" refType="r" refFor="ch" refForName="TwoConn_1-2"/>
+          <dgm:constr type="lOff" for="ch" forName="TwoNodes_1_text" refType="w" refFor="ch" refForName="TwoConn_1-2" fact="0.5"/>
+          <dgm:constr type="t" for="ch" forName="TwoNodes_1_text" refType="t" refFor="ch" refForName="TwoNodes_1"/>
+          <dgm:constr type="b" for="ch" forName="TwoNodes_1_text" refType="b" refFor="ch" refForName="TwoNodes_1"/>
+          <dgm:constr type="r" for="ch" forName="TwoNodes_1_text" refType="r" refFor="ch" refForName="TwoNodes_1"/>
+          <dgm:constr type="l" for="ch" forName="TwoNodes_2_text" refType="r" refFor="ch" refForName="TwoConn_1-2"/>
+          <dgm:constr type="t" for="ch" forName="TwoNodes_2_text" refType="t" refFor="ch" refForName="TwoNodes_2"/>
+          <dgm:constr type="b" for="ch" forName="TwoNodes_2_text" refType="b" refFor="ch" refForName="TwoNodes_2"/>
+          <dgm:constr type="r" for="ch" forName="TwoNodes_2_text" refType="r" refFor="ch" refForName="TwoNodes_2"/>
+          <dgm:constr type="w" for="ch" forName="ThreeNodes_1" refType="w" fact="0.85"/>
+          <dgm:constr type="h" for="ch" forName="ThreeNodes_1" refType="h" fact="0.3"/>
+          <dgm:constr type="t" for="ch" forName="ThreeNodes_1"/>
+          <dgm:constr type="r" for="ch" forName="ThreeNodes_1" refType="w"/>
+          <dgm:constr type="w" for="ch" forName="ThreeNodes_2" refType="w" fact="0.85"/>
+          <dgm:constr type="h" for="ch" forName="ThreeNodes_2" refType="h" fact="0.3"/>
+          <dgm:constr type="ctrY" for="ch" forName="ThreeNodes_2" refType="h" fact="0.5"/>
+          <dgm:constr type="ctrX" for="ch" forName="ThreeNodes_2" refType="w" fact="0.5"/>
+          <dgm:constr type="w" for="ch" forName="ThreeNodes_3" refType="w" fact="0.85"/>
+          <dgm:constr type="h" for="ch" forName="ThreeNodes_3" refType="h" fact="0.3"/>
+          <dgm:constr type="b" for="ch" forName="ThreeNodes_3" refType="h"/>
+          <dgm:constr type="l" for="ch" forName="ThreeNodes_3"/>
+          <dgm:constr type="w" for="ch" forName="ThreeConn_1-2" refType="h" refFor="ch" refForName="ThreeNodes_1" fact="0.65"/>
+          <dgm:constr type="h" for="ch" forName="ThreeConn_1-2" refType="h" refFor="ch" refForName="ThreeNodes_1" fact="0.65"/>
+          <dgm:constr type="ctrY" for="ch" forName="ThreeConn_1-2" refType="h" fact="0.325"/>
+          <dgm:constr type="l" for="ch" forName="ThreeConn_1-2" refType="l" refFor="ch" refForName="ThreeNodes_1"/>
+          <dgm:constr type="w" for="ch" forName="ThreeConn_2-3" refType="h" refFor="ch" refForName="ThreeNodes_2" fact="0.65"/>
+          <dgm:constr type="h" for="ch" forName="ThreeConn_2-3" refType="h" refFor="ch" refForName="ThreeNodes_2" fact="0.65"/>
+          <dgm:constr type="ctrY" for="ch" forName="ThreeConn_2-3" refType="h" fact="0.673"/>
+          <dgm:constr type="l" for="ch" forName="ThreeConn_2-3" refType="l" refFor="ch" refForName="ThreeNodes_2"/>
+          <dgm:constr type="l" for="ch" forName="ThreeNodes_1_text" refType="r" refFor="ch" refForName="ThreeConn_1-2"/>
+          <dgm:constr type="lOff" for="ch" forName="ThreeNodes_1_text" refType="w" refFor="ch" refForName="ThreeConn_1-2" fact="0.55"/>
+          <dgm:constr type="t" for="ch" forName="ThreeNodes_1_text" refType="t" refFor="ch" refForName="ThreeNodes_1"/>
+          <dgm:constr type="b" for="ch" forName="ThreeNodes_1_text" refType="b" refFor="ch" refForName="ThreeNodes_1"/>
+          <dgm:constr type="r" for="ch" forName="ThreeNodes_1_text" refType="r" refFor="ch" refForName="ThreeNodes_1"/>
+          <dgm:constr type="l" for="ch" forName="ThreeNodes_2_text" refType="r" refFor="ch" refForName="ThreeConn_1-2"/>
+          <dgm:constr type="t" for="ch" forName="ThreeNodes_2_text" refType="t" refFor="ch" refForName="ThreeNodes_2"/>
+          <dgm:constr type="b" for="ch" forName="ThreeNodes_2_text" refType="b" refFor="ch" refForName="ThreeNodes_2"/>
+          <dgm:constr type="r" for="ch" forName="ThreeNodes_2_text" refType="r" refFor="ch" refForName="ThreeNodes_2"/>
+          <dgm:constr type="l" for="ch" forName="ThreeNodes_3_text" refType="r" refFor="ch" refForName="ThreeConn_2-3"/>
+          <dgm:constr type="t" for="ch" forName="ThreeNodes_3_text" refType="t" refFor="ch" refForName="ThreeNodes_3"/>
+          <dgm:constr type="b" for="ch" forName="ThreeNodes_3_text" refType="b" refFor="ch" refForName="ThreeNodes_3"/>
+          <dgm:constr type="r" for="ch" forName="ThreeNodes_3_text" refType="r" refFor="ch" refForName="ThreeNodes_3"/>
+          <dgm:constr type="w" for="ch" forName="FourNodes_1" refType="w" fact="0.8"/>
+          <dgm:constr type="h" for="ch" forName="FourNodes_1" refType="h" fact="0.22"/>
+          <dgm:constr type="t" for="ch" forName="FourNodes_1"/>
+          <dgm:constr type="r" for="ch" forName="FourNodes_1" refType="w"/>
+          <dgm:constr type="w" for="ch" forName="FourNodes_2" refType="w" fact="0.8"/>
+          <dgm:constr type="h" for="ch" forName="FourNodes_2" refType="h" fact="0.22"/>
+          <dgm:constr type="ctrY" for="ch" forName="FourNodes_2" refType="h" fact="0.37"/>
+          <dgm:constr type="ctrX" for="ch" forName="FourNodes_2" refType="w" fact="0.533"/>
+          <dgm:constr type="w" for="ch" forName="FourNodes_3" refType="w" fact="0.8"/>
+          <dgm:constr type="h" for="ch" forName="FourNodes_3" refType="h" fact="0.22"/>
+          <dgm:constr type="ctrY" for="ch" forName="FourNodes_3" refType="h" fact="0.63"/>
+          <dgm:constr type="ctrX" for="ch" forName="FourNodes_3" refType="w" fact="0.467"/>
+          <dgm:constr type="w" for="ch" forName="FourNodes_4" refType="w" fact="0.8"/>
+          <dgm:constr type="h" for="ch" forName="FourNodes_4" refType="h" fact="0.22"/>
+          <dgm:constr type="b" for="ch" forName="FourNodes_4" refType="h"/>
+          <dgm:constr type="l" for="ch" forName="FourNodes_4"/>
+          <dgm:constr type="w" for="ch" forName="FourConn_1-2" refType="h" refFor="ch" refForName="FourNodes_1" fact="0.65"/>
+          <dgm:constr type="h" for="ch" forName="FourConn_1-2" refType="h" refFor="ch" refForName="FourNodes_1" fact="0.65"/>
+          <dgm:constr type="ctrY" for="ch" forName="FourConn_1-2" refType="h" fact="0.24"/>
+          <dgm:constr type="l" for="ch" forName="FourConn_1-2" refType="l" refFor="ch" refForName="FourNodes_1"/>
+          <dgm:constr type="w" for="ch" forName="FourConn_2-3" refType="h" refFor="ch" refForName="FourNodes_2" fact="0.65"/>
+          <dgm:constr type="h" for="ch" forName="FourConn_2-3" refType="h" refFor="ch" refForName="FourNodes_2" fact="0.65"/>
+          <dgm:constr type="ctrY" for="ch" forName="FourConn_2-3" refType="h" fact="0.5"/>
+          <dgm:constr type="l" for="ch" forName="FourConn_2-3" refType="l" refFor="ch" refForName="FourNodes_2"/>
+          <dgm:constr type="w" for="ch" forName="FourConn_3-4" refType="h" refFor="ch" refForName="FourNodes_3" fact="0.65"/>
+          <dgm:constr type="h" for="ch" forName="FourConn_3-4" refType="h" refFor="ch" refForName="FourNodes_3" fact="0.65"/>
+          <dgm:constr type="ctrY" for="ch" forName="FourConn_3-4" refType="h" fact="0.76"/>
+          <dgm:constr type="l" for="ch" forName="FourConn_3-4" refType="l" refFor="ch" refForName="FourNodes_3"/>
+          <dgm:constr type="l" for="ch" forName="FourNodes_1_text" refType="r" refFor="ch" refForName="FourConn_1-2"/>
+          <dgm:constr type="lOff" for="ch" forName="FourNodes_1_text" refType="w" refFor="ch" refForName="FourConn_1-2" fact="0.69"/>
+          <dgm:constr type="t" for="ch" forName="FourNodes_1_text" refType="t" refFor="ch" refForName="FourNodes_1"/>
+          <dgm:constr type="b" for="ch" forName="FourNodes_1_text" refType="b" refFor="ch" refForName="FourNodes_1"/>
+          <dgm:constr type="r" for="ch" forName="FourNodes_1_text" refType="r" refFor="ch" refForName="FourNodes_1"/>
+          <dgm:constr type="l" for="ch" forName="FourNodes_2_text" refType="r" refFor="ch" refForName="FourConn_1-2"/>
+          <dgm:constr type="t" for="ch" forName="FourNodes_2_text" refType="t" refFor="ch" refForName="FourNodes_2"/>
+          <dgm:constr type="b" for="ch" forName="FourNodes_2_text" refType="b" refFor="ch" refForName="FourNodes_2"/>
+          <dgm:constr type="r" for="ch" forName="FourNodes_2_text" refType="r" refFor="ch" refForName="FourNodes_2"/>
+          <dgm:constr type="l" for="ch" forName="FourNodes_3_text" refType="r" refFor="ch" refForName="FourConn_2-3"/>
+          <dgm:constr type="t" for="ch" forName="FourNodes_3_text" refType="t" refFor="ch" refForName="FourNodes_3"/>
+          <dgm:constr type="b" for="ch" forName="FourNodes_3_text" refType="b" refFor="ch" refForName="FourNodes_3"/>
+          <dgm:constr type="r" for="ch" forName="FourNodes_3_text" refType="r" refFor="ch" refForName="FourNodes_3"/>
+          <dgm:constr type="l" for="ch" forName="FourNodes_4_text" refType="r" refFor="ch" refForName="FourConn_3-4"/>
+          <dgm:constr type="t" for="ch" forName="FourNodes_4_text" refType="t" refFor="ch" refForName="FourNodes_4"/>
+          <dgm:constr type="b" for="ch" forName="FourNodes_4_text" refType="b" refFor="ch" refForName="FourNodes_4"/>
+          <dgm:constr type="r" for="ch" forName="FourNodes_4_text" refType="r" refFor="ch" refForName="FourNodes_4"/>
+          <dgm:constr type="w" for="ch" forName="FiveNodes_1" refType="w" fact="0.77"/>
+          <dgm:constr type="h" for="ch" forName="FiveNodes_1" refType="h" fact="0.18"/>
+          <dgm:constr type="t" for="ch" forName="FiveNodes_1"/>
+          <dgm:constr type="r" for="ch" forName="FiveNodes_1" refType="w"/>
+          <dgm:constr type="w" for="ch" forName="FiveNodes_2" refType="w" fact="0.77"/>
+          <dgm:constr type="h" for="ch" forName="FiveNodes_2" refType="h" fact="0.18"/>
+          <dgm:constr type="ctrY" for="ch" forName="FiveNodes_2" refType="h" fact="0.295"/>
+          <dgm:constr type="ctrX" for="ch" forName="FiveNodes_2" refType="w" fact="0.5575"/>
+          <dgm:constr type="w" for="ch" forName="FiveNodes_3" refType="w" fact="0.77"/>
+          <dgm:constr type="h" for="ch" forName="FiveNodes_3" refType="h" fact="0.18"/>
+          <dgm:constr type="ctrY" for="ch" forName="FiveNodes_3" refType="h" fact="0.5"/>
+          <dgm:constr type="ctrX" for="ch" forName="FiveNodes_3" refType="w" fact="0.5"/>
+          <dgm:constr type="w" for="ch" forName="FiveNodes_4" refType="w" fact="0.77"/>
+          <dgm:constr type="h" for="ch" forName="FiveNodes_4" refType="h" fact="0.18"/>
+          <dgm:constr type="ctrY" for="ch" forName="FiveNodes_4" refType="h" fact="0.705"/>
+          <dgm:constr type="ctrX" for="ch" forName="FiveNodes_4" refType="w" fact="0.4425"/>
+          <dgm:constr type="w" for="ch" forName="FiveNodes_5" refType="w" fact="0.77"/>
+          <dgm:constr type="h" for="ch" forName="FiveNodes_5" refType="h" fact="0.18"/>
+          <dgm:constr type="b" for="ch" forName="FiveNodes_5" refType="h"/>
+          <dgm:constr type="l" for="ch" forName="FiveNodes_5"/>
+          <dgm:constr type="w" for="ch" forName="FiveConn_1-2" refType="h" refFor="ch" refForName="FiveNodes_1" fact="0.65"/>
+          <dgm:constr type="h" for="ch" forName="FiveConn_1-2" refType="h" refFor="ch" refForName="FiveNodes_1" fact="0.65"/>
+          <dgm:constr type="ctrY" for="ch" forName="FiveConn_1-2" refType="h" fact="0.19"/>
+          <dgm:constr type="l" for="ch" forName="FiveConn_1-2" refType="l" refFor="ch" refForName="FiveNodes_1"/>
+          <dgm:constr type="w" for="ch" forName="FiveConn_2-3" refType="h" refFor="ch" refForName="FiveNodes_2" fact="0.65"/>
+          <dgm:constr type="h" for="ch" forName="FiveConn_2-3" refType="h" refFor="ch" refForName="FiveNodes_2" fact="0.65"/>
+          <dgm:constr type="ctrY" for="ch" forName="FiveConn_2-3" refType="h" fact="0.395"/>
+          <dgm:constr type="l" for="ch" forName="FiveConn_2-3" refType="l" refFor="ch" refForName="FiveNodes_2"/>
+          <dgm:constr type="w" for="ch" forName="FiveConn_3-4" refType="h" refFor="ch" refForName="FiveNodes_3" fact="0.65"/>
+          <dgm:constr type="h" for="ch" forName="FiveConn_3-4" refType="h" refFor="ch" refForName="FiveNodes_3" fact="0.65"/>
+          <dgm:constr type="ctrY" for="ch" forName="FiveConn_3-4" refType="h" fact="0.597"/>
+          <dgm:constr type="l" for="ch" forName="FiveConn_3-4" refType="l" refFor="ch" refForName="FiveNodes_3"/>
+          <dgm:constr type="w" for="ch" forName="FiveConn_4-5" refType="h" refFor="ch" refForName="FiveNodes_4" fact="0.65"/>
+          <dgm:constr type="h" for="ch" forName="FiveConn_4-5" refType="h" refFor="ch" refForName="FiveNodes_4" fact="0.65"/>
+          <dgm:constr type="ctrY" for="ch" forName="FiveConn_4-5" refType="h" fact="0.804"/>
+          <dgm:constr type="l" for="ch" forName="FiveConn_4-5" refType="l" refFor="ch" refForName="FiveNodes_4"/>
+          <dgm:constr type="l" for="ch" forName="FiveNodes_1_text" refType="r" refFor="ch" refForName="FiveConn_1-2"/>
+          <dgm:constr type="lOff" for="ch" forName="FiveNodes_1_text" refType="w" refFor="ch" refForName="FiveConn_1-2" fact="0.73"/>
+          <dgm:constr type="t" for="ch" forName="FiveNodes_1_text" refType="t" refFor="ch" refForName="FiveNodes_1"/>
+          <dgm:constr type="b" for="ch" forName="FiveNodes_1_text" refType="b" refFor="ch" refForName="FiveNodes_1"/>
+          <dgm:constr type="r" for="ch" forName="FiveNodes_1_text" refType="r" refFor="ch" refForName="FiveNodes_1"/>
+          <dgm:constr type="l" for="ch" forName="FiveNodes_2_text" refType="r" refFor="ch" refForName="FiveConn_1-2"/>
+          <dgm:constr type="t" for="ch" forName="FiveNodes_2_text" refType="t" refFor="ch" refForName="FiveNodes_2"/>
+          <dgm:constr type="b" for="ch" forName="FiveNodes_2_text" refType="b" refFor="ch" refForName="FiveNodes_2"/>
+          <dgm:constr type="r" for="ch" forName="FiveNodes_2_text" refType="r" refFor="ch" refForName="FiveNodes_2"/>
+          <dgm:constr type="l" for="ch" forName="FiveNodes_3_text" refType="r" refFor="ch" refForName="FiveConn_2-3"/>
+          <dgm:constr type="t" for="ch" forName="FiveNodes_3_text" refType="t" refFor="ch" refForName="FiveNodes_3"/>
+          <dgm:constr type="b" for="ch" forName="FiveNodes_3_text" refType="b" refFor="ch" refForName="FiveNodes_3"/>
+          <dgm:constr type="r" for="ch" forName="FiveNodes_3_text" refType="r" refFor="ch" refForName="FiveNodes_3"/>
+          <dgm:constr type="l" for="ch" forName="FiveNodes_4_text" refType="r" refFor="ch" refForName="FiveConn_3-4"/>
+          <dgm:constr type="t" for="ch" forName="FiveNodes_4_text" refType="t" refFor="ch" refForName="FiveNodes_4"/>
+          <dgm:constr type="b" for="ch" forName="FiveNodes_4_text" refType="b" refFor="ch" refForName="FiveNodes_4"/>
+          <dgm:constr type="r" for="ch" forName="FiveNodes_4_text" refType="r" refFor="ch" refForName="FiveNodes_4"/>
+          <dgm:constr type="l" for="ch" forName="FiveNodes_5_text" refType="r" refFor="ch" refForName="FiveConn_4-5"/>
+          <dgm:constr type="t" for="ch" forName="FiveNodes_5_text" refType="t" refFor="ch" refForName="FiveNodes_5"/>
+          <dgm:constr type="b" for="ch" forName="FiveNodes_5_text" refType="b" refFor="ch" refForName="FiveNodes_5"/>
+          <dgm:constr type="r" for="ch" forName="FiveNodes_5_text" refType="r" refFor="ch" refForName="FiveNodes_5"/>
         </dgm:constrLst>
       </dgm:else>
     </dgm:choose>
-    <dgm:ruleLst>
-      <dgm:rule type="w" for="ch" forName="compNode" val="50" fact="NaN" max="NaN"/>
-    </dgm:ruleLst>
-    <dgm:forEach name="Name7" axis="ch" ptType="node">
-      <dgm:layoutNode name="compNode">
-        <dgm:alg type="composite"/>
-        <dgm:shape xmlns:r="http://schemas.openxmlformats.org/officeDocument/2006/relationships" r:blip="">
-          <dgm:adjLst/>
-        </dgm:shape>
-        <dgm:presOf axis="self"/>
-        <dgm:constrLst>
-          <dgm:constr type="w" for="ch" forName="iconRect" refType="w" fact="0.45"/>
-          <dgm:constr type="h" for="ch" forName="iconRect" refType="w" refFor="ch" refForName="iconRect"/>
-          <dgm:constr type="ctrX" for="ch" forName="iconRect" refType="w" fact="0.5"/>
-          <dgm:constr type="t" for="ch" forName="iconRect"/>
-          <dgm:constr type="h" for="ch" forName="spaceRect" refType="h" fact="0.15"/>
-          <dgm:constr type="w" for="ch" forName="spaceRect" refType="w"/>
-          <dgm:constr type="l" for="ch" forName="spaceRect"/>
-          <dgm:constr type="t" for="ch" forName="spaceRect" refType="b" refFor="ch" refForName="iconRect"/>
-          <dgm:constr type="h" for="ch" forName="textRect" val="20"/>
-          <dgm:constr type="w" for="ch" forName="textRect" refType="w"/>
-          <dgm:constr type="l" for="ch" forName="textRect"/>
-          <dgm:constr type="t" for="ch" forName="textRect" refType="b" refFor="ch" refForName="spaceRect"/>
-        </dgm:constrLst>
-        <dgm:ruleLst>
-          <dgm:rule type="h" val="INF" fact="NaN" max="NaN"/>
-        </dgm:ruleLst>
-        <dgm:layoutNode name="iconRect" styleLbl="node1">
-          <dgm:alg type="sp"/>
-          <dgm:shape xmlns:r="http://schemas.openxmlformats.org/officeDocument/2006/relationships" type="rect" r:blip="" blipPhldr="1">
-            <dgm:adjLst/>
+    <dgm:ruleLst/>
+    <dgm:layoutNode name="dummyMaxCanvas">
+      <dgm:varLst/>
+      <dgm:alg type="sp"/>
+      <dgm:shape xmlns:r="http://schemas.openxmlformats.org/officeDocument/2006/relationships" r:blip="">
+        <dgm:adjLst/>
+      </dgm:shape>
+      <dgm:presOf/>
+      <dgm:constrLst/>
+      <dgm:ruleLst/>
+    </dgm:layoutNode>
+    <dgm:choose name="Name3">
+      <dgm:if name="Name4" axis="ch" ptType="node" func="cnt" op="equ" val="1">
+        <dgm:layoutNode name="OneNode_1">
+          <dgm:varLst>
+            <dgm:bulletEnabled val="1"/>
+          </dgm:varLst>
+          <dgm:alg type="tx"/>
+          <dgm:shape xmlns:r="http://schemas.openxmlformats.org/officeDocument/2006/relationships" type="roundRect" r:blip="">
+            <dgm:adjLst>
+              <dgm:adj idx="1" val="0.1"/>
+            </dgm:adjLst>
           </dgm:shape>
-          <dgm:presOf/>
-          <dgm:constrLst/>
-          <dgm:ruleLst/>
-        </dgm:layoutNode>
-        <dgm:layoutNode name="spaceRect">
-          <dgm:alg type="sp"/>
-          <dgm:shape xmlns:r="http://schemas.openxmlformats.org/officeDocument/2006/relationships" r:blip="">
-            <dgm:adjLst/>
-          </dgm:shape>
-          <dgm:presOf/>
-          <dgm:constrLst/>
-          <dgm:ruleLst/>
-        </dgm:layoutNode>
-        <dgm:layoutNode name="textRect" styleLbl="revTx">
-          <dgm:varLst>
-            <dgm:chMax val="1"/>
-            <dgm:chPref val="1"/>
-          </dgm:varLst>
-          <dgm:alg type="tx">
-            <dgm:param type="txAnchorVert" val="t"/>
-          </dgm:alg>
-          <dgm:shape xmlns:r="http://schemas.openxmlformats.org/officeDocument/2006/relationships" type="rect" r:blip="">
-            <dgm:adjLst/>
-          </dgm:shape>
-          <dgm:presOf axis="self" ptType="node"/>
+          <dgm:presOf axis="ch desOrSelf" ptType="node node" st="1 1" cnt="1 0"/>
           <dgm:constrLst>
-            <dgm:constr type="lMarg"/>
-            <dgm:constr type="rMarg"/>
-            <dgm:constr type="tMarg"/>
-            <dgm:constr type="bMarg"/>
+            <dgm:constr type="lMarg" refType="primFontSz" fact="0.3"/>
+            <dgm:constr type="rMarg" refType="primFontSz" fact="0.3"/>
+            <dgm:constr type="tMarg" refType="primFontSz" fact="0.3"/>
+            <dgm:constr type="bMarg" refType="primFontSz" fact="0.3"/>
           </dgm:constrLst>
           <dgm:ruleLst>
-            <dgm:rule type="primFontSz" val="11" fact="NaN" max="NaN"/>
-            <dgm:rule type="h" val="INF" fact="NaN" max="NaN"/>
+            <dgm:rule type="primFontSz" val="5" fact="NaN" max="NaN"/>
           </dgm:ruleLst>
         </dgm:layoutNode>
-      </dgm:layoutNode>
-      <dgm:forEach name="Name8" axis="followSib" ptType="sibTrans" cnt="1">
-        <dgm:layoutNode name="sibTrans">
-          <dgm:alg type="sp"/>
-          <dgm:shape xmlns:r="http://schemas.openxmlformats.org/officeDocument/2006/relationships" r:blip="">
-            <dgm:adjLst/>
-          </dgm:shape>
-          <dgm:presOf axis="self"/>
-          <dgm:constrLst/>
-          <dgm:ruleLst/>
-        </dgm:layoutNode>
-      </dgm:forEach>
-    </dgm:forEach>
+      </dgm:if>
+      <dgm:else name="Name5">
+        <dgm:choose name="Name6">
+          <dgm:if name="Name7" axis="ch" ptType="node" func="cnt" op="equ" val="2">
+            <dgm:layoutNode name="TwoNodes_1">
+              <dgm:varLst>
+                <dgm:bulletEnabled val="1"/>
+              </dgm:varLst>
+              <dgm:alg type="sp"/>
+              <dgm:shape xmlns:r="http://schemas.openxmlformats.org/officeDocument/2006/relationships" type="roundRect" r:blip="">
+                <dgm:adjLst>
+                  <dgm:adj idx="1" val="0.1"/>
+                </dgm:adjLst>
+              </dgm:shape>
+              <dgm:presOf axis="ch desOrSelf" ptType="node node" st="1 1" cnt="1 0"/>
+              <dgm:constrLst/>
+              <dgm:ruleLst/>
+            </dgm:layoutNode>
+            <dgm:layoutNode name="TwoNodes_2">
+              <dgm:varLst>
+                <dgm:bulletEnabled val="1"/>
+              </dgm:varLst>
+              <dgm:alg type="sp"/>
+              <dgm:shape xmlns:r="http://schemas.openxmlformats.org/officeDocument/2006/relationships" type="roundRect" r:blip="">
+                <dgm:adjLst>
+                  <dgm:adj idx="1" val="0.1"/>
+                </dgm:adjLst>
+              </dgm:shape>
+              <dgm:presOf axis="ch desOrSelf" ptType="node node" st="2 1" cnt="1 0"/>
+              <dgm:constrLst/>
+              <dgm:ruleLst/>
+            </dgm:layoutNode>
+            <dgm:layoutNode name="TwoConn_1-2" styleLbl="fgAccFollowNode1">
+              <dgm:varLst>
+                <dgm:bulletEnabled val="1"/>
+              </dgm:varLst>
+              <dgm:alg type="tx"/>
+              <dgm:shape xmlns:r="http://schemas.openxmlformats.org/officeDocument/2006/relationships" type="downArrow" r:blip="">
+                <dgm:adjLst>
+                  <dgm:adj idx="1" val="0.55"/>
+                  <dgm:adj idx="2" val="0.45"/>
+                </dgm:adjLst>
+              </dgm:shape>
+              <dgm:presOf axis="ch" ptType="sibTrans" cnt="1"/>
+              <dgm:constrLst>
+                <dgm:constr type="lMarg" refType="primFontSz" fact="0.1"/>
+                <dgm:constr type="rMarg" refType="primFontSz" fact="0.1"/>
+                <dgm:constr type="tMarg" refType="primFontSz" fact="0.1"/>
+                <dgm:constr type="bMarg" refType="primFontSz" fact="0.1"/>
+              </dgm:constrLst>
+              <dgm:ruleLst>
+                <dgm:rule type="primFontSz" val="5" fact="NaN" max="NaN"/>
+              </dgm:ruleLst>
+            </dgm:layoutNode>
+            <dgm:layoutNode name="TwoNodes_1_text">
+              <dgm:varLst>
+                <dgm:bulletEnabled val="1"/>
+              </dgm:varLst>
+              <dgm:alg type="tx">
+                <dgm:param type="parTxLTRAlign" val="l"/>
+                <dgm:param type="txAnchorVertCh" val="mid"/>
+              </dgm:alg>
+              <dgm:shape xmlns:r="http://schemas.openxmlformats.org/officeDocument/2006/relationships" type="roundRect" r:blip="" hideGeom="1">
+                <dgm:adjLst>
+                  <dgm:adj idx="1" val="0.1"/>
+                </dgm:adjLst>
+              </dgm:shape>
+              <dgm:presOf axis="ch desOrSelf" ptType="node node" st="1 1" cnt="1 0"/>
+              <dgm:constrLst>
+                <dgm:constr type="lMarg" refType="primFontSz" fact="0.3"/>
+                <dgm:constr type="rMarg" refType="primFontSz" fact="0.3"/>
+                <dgm:constr type="tMarg" refType="primFontSz" fact="0.3"/>
+                <dgm:constr type="bMarg" refType="primFontSz" fact="0.3"/>
+              </dgm:constrLst>
+              <dgm:ruleLst>
+                <dgm:rule type="primFontSz" val="5" fact="NaN" max="NaN"/>
+              </dgm:ruleLst>
+            </dgm:layoutNode>
+            <dgm:layoutNode name="TwoNodes_2_text">
+              <dgm:varLst>
+                <dgm:bulletEnabled val="1"/>
+              </dgm:varLst>
+              <dgm:alg type="tx">
+                <dgm:param type="parTxLTRAlign" val="l"/>
+                <dgm:param type="txAnchorVertCh" val="mid"/>
+              </dgm:alg>
+              <dgm:shape xmlns:r="http://schemas.openxmlformats.org/officeDocument/2006/relationships" type="roundRect" r:blip="" hideGeom="1">
+                <dgm:adjLst>
+                  <dgm:adj idx="1" val="0.1"/>
+                </dgm:adjLst>
+              </dgm:shape>
+              <dgm:presOf axis="ch desOrSelf" ptType="node node" st="2 1" cnt="1 0"/>
+              <dgm:constrLst>
+                <dgm:constr type="lMarg" refType="primFontSz" fact="0.3"/>
+                <dgm:constr type="rMarg" refType="primFontSz" fact="0.3"/>
+                <dgm:constr type="tMarg" refType="primFontSz" fact="0.3"/>
+                <dgm:constr type="bMarg" refType="primFontSz" fact="0.3"/>
+              </dgm:constrLst>
+              <dgm:ruleLst>
+                <dgm:rule type="primFontSz" val="5" fact="NaN" max="NaN"/>
+              </dgm:ruleLst>
+            </dgm:layoutNode>
+          </dgm:if>
+          <dgm:else name="Name8">
+            <dgm:choose name="Name9">
+              <dgm:if name="Name10" axis="ch" ptType="node" func="cnt" op="equ" val="3">
+                <dgm:layoutNode name="ThreeNodes_1">
+                  <dgm:varLst>
+                    <dgm:bulletEnabled val="1"/>
+                  </dgm:varLst>
+                  <dgm:alg type="sp"/>
+                  <dgm:shape xmlns:r="http://schemas.openxmlformats.org/officeDocument/2006/relationships" type="roundRect" r:blip="">
+                    <dgm:adjLst>
+                      <dgm:adj idx="1" val="0.1"/>
+                    </dgm:adjLst>
+                  </dgm:shape>
+                  <dgm:presOf axis="ch desOrSelf" ptType="node node" st="1 1" cnt="1 0"/>
+                  <dgm:constrLst/>
+                  <dgm:ruleLst/>
+                </dgm:layoutNode>
+                <dgm:layoutNode name="ThreeNodes_2">
+                  <dgm:varLst>
+                    <dgm:bulletEnabled val="1"/>
+                  </dgm:varLst>
+                  <dgm:alg type="sp"/>
+                  <dgm:shape xmlns:r="http://schemas.openxmlformats.org/officeDocument/2006/relationships" type="roundRect" r:blip="">
+                    <dgm:adjLst>
+                      <dgm:adj idx="1" val="0.1"/>
+                    </dgm:adjLst>
+                  </dgm:shape>
+                  <dgm:presOf axis="ch desOrSelf" ptType="node node" st="2 1" cnt="1 0"/>
+                  <dgm:constrLst/>
+                  <dgm:ruleLst/>
+                </dgm:layoutNode>
+                <dgm:layoutNode name="ThreeNodes_3">
+                  <dgm:varLst>
+                    <dgm:bulletEnabled val="1"/>
+                  </dgm:varLst>
+                  <dgm:alg type="sp"/>
+                  <dgm:shape xmlns:r="http://schemas.openxmlformats.org/officeDocument/2006/relationships" type="roundRect" r:blip="">
+                    <dgm:adjLst>
+                      <dgm:adj idx="1" val="0.1"/>
+                    </dgm:adjLst>
+                  </dgm:shape>
+                  <dgm:presOf axis="ch desOrSelf" ptType="node node" st="3 1" cnt="1 0"/>
+                  <dgm:constrLst/>
+                  <dgm:ruleLst/>
+                </dgm:layoutNode>
+                <dgm:layoutNode name="ThreeConn_1-2" styleLbl="fgAccFollowNode1">
+                  <dgm:varLst>
+                    <dgm:bulletEnabled val="1"/>
+                  </dgm:varLst>
+                  <dgm:alg type="tx"/>
+                  <dgm:shape xmlns:r="http://schemas.openxmlformats.org/officeDocument/2006/relationships" type="downArrow" r:blip="">
+                    <dgm:adjLst>
+                      <dgm:adj idx="1" val="0.55"/>
+                      <dgm:adj idx="2" val="0.45"/>
+                    </dgm:adjLst>
+                  </dgm:shape>
+                  <dgm:presOf axis="ch" ptType="sibTrans" cnt="1"/>
+                  <dgm:constrLst>
+                    <dgm:constr type="lMarg" refType="primFontSz" fact="0.1"/>
+                    <dgm:constr type="rMarg" refType="primFontSz" fact="0.1"/>
+                    <dgm:constr type="tMarg" refType="primFontSz" fact="0.1"/>
+                    <dgm:constr type="bMarg" refType="primFontSz" fact="0.1"/>
+                  </dgm:constrLst>
+                  <dgm:ruleLst>
+                    <dgm:rule type="primFontSz" val="5" fact="NaN" max="NaN"/>
+                  </dgm:ruleLst>
+                </dgm:layoutNode>
+                <dgm:layoutNode name="ThreeConn_2-3" styleLbl="fgAccFollowNode1">
+                  <dgm:varLst>
+                    <dgm:bulletEnabled val="1"/>
+                  </dgm:varLst>
+                  <dgm:alg type="tx"/>
+                  <dgm:shape xmlns:r="http://schemas.openxmlformats.org/officeDocument/2006/relationships" type="downArrow" r:blip="">
+                    <dgm:adjLst>
+                      <dgm:adj idx="1" val="0.55"/>
+                      <dgm:adj idx="2" val="0.45"/>
+                    </dgm:adjLst>
+                  </dgm:shape>
+                  <dgm:presOf axis="ch" ptType="sibTrans" st="2" cnt="1"/>
+                  <dgm:constrLst>
+                    <dgm:constr type="lMarg" refType="primFontSz" fact="0.1"/>
+                    <dgm:constr type="rMarg" refType="primFontSz" fact="0.1"/>
+                    <dgm:constr type="tMarg" refType="primFontSz" fact="0.1"/>
+                    <dgm:constr type="bMarg" refType="primFontSz" fact="0.1"/>
+                  </dgm:constrLst>
+                  <dgm:ruleLst>
+                    <dgm:rule type="primFontSz" val="5" fact="NaN" max="NaN"/>
+                  </dgm:ruleLst>
+                </dgm:layoutNode>
+                <dgm:layoutNode name="ThreeNodes_1_text">
+                  <dgm:varLst>
+                    <dgm:bulletEnabled val="1"/>
+                  </dgm:varLst>
+                  <dgm:alg type="tx">
+                    <dgm:param type="parTxLTRAlign" val="l"/>
+                    <dgm:param type="txAnchorVertCh" val="mid"/>
+                  </dgm:alg>
+                  <dgm:shape xmlns:r="http://schemas.openxmlformats.org/officeDocument/2006/relationships" type="roundRect" r:blip="" hideGeom="1">
+                    <dgm:adjLst>
+                      <dgm:adj idx="1" val="0.1"/>
+                    </dgm:adjLst>
+                  </dgm:shape>
+                  <dgm:presOf axis="ch desOrSelf" ptType="node node" st="1 1" cnt="1 0"/>
+                  <dgm:constrLst>
+                    <dgm:constr type="lMarg" refType="primFontSz" fact="0.3"/>
+                    <dgm:constr type="rMarg" refType="primFontSz" fact="0.3"/>
+                    <dgm:constr type="tMarg" refType="primFontSz" fact="0.3"/>
+                    <dgm:constr type="bMarg" refType="primFontSz" fact="0.3"/>
+                  </dgm:constrLst>
+                  <dgm:ruleLst>
+                    <dgm:rule type="primFontSz" val="5" fact="NaN" max="NaN"/>
+                  </dgm:ruleLst>
+                </dgm:layoutNode>
+                <dgm:layoutNode name="ThreeNodes_2_text">
+                  <dgm:varLst>
+                    <dgm:bulletEnabled val="1"/>
+                  </dgm:varLst>
+                  <dgm:alg type="tx">
+                    <dgm:param type="parTxLTRAlign" val="l"/>
+                    <dgm:param type="txAnchorVertCh" val="mid"/>
+                  </dgm:alg>
+                  <dgm:shape xmlns:r="http://schemas.openxmlformats.org/officeDocument/2006/relationships" type="roundRect" r:blip="" hideGeom="1">
+                    <dgm:adjLst>
+                      <dgm:adj idx="1" val="0.1"/>
+                    </dgm:adjLst>
+                  </dgm:shape>
+                  <dgm:presOf axis="ch desOrSelf" ptType="node node" st="2 1" cnt="1 0"/>
+                  <dgm:constrLst>
+                    <dgm:constr type="lMarg" refType="primFontSz" fact="0.3"/>
+                    <dgm:constr type="rMarg" refType="primFontSz" fact="0.3"/>
+                    <dgm:constr type="tMarg" refType="primFontSz" fact="0.3"/>
+                    <dgm:constr type="bMarg" refType="primFontSz" fact="0.3"/>
+                  </dgm:constrLst>
+                  <dgm:ruleLst>
+                    <dgm:rule type="primFontSz" val="5" fact="NaN" max="NaN"/>
+                  </dgm:ruleLst>
+                </dgm:layoutNode>
+                <dgm:layoutNode name="ThreeNodes_3_text">
+                  <dgm:varLst>
+                    <dgm:bulletEnabled val="1"/>
+                  </dgm:varLst>
+                  <dgm:alg type="tx">
+                    <dgm:param type="parTxLTRAlign" val="l"/>
+                    <dgm:param type="txAnchorVertCh" val="mid"/>
+                  </dgm:alg>
+                  <dgm:shape xmlns:r="http://schemas.openxmlformats.org/officeDocument/2006/relationships" type="roundRect" r:blip="" hideGeom="1">
+                    <dgm:adjLst>
+                      <dgm:adj idx="1" val="0.1"/>
+                    </dgm:adjLst>
+                  </dgm:shape>
+                  <dgm:presOf axis="ch desOrSelf" ptType="node node" st="3 1" cnt="1 0"/>
+                  <dgm:constrLst>
+                    <dgm:constr type="lMarg" refType="primFontSz" fact="0.3"/>
+                    <dgm:constr type="rMarg" refType="primFontSz" fact="0.3"/>
+                    <dgm:constr type="tMarg" refType="primFontSz" fact="0.3"/>
+                    <dgm:constr type="bMarg" refType="primFontSz" fact="0.3"/>
+                  </dgm:constrLst>
+                  <dgm:ruleLst>
+                    <dgm:rule type="primFontSz" val="5" fact="NaN" max="NaN"/>
+                  </dgm:ruleLst>
+                </dgm:layoutNode>
+              </dgm:if>
+              <dgm:else name="Name11">
+                <dgm:choose name="Name12">
+                  <dgm:if name="Name13" axis="ch" ptType="node" func="cnt" op="equ" val="4">
+                    <dgm:layoutNode name="FourNodes_1">
+                      <dgm:varLst>
+                        <dgm:bulletEnabled val="1"/>
+                      </dgm:varLst>
+                      <dgm:alg type="sp"/>
+                      <dgm:shape xmlns:r="http://schemas.openxmlformats.org/officeDocument/2006/relationships" type="roundRect" r:blip="">
+                        <dgm:adjLst>
+                          <dgm:adj idx="1" val="0.1"/>
+                        </dgm:adjLst>
+                      </dgm:shape>
+                      <dgm:presOf axis="ch desOrSelf" ptType="node node" st="1 1" cnt="1 0"/>
+                      <dgm:constrLst/>
+                      <dgm:ruleLst/>
+                    </dgm:layoutNode>
+                    <dgm:layoutNode name="FourNodes_2">
+                      <dgm:varLst>
+                        <dgm:bulletEnabled val="1"/>
+                      </dgm:varLst>
+                      <dgm:alg type="sp"/>
+                      <dgm:shape xmlns:r="http://schemas.openxmlformats.org/officeDocument/2006/relationships" type="roundRect" r:blip="">
+                        <dgm:adjLst>
+                          <dgm:adj idx="1" val="0.1"/>
+                        </dgm:adjLst>
+                      </dgm:shape>
+                      <dgm:presOf axis="ch desOrSelf" ptType="node node" st="2 1" cnt="1 0"/>
+                      <dgm:constrLst/>
+                      <dgm:ruleLst/>
+                    </dgm:layoutNode>
+                    <dgm:layoutNode name="FourNodes_3">
+                      <dgm:varLst>
+                        <dgm:bulletEnabled val="1"/>
+                      </dgm:varLst>
+                      <dgm:alg type="sp"/>
+                      <dgm:shape xmlns:r="http://schemas.openxmlformats.org/officeDocument/2006/relationships" type="roundRect" r:blip="">
+                        <dgm:adjLst>
+                          <dgm:adj idx="1" val="0.1"/>
+                        </dgm:adjLst>
+                      </dgm:shape>
+                      <dgm:presOf axis="ch desOrSelf" ptType="node node" st="3 1" cnt="1 0"/>
+                      <dgm:constrLst/>
+                      <dgm:ruleLst/>
+                    </dgm:layoutNode>
+                    <dgm:layoutNode name="FourNodes_4">
+                      <dgm:varLst>
+                        <dgm:bulletEnabled val="1"/>
+                      </dgm:varLst>
+                      <dgm:alg type="sp"/>
+                      <dgm:shape xmlns:r="http://schemas.openxmlformats.org/officeDocument/2006/relationships" type="roundRect" r:blip="">
+                        <dgm:adjLst>
+                          <dgm:adj idx="1" val="0.1"/>
+                        </dgm:adjLst>
+                      </dgm:shape>
+                      <dgm:presOf axis="ch desOrSelf" ptType="node node" st="4 1" cnt="1 0"/>
+                      <dgm:constrLst/>
+                      <dgm:ruleLst/>
+                    </dgm:layoutNode>
+                    <dgm:layoutNode name="FourConn_1-2" styleLbl="fgAccFollowNode1">
+                      <dgm:varLst>
+                        <dgm:bulletEnabled val="1"/>
+                      </dgm:varLst>
+                      <dgm:alg type="tx"/>
+                      <dgm:shape xmlns:r="http://schemas.openxmlformats.org/officeDocument/2006/relationships" type="downArrow" r:blip="">
+                        <dgm:adjLst>
+                          <dgm:adj idx="1" val="0.55"/>
+                          <dgm:adj idx="2" val="0.45"/>
+                        </dgm:adjLst>
+                      </dgm:shape>
+                      <dgm:presOf axis="ch" ptType="sibTrans" cnt="1"/>
+                      <dgm:constrLst>
+                        <dgm:constr type="lMarg" refType="primFontSz" fact="0.1"/>
+                        <dgm:constr type="rMarg" refType="primFontSz" fact="0.1"/>
+                        <dgm:constr type="tMarg" refType="primFontSz" fact="0.1"/>
+                        <dgm:constr type="bMarg" refType="primFontSz" fact="0.1"/>
+                      </dgm:constrLst>
+                      <dgm:ruleLst>
+                        <dgm:rule type="primFontSz" val="5" fact="NaN" max="NaN"/>
+                      </dgm:ruleLst>
+                    </dgm:layoutNode>
+                    <dgm:layoutNode name="FourConn_2-3" styleLbl="fgAccFollowNode1">
+                      <dgm:varLst>
+                        <dgm:bulletEnabled val="1"/>
+                      </dgm:varLst>
+                      <dgm:alg type="tx"/>
+                      <dgm:shape xmlns:r="http://schemas.openxmlformats.org/officeDocument/2006/relationships" type="downArrow" r:blip="">
+                        <dgm:adjLst>
+                          <dgm:adj idx="1" val="0.55"/>
+                          <dgm:adj idx="2" val="0.45"/>
+                        </dgm:adjLst>
+                      </dgm:shape>
+                      <dgm:presOf axis="ch" ptType="sibTrans" st="2" cnt="1"/>
+                      <dgm:constrLst>
+                        <dgm:constr type="lMarg" refType="primFontSz" fact="0.1"/>
+                        <dgm:constr type="rMarg" refType="primFontSz" fact="0.1"/>
+                        <dgm:constr type="tMarg" refType="primFontSz" fact="0.1"/>
+                        <dgm:constr type="bMarg" refType="primFontSz" fact="0.1"/>
+                      </dgm:constrLst>
+                      <dgm:ruleLst>
+                        <dgm:rule type="primFontSz" val="5" fact="NaN" max="NaN"/>
+                      </dgm:ruleLst>
+                    </dgm:layoutNode>
+                    <dgm:layoutNode name="FourConn_3-4" styleLbl="fgAccFollowNode1">
+                      <dgm:varLst>
+                        <dgm:bulletEnabled val="1"/>
+                      </dgm:varLst>
+                      <dgm:alg type="tx"/>
+                      <dgm:shape xmlns:r="http://schemas.openxmlformats.org/officeDocument/2006/relationships" type="downArrow" r:blip="">
+                        <dgm:adjLst>
+                          <dgm:adj idx="1" val="0.55"/>
+                          <dgm:adj idx="2" val="0.45"/>
+                        </dgm:adjLst>
+                      </dgm:shape>
+                      <dgm:presOf axis="ch" ptType="sibTrans" st="3" cnt="1"/>
+                      <dgm:constrLst>
+                        <dgm:constr type="lMarg" refType="primFontSz" fact="0.1"/>
+                        <dgm:constr type="rMarg" refType="primFontSz" fact="0.1"/>
+                        <dgm:constr type="tMarg" refType="primFontSz" fact="0.1"/>
+                        <dgm:constr type="bMarg" refType="primFontSz" fact="0.1"/>
+                      </dgm:constrLst>
+                      <dgm:ruleLst>
+                        <dgm:rule type="primFontSz" val="5" fact="NaN" max="NaN"/>
+                      </dgm:ruleLst>
+                    </dgm:layoutNode>
+                    <dgm:layoutNode name="FourNodes_1_text">
+                      <dgm:varLst>
+                        <dgm:bulletEnabled val="1"/>
+                      </dgm:varLst>
+                      <dgm:alg type="tx">
+                        <dgm:param type="parTxLTRAlign" val="l"/>
+                        <dgm:param type="txAnchorVertCh" val="mid"/>
+                      </dgm:alg>
+                      <dgm:shape xmlns:r="http://schemas.openxmlformats.org/officeDocument/2006/relationships" type="roundRect" r:blip="" hideGeom="1">
+                        <dgm:adjLst>
+                          <dgm:adj idx="1" val="0.1"/>
+                        </dgm:adjLst>
+                      </dgm:shape>
+                      <dgm:presOf axis="ch desOrSelf" ptType="node node" st="1 1" cnt="1 0"/>
+                      <dgm:constrLst>
+                        <dgm:constr type="lMarg" refType="primFontSz" fact="0.3"/>
+                        <dgm:constr type="rMarg" refType="primFontSz" fact="0.3"/>
+                        <dgm:constr type="tMarg" refType="primFontSz" fact="0.3"/>
+                        <dgm:constr type="bMarg" refType="primFontSz" fact="0.3"/>
+                      </dgm:constrLst>
+                      <dgm:ruleLst>
+                        <dgm:rule type="primFontSz" val="5" fact="NaN" max="NaN"/>
+                      </dgm:ruleLst>
+                    </dgm:layoutNode>
+                    <dgm:layoutNode name="FourNodes_2_text">
+                      <dgm:varLst>
+                        <dgm:bulletEnabled val="1"/>
+                      </dgm:varLst>
+                      <dgm:alg type="tx">
+                        <dgm:param type="parTxLTRAlign" val="l"/>
+                        <dgm:param type="txAnchorVertCh" val="mid"/>
+                      </dgm:alg>
+                      <dgm:shape xmlns:r="http://schemas.openxmlformats.org/officeDocument/2006/relationships" type="roundRect" r:blip="" hideGeom="1">
+                        <dgm:adjLst>
+                          <dgm:adj idx="1" val="0.1"/>
+                        </dgm:adjLst>
+                      </dgm:shape>
+                      <dgm:presOf axis="ch desOrSelf" ptType="node node" st="2 1" cnt="1 0"/>
+                      <dgm:constrLst>
+                        <dgm:constr type="lMarg" refType="primFontSz" fact="0.3"/>
+                        <dgm:constr type="rMarg" refType="primFontSz" fact="0.3"/>
+                        <dgm:constr type="tMarg" refType="primFontSz" fact="0.3"/>
+                        <dgm:constr type="bMarg" refType="primFontSz" fact="0.3"/>
+                      </dgm:constrLst>
+                      <dgm:ruleLst>
+                        <dgm:rule type="primFontSz" val="5" fact="NaN" max="NaN"/>
+                      </dgm:ruleLst>
+                    </dgm:layoutNode>
+                    <dgm:layoutNode name="FourNodes_3_text">
+                      <dgm:varLst>
+                        <dgm:bulletEnabled val="1"/>
+                      </dgm:varLst>
+                      <dgm:alg type="tx">
+                        <dgm:param type="parTxLTRAlign" val="l"/>
+                        <dgm:param type="txAnchorVertCh" val="mid"/>
+                      </dgm:alg>
+                      <dgm:shape xmlns:r="http://schemas.openxmlformats.org/officeDocument/2006/relationships" type="roundRect" r:blip="" hideGeom="1">
+                        <dgm:adjLst>
+                          <dgm:adj idx="1" val="0.1"/>
+                        </dgm:adjLst>
+                      </dgm:shape>
+                      <dgm:presOf axis="ch desOrSelf" ptType="node node" st="3 1" cnt="1 0"/>
+                      <dgm:constrLst>
+                        <dgm:constr type="lMarg" refType="primFontSz" fact="0.3"/>
+                        <dgm:constr type="rMarg" refType="primFontSz" fact="0.3"/>
+                        <dgm:constr type="tMarg" refType="primFontSz" fact="0.3"/>
+                        <dgm:constr type="bMarg" refType="primFontSz" fact="0.3"/>
+                      </dgm:constrLst>
+                      <dgm:ruleLst>
+                        <dgm:rule type="primFontSz" val="5" fact="NaN" max="NaN"/>
+                      </dgm:ruleLst>
+                    </dgm:layoutNode>
+                    <dgm:layoutNode name="FourNodes_4_text">
+                      <dgm:varLst>
+                        <dgm:bulletEnabled val="1"/>
+                      </dgm:varLst>
+                      <dgm:alg type="tx">
+                        <dgm:param type="parTxLTRAlign" val="l"/>
+                        <dgm:param type="txAnchorVertCh" val="mid"/>
+                      </dgm:alg>
+                      <dgm:shape xmlns:r="http://schemas.openxmlformats.org/officeDocument/2006/relationships" type="roundRect" r:blip="" hideGeom="1">
+                        <dgm:adjLst>
+                          <dgm:adj idx="1" val="0.1"/>
+                        </dgm:adjLst>
+                      </dgm:shape>
+                      <dgm:presOf axis="ch desOrSelf" ptType="node node" st="4 1" cnt="1 0"/>
+                      <dgm:constrLst>
+                        <dgm:constr type="lMarg" refType="primFontSz" fact="0.3"/>
+                        <dgm:constr type="rMarg" refType="primFontSz" fact="0.3"/>
+                        <dgm:constr type="tMarg" refType="primFontSz" fact="0.3"/>
+                        <dgm:constr type="bMarg" refType="primFontSz" fact="0.3"/>
+                      </dgm:constrLst>
+                      <dgm:ruleLst>
+                        <dgm:rule type="primFontSz" val="5" fact="NaN" max="NaN"/>
+                      </dgm:ruleLst>
+                    </dgm:layoutNode>
+                  </dgm:if>
+                  <dgm:else name="Name14">
+                    <dgm:choose name="Name15">
+                      <dgm:if name="Name16" axis="ch" ptType="node" func="cnt" op="gte" val="5">
+                        <dgm:layoutNode name="FiveNodes_1">
+                          <dgm:varLst>
+                            <dgm:bulletEnabled val="1"/>
+                          </dgm:varLst>
+                          <dgm:alg type="sp"/>
+                          <dgm:shape xmlns:r="http://schemas.openxmlformats.org/officeDocument/2006/relationships" type="roundRect" r:blip="">
+                            <dgm:adjLst>
+                              <dgm:adj idx="1" val="0.1"/>
+                            </dgm:adjLst>
+                          </dgm:shape>
+                          <dgm:presOf axis="ch desOrSelf" ptType="node node" st="1 1" cnt="1 0"/>
+                          <dgm:constrLst/>
+                          <dgm:ruleLst/>
+                        </dgm:layoutNode>
+                        <dgm:layoutNode name="FiveNodes_2">
+                          <dgm:varLst>
+                            <dgm:bulletEnabled val="1"/>
+                          </dgm:varLst>
+                          <dgm:alg type="sp"/>
+                          <dgm:shape xmlns:r="http://schemas.openxmlformats.org/officeDocument/2006/relationships" type="roundRect" r:blip="">
+                            <dgm:adjLst>
+                              <dgm:adj idx="1" val="0.1"/>
+                            </dgm:adjLst>
+                          </dgm:shape>
+                          <dgm:presOf axis="ch desOrSelf" ptType="node node" st="2 1" cnt="1 0"/>
+                          <dgm:constrLst/>
+                          <dgm:ruleLst/>
+                        </dgm:layoutNode>
+                        <dgm:layoutNode name="FiveNodes_3">
+                          <dgm:varLst>
+                            <dgm:bulletEnabled val="1"/>
+                          </dgm:varLst>
+                          <dgm:alg type="sp"/>
+                          <dgm:shape xmlns:r="http://schemas.openxmlformats.org/officeDocument/2006/relationships" type="roundRect" r:blip="">
+                            <dgm:adjLst>
+                              <dgm:adj idx="1" val="0.1"/>
+                            </dgm:adjLst>
+                          </dgm:shape>
+                          <dgm:presOf axis="ch desOrSelf" ptType="node node" st="3 1" cnt="1 0"/>
+                          <dgm:constrLst/>
+                          <dgm:ruleLst/>
+                        </dgm:layoutNode>
+                        <dgm:layoutNode name="FiveNodes_4">
+                          <dgm:varLst>
+                            <dgm:bulletEnabled val="1"/>
+                          </dgm:varLst>
+                          <dgm:alg type="sp"/>
+                          <dgm:shape xmlns:r="http://schemas.openxmlformats.org/officeDocument/2006/relationships" type="roundRect" r:blip="">
+                            <dgm:adjLst>
+                              <dgm:adj idx="1" val="0.1"/>
+                            </dgm:adjLst>
+                          </dgm:shape>
+                          <dgm:presOf axis="ch desOrSelf" ptType="node node" st="4 1" cnt="1 0"/>
+                          <dgm:constrLst/>
+                          <dgm:ruleLst/>
+                        </dgm:layoutNode>
+                        <dgm:layoutNode name="FiveNodes_5">
+                          <dgm:varLst>
+                            <dgm:bulletEnabled val="1"/>
+                          </dgm:varLst>
+                          <dgm:alg type="sp"/>
+                          <dgm:shape xmlns:r="http://schemas.openxmlformats.org/officeDocument/2006/relationships" type="roundRect" r:blip="">
+                            <dgm:adjLst>
+                              <dgm:adj idx="1" val="0.1"/>
+                            </dgm:adjLst>
+                          </dgm:shape>
+                          <dgm:presOf axis="ch desOrSelf" ptType="node node" st="5 1" cnt="1 0"/>
+                          <dgm:constrLst/>
+                          <dgm:ruleLst/>
+                        </dgm:layoutNode>
+                        <dgm:layoutNode name="FiveConn_1-2" styleLbl="fgAccFollowNode1">
+                          <dgm:varLst>
+                            <dgm:bulletEnabled val="1"/>
+                          </dgm:varLst>
+                          <dgm:alg type="tx"/>
+                          <dgm:shape xmlns:r="http://schemas.openxmlformats.org/officeDocument/2006/relationships" type="downArrow" r:blip="">
+                            <dgm:adjLst>
+                              <dgm:adj idx="1" val="0.55"/>
+                              <dgm:adj idx="2" val="0.45"/>
+                            </dgm:adjLst>
+                          </dgm:shape>
+                          <dgm:presOf axis="ch" ptType="sibTrans" cnt="1"/>
+                          <dgm:constrLst>
+                            <dgm:constr type="lMarg" refType="primFontSz" fact="0.1"/>
+                            <dgm:constr type="rMarg" refType="primFontSz" fact="0.1"/>
+                            <dgm:constr type="tMarg" refType="primFontSz" fact="0.1"/>
+                            <dgm:constr type="bMarg" refType="primFontSz" fact="0.1"/>
+                          </dgm:constrLst>
+                          <dgm:ruleLst>
+                            <dgm:rule type="primFontSz" val="5" fact="NaN" max="NaN"/>
+                          </dgm:ruleLst>
+                        </dgm:layoutNode>
+                        <dgm:layoutNode name="FiveConn_2-3" styleLbl="fgAccFollowNode1">
+                          <dgm:varLst>
+                            <dgm:bulletEnabled val="1"/>
+                          </dgm:varLst>
+                          <dgm:alg type="tx"/>
+                          <dgm:shape xmlns:r="http://schemas.openxmlformats.org/officeDocument/2006/relationships" type="downArrow" r:blip="">
+                            <dgm:adjLst>
+                              <dgm:adj idx="1" val="0.55"/>
+                              <dgm:adj idx="2" val="0.45"/>
+                            </dgm:adjLst>
+                          </dgm:shape>
+                          <dgm:presOf axis="ch" ptType="sibTrans" st="2" cnt="1"/>
+                          <dgm:constrLst>
+                            <dgm:constr type="lMarg" refType="primFontSz" fact="0.1"/>
+                            <dgm:constr type="rMarg" refType="primFontSz" fact="0.1"/>
+                            <dgm:constr type="tMarg" refType="primFontSz" fact="0.1"/>
+                            <dgm:constr type="bMarg" refType="primFontSz" fact="0.1"/>
+                          </dgm:constrLst>
+                          <dgm:ruleLst>
+                            <dgm:rule type="primFontSz" val="5" fact="NaN" max="NaN"/>
+                          </dgm:ruleLst>
+                        </dgm:layoutNode>
+                        <dgm:layoutNode name="FiveConn_3-4" styleLbl="fgAccFollowNode1">
+                          <dgm:varLst>
+                            <dgm:bulletEnabled val="1"/>
+                          </dgm:varLst>
+                          <dgm:alg type="tx"/>
+                          <dgm:shape xmlns:r="http://schemas.openxmlformats.org/officeDocument/2006/relationships" type="downArrow" r:blip="">
+                            <dgm:adjLst>
+                              <dgm:adj idx="1" val="0.55"/>
+                              <dgm:adj idx="2" val="0.45"/>
+                            </dgm:adjLst>
+                          </dgm:shape>
+                          <dgm:presOf axis="ch" ptType="sibTrans" st="3" cnt="1"/>
+                          <dgm:constrLst>
+                            <dgm:constr type="lMarg" refType="primFontSz" fact="0.1"/>
+                            <dgm:constr type="rMarg" refType="primFontSz" fact="0.1"/>
+                            <dgm:constr type="tMarg" refType="primFontSz" fact="0.1"/>
+                            <dgm:constr type="bMarg" refType="primFontSz" fact="0.1"/>
+                          </dgm:constrLst>
+                          <dgm:ruleLst>
+                            <dgm:rule type="primFontSz" val="5" fact="NaN" max="NaN"/>
+                          </dgm:ruleLst>
+                        </dgm:layoutNode>
+                        <dgm:layoutNode name="FiveConn_4-5" styleLbl="fgAccFollowNode1">
+                          <dgm:varLst>
+                            <dgm:bulletEnabled val="1"/>
+                          </dgm:varLst>
+                          <dgm:alg type="tx"/>
+                          <dgm:shape xmlns:r="http://schemas.openxmlformats.org/officeDocument/2006/relationships" type="downArrow" r:blip="">
+                            <dgm:adjLst>
+                              <dgm:adj idx="1" val="0.55"/>
+                              <dgm:adj idx="2" val="0.45"/>
+                            </dgm:adjLst>
+                          </dgm:shape>
+                          <dgm:presOf axis="ch" ptType="sibTrans" st="4" cnt="1"/>
+                          <dgm:constrLst>
+                            <dgm:constr type="lMarg" refType="primFontSz" fact="0.1"/>
+                            <dgm:constr type="rMarg" refType="primFontSz" fact="0.1"/>
+                            <dgm:constr type="tMarg" refType="primFontSz" fact="0.1"/>
+                            <dgm:constr type="bMarg" refType="primFontSz" fact="0.1"/>
+                          </dgm:constrLst>
+                          <dgm:ruleLst>
+                            <dgm:rule type="primFontSz" val="5" fact="NaN" max="NaN"/>
+                          </dgm:ruleLst>
+                        </dgm:layoutNode>
+                        <dgm:layoutNode name="FiveNodes_1_text">
+                          <dgm:varLst>
+                            <dgm:bulletEnabled val="1"/>
+                          </dgm:varLst>
+                          <dgm:alg type="tx">
+                            <dgm:param type="parTxLTRAlign" val="l"/>
+                            <dgm:param type="txAnchorVertCh" val="mid"/>
+                          </dgm:alg>
+                          <dgm:shape xmlns:r="http://schemas.openxmlformats.org/officeDocument/2006/relationships" type="roundRect" r:blip="" hideGeom="1">
+                            <dgm:adjLst>
+                              <dgm:adj idx="1" val="0.1"/>
+                            </dgm:adjLst>
+                          </dgm:shape>
+                          <dgm:presOf axis="ch desOrSelf" ptType="node node" st="1 1" cnt="1 0"/>
+                          <dgm:constrLst>
+                            <dgm:constr type="lMarg" refType="primFontSz" fact="0.3"/>
+                            <dgm:constr type="rMarg" refType="primFontSz" fact="0.3"/>
+                            <dgm:constr type="tMarg" refType="primFontSz" fact="0.3"/>
+                            <dgm:constr type="bMarg" refType="primFontSz" fact="0.3"/>
+                          </dgm:constrLst>
+                          <dgm:ruleLst>
+                            <dgm:rule type="primFontSz" val="5" fact="NaN" max="NaN"/>
+                          </dgm:ruleLst>
+                        </dgm:layoutNode>
+                        <dgm:layoutNode name="FiveNodes_2_text">
+                          <dgm:varLst>
+                            <dgm:bulletEnabled val="1"/>
+                          </dgm:varLst>
+                          <dgm:alg type="tx">
+                            <dgm:param type="parTxLTRAlign" val="l"/>
+                            <dgm:param type="txAnchorVertCh" val="mid"/>
+                          </dgm:alg>
+                          <dgm:shape xmlns:r="http://schemas.openxmlformats.org/officeDocument/2006/relationships" type="roundRect" r:blip="" hideGeom="1">
+                            <dgm:adjLst>
+                              <dgm:adj idx="1" val="0.1"/>
+                            </dgm:adjLst>
+                          </dgm:shape>
+                          <dgm:presOf axis="ch desOrSelf" ptType="node node" st="2 1" cnt="1 0"/>
+                          <dgm:constrLst>
+                            <dgm:constr type="lMarg" refType="primFontSz" fact="0.3"/>
+                            <dgm:constr type="rMarg" refType="primFontSz" fact="0.3"/>
+                            <dgm:constr type="tMarg" refType="primFontSz" fact="0.3"/>
+                            <dgm:constr type="bMarg" refType="primFontSz" fact="0.3"/>
+                          </dgm:constrLst>
+                          <dgm:ruleLst>
+                            <dgm:rule type="primFontSz" val="5" fact="NaN" max="NaN"/>
+                          </dgm:ruleLst>
+                        </dgm:layoutNode>
+                        <dgm:layoutNode name="FiveNodes_3_text">
+                          <dgm:varLst>
+                            <dgm:bulletEnabled val="1"/>
+                          </dgm:varLst>
+                          <dgm:alg type="tx">
+                            <dgm:param type="parTxLTRAlign" val="l"/>
+                            <dgm:param type="txAnchorVertCh" val="mid"/>
+                          </dgm:alg>
+                          <dgm:shape xmlns:r="http://schemas.openxmlformats.org/officeDocument/2006/relationships" type="roundRect" r:blip="" hideGeom="1">
+                            <dgm:adjLst>
+                              <dgm:adj idx="1" val="0.1"/>
+                            </dgm:adjLst>
+                          </dgm:shape>
+                          <dgm:presOf axis="ch desOrSelf" ptType="node node" st="3 1" cnt="1 0"/>
+                          <dgm:constrLst>
+                            <dgm:constr type="lMarg" refType="primFontSz" fact="0.3"/>
+                            <dgm:constr type="rMarg" refType="primFontSz" fact="0.3"/>
+                            <dgm:constr type="tMarg" refType="primFontSz" fact="0.3"/>
+                            <dgm:constr type="bMarg" refType="primFontSz" fact="0.3"/>
+                          </dgm:constrLst>
+                          <dgm:ruleLst>
+                            <dgm:rule type="primFontSz" val="5" fact="NaN" max="NaN"/>
+                          </dgm:ruleLst>
+                        </dgm:layoutNode>
+                        <dgm:layoutNode name="FiveNodes_4_text">
+                          <dgm:varLst>
+                            <dgm:bulletEnabled val="1"/>
+                          </dgm:varLst>
+                          <dgm:alg type="tx">
+                            <dgm:param type="parTxLTRAlign" val="l"/>
+                            <dgm:param type="txAnchorVertCh" val="mid"/>
+                          </dgm:alg>
+                          <dgm:shape xmlns:r="http://schemas.openxmlformats.org/officeDocument/2006/relationships" type="roundRect" r:blip="" hideGeom="1">
+                            <dgm:adjLst>
+                              <dgm:adj idx="1" val="0.1"/>
+                            </dgm:adjLst>
+                          </dgm:shape>
+                          <dgm:presOf axis="ch desOrSelf" ptType="node node" st="4 1" cnt="1 0"/>
+                          <dgm:constrLst>
+                            <dgm:constr type="lMarg" refType="primFontSz" fact="0.3"/>
+                            <dgm:constr type="rMarg" refType="primFontSz" fact="0.3"/>
+                            <dgm:constr type="tMarg" refType="primFontSz" fact="0.3"/>
+                            <dgm:constr type="bMarg" refType="primFontSz" fact="0.3"/>
+                          </dgm:constrLst>
+                          <dgm:ruleLst>
+                            <dgm:rule type="primFontSz" val="5" fact="NaN" max="NaN"/>
+                          </dgm:ruleLst>
+                        </dgm:layoutNode>
+                        <dgm:layoutNode name="FiveNodes_5_text">
+                          <dgm:varLst>
+                            <dgm:bulletEnabled val="1"/>
+                          </dgm:varLst>
+                          <dgm:alg type="tx">
+                            <dgm:param type="parTxLTRAlign" val="l"/>
+                            <dgm:param type="txAnchorVertCh" val="mid"/>
+                          </dgm:alg>
+                          <dgm:shape xmlns:r="http://schemas.openxmlformats.org/officeDocument/2006/relationships" type="roundRect" r:blip="" hideGeom="1">
+                            <dgm:adjLst>
+                              <dgm:adj idx="1" val="0.1"/>
+                            </dgm:adjLst>
+                          </dgm:shape>
+                          <dgm:presOf axis="ch desOrSelf" ptType="node node" st="5 1" cnt="1 0"/>
+                          <dgm:constrLst>
+                            <dgm:constr type="lMarg" refType="primFontSz" fact="0.3"/>
+                            <dgm:constr type="rMarg" refType="primFontSz" fact="0.3"/>
+                            <dgm:constr type="tMarg" refType="primFontSz" fact="0.3"/>
+                            <dgm:constr type="bMarg" refType="primFontSz" fact="0.3"/>
+                          </dgm:constrLst>
+                          <dgm:ruleLst>
+                            <dgm:rule type="primFontSz" val="5" fact="NaN" max="NaN"/>
+                          </dgm:ruleLst>
+                        </dgm:layoutNode>
+                      </dgm:if>
+                      <dgm:else name="Name17"/>
+                    </dgm:choose>
+                  </dgm:else>
+                </dgm:choose>
+              </dgm:else>
+            </dgm:choose>
+          </dgm:else>
+        </dgm:choose>
+      </dgm:else>
+    </dgm:choose>
   </dgm:layoutNode>
-  <dgm:extLst>
-    <a:ext uri="{68A01E43-0DF5-4B5B-8FA6-DAF915123BFB}">
-      <dgm1612:lstStyle xmlns:dgm1612="http://schemas.microsoft.com/office/drawing/2016/12/diagram">
-        <a:lvl1pPr>
-          <a:lnSpc>
-            <a:spcPct val="100000"/>
-          </a:lnSpc>
-        </a:lvl1pPr>
-      </dgm1612:lstStyle>
-    </a:ext>
-  </dgm:extLst>
 </dgm:layoutDef>
 </file>
 
@@ -12533,7 +13616,7 @@
           <a:p>
             <a:fld id="{D264E860-8F31-4054-A493-E34C98AAD2AE}" type="datetimeFigureOut">
               <a:rPr lang="en-US" smtClean="0"/>
-              <a:t>9/26/2023</a:t>
+              <a:t>9/27/2023</a:t>
             </a:fld>
             <a:endParaRPr lang="en-US"/>
           </a:p>
@@ -12878,7 +13961,91 @@
     </p:spTree>
     <p:extLst>
       <p:ext uri="{BB962C8B-B14F-4D97-AF65-F5344CB8AC3E}">
-        <p14:creationId xmlns:p14="http://schemas.microsoft.com/office/powerpoint/2010/main" val="1443836332"/>
+        <p14:creationId xmlns:p14="http://schemas.microsoft.com/office/powerpoint/2010/main" val="573624575"/>
+      </p:ext>
+    </p:extLst>
+  </p:cSld>
+  <p:clrMapOvr>
+    <a:masterClrMapping/>
+  </p:clrMapOvr>
+</p:notes>
+</file>
+
+<file path=ppt/notesSlides/notesSlide10.xml><?xml version="1.0" encoding="utf-8"?>
+<p:notes xmlns:a="http://schemas.openxmlformats.org/drawingml/2006/main" xmlns:r="http://schemas.openxmlformats.org/officeDocument/2006/relationships" xmlns:p="http://schemas.openxmlformats.org/presentationml/2006/main">
+  <p:cSld>
+    <p:spTree>
+      <p:nvGrpSpPr>
+        <p:cNvPr id="1" name=""/>
+        <p:cNvGrpSpPr/>
+        <p:nvPr/>
+      </p:nvGrpSpPr>
+      <p:grpSpPr>
+        <a:xfrm>
+          <a:off x="0" y="0"/>
+          <a:ext cx="0" cy="0"/>
+          <a:chOff x="0" y="0"/>
+          <a:chExt cx="0" cy="0"/>
+        </a:xfrm>
+      </p:grpSpPr>
+      <p:sp>
+        <p:nvSpPr>
+          <p:cNvPr id="2" name="Slide Image Placeholder 1"/>
+          <p:cNvSpPr>
+            <a:spLocks noGrp="1" noRot="1" noChangeAspect="1"/>
+          </p:cNvSpPr>
+          <p:nvPr>
+            <p:ph type="sldImg"/>
+          </p:nvPr>
+        </p:nvSpPr>
+        <p:spPr/>
+      </p:sp>
+      <p:sp>
+        <p:nvSpPr>
+          <p:cNvPr id="3" name="Notes Placeholder 2"/>
+          <p:cNvSpPr>
+            <a:spLocks noGrp="1"/>
+          </p:cNvSpPr>
+          <p:nvPr>
+            <p:ph type="body" idx="1"/>
+          </p:nvPr>
+        </p:nvSpPr>
+        <p:spPr/>
+        <p:txBody>
+          <a:bodyPr/>
+          <a:lstStyle/>
+          <a:p>
+            <a:endParaRPr lang="en-US"/>
+          </a:p>
+        </p:txBody>
+      </p:sp>
+      <p:sp>
+        <p:nvSpPr>
+          <p:cNvPr id="4" name="Slide Number Placeholder 3"/>
+          <p:cNvSpPr>
+            <a:spLocks noGrp="1"/>
+          </p:cNvSpPr>
+          <p:nvPr>
+            <p:ph type="sldNum" sz="quarter" idx="5"/>
+          </p:nvPr>
+        </p:nvSpPr>
+        <p:spPr/>
+        <p:txBody>
+          <a:bodyPr/>
+          <a:lstStyle/>
+          <a:p>
+            <a:fld id="{E1D6255D-54B9-4E44-8DC1-E4F8B15F530F}" type="slidenum">
+              <a:rPr lang="en-US" smtClean="0"/>
+              <a:t>13</a:t>
+            </a:fld>
+            <a:endParaRPr lang="en-US"/>
+          </a:p>
+        </p:txBody>
+      </p:sp>
+    </p:spTree>
+    <p:extLst>
+      <p:ext uri="{BB962C8B-B14F-4D97-AF65-F5344CB8AC3E}">
+        <p14:creationId xmlns:p14="http://schemas.microsoft.com/office/powerpoint/2010/main" val="601734619"/>
       </p:ext>
     </p:extLst>
   </p:cSld>
@@ -12966,7 +14133,7 @@
     </p:spTree>
     <p:extLst>
       <p:ext uri="{BB962C8B-B14F-4D97-AF65-F5344CB8AC3E}">
-        <p14:creationId xmlns:p14="http://schemas.microsoft.com/office/powerpoint/2010/main" val="4005500927"/>
+        <p14:creationId xmlns:p14="http://schemas.microsoft.com/office/powerpoint/2010/main" val="1443836332"/>
       </p:ext>
     </p:extLst>
   </p:cSld>
@@ -13021,7 +14188,7 @@
           <a:lstStyle/>
           <a:p>
             <a:r>
-              <a:rPr lang="en-US"/>
+              <a:rPr lang="en-US" dirty="0"/>
               <a:t>Key take away is that that ML is able to abstract the body of a function in a unique way, and using this custom function, many complex problems can be tackled in ways they could have been approached before</a:t>
             </a:r>
           </a:p>
@@ -13108,11 +14275,11 @@
           <a:lstStyle/>
           <a:p>
             <a:r>
-              <a:rPr lang="en-US"/>
+              <a:rPr lang="en-US" dirty="0"/>
               <a:t>Definition: </a:t>
             </a:r>
             <a:r>
-              <a:rPr lang="en-US" sz="1200" b="0" i="0" kern="1200">
+              <a:rPr lang="en-US" sz="1200" b="0" i="0" kern="1200" dirty="0">
                 <a:solidFill>
                   <a:schemeClr val="tx1"/>
                 </a:solidFill>
@@ -13123,21 +14290,6 @@
               </a:rPr>
               <a:t>Machine learning is a field of artificial intelligence that uses statistical techniques to give computer systems the ability to "learn" from data, without being explicitly programmed</a:t>
             </a:r>
-          </a:p>
-          <a:p>
-            <a:r>
-              <a:rPr lang="en-US" sz="1200" b="0" i="0" kern="1200">
-                <a:solidFill>
-                  <a:schemeClr val="tx1"/>
-                </a:solidFill>
-                <a:effectLst/>
-                <a:latin typeface="+mn-lt"/>
-                <a:ea typeface="+mn-ea"/>
-                <a:cs typeface="+mn-cs"/>
-              </a:rPr>
-              <a:t>Before we go into these math equations, I will introduce the neural network structure</a:t>
-            </a:r>
-            <a:endParaRPr lang="en-US"/>
           </a:p>
         </p:txBody>
       </p:sp>
@@ -13309,39 +14461,39 @@
           <a:lstStyle/>
           <a:p>
             <a:r>
-              <a:rPr lang="en-US">
+              <a:rPr lang="en-US" dirty="0">
                 <a:cs typeface="Calibri"/>
               </a:rPr>
               <a:t>Within Supervised Learning, there are 2 main types, Classification and Regression - (explain what is on slides (Regression usually deals with numbers, and classification tends to deal with Labels as shown in the graph))</a:t>
             </a:r>
           </a:p>
           <a:p>
-            <a:endParaRPr lang="en-US">
+            <a:endParaRPr lang="en-US" dirty="0">
               <a:cs typeface="Calibri"/>
             </a:endParaRPr>
           </a:p>
           <a:p>
             <a:r>
-              <a:rPr lang="en-US">
+              <a:rPr lang="en-US" dirty="0">
                 <a:cs typeface="Calibri"/>
               </a:rPr>
               <a:t>Talk about how the graphs differ from each other (</a:t>
             </a:r>
             <a:r>
-              <a:rPr lang="en-US" err="1">
+              <a:rPr lang="en-US" dirty="0" err="1">
                 <a:cs typeface="Calibri"/>
               </a:rPr>
               <a:t>Classificatoin</a:t>
             </a:r>
             <a:r>
-              <a:rPr lang="en-US">
+              <a:rPr lang="en-US" dirty="0">
                 <a:cs typeface="Calibri"/>
               </a:rPr>
               <a:t> groups the data into separate groups, Regression forms a linear pattern between the data also known as linear regression)</a:t>
             </a:r>
           </a:p>
           <a:p>
-            <a:endParaRPr lang="en-US">
+            <a:endParaRPr lang="en-US" dirty="0">
               <a:cs typeface="Calibri"/>
             </a:endParaRPr>
           </a:p>
@@ -13828,7 +14980,7 @@
           <a:p>
             <a:fld id="{E7A722B3-22F4-4B05-8985-87A59CBAA03B}" type="datetimeFigureOut">
               <a:rPr lang="en-US" smtClean="0"/>
-              <a:t>9/26/2023</a:t>
+              <a:t>9/27/2023</a:t>
             </a:fld>
             <a:endParaRPr lang="en-US"/>
           </a:p>
@@ -14156,7 +15308,7 @@
           <a:p>
             <a:fld id="{E7A722B3-22F4-4B05-8985-87A59CBAA03B}" type="datetimeFigureOut">
               <a:rPr lang="en-US" smtClean="0"/>
-              <a:t>9/26/2023</a:t>
+              <a:t>9/27/2023</a:t>
             </a:fld>
             <a:endParaRPr lang="en-US"/>
           </a:p>
@@ -14334,7 +15486,7 @@
           <a:p>
             <a:fld id="{E7A722B3-22F4-4B05-8985-87A59CBAA03B}" type="datetimeFigureOut">
               <a:rPr lang="en-US" smtClean="0"/>
-              <a:t>9/26/2023</a:t>
+              <a:t>9/27/2023</a:t>
             </a:fld>
             <a:endParaRPr lang="en-US"/>
           </a:p>
@@ -14502,7 +15654,7 @@
           <a:p>
             <a:fld id="{E7A722B3-22F4-4B05-8985-87A59CBAA03B}" type="datetimeFigureOut">
               <a:rPr lang="en-US" smtClean="0"/>
-              <a:t>9/26/2023</a:t>
+              <a:t>9/27/2023</a:t>
             </a:fld>
             <a:endParaRPr lang="en-US"/>
           </a:p>
@@ -14778,7 +15930,7 @@
           <a:p>
             <a:fld id="{E7A722B3-22F4-4B05-8985-87A59CBAA03B}" type="datetimeFigureOut">
               <a:rPr lang="en-US" smtClean="0"/>
-              <a:t>9/26/2023</a:t>
+              <a:t>9/27/2023</a:t>
             </a:fld>
             <a:endParaRPr lang="en-US"/>
           </a:p>
@@ -15169,7 +16321,7 @@
           <a:p>
             <a:fld id="{E7A722B3-22F4-4B05-8985-87A59CBAA03B}" type="datetimeFigureOut">
               <a:rPr lang="en-US" smtClean="0"/>
-              <a:t>9/26/2023</a:t>
+              <a:t>9/27/2023</a:t>
             </a:fld>
             <a:endParaRPr lang="en-US"/>
           </a:p>
@@ -15643,7 +16795,7 @@
           <a:p>
             <a:fld id="{E7A722B3-22F4-4B05-8985-87A59CBAA03B}" type="datetimeFigureOut">
               <a:rPr lang="en-US" smtClean="0"/>
-              <a:t>9/26/2023</a:t>
+              <a:t>9/27/2023</a:t>
             </a:fld>
             <a:endParaRPr lang="en-US"/>
           </a:p>
@@ -15760,7 +16912,7 @@
           <a:p>
             <a:fld id="{E7A722B3-22F4-4B05-8985-87A59CBAA03B}" type="datetimeFigureOut">
               <a:rPr lang="en-US" smtClean="0"/>
-              <a:t>9/26/2023</a:t>
+              <a:t>9/27/2023</a:t>
             </a:fld>
             <a:endParaRPr lang="en-US"/>
           </a:p>
@@ -15855,7 +17007,7 @@
           <a:p>
             <a:fld id="{E7A722B3-22F4-4B05-8985-87A59CBAA03B}" type="datetimeFigureOut">
               <a:rPr lang="en-US" smtClean="0"/>
-              <a:t>9/26/2023</a:t>
+              <a:t>9/27/2023</a:t>
             </a:fld>
             <a:endParaRPr lang="en-US"/>
           </a:p>
@@ -16199,7 +17351,7 @@
           <a:p>
             <a:fld id="{E7A722B3-22F4-4B05-8985-87A59CBAA03B}" type="datetimeFigureOut">
               <a:rPr lang="en-US" smtClean="0"/>
-              <a:t>9/26/2023</a:t>
+              <a:t>9/27/2023</a:t>
             </a:fld>
             <a:endParaRPr lang="en-US"/>
           </a:p>
@@ -16585,7 +17737,7 @@
           <a:p>
             <a:fld id="{E7A722B3-22F4-4B05-8985-87A59CBAA03B}" type="datetimeFigureOut">
               <a:rPr lang="en-US" smtClean="0"/>
-              <a:t>9/26/2023</a:t>
+              <a:t>9/27/2023</a:t>
             </a:fld>
             <a:endParaRPr lang="en-US"/>
           </a:p>
@@ -16861,7 +18013,7 @@
           <a:p>
             <a:fld id="{E7A722B3-22F4-4B05-8985-87A59CBAA03B}" type="datetimeFigureOut">
               <a:rPr lang="en-US" smtClean="0"/>
-              <a:t>9/26/2023</a:t>
+              <a:t>9/27/2023</a:t>
             </a:fld>
             <a:endParaRPr lang="en-US"/>
           </a:p>
@@ -18117,8 +19269,8 @@
           <a:lstStyle/>
           <a:p>
             <a:r>
-              <a:rPr lang="en-US"/>
-              <a:t>Resources / Sources</a:t>
+              <a:rPr lang="en-US" dirty="0"/>
+              <a:t>Kahoot</a:t>
             </a:r>
           </a:p>
         </p:txBody>
@@ -18141,8 +19293,8 @@
         </p:nvSpPr>
         <p:spPr>
           <a:xfrm>
-            <a:off x="1371600" y="1916482"/>
-            <a:ext cx="9601200" cy="3950918"/>
+            <a:off x="1371600" y="2171700"/>
+            <a:ext cx="9601200" cy="3252019"/>
           </a:xfrm>
         </p:spPr>
         <p:txBody>
@@ -18155,30 +19307,18 @@
               <a:buNone/>
             </a:pPr>
             <a:r>
-              <a:rPr lang="en-US"/>
-              <a:t>Any sources we used or resources recommended for them to continue learning on their own before our next workshop if they wish to do so.</a:t>
+              <a:rPr lang="en-US" dirty="0">
+                <a:hlinkClick r:id="rId3"/>
+              </a:rPr>
+              <a:t>https://create.kahoot.it/details/b2dff570-fc7c-48d0-b34a-f5dbccaad77e</a:t>
             </a:r>
+            <a:endParaRPr lang="en-US" dirty="0"/>
           </a:p>
           <a:p>
             <a:pPr marL="0" indent="0">
               <a:buNone/>
             </a:pPr>
-            <a:r>
-              <a:rPr lang="en-US">
-                <a:ea typeface="+mn-lt"/>
-                <a:cs typeface="+mn-lt"/>
-                <a:hlinkClick r:id="rId3"/>
-              </a:rPr>
-              <a:t>https://www.analyticsvidhya.com/blog/2019/08/11-important-model-evaluation-error-metrics/</a:t>
-            </a:r>
-            <a:r>
-              <a:rPr lang="en-US">
-                <a:ea typeface="+mn-lt"/>
-                <a:cs typeface="+mn-lt"/>
-              </a:rPr>
-              <a:t> - Blog post for Evaluation Metrics</a:t>
-            </a:r>
-            <a:endParaRPr lang="en-US"/>
+            <a:endParaRPr lang="en-US" dirty="0"/>
           </a:p>
         </p:txBody>
       </p:sp>
@@ -18217,7 +19357,7 @@
           <p:cNvPr id="2" name="Title 1">
             <a:extLst>
               <a:ext uri="{FF2B5EF4-FFF2-40B4-BE49-F238E27FC236}">
-                <a16:creationId xmlns:a16="http://schemas.microsoft.com/office/drawing/2014/main" id="{ADE51BEC-6C2D-4505-8A92-3AFFD720F259}"/>
+                <a16:creationId xmlns:a16="http://schemas.microsoft.com/office/drawing/2014/main" id="{CE032A76-CBBD-4A1F-B2C8-29F7AE557763}"/>
               </a:ext>
             </a:extLst>
           </p:cNvPr>
@@ -18234,12 +19374,180 @@
           <a:lstStyle/>
           <a:p>
             <a:r>
-              <a:rPr lang="en-US"/>
+              <a:rPr lang="en-US" dirty="0"/>
+              <a:t>Resources</a:t>
+            </a:r>
+          </a:p>
+        </p:txBody>
+      </p:sp>
+      <p:sp>
+        <p:nvSpPr>
+          <p:cNvPr id="3" name="Content Placeholder 2">
+            <a:extLst>
+              <a:ext uri="{FF2B5EF4-FFF2-40B4-BE49-F238E27FC236}">
+                <a16:creationId xmlns:a16="http://schemas.microsoft.com/office/drawing/2014/main" id="{9434FAC3-8292-4795-9BEC-A8345EC22E61}"/>
+              </a:ext>
+            </a:extLst>
+          </p:cNvPr>
+          <p:cNvSpPr>
+            <a:spLocks noGrp="1"/>
+          </p:cNvSpPr>
+          <p:nvPr>
+            <p:ph idx="1"/>
+          </p:nvPr>
+        </p:nvSpPr>
+        <p:spPr>
+          <a:xfrm>
+            <a:off x="1371600" y="2171700"/>
+            <a:ext cx="9601200" cy="3252019"/>
+          </a:xfrm>
+        </p:spPr>
+        <p:txBody>
+          <a:bodyPr vert="horz" lIns="91440" tIns="45720" rIns="91440" bIns="45720" rtlCol="0" anchor="t">
+            <a:normAutofit/>
+          </a:bodyPr>
+          <a:lstStyle/>
+          <a:p>
+            <a:pPr marL="0" indent="0">
+              <a:buNone/>
+            </a:pPr>
+            <a:r>
+              <a:rPr lang="en-US" dirty="0">
+                <a:ea typeface="+mn-lt"/>
+                <a:cs typeface="+mn-lt"/>
+                <a:hlinkClick r:id="rId3"/>
+              </a:rPr>
+              <a:t>https://www.analyticsvidhya.com/blog/2019/08/11-important-model-evaluation-error-metrics/</a:t>
+            </a:r>
+            <a:r>
+              <a:rPr lang="en-US" dirty="0">
+                <a:ea typeface="+mn-lt"/>
+                <a:cs typeface="+mn-lt"/>
+              </a:rPr>
+              <a:t> - Blog post for Evaluation Metrics</a:t>
+            </a:r>
+            <a:endParaRPr lang="en-US" dirty="0"/>
+          </a:p>
+        </p:txBody>
+      </p:sp>
+    </p:spTree>
+    <p:extLst>
+      <p:ext uri="{BB962C8B-B14F-4D97-AF65-F5344CB8AC3E}">
+        <p14:creationId xmlns:p14="http://schemas.microsoft.com/office/powerpoint/2010/main" val="3339329887"/>
+      </p:ext>
+    </p:extLst>
+  </p:cSld>
+  <p:clrMapOvr>
+    <a:masterClrMapping/>
+  </p:clrMapOvr>
+</p:sld>
+</file>
+
+<file path=ppt/slides/slide14.xml><?xml version="1.0" encoding="utf-8"?>
+<p:sld xmlns:a="http://schemas.openxmlformats.org/drawingml/2006/main" xmlns:r="http://schemas.openxmlformats.org/officeDocument/2006/relationships" xmlns:p="http://schemas.openxmlformats.org/presentationml/2006/main">
+  <p:cSld>
+    <p:bg>
+      <p:bgPr>
+        <a:solidFill>
+          <a:schemeClr val="bg2"/>
+        </a:solidFill>
+        <a:effectLst/>
+      </p:bgPr>
+    </p:bg>
+    <p:spTree>
+      <p:nvGrpSpPr>
+        <p:cNvPr id="1" name=""/>
+        <p:cNvGrpSpPr/>
+        <p:nvPr/>
+      </p:nvGrpSpPr>
+      <p:grpSpPr>
+        <a:xfrm>
+          <a:off x="0" y="0"/>
+          <a:ext cx="0" cy="0"/>
+          <a:chOff x="0" y="0"/>
+          <a:chExt cx="0" cy="0"/>
+        </a:xfrm>
+      </p:grpSpPr>
+      <p:sp>
+        <p:nvSpPr>
+          <p:cNvPr id="2" name="Title 1">
+            <a:extLst>
+              <a:ext uri="{FF2B5EF4-FFF2-40B4-BE49-F238E27FC236}">
+                <a16:creationId xmlns:a16="http://schemas.microsoft.com/office/drawing/2014/main" id="{ADE51BEC-6C2D-4505-8A92-3AFFD720F259}"/>
+              </a:ext>
+            </a:extLst>
+          </p:cNvPr>
+          <p:cNvSpPr>
+            <a:spLocks noGrp="1"/>
+          </p:cNvSpPr>
+          <p:nvPr>
+            <p:ph type="title"/>
+          </p:nvPr>
+        </p:nvSpPr>
+        <p:spPr>
+          <a:xfrm>
+            <a:off x="1734779" y="685800"/>
+            <a:ext cx="9886950" cy="1485900"/>
+          </a:xfrm>
+        </p:spPr>
+        <p:txBody>
+          <a:bodyPr>
+            <a:normAutofit/>
+          </a:bodyPr>
+          <a:lstStyle/>
+          <a:p>
+            <a:r>
+              <a:rPr lang="en-US" dirty="0"/>
               <a:t>Feedback </a:t>
             </a:r>
           </a:p>
         </p:txBody>
       </p:sp>
+      <p:pic>
+        <p:nvPicPr>
+          <p:cNvPr id="1030" name="Picture 6">
+            <a:extLst>
+              <a:ext uri="{FF2B5EF4-FFF2-40B4-BE49-F238E27FC236}">
+                <a16:creationId xmlns:a16="http://schemas.microsoft.com/office/drawing/2014/main" id="{2A82E853-EA0C-2558-3D7A-044E54DE580E}"/>
+              </a:ext>
+            </a:extLst>
+          </p:cNvPr>
+          <p:cNvPicPr>
+            <a:picLocks noChangeAspect="1" noChangeArrowheads="1"/>
+          </p:cNvPicPr>
+          <p:nvPr/>
+        </p:nvPicPr>
+        <p:blipFill rotWithShape="1">
+          <a:blip r:embed="rId2">
+            <a:extLst>
+              <a:ext uri="{28A0092B-C50C-407E-A947-70E740481C1C}">
+                <a14:useLocalDpi xmlns:a14="http://schemas.microsoft.com/office/drawing/2010/main" val="0"/>
+              </a:ext>
+            </a:extLst>
+          </a:blip>
+          <a:srcRect l="3563" r="3802" b="3"/>
+          <a:stretch/>
+        </p:blipFill>
+        <p:spPr bwMode="auto">
+          <a:xfrm>
+            <a:off x="914400" y="1609488"/>
+            <a:ext cx="4090219" cy="4415228"/>
+          </a:xfrm>
+          <a:prstGeom prst="rect">
+            <a:avLst/>
+          </a:prstGeom>
+          <a:noFill/>
+          <a:extLst>
+            <a:ext uri="{909E8E84-426E-40DD-AFC4-6F175D3DCCD1}">
+              <a14:hiddenFill xmlns:a14="http://schemas.microsoft.com/office/drawing/2010/main">
+                <a:solidFill>
+                  <a:srgbClr val="FFFFFF"/>
+                </a:solidFill>
+              </a14:hiddenFill>
+            </a:ext>
+          </a:extLst>
+        </p:spPr>
+      </p:pic>
       <p:sp>
         <p:nvSpPr>
           <p:cNvPr id="3" name="Content Placeholder 2">
@@ -18256,50 +19564,44 @@
             <p:ph idx="1"/>
           </p:nvPr>
         </p:nvSpPr>
-        <p:spPr/>
+        <p:spPr>
+          <a:xfrm>
+            <a:off x="5100824" y="2286000"/>
+            <a:ext cx="6924028" cy="3581400"/>
+          </a:xfrm>
+        </p:spPr>
         <p:txBody>
-          <a:bodyPr/>
+          <a:bodyPr>
+            <a:normAutofit/>
+          </a:bodyPr>
           <a:lstStyle/>
           <a:p>
             <a:pPr marL="0" indent="0">
               <a:buNone/>
             </a:pPr>
-            <a:r>
-              <a:rPr lang="en-US"/>
-              <a:t>Links: </a:t>
-            </a:r>
+            <a:endParaRPr lang="en-US" dirty="0"/>
           </a:p>
           <a:p>
             <a:r>
-              <a:rPr lang="en-US"/>
-              <a:t>** QR CODE TO MICROSOFT FEEDBACK FORM **</a:t>
+              <a:rPr lang="en-US" dirty="0">
+                <a:hlinkClick r:id="rId3"/>
+              </a:rPr>
+              <a:t>https://github.com/ConnorUsaty/MacAIEducation2023</a:t>
             </a:r>
-          </a:p>
-          <a:p>
-            <a:r>
-              <a:rPr lang="en-US"/>
-              <a:t>**MAKE REPO &amp; LINK HERE**</a:t>
-            </a:r>
+            <a:endParaRPr lang="en-US" dirty="0"/>
           </a:p>
           <a:p>
             <a:pPr lvl="1"/>
             <a:r>
-              <a:rPr lang="en-US"/>
+              <a:rPr lang="en-US" dirty="0"/>
               <a:t> Star the repo so you can easily access it</a:t>
             </a:r>
           </a:p>
           <a:p>
             <a:pPr lvl="1"/>
             <a:r>
-              <a:rPr lang="en-US"/>
+              <a:rPr lang="en-US" dirty="0"/>
               <a:t>Check it for updates and solutions to tutorial exercises</a:t>
-            </a:r>
-          </a:p>
-          <a:p>
-            <a:pPr lvl="1"/>
-            <a:r>
-              <a:rPr lang="en-US"/>
-              <a:t>Resources folder for relevant course and articles</a:t>
             </a:r>
           </a:p>
         </p:txBody>
@@ -18394,7 +19696,7 @@
             <p:ph idx="1"/>
             <p:extLst>
               <p:ext uri="{D42A27DB-BD31-4B8C-83A1-F6EECF244321}">
-                <p14:modId xmlns:p14="http://schemas.microsoft.com/office/powerpoint/2010/main" val="3705322085"/>
+                <p14:modId xmlns:p14="http://schemas.microsoft.com/office/powerpoint/2010/main" val="61307824"/>
               </p:ext>
             </p:extLst>
           </p:nvPr>
@@ -18412,7 +19714,7 @@
     </p:spTree>
     <p:extLst>
       <p:ext uri="{BB962C8B-B14F-4D97-AF65-F5344CB8AC3E}">
-        <p14:creationId xmlns:p14="http://schemas.microsoft.com/office/powerpoint/2010/main" val="687091863"/>
+        <p14:creationId xmlns:p14="http://schemas.microsoft.com/office/powerpoint/2010/main" val="3620873201"/>
       </p:ext>
     </p:extLst>
   </p:cSld>
@@ -18499,7 +19801,7 @@
             <p:ph idx="1"/>
             <p:extLst>
               <p:ext uri="{D42A27DB-BD31-4B8C-83A1-F6EECF244321}">
-                <p14:modId xmlns:p14="http://schemas.microsoft.com/office/powerpoint/2010/main" val="4133083994"/>
+                <p14:modId xmlns:p14="http://schemas.microsoft.com/office/powerpoint/2010/main" val="3434004956"/>
               </p:ext>
             </p:extLst>
           </p:nvPr>
@@ -18517,7 +19819,7 @@
     </p:spTree>
     <p:extLst>
       <p:ext uri="{BB962C8B-B14F-4D97-AF65-F5344CB8AC3E}">
-        <p14:creationId xmlns:p14="http://schemas.microsoft.com/office/powerpoint/2010/main" val="1902598697"/>
+        <p14:creationId xmlns:p14="http://schemas.microsoft.com/office/powerpoint/2010/main" val="687091863"/>
       </p:ext>
     </p:extLst>
   </p:cSld>
@@ -18552,66 +19854,6 @@
           <a:chExt cx="0" cy="0"/>
         </a:xfrm>
       </p:grpSpPr>
-      <p:sp useBgFill="1">
-        <p:nvSpPr>
-          <p:cNvPr id="9" name="Rectangle 8">
-            <a:extLst>
-              <a:ext uri="{FF2B5EF4-FFF2-40B4-BE49-F238E27FC236}">
-                <a16:creationId xmlns:a16="http://schemas.microsoft.com/office/drawing/2014/main" id="{30BC9609-A8AF-411F-A9E0-C3B93C8945CA}"/>
-              </a:ext>
-              <a:ext uri="{C183D7F6-B498-43B3-948B-1728B52AA6E4}">
-                <adec:decorative xmlns:adec="http://schemas.microsoft.com/office/drawing/2017/decorative" val="1"/>
-              </a:ext>
-            </a:extLst>
-          </p:cNvPr>
-          <p:cNvSpPr>
-            <a:spLocks noGrp="1" noRot="1" noChangeAspect="1" noMove="1" noResize="1" noEditPoints="1" noAdjustHandles="1" noChangeArrowheads="1" noChangeShapeType="1" noTextEdit="1"/>
-          </p:cNvSpPr>
-          <p:nvPr>
-            <p:extLst>
-              <p:ext uri="{386F3935-93C4-4BCD-93E2-E3B085C9AB24}">
-                <p16:designElem xmlns:p16="http://schemas.microsoft.com/office/powerpoint/2015/main" val="1"/>
-              </p:ext>
-            </p:extLst>
-          </p:nvPr>
-        </p:nvSpPr>
-        <p:spPr>
-          <a:xfrm>
-            <a:off x="0" y="0"/>
-            <a:ext cx="12192000" cy="6858000"/>
-          </a:xfrm>
-          <a:prstGeom prst="rect">
-            <a:avLst/>
-          </a:prstGeom>
-          <a:ln>
-            <a:noFill/>
-          </a:ln>
-        </p:spPr>
-        <p:style>
-          <a:lnRef idx="2">
-            <a:schemeClr val="accent1">
-              <a:shade val="50000"/>
-            </a:schemeClr>
-          </a:lnRef>
-          <a:fillRef idx="1">
-            <a:schemeClr val="accent1"/>
-          </a:fillRef>
-          <a:effectRef idx="0">
-            <a:schemeClr val="accent1"/>
-          </a:effectRef>
-          <a:fontRef idx="minor">
-            <a:schemeClr val="lt1"/>
-          </a:fontRef>
-        </p:style>
-        <p:txBody>
-          <a:bodyPr rtlCol="0" anchor="ctr"/>
-          <a:lstStyle/>
-          <a:p>
-            <a:pPr algn="ctr"/>
-            <a:endParaRPr lang="en-US"/>
-          </a:p>
-        </p:txBody>
-      </p:sp>
       <p:sp>
         <p:nvSpPr>
           <p:cNvPr id="2" name="Title 1">
@@ -18630,20 +19872,19 @@
         </p:nvSpPr>
         <p:spPr>
           <a:xfrm>
-            <a:off x="640080" y="639704"/>
-            <a:ext cx="3299579" cy="5577840"/>
+            <a:off x="1371600" y="685800"/>
+            <a:ext cx="9601200" cy="1485900"/>
           </a:xfrm>
         </p:spPr>
         <p:txBody>
-          <a:bodyPr anchor="ctr">
+          <a:bodyPr>
             <a:normAutofit/>
           </a:bodyPr>
           <a:lstStyle/>
           <a:p>
-            <a:pPr algn="ctr"/>
             <a:r>
-              <a:rPr lang="en-US"/>
-              <a:t>Overview</a:t>
+              <a:rPr lang="en-US" dirty="0"/>
+              <a:t>Workshop Overview</a:t>
             </a:r>
           </a:p>
         </p:txBody>
@@ -18664,14 +19905,14 @@
             <p:ph idx="1"/>
             <p:extLst>
               <p:ext uri="{D42A27DB-BD31-4B8C-83A1-F6EECF244321}">
-                <p14:modId xmlns:p14="http://schemas.microsoft.com/office/powerpoint/2010/main" val="3668448386"/>
+                <p14:modId xmlns:p14="http://schemas.microsoft.com/office/powerpoint/2010/main" val="3242925952"/>
               </p:ext>
             </p:extLst>
           </p:nvPr>
         </p:nvGraphicFramePr>
         <p:xfrm>
-          <a:off x="4901472" y="639705"/>
-          <a:ext cx="6506304" cy="5577840"/>
+          <a:off x="1371600" y="2286000"/>
+          <a:ext cx="9601200" cy="3581400"/>
         </p:xfrm>
         <a:graphic>
           <a:graphicData uri="http://schemas.openxmlformats.org/drawingml/2006/diagram">
@@ -18759,54 +20000,54 @@
           <a:lstStyle/>
           <a:p>
             <a:r>
-              <a:rPr lang="en-US"/>
+              <a:rPr lang="en-US" dirty="0"/>
               <a:t>At its simplest, ML is pattern matching for function arguments</a:t>
             </a:r>
           </a:p>
           <a:p>
             <a:r>
-              <a:rPr lang="en-US"/>
+              <a:rPr lang="en-US" dirty="0"/>
               <a:t>Given some input X it needs to accurately predict F(X)</a:t>
             </a:r>
           </a:p>
           <a:p>
             <a:r>
-              <a:rPr lang="en-US"/>
+              <a:rPr lang="en-US" dirty="0"/>
               <a:t>Through accurate representation of the function, there are many possible implications/ use cases:</a:t>
             </a:r>
           </a:p>
           <a:p>
             <a:pPr lvl="1"/>
             <a:r>
-              <a:rPr lang="en-US"/>
+              <a:rPr lang="en-US" dirty="0"/>
               <a:t>Virtual Assistants</a:t>
             </a:r>
           </a:p>
           <a:p>
             <a:pPr lvl="1"/>
             <a:r>
-              <a:rPr lang="en-US"/>
+              <a:rPr lang="en-US" dirty="0"/>
               <a:t>Machine Vision (Object Detection/ Image Recognition)</a:t>
             </a:r>
           </a:p>
           <a:p>
             <a:pPr lvl="1"/>
             <a:r>
-              <a:rPr lang="en-US"/>
+              <a:rPr lang="en-US" dirty="0"/>
               <a:t>Pattern Replication in Art</a:t>
             </a:r>
           </a:p>
           <a:p>
             <a:pPr lvl="1"/>
             <a:r>
-              <a:rPr lang="en-US"/>
+              <a:rPr lang="en-US" dirty="0"/>
               <a:t>Market Prediction in Finance</a:t>
             </a:r>
           </a:p>
           <a:p>
             <a:pPr lvl="1"/>
             <a:r>
-              <a:rPr lang="en-US"/>
+              <a:rPr lang="en-US" dirty="0"/>
               <a:t>Etc.</a:t>
             </a:r>
           </a:p>
